--- a/Blatt-07/Präsentation_Blatt07_Aufgabe1.pptx
+++ b/Blatt-07/Präsentation_Blatt07_Aufgabe1.pptx
@@ -5,21 +5,25 @@
     <p:sldMasterId id="2147483648" r:id="rId1"/>
   </p:sldMasterIdLst>
   <p:notesMasterIdLst>
-    <p:notesMasterId r:id="rId14"/>
+    <p:notesMasterId r:id="rId18"/>
   </p:notesMasterIdLst>
   <p:sldIdLst>
     <p:sldId id="256" r:id="rId2"/>
     <p:sldId id="258" r:id="rId3"/>
     <p:sldId id="257" r:id="rId4"/>
     <p:sldId id="259" r:id="rId5"/>
-    <p:sldId id="260" r:id="rId6"/>
-    <p:sldId id="267" r:id="rId7"/>
-    <p:sldId id="261" r:id="rId8"/>
-    <p:sldId id="262" r:id="rId9"/>
-    <p:sldId id="263" r:id="rId10"/>
-    <p:sldId id="264" r:id="rId11"/>
-    <p:sldId id="265" r:id="rId12"/>
-    <p:sldId id="266" r:id="rId13"/>
+    <p:sldId id="270" r:id="rId6"/>
+    <p:sldId id="271" r:id="rId7"/>
+    <p:sldId id="272" r:id="rId8"/>
+    <p:sldId id="267" r:id="rId9"/>
+    <p:sldId id="261" r:id="rId10"/>
+    <p:sldId id="262" r:id="rId11"/>
+    <p:sldId id="269" r:id="rId12"/>
+    <p:sldId id="263" r:id="rId13"/>
+    <p:sldId id="264" r:id="rId14"/>
+    <p:sldId id="265" r:id="rId15"/>
+    <p:sldId id="268" r:id="rId16"/>
+    <p:sldId id="266" r:id="rId17"/>
   </p:sldIdLst>
   <p:sldSz cx="9144000" cy="6858000" type="screen4x3"/>
   <p:notesSz cx="6858000" cy="9144000"/>
@@ -296,7 +300,7 @@
         <p:nvSpPr>
           <p:cNvPr id="4100" name="Rectangle 4"/>
           <p:cNvSpPr>
-            <a:spLocks noChangeArrowheads="1" noTextEdit="1"/>
+            <a:spLocks noGrp="1" noRot="1" noChangeAspect="1" noChangeArrowheads="1" noTextEdit="1"/>
           </p:cNvSpPr>
           <p:nvPr>
             <p:ph type="sldImg" idx="2"/>
@@ -723,7 +727,7 @@
         <p:nvSpPr>
           <p:cNvPr id="5122" name="Rectangle 2"/>
           <p:cNvSpPr>
-            <a:spLocks noChangeArrowheads="1" noTextEdit="1"/>
+            <a:spLocks noGrp="1" noRot="1" noChangeAspect="1" noChangeArrowheads="1" noTextEdit="1"/>
           </p:cNvSpPr>
           <p:nvPr>
             <p:ph type="sldImg"/>
@@ -753,6 +757,91 @@
         </p:txBody>
       </p:sp>
     </p:spTree>
+  </p:cSld>
+  <p:clrMapOvr>
+    <a:masterClrMapping/>
+  </p:clrMapOvr>
+</p:notes>
+</file>
+
+<file path=ppt/notesSlides/notesSlide2.xml><?xml version="1.0" encoding="utf-8"?>
+<p:notes xmlns:a="http://schemas.openxmlformats.org/drawingml/2006/main" xmlns:r="http://schemas.openxmlformats.org/officeDocument/2006/relationships" xmlns:p="http://schemas.openxmlformats.org/presentationml/2006/main">
+  <p:cSld>
+    <p:spTree>
+      <p:nvGrpSpPr>
+        <p:cNvPr id="1" name=""/>
+        <p:cNvGrpSpPr/>
+        <p:nvPr/>
+      </p:nvGrpSpPr>
+      <p:grpSpPr>
+        <a:xfrm>
+          <a:off x="0" y="0"/>
+          <a:ext cx="0" cy="0"/>
+          <a:chOff x="0" y="0"/>
+          <a:chExt cx="0" cy="0"/>
+        </a:xfrm>
+      </p:grpSpPr>
+      <p:sp>
+        <p:nvSpPr>
+          <p:cNvPr id="2" name="Folienbildplatzhalter 1"/>
+          <p:cNvSpPr>
+            <a:spLocks noGrp="1" noRot="1" noChangeAspect="1"/>
+          </p:cNvSpPr>
+          <p:nvPr>
+            <p:ph type="sldImg"/>
+          </p:nvPr>
+        </p:nvSpPr>
+        <p:spPr/>
+      </p:sp>
+      <p:sp>
+        <p:nvSpPr>
+          <p:cNvPr id="3" name="Notizenplatzhalter 2"/>
+          <p:cNvSpPr>
+            <a:spLocks noGrp="1"/>
+          </p:cNvSpPr>
+          <p:nvPr>
+            <p:ph type="body" idx="1"/>
+          </p:nvPr>
+        </p:nvSpPr>
+        <p:spPr/>
+        <p:txBody>
+          <a:bodyPr/>
+          <a:lstStyle/>
+          <a:p>
+            <a:endParaRPr lang="de-DE" dirty="0"/>
+          </a:p>
+        </p:txBody>
+      </p:sp>
+      <p:sp>
+        <p:nvSpPr>
+          <p:cNvPr id="4" name="Foliennummernplatzhalter 3"/>
+          <p:cNvSpPr>
+            <a:spLocks noGrp="1"/>
+          </p:cNvSpPr>
+          <p:nvPr>
+            <p:ph type="sldNum" sz="quarter" idx="10"/>
+          </p:nvPr>
+        </p:nvSpPr>
+        <p:spPr/>
+        <p:txBody>
+          <a:bodyPr/>
+          <a:lstStyle/>
+          <a:p>
+            <a:fld id="{C61DBA90-4886-4D47-89A5-8A76E9576F9B}" type="slidenum">
+              <a:rPr lang="de-DE" altLang="de-DE" smtClean="0"/>
+              <a:pPr/>
+              <a:t>16</a:t>
+            </a:fld>
+            <a:endParaRPr lang="de-DE" altLang="de-DE"/>
+          </a:p>
+        </p:txBody>
+      </p:sp>
+    </p:spTree>
+    <p:extLst>
+      <p:ext uri="{BB962C8B-B14F-4D97-AF65-F5344CB8AC3E}">
+        <p14:creationId xmlns:p14="http://schemas.microsoft.com/office/powerpoint/2010/main" val="3248692548"/>
+      </p:ext>
+    </p:extLst>
   </p:cSld>
   <p:clrMapOvr>
     <a:masterClrMapping/>
@@ -4178,7 +4267,7 @@
         <p:nvSpPr>
           <p:cNvPr id="2051" name="Rectangle 3"/>
           <p:cNvSpPr>
-            <a:spLocks noChangeArrowheads="1"/>
+            <a:spLocks noGrp="1" noChangeArrowheads="1"/>
           </p:cNvSpPr>
           <p:nvPr>
             <p:ph type="subTitle" idx="1"/>
@@ -4329,6 +4418,986 @@
           <a:p>
             <a:r>
               <a:rPr lang="de-DE" dirty="0" smtClean="0"/>
+              <a:t>Aufgabe 1d</a:t>
+            </a:r>
+            <a:endParaRPr lang="de-DE" dirty="0"/>
+          </a:p>
+        </p:txBody>
+      </p:sp>
+      <p:sp>
+        <p:nvSpPr>
+          <p:cNvPr id="3" name="Inhaltsplatzhalter 2"/>
+          <p:cNvSpPr>
+            <a:spLocks noGrp="1"/>
+          </p:cNvSpPr>
+          <p:nvPr>
+            <p:ph idx="1"/>
+          </p:nvPr>
+        </p:nvSpPr>
+        <p:spPr/>
+        <p:txBody>
+          <a:bodyPr/>
+          <a:lstStyle/>
+          <a:p>
+            <a:pPr marL="0" indent="0">
+              <a:buNone/>
+            </a:pPr>
+            <a:r>
+              <a:rPr lang="de-DE" sz="2400" dirty="0"/>
+              <a:t>Dieses Spiel ist ein sogenanntes </a:t>
+            </a:r>
+            <a:r>
+              <a:rPr lang="de-DE" sz="2400" i="1" dirty="0"/>
+              <a:t>einfaches Spiel</a:t>
+            </a:r>
+            <a:r>
+              <a:rPr lang="de-DE" sz="2400" dirty="0"/>
+              <a:t>, da der Wert der Koalition </a:t>
+            </a:r>
+            <a:r>
+              <a:rPr lang="de-DE" sz="2400" dirty="0" smtClean="0"/>
+              <a:t>eine ”alles-oder-nichts</a:t>
+            </a:r>
+            <a:r>
+              <a:rPr lang="de-DE" sz="2400" dirty="0"/>
+              <a:t>“-Eigenschaft hat, entweder </a:t>
+            </a:r>
+            <a:r>
+              <a:rPr lang="de-DE" sz="2400" dirty="0" smtClean="0"/>
+              <a:t>schafft </a:t>
+            </a:r>
+            <a:r>
+              <a:rPr lang="de-DE" sz="2400" dirty="0"/>
+              <a:t>eine Koalition eine Mehrheit oder nicht. </a:t>
+            </a:r>
+            <a:endParaRPr lang="de-DE" sz="2400" dirty="0" smtClean="0"/>
+          </a:p>
+          <a:p>
+            <a:pPr marL="0" indent="0">
+              <a:buNone/>
+            </a:pPr>
+            <a:endParaRPr lang="de-DE" sz="2400" dirty="0"/>
+          </a:p>
+          <a:p>
+            <a:pPr marL="0" indent="0">
+              <a:buNone/>
+            </a:pPr>
+            <a:r>
+              <a:rPr lang="de-DE" sz="2400" dirty="0" smtClean="0"/>
+              <a:t>Nehmen Sie </a:t>
+            </a:r>
+            <a:r>
+              <a:rPr lang="de-DE" sz="2400" dirty="0"/>
+              <a:t>nun an, </a:t>
+            </a:r>
+            <a:r>
+              <a:rPr lang="de-DE" sz="2400" dirty="0" smtClean="0"/>
+              <a:t>die Stimmenverteilung läge </a:t>
+            </a:r>
+            <a:r>
+              <a:rPr lang="de-DE" sz="2400" dirty="0"/>
+              <a:t>bei </a:t>
+            </a:r>
+            <a:r>
+              <a:rPr lang="de-DE" sz="2400" dirty="0" smtClean="0"/>
+              <a:t>A </a:t>
+            </a:r>
+            <a:r>
+              <a:rPr lang="de-DE" sz="2400" dirty="0"/>
+              <a:t>und C jeweils mit 26 Stimmen und B und </a:t>
+            </a:r>
+            <a:r>
+              <a:rPr lang="de-DE" sz="2400" dirty="0" smtClean="0"/>
+              <a:t>D mit </a:t>
+            </a:r>
+            <a:r>
+              <a:rPr lang="de-DE" sz="2400" dirty="0"/>
+              <a:t>24 Stimmen und mindestens 50 Stimmen sind </a:t>
+            </a:r>
+            <a:r>
+              <a:rPr lang="de-DE" sz="2400" dirty="0" smtClean="0"/>
+              <a:t>nötig</a:t>
+            </a:r>
+            <a:r>
+              <a:rPr lang="de-DE" sz="2400" dirty="0"/>
+              <a:t>, um </a:t>
+            </a:r>
+            <a:r>
+              <a:rPr lang="de-DE" sz="2400" dirty="0" smtClean="0"/>
+              <a:t>100 </a:t>
+            </a:r>
+            <a:r>
+              <a:rPr lang="de-DE" sz="2400" dirty="0"/>
+              <a:t>Millionen zu erhalten. </a:t>
+            </a:r>
+            <a:r>
+              <a:rPr lang="de-DE" sz="2400" dirty="0" smtClean="0"/>
+              <a:t/>
+            </a:r>
+            <a:br>
+              <a:rPr lang="de-DE" sz="2400" dirty="0" smtClean="0"/>
+            </a:br>
+            <a:r>
+              <a:rPr lang="de-DE" sz="2400" dirty="0" smtClean="0"/>
+              <a:t>Ist dieses </a:t>
+            </a:r>
+            <a:r>
+              <a:rPr lang="de-DE" sz="2400" dirty="0"/>
+              <a:t>Spiel noch superadditiv?</a:t>
+            </a:r>
+            <a:endParaRPr lang="de-DE" sz="2400" dirty="0"/>
+          </a:p>
+        </p:txBody>
+      </p:sp>
+    </p:spTree>
+    <p:extLst>
+      <p:ext uri="{BB962C8B-B14F-4D97-AF65-F5344CB8AC3E}">
+        <p14:creationId xmlns:p14="http://schemas.microsoft.com/office/powerpoint/2010/main" val="2050992844"/>
+      </p:ext>
+    </p:extLst>
+  </p:cSld>
+  <p:clrMapOvr>
+    <a:masterClrMapping/>
+  </p:clrMapOvr>
+</p:sld>
+</file>
+
+<file path=ppt/slides/slide11.xml><?xml version="1.0" encoding="utf-8"?>
+<p:sld xmlns:a="http://schemas.openxmlformats.org/drawingml/2006/main" xmlns:r="http://schemas.openxmlformats.org/officeDocument/2006/relationships" xmlns:p="http://schemas.openxmlformats.org/presentationml/2006/main">
+  <p:cSld>
+    <p:spTree>
+      <p:nvGrpSpPr>
+        <p:cNvPr id="1" name=""/>
+        <p:cNvGrpSpPr/>
+        <p:nvPr/>
+      </p:nvGrpSpPr>
+      <p:grpSpPr>
+        <a:xfrm>
+          <a:off x="0" y="0"/>
+          <a:ext cx="0" cy="0"/>
+          <a:chOff x="0" y="0"/>
+          <a:chExt cx="0" cy="0"/>
+        </a:xfrm>
+      </p:grpSpPr>
+      <p:sp>
+        <p:nvSpPr>
+          <p:cNvPr id="2" name="Titel 1"/>
+          <p:cNvSpPr>
+            <a:spLocks noGrp="1"/>
+          </p:cNvSpPr>
+          <p:nvPr>
+            <p:ph type="title"/>
+          </p:nvPr>
+        </p:nvSpPr>
+        <p:spPr/>
+        <p:txBody>
+          <a:bodyPr/>
+          <a:lstStyle/>
+          <a:p>
+            <a:r>
+              <a:rPr lang="de-DE" dirty="0" smtClean="0"/>
+              <a:t>Aufgabe 1d</a:t>
+            </a:r>
+            <a:endParaRPr lang="de-DE" dirty="0"/>
+          </a:p>
+        </p:txBody>
+      </p:sp>
+      <mc:AlternateContent xmlns:mc="http://schemas.openxmlformats.org/markup-compatibility/2006">
+        <mc:Choice xmlns:a14="http://schemas.microsoft.com/office/drawing/2010/main" Requires="a14">
+          <p:sp>
+            <p:nvSpPr>
+              <p:cNvPr id="5" name="Inhaltsplatzhalter 4"/>
+              <p:cNvSpPr>
+                <a:spLocks noGrp="1"/>
+              </p:cNvSpPr>
+              <p:nvPr>
+                <p:ph sz="half" idx="2"/>
+              </p:nvPr>
+            </p:nvSpPr>
+            <p:spPr>
+              <a:xfrm>
+                <a:off x="539552" y="3068960"/>
+                <a:ext cx="8147248" cy="3057203"/>
+              </a:xfrm>
+            </p:spPr>
+            <p:txBody>
+              <a:bodyPr/>
+              <a:lstStyle/>
+              <a:p>
+                <a:pPr marL="0" indent="0">
+                  <a:buNone/>
+                </a:pPr>
+                <a:r>
+                  <a:rPr lang="de-DE" dirty="0" smtClean="0"/>
+                  <a:t>Wähle  </a:t>
+                </a:r>
+                <a14:m>
+                  <m:oMath xmlns:m="http://schemas.openxmlformats.org/officeDocument/2006/math">
+                    <m:r>
+                      <m:rPr>
+                        <m:sty m:val="p"/>
+                      </m:rPr>
+                      <a:rPr lang="de-DE" b="0" i="0" smtClean="0">
+                        <a:latin typeface="Cambria Math"/>
+                      </a:rPr>
+                      <m:t>S</m:t>
+                    </m:r>
+                    <m:r>
+                      <a:rPr lang="de-DE" b="0" i="0" smtClean="0">
+                        <a:latin typeface="Cambria Math"/>
+                      </a:rPr>
+                      <m:t>=</m:t>
+                    </m:r>
+                    <m:r>
+                      <a:rPr lang="de-DE" b="0" i="1" smtClean="0">
+                        <a:latin typeface="Cambria Math"/>
+                      </a:rPr>
+                      <m:t>{</m:t>
+                    </m:r>
+                    <m:r>
+                      <a:rPr lang="de-DE" b="0" i="1" smtClean="0">
+                        <a:latin typeface="Cambria Math"/>
+                      </a:rPr>
+                      <m:t>𝐴</m:t>
+                    </m:r>
+                    <m:r>
+                      <a:rPr lang="de-DE" b="0" i="1" smtClean="0">
+                        <a:latin typeface="Cambria Math"/>
+                      </a:rPr>
+                      <m:t>,</m:t>
+                    </m:r>
+                    <m:r>
+                      <a:rPr lang="de-DE" b="0" i="1" smtClean="0">
+                        <a:latin typeface="Cambria Math"/>
+                      </a:rPr>
+                      <m:t>𝐵</m:t>
+                    </m:r>
+                    <m:r>
+                      <a:rPr lang="de-DE" b="0" i="1" smtClean="0">
+                        <a:latin typeface="Cambria Math"/>
+                      </a:rPr>
+                      <m:t>}</m:t>
+                    </m:r>
+                  </m:oMath>
+                </a14:m>
+                <a:r>
+                  <a:rPr lang="de-DE" dirty="0" smtClean="0"/>
+                  <a:t>, </a:t>
+                </a:r>
+                <a14:m>
+                  <m:oMath xmlns:m="http://schemas.openxmlformats.org/officeDocument/2006/math">
+                    <m:r>
+                      <a:rPr lang="de-DE" b="0" i="1" dirty="0" smtClean="0">
+                        <a:latin typeface="Cambria Math"/>
+                      </a:rPr>
+                      <m:t>𝑇</m:t>
+                    </m:r>
+                    <m:r>
+                      <a:rPr lang="de-DE" b="0" i="1" dirty="0" smtClean="0">
+                        <a:latin typeface="Cambria Math"/>
+                      </a:rPr>
+                      <m:t>=</m:t>
+                    </m:r>
+                    <m:d>
+                      <m:dPr>
+                        <m:begChr m:val="{"/>
+                        <m:endChr m:val="}"/>
+                        <m:ctrlPr>
+                          <a:rPr lang="de-DE" b="0" i="1" dirty="0" smtClean="0">
+                            <a:latin typeface="Cambria Math"/>
+                          </a:rPr>
+                        </m:ctrlPr>
+                      </m:dPr>
+                      <m:e>
+                        <m:r>
+                          <a:rPr lang="de-DE" b="0" i="1" dirty="0" smtClean="0">
+                            <a:latin typeface="Cambria Math"/>
+                          </a:rPr>
+                          <m:t>𝐶</m:t>
+                        </m:r>
+                        <m:r>
+                          <a:rPr lang="de-DE" b="0" i="1" dirty="0" smtClean="0">
+                            <a:latin typeface="Cambria Math"/>
+                          </a:rPr>
+                          <m:t>,</m:t>
+                        </m:r>
+                        <m:r>
+                          <a:rPr lang="de-DE" b="0" i="1" dirty="0" smtClean="0">
+                            <a:latin typeface="Cambria Math"/>
+                          </a:rPr>
+                          <m:t>𝐷</m:t>
+                        </m:r>
+                      </m:e>
+                    </m:d>
+                  </m:oMath>
+                </a14:m>
+                <a:r>
+                  <a:rPr lang="de-DE" b="0" dirty="0" smtClean="0"/>
+                  <a:t/>
+                </a:r>
+                <a:br>
+                  <a:rPr lang="de-DE" b="0" dirty="0" smtClean="0"/>
+                </a:br>
+                <a:endParaRPr lang="de-DE" sz="1200" dirty="0" smtClean="0"/>
+              </a:p>
+              <a:p>
+                <a:pPr marL="0" indent="0">
+                  <a:buNone/>
+                </a:pPr>
+                <a14:m>
+                  <m:oMath xmlns:m="http://schemas.openxmlformats.org/officeDocument/2006/math">
+                    <m:r>
+                      <a:rPr lang="de-DE" b="0" i="1" smtClean="0">
+                        <a:latin typeface="Cambria Math"/>
+                      </a:rPr>
+                      <m:t>𝑣</m:t>
+                    </m:r>
+                    <m:d>
+                      <m:dPr>
+                        <m:ctrlPr>
+                          <a:rPr lang="de-DE" b="0" i="1" smtClean="0">
+                            <a:latin typeface="Cambria Math"/>
+                          </a:rPr>
+                        </m:ctrlPr>
+                      </m:dPr>
+                      <m:e>
+                        <m:r>
+                          <a:rPr lang="de-DE" b="0" i="1" smtClean="0">
+                            <a:latin typeface="Cambria Math"/>
+                          </a:rPr>
+                          <m:t>𝑆</m:t>
+                        </m:r>
+                        <m:r>
+                          <a:rPr lang="de-DE" b="0" i="1" smtClean="0">
+                            <a:latin typeface="Cambria Math"/>
+                          </a:rPr>
+                          <m:t>∪</m:t>
+                        </m:r>
+                        <m:r>
+                          <a:rPr lang="de-DE" b="0" i="1" smtClean="0">
+                            <a:latin typeface="Cambria Math"/>
+                          </a:rPr>
+                          <m:t>𝑇</m:t>
+                        </m:r>
+                      </m:e>
+                    </m:d>
+                    <m:r>
+                      <a:rPr lang="de-DE" b="0" i="1" smtClean="0">
+                        <a:latin typeface="Cambria Math"/>
+                      </a:rPr>
+                      <m:t>= </m:t>
+                    </m:r>
+                    <m:r>
+                      <a:rPr lang="de-DE" b="0" i="1" smtClean="0">
+                        <a:latin typeface="Cambria Math"/>
+                      </a:rPr>
+                      <m:t>𝑣</m:t>
+                    </m:r>
+                    <m:d>
+                      <m:dPr>
+                        <m:ctrlPr>
+                          <a:rPr lang="de-DE" b="0" i="1" smtClean="0">
+                            <a:latin typeface="Cambria Math"/>
+                          </a:rPr>
+                        </m:ctrlPr>
+                      </m:dPr>
+                      <m:e>
+                        <m:d>
+                          <m:dPr>
+                            <m:begChr m:val="{"/>
+                            <m:endChr m:val="}"/>
+                            <m:ctrlPr>
+                              <a:rPr lang="de-DE" b="0" i="1" smtClean="0">
+                                <a:latin typeface="Cambria Math"/>
+                              </a:rPr>
+                            </m:ctrlPr>
+                          </m:dPr>
+                          <m:e>
+                            <m:r>
+                              <a:rPr lang="de-DE" b="0" i="1" smtClean="0">
+                                <a:latin typeface="Cambria Math"/>
+                              </a:rPr>
+                              <m:t>𝐴</m:t>
+                            </m:r>
+                            <m:r>
+                              <a:rPr lang="de-DE" b="0" i="1" smtClean="0">
+                                <a:latin typeface="Cambria Math"/>
+                              </a:rPr>
+                              <m:t>,</m:t>
+                            </m:r>
+                            <m:r>
+                              <a:rPr lang="de-DE" b="0" i="1" smtClean="0">
+                                <a:latin typeface="Cambria Math"/>
+                              </a:rPr>
+                              <m:t>𝐵</m:t>
+                            </m:r>
+                            <m:r>
+                              <a:rPr lang="de-DE" b="0" i="1" smtClean="0">
+                                <a:latin typeface="Cambria Math"/>
+                              </a:rPr>
+                              <m:t>,</m:t>
+                            </m:r>
+                            <m:r>
+                              <a:rPr lang="de-DE" b="0" i="1" smtClean="0">
+                                <a:latin typeface="Cambria Math"/>
+                              </a:rPr>
+                              <m:t>𝐶</m:t>
+                            </m:r>
+                            <m:r>
+                              <a:rPr lang="de-DE" b="0" i="1" smtClean="0">
+                                <a:latin typeface="Cambria Math"/>
+                              </a:rPr>
+                              <m:t>,</m:t>
+                            </m:r>
+                            <m:r>
+                              <a:rPr lang="de-DE" b="0" i="1" smtClean="0">
+                                <a:latin typeface="Cambria Math"/>
+                              </a:rPr>
+                              <m:t>𝐷</m:t>
+                            </m:r>
+                          </m:e>
+                        </m:d>
+                      </m:e>
+                    </m:d>
+                    <m:r>
+                      <a:rPr lang="de-DE" b="0" i="1" smtClean="0">
+                        <a:latin typeface="Cambria Math"/>
+                      </a:rPr>
+                      <m:t> </m:t>
+                    </m:r>
+                    <m:r>
+                      <a:rPr lang="de-DE" b="0" i="1" smtClean="0">
+                        <a:latin typeface="Cambria Math"/>
+                        <a:ea typeface="Cambria Math"/>
+                      </a:rPr>
+                      <m:t>≥</m:t>
+                    </m:r>
+                    <m:r>
+                      <a:rPr lang="de-DE" b="0" i="1" smtClean="0">
+                        <a:latin typeface="Cambria Math"/>
+                        <a:ea typeface="Cambria Math"/>
+                      </a:rPr>
+                      <m:t>𝑣</m:t>
+                    </m:r>
+                    <m:d>
+                      <m:dPr>
+                        <m:ctrlPr>
+                          <a:rPr lang="de-DE" b="0" i="1" smtClean="0">
+                            <a:latin typeface="Cambria Math"/>
+                            <a:ea typeface="Cambria Math"/>
+                          </a:rPr>
+                        </m:ctrlPr>
+                      </m:dPr>
+                      <m:e>
+                        <m:r>
+                          <a:rPr lang="de-DE" b="0" i="1" smtClean="0">
+                            <a:latin typeface="Cambria Math"/>
+                            <a:ea typeface="Cambria Math"/>
+                          </a:rPr>
+                          <m:t>{</m:t>
+                        </m:r>
+                        <m:r>
+                          <a:rPr lang="de-DE" b="0" i="1" smtClean="0">
+                            <a:latin typeface="Cambria Math"/>
+                            <a:ea typeface="Cambria Math"/>
+                          </a:rPr>
+                          <m:t>𝐴</m:t>
+                        </m:r>
+                        <m:r>
+                          <a:rPr lang="de-DE" b="0" i="1" smtClean="0">
+                            <a:latin typeface="Cambria Math"/>
+                            <a:ea typeface="Cambria Math"/>
+                          </a:rPr>
+                          <m:t>,</m:t>
+                        </m:r>
+                        <m:r>
+                          <a:rPr lang="de-DE" b="0" i="1" smtClean="0">
+                            <a:latin typeface="Cambria Math"/>
+                            <a:ea typeface="Cambria Math"/>
+                          </a:rPr>
+                          <m:t>𝐵</m:t>
+                        </m:r>
+                        <m:r>
+                          <a:rPr lang="de-DE" b="0" i="1" smtClean="0">
+                            <a:latin typeface="Cambria Math"/>
+                            <a:ea typeface="Cambria Math"/>
+                          </a:rPr>
+                          <m:t>}</m:t>
+                        </m:r>
+                      </m:e>
+                    </m:d>
+                    <m:r>
+                      <a:rPr lang="de-DE" b="0" i="1" smtClean="0">
+                        <a:latin typeface="Cambria Math"/>
+                        <a:ea typeface="Cambria Math"/>
+                      </a:rPr>
+                      <m:t>+</m:t>
+                    </m:r>
+                    <m:r>
+                      <a:rPr lang="de-DE" b="0" i="1" smtClean="0">
+                        <a:latin typeface="Cambria Math"/>
+                        <a:ea typeface="Cambria Math"/>
+                      </a:rPr>
+                      <m:t>𝑣</m:t>
+                    </m:r>
+                    <m:r>
+                      <a:rPr lang="de-DE" b="0" i="1" smtClean="0">
+                        <a:latin typeface="Cambria Math"/>
+                        <a:ea typeface="Cambria Math"/>
+                      </a:rPr>
+                      <m:t>({</m:t>
+                    </m:r>
+                    <m:r>
+                      <a:rPr lang="de-DE" b="0" i="1" smtClean="0">
+                        <a:latin typeface="Cambria Math"/>
+                        <a:ea typeface="Cambria Math"/>
+                      </a:rPr>
+                      <m:t>𝐶</m:t>
+                    </m:r>
+                    <m:r>
+                      <a:rPr lang="de-DE" b="0" i="1" smtClean="0">
+                        <a:latin typeface="Cambria Math"/>
+                        <a:ea typeface="Cambria Math"/>
+                      </a:rPr>
+                      <m:t>,</m:t>
+                    </m:r>
+                    <m:r>
+                      <a:rPr lang="de-DE" b="0" i="1" smtClean="0">
+                        <a:latin typeface="Cambria Math"/>
+                        <a:ea typeface="Cambria Math"/>
+                      </a:rPr>
+                      <m:t>𝐷</m:t>
+                    </m:r>
+                    <m:r>
+                      <a:rPr lang="de-DE" b="0" i="1" smtClean="0">
+                        <a:latin typeface="Cambria Math"/>
+                        <a:ea typeface="Cambria Math"/>
+                      </a:rPr>
+                      <m:t>})</m:t>
+                    </m:r>
+                  </m:oMath>
+                </a14:m>
+                <a:r>
+                  <a:rPr lang="de-DE" b="0" i="1" dirty="0" smtClean="0">
+                    <a:latin typeface="Cambria Math"/>
+                  </a:rPr>
+                  <a:t> </a:t>
+                </a:r>
+              </a:p>
+              <a:p>
+                <a:pPr marL="0" indent="0">
+                  <a:buNone/>
+                </a:pPr>
+                <a:r>
+                  <a:rPr lang="de-DE" dirty="0"/>
+                  <a:t> </a:t>
+                </a:r>
+                <a:r>
+                  <a:rPr lang="de-DE" dirty="0" smtClean="0"/>
+                  <a:t>			  </a:t>
+                </a:r>
+                <a14:m>
+                  <m:oMath xmlns:m="http://schemas.openxmlformats.org/officeDocument/2006/math">
+                    <m:r>
+                      <a:rPr lang="de-DE" b="0" i="1" smtClean="0">
+                        <a:latin typeface="Cambria Math"/>
+                      </a:rPr>
+                      <m:t>𝑣</m:t>
+                    </m:r>
+                    <m:d>
+                      <m:dPr>
+                        <m:ctrlPr>
+                          <a:rPr lang="de-DE" b="0" i="1" smtClean="0">
+                            <a:latin typeface="Cambria Math"/>
+                          </a:rPr>
+                        </m:ctrlPr>
+                      </m:dPr>
+                      <m:e>
+                        <m:r>
+                          <a:rPr lang="de-DE" b="0" i="1" smtClean="0">
+                            <a:latin typeface="Cambria Math"/>
+                          </a:rPr>
+                          <m:t>100</m:t>
+                        </m:r>
+                      </m:e>
+                    </m:d>
+                    <m:r>
+                      <a:rPr lang="de-DE" i="1">
+                        <a:latin typeface="Cambria Math"/>
+                        <a:ea typeface="Cambria Math"/>
+                      </a:rPr>
+                      <m:t>≥</m:t>
+                    </m:r>
+                    <m:r>
+                      <a:rPr lang="de-DE" b="0" i="1" smtClean="0">
+                        <a:latin typeface="Cambria Math"/>
+                        <a:ea typeface="Cambria Math"/>
+                      </a:rPr>
+                      <m:t>𝑣</m:t>
+                    </m:r>
+                    <m:d>
+                      <m:dPr>
+                        <m:ctrlPr>
+                          <a:rPr lang="de-DE" b="0" i="1" smtClean="0">
+                            <a:latin typeface="Cambria Math"/>
+                            <a:ea typeface="Cambria Math"/>
+                          </a:rPr>
+                        </m:ctrlPr>
+                      </m:dPr>
+                      <m:e>
+                        <m:r>
+                          <a:rPr lang="de-DE" b="0" i="1" smtClean="0">
+                            <a:latin typeface="Cambria Math"/>
+                            <a:ea typeface="Cambria Math"/>
+                          </a:rPr>
+                          <m:t>50</m:t>
+                        </m:r>
+                      </m:e>
+                    </m:d>
+                    <m:r>
+                      <a:rPr lang="de-DE" b="0" i="1" smtClean="0">
+                        <a:latin typeface="Cambria Math"/>
+                        <a:ea typeface="Cambria Math"/>
+                      </a:rPr>
+                      <m:t>+</m:t>
+                    </m:r>
+                    <m:r>
+                      <a:rPr lang="de-DE" b="0" i="1" smtClean="0">
+                        <a:latin typeface="Cambria Math"/>
+                        <a:ea typeface="Cambria Math"/>
+                      </a:rPr>
+                      <m:t>𝑣</m:t>
+                    </m:r>
+                    <m:r>
+                      <a:rPr lang="de-DE" b="0" i="1" smtClean="0">
+                        <a:latin typeface="Cambria Math"/>
+                        <a:ea typeface="Cambria Math"/>
+                      </a:rPr>
+                      <m:t>(50)</m:t>
+                    </m:r>
+                  </m:oMath>
+                </a14:m>
+                <a:endParaRPr lang="de-DE" b="0" i="1" dirty="0" smtClean="0">
+                  <a:latin typeface="Cambria Math"/>
+                </a:endParaRPr>
+              </a:p>
+              <a:p>
+                <a:pPr marL="0" indent="0">
+                  <a:buNone/>
+                </a:pPr>
+                <a:r>
+                  <a:rPr lang="de-DE" b="0" dirty="0" smtClean="0"/>
+                  <a:t>				  </a:t>
+                </a:r>
+                <a14:m>
+                  <m:oMath xmlns:m="http://schemas.openxmlformats.org/officeDocument/2006/math">
+                    <m:r>
+                      <a:rPr lang="de-DE" b="0" i="1" smtClean="0">
+                        <a:solidFill>
+                          <a:srgbClr val="FF0000"/>
+                        </a:solidFill>
+                        <a:latin typeface="Cambria Math"/>
+                      </a:rPr>
+                      <m:t>1≥</m:t>
+                    </m:r>
+                    <m:r>
+                      <a:rPr lang="de-DE" b="0" i="1" smtClean="0">
+                        <a:latin typeface="Cambria Math"/>
+                      </a:rPr>
+                      <m:t>1+1=</m:t>
+                    </m:r>
+                    <m:r>
+                      <a:rPr lang="de-DE" b="0" i="1" smtClean="0">
+                        <a:solidFill>
+                          <a:srgbClr val="FF0000"/>
+                        </a:solidFill>
+                        <a:latin typeface="Cambria Math"/>
+                      </a:rPr>
+                      <m:t>2</m:t>
+                    </m:r>
+                  </m:oMath>
+                </a14:m>
+                <a:endParaRPr lang="de-DE" b="0" i="1" dirty="0" smtClean="0">
+                  <a:solidFill>
+                    <a:srgbClr val="FF0000"/>
+                  </a:solidFill>
+                  <a:latin typeface="Cambria Math"/>
+                </a:endParaRPr>
+              </a:p>
+              <a:p>
+                <a:pPr marL="0" indent="0">
+                  <a:buNone/>
+                </a:pPr>
+                <a:endParaRPr lang="de-DE" sz="1200" b="0" i="1" dirty="0" smtClean="0">
+                  <a:solidFill>
+                    <a:srgbClr val="FF0000"/>
+                  </a:solidFill>
+                  <a:latin typeface="Cambria Math"/>
+                </a:endParaRPr>
+              </a:p>
+              <a:p>
+                <a:pPr marL="0" indent="0">
+                  <a:buNone/>
+                </a:pPr>
+                <a:r>
+                  <a:rPr lang="de-DE" dirty="0" smtClean="0">
+                    <a:latin typeface="Cambria Math"/>
+                    <a:sym typeface="Wingdings" panose="05000000000000000000" pitchFamily="2" charset="2"/>
+                  </a:rPr>
+                  <a:t> Das abgewandelte Spiel ist nicht superadditiv !</a:t>
+                </a:r>
+                <a:endParaRPr lang="de-DE" b="0" dirty="0" smtClean="0">
+                  <a:latin typeface="Cambria Math"/>
+                </a:endParaRPr>
+              </a:p>
+            </p:txBody>
+          </p:sp>
+        </mc:Choice>
+        <mc:Fallback>
+          <p:sp>
+            <p:nvSpPr>
+              <p:cNvPr id="5" name="Inhaltsplatzhalter 4"/>
+              <p:cNvSpPr>
+                <a:spLocks noGrp="1" noRot="1" noChangeAspect="1" noMove="1" noResize="1" noEditPoints="1" noAdjustHandles="1" noChangeArrowheads="1" noChangeShapeType="1" noTextEdit="1"/>
+              </p:cNvSpPr>
+              <p:nvPr>
+                <p:ph sz="half" idx="2"/>
+              </p:nvPr>
+            </p:nvSpPr>
+            <p:spPr>
+              <a:xfrm>
+                <a:off x="539552" y="3068960"/>
+                <a:ext cx="8147248" cy="3057203"/>
+              </a:xfrm>
+              <a:blipFill rotWithShape="1">
+                <a:blip r:embed="rId2"/>
+                <a:stretch>
+                  <a:fillRect l="-1572" t="-1992" b="-2590"/>
+                </a:stretch>
+              </a:blipFill>
+            </p:spPr>
+            <p:txBody>
+              <a:bodyPr/>
+              <a:lstStyle/>
+              <a:p>
+                <a:r>
+                  <a:rPr lang="de-DE">
+                    <a:noFill/>
+                  </a:rPr>
+                  <a:t> </a:t>
+                </a:r>
+              </a:p>
+            </p:txBody>
+          </p:sp>
+        </mc:Fallback>
+      </mc:AlternateContent>
+      <p:pic>
+        <p:nvPicPr>
+          <p:cNvPr id="1026" name="Picture 2"/>
+          <p:cNvPicPr>
+            <a:picLocks noGrp="1" noChangeAspect="1" noChangeArrowheads="1"/>
+          </p:cNvPicPr>
+          <p:nvPr>
+            <p:ph sz="half" idx="1"/>
+          </p:nvPr>
+        </p:nvPicPr>
+        <p:blipFill>
+          <a:blip r:embed="rId3">
+            <a:extLst>
+              <a:ext uri="{28A0092B-C50C-407E-A947-70E740481C1C}">
+                <a14:useLocalDpi xmlns:a14="http://schemas.microsoft.com/office/drawing/2010/main" val="0"/>
+              </a:ext>
+            </a:extLst>
+          </a:blip>
+          <a:srcRect/>
+          <a:stretch>
+            <a:fillRect/>
+          </a:stretch>
+        </p:blipFill>
+        <p:spPr bwMode="auto">
+          <a:xfrm>
+            <a:off x="457200" y="1628800"/>
+            <a:ext cx="8219256" cy="1344967"/>
+          </a:xfrm>
+          <a:prstGeom prst="rect">
+            <a:avLst/>
+          </a:prstGeom>
+          <a:noFill/>
+          <a:ln>
+            <a:noFill/>
+          </a:ln>
+          <a:extLst>
+            <a:ext uri="{909E8E84-426E-40DD-AFC4-6F175D3DCCD1}">
+              <a14:hiddenFill xmlns:a14="http://schemas.microsoft.com/office/drawing/2010/main">
+                <a:solidFill>
+                  <a:schemeClr val="accent1"/>
+                </a:solidFill>
+              </a14:hiddenFill>
+            </a:ext>
+            <a:ext uri="{91240B29-F687-4F45-9708-019B960494DF}">
+              <a14:hiddenLine xmlns:a14="http://schemas.microsoft.com/office/drawing/2010/main" w="9525">
+                <a:solidFill>
+                  <a:schemeClr val="tx1"/>
+                </a:solidFill>
+                <a:miter lim="800000"/>
+                <a:headEnd/>
+                <a:tailEnd/>
+              </a14:hiddenLine>
+            </a:ext>
+          </a:extLst>
+        </p:spPr>
+      </p:pic>
+    </p:spTree>
+    <p:extLst>
+      <p:ext uri="{BB962C8B-B14F-4D97-AF65-F5344CB8AC3E}">
+        <p14:creationId xmlns:p14="http://schemas.microsoft.com/office/powerpoint/2010/main" val="664342638"/>
+      </p:ext>
+    </p:extLst>
+  </p:cSld>
+  <p:clrMapOvr>
+    <a:masterClrMapping/>
+  </p:clrMapOvr>
+</p:sld>
+</file>
+
+<file path=ppt/slides/slide12.xml><?xml version="1.0" encoding="utf-8"?>
+<p:sld xmlns:a="http://schemas.openxmlformats.org/drawingml/2006/main" xmlns:r="http://schemas.openxmlformats.org/officeDocument/2006/relationships" xmlns:p="http://schemas.openxmlformats.org/presentationml/2006/main">
+  <p:cSld>
+    <p:spTree>
+      <p:nvGrpSpPr>
+        <p:cNvPr id="1" name=""/>
+        <p:cNvGrpSpPr/>
+        <p:nvPr/>
+      </p:nvGrpSpPr>
+      <p:grpSpPr>
+        <a:xfrm>
+          <a:off x="0" y="0"/>
+          <a:ext cx="0" cy="0"/>
+          <a:chOff x="0" y="0"/>
+          <a:chExt cx="0" cy="0"/>
+        </a:xfrm>
+      </p:grpSpPr>
+      <p:sp>
+        <p:nvSpPr>
+          <p:cNvPr id="2" name="Titel 1"/>
+          <p:cNvSpPr>
+            <a:spLocks noGrp="1"/>
+          </p:cNvSpPr>
+          <p:nvPr>
+            <p:ph type="title"/>
+          </p:nvPr>
+        </p:nvSpPr>
+        <p:spPr/>
+        <p:txBody>
+          <a:bodyPr/>
+          <a:lstStyle/>
+          <a:p>
+            <a:r>
+              <a:rPr lang="de-DE" dirty="0" smtClean="0"/>
+              <a:t>Aufgabe 1e</a:t>
+            </a:r>
+            <a:endParaRPr lang="de-DE" dirty="0"/>
+          </a:p>
+        </p:txBody>
+      </p:sp>
+      <p:sp>
+        <p:nvSpPr>
+          <p:cNvPr id="3" name="Inhaltsplatzhalter 2"/>
+          <p:cNvSpPr>
+            <a:spLocks noGrp="1"/>
+          </p:cNvSpPr>
+          <p:nvPr>
+            <p:ph idx="1"/>
+          </p:nvPr>
+        </p:nvSpPr>
+        <p:spPr/>
+        <p:txBody>
+          <a:bodyPr/>
+          <a:lstStyle/>
+          <a:p>
+            <a:pPr marL="0" indent="0">
+              <a:buNone/>
+            </a:pPr>
+            <a:r>
+              <a:rPr lang="de-DE" sz="2400" dirty="0" smtClean="0"/>
+              <a:t>Der </a:t>
+            </a:r>
+            <a:r>
+              <a:rPr lang="de-DE" sz="2400" dirty="0" smtClean="0"/>
+              <a:t>Kern enthält Auszahlungsvektoren der großen Koalition, bei der Teilkoalitionen keinen größeren Wert als die Summe ihrer Auszahlungen erzielen können</a:t>
+            </a:r>
+            <a:r>
+              <a:rPr lang="de-DE" sz="2400" dirty="0" smtClean="0"/>
+              <a:t>.</a:t>
+            </a:r>
+            <a:br>
+              <a:rPr lang="de-DE" sz="2400" dirty="0" smtClean="0"/>
+            </a:br>
+            <a:endParaRPr lang="de-DE" sz="2400" dirty="0" smtClean="0"/>
+          </a:p>
+          <a:p>
+            <a:pPr marL="0" indent="0">
+              <a:buNone/>
+            </a:pPr>
+            <a:r>
+              <a:rPr lang="de-DE" sz="2400" b="1" dirty="0" smtClean="0"/>
+              <a:t>Zeigen Sie, dass in diesem Spiel keine Auszahlung im Kern existieren kann</a:t>
+            </a:r>
+            <a:r>
+              <a:rPr lang="de-DE" sz="2400" dirty="0" smtClean="0"/>
+              <a:t>. Leiten Sie dazu aus den Minimalkoalitionen, die erfolgreich abstimmen können, Anforderungen an den Auszahlungsvektor ab und zeigen Sie, dass diese nicht erfüllbar sind.</a:t>
+            </a:r>
+            <a:endParaRPr lang="de-DE" sz="2400" dirty="0"/>
+          </a:p>
+        </p:txBody>
+      </p:sp>
+    </p:spTree>
+    <p:extLst>
+      <p:ext uri="{BB962C8B-B14F-4D97-AF65-F5344CB8AC3E}">
+        <p14:creationId xmlns:p14="http://schemas.microsoft.com/office/powerpoint/2010/main" val="3986010076"/>
+      </p:ext>
+    </p:extLst>
+  </p:cSld>
+  <p:clrMapOvr>
+    <a:masterClrMapping/>
+  </p:clrMapOvr>
+</p:sld>
+</file>
+
+<file path=ppt/slides/slide13.xml><?xml version="1.0" encoding="utf-8"?>
+<p:sld xmlns:a="http://schemas.openxmlformats.org/drawingml/2006/main" xmlns:r="http://schemas.openxmlformats.org/officeDocument/2006/relationships" xmlns:p="http://schemas.openxmlformats.org/presentationml/2006/main">
+  <p:cSld>
+    <p:spTree>
+      <p:nvGrpSpPr>
+        <p:cNvPr id="1" name=""/>
+        <p:cNvGrpSpPr/>
+        <p:nvPr/>
+      </p:nvGrpSpPr>
+      <p:grpSpPr>
+        <a:xfrm>
+          <a:off x="0" y="0"/>
+          <a:ext cx="0" cy="0"/>
+          <a:chOff x="0" y="0"/>
+          <a:chExt cx="0" cy="0"/>
+        </a:xfrm>
+      </p:grpSpPr>
+      <p:sp>
+        <p:nvSpPr>
+          <p:cNvPr id="2" name="Titel 1"/>
+          <p:cNvSpPr>
+            <a:spLocks noGrp="1"/>
+          </p:cNvSpPr>
+          <p:nvPr>
+            <p:ph type="title"/>
+          </p:nvPr>
+        </p:nvSpPr>
+        <p:spPr/>
+        <p:txBody>
+          <a:bodyPr/>
+          <a:lstStyle/>
+          <a:p>
+            <a:r>
+              <a:rPr lang="de-DE" dirty="0" smtClean="0"/>
               <a:t>Aufgabe 1e</a:t>
             </a:r>
             <a:endParaRPr lang="de-DE" dirty="0"/>
@@ -4378,8 +5447,8 @@
             </p:nvSpPr>
             <p:spPr>
               <a:xfrm>
-                <a:off x="467544" y="3068960"/>
-                <a:ext cx="8219256" cy="3057203"/>
+                <a:off x="467544" y="2852936"/>
+                <a:ext cx="8219256" cy="3273227"/>
               </a:xfrm>
             </p:spPr>
             <p:txBody>
@@ -4603,6 +5672,10 @@
                   <a:rPr lang="de-DE" sz="2400" dirty="0" smtClean="0"/>
                   <a:t>Minimalkoalitionen: 	</a:t>
                 </a:r>
+                <a:r>
+                  <a:rPr lang="de-DE" sz="2400" dirty="0" smtClean="0"/>
+                  <a:t>	</a:t>
+                </a:r>
                 <a14:m>
                   <m:oMath xmlns:m="http://schemas.openxmlformats.org/officeDocument/2006/math">
                     <m:sSub>
@@ -4686,6 +5759,10 @@
                   <a:rPr lang="de-DE" sz="2400" b="0" dirty="0" smtClean="0"/>
                   <a:t>			</a:t>
                 </a:r>
+                <a:r>
+                  <a:rPr lang="de-DE" sz="2400" b="0" dirty="0" smtClean="0"/>
+                  <a:t>	</a:t>
+                </a:r>
                 <a14:m>
                   <m:oMath xmlns:m="http://schemas.openxmlformats.org/officeDocument/2006/math">
                     <m:sSub>
@@ -4769,6 +5846,10 @@
                   <a:rPr lang="de-DE" sz="2400" dirty="0" smtClean="0"/>
                   <a:t>			</a:t>
                 </a:r>
+                <a:r>
+                  <a:rPr lang="de-DE" sz="2400" dirty="0" smtClean="0"/>
+                  <a:t>	</a:t>
+                </a:r>
                 <a14:m>
                   <m:oMath xmlns:m="http://schemas.openxmlformats.org/officeDocument/2006/math">
                     <m:sSub>
@@ -4842,12 +5923,25 @@
                     </m:r>
                   </m:oMath>
                 </a14:m>
-                <a:endParaRPr lang="de-DE" sz="2400" dirty="0" smtClean="0"/>
+                <a:r>
+                  <a:rPr lang="de-DE" sz="2400" dirty="0" smtClean="0"/>
+                  <a:t/>
+                </a:r>
+                <a:br>
+                  <a:rPr lang="de-DE" sz="2400" dirty="0" smtClean="0"/>
+                </a:br>
+                <a:endParaRPr lang="de-DE" sz="1200" dirty="0" smtClean="0"/>
               </a:p>
               <a:p>
                 <a:pPr marL="0" indent="0">
                   <a:buNone/>
                 </a:pPr>
+                <a:r>
+                  <a:rPr lang="de-DE" sz="2400" dirty="0" smtClean="0">
+                    <a:sym typeface="Wingdings" panose="05000000000000000000" pitchFamily="2" charset="2"/>
+                  </a:rPr>
+                  <a:t>	</a:t>
+                </a:r>
                 <a:r>
                   <a:rPr lang="de-DE" sz="2400" dirty="0" smtClean="0">
                     <a:sym typeface="Wingdings" panose="05000000000000000000" pitchFamily="2" charset="2"/>
@@ -4955,6 +6049,10 @@
                   <a:rPr lang="de-DE" sz="2400" b="0" dirty="0" smtClean="0"/>
                   <a:t>	</a:t>
                 </a:r>
+                <a:r>
+                  <a:rPr lang="de-DE" sz="2400" b="0" dirty="0" smtClean="0"/>
+                  <a:t>	</a:t>
+                </a:r>
                 <a14:m>
                   <m:oMath xmlns:m="http://schemas.openxmlformats.org/officeDocument/2006/math">
                     <m:sSub>
@@ -4986,13 +6084,7 @@
                       <a:rPr lang="de-DE" sz="2400" b="0" i="1" smtClean="0">
                         <a:latin typeface="Cambria Math"/>
                       </a:rPr>
-                      <m:t>=</m:t>
-                    </m:r>
-                    <m:r>
-                      <a:rPr lang="de-DE" sz="2400" b="0" i="1" smtClean="0">
-                        <a:latin typeface="Cambria Math"/>
-                      </a:rPr>
-                      <m:t>1</m:t>
+                      <m:t>=1</m:t>
                     </m:r>
                   </m:oMath>
                 </a14:m>
@@ -5078,9 +6170,18 @@
                       <m:e>
                         <m:r>
                           <a:rPr lang="de-DE" sz="2400" b="0" i="1" dirty="0" smtClean="0">
-                            <a:latin typeface="Cambria Math"/>
-                          </a:rPr>
-                          <m:t>0=</m:t>
+                            <a:solidFill>
+                              <a:srgbClr val="FF0000"/>
+                            </a:solidFill>
+                            <a:latin typeface="Cambria Math"/>
+                          </a:rPr>
+                          <m:t>0</m:t>
+                        </m:r>
+                        <m:r>
+                          <a:rPr lang="de-DE" sz="2400" b="0" i="1" dirty="0" smtClean="0">
+                            <a:latin typeface="Cambria Math"/>
+                          </a:rPr>
+                          <m:t>=</m:t>
                         </m:r>
                         <m:r>
                           <a:rPr lang="de-DE" sz="2400" b="0" i="1" dirty="0" smtClean="0">
@@ -5161,7 +6262,10 @@
                       </m:sub>
                     </m:sSub>
                     <m:r>
-                      <a:rPr lang="de-DE" sz="2400" i="1" dirty="0">
+                      <a:rPr lang="de-DE" sz="2400" i="1" dirty="0" smtClean="0">
+                        <a:solidFill>
+                          <a:srgbClr val="FF0000"/>
+                        </a:solidFill>
                         <a:latin typeface="Cambria Math"/>
                         <a:ea typeface="Cambria Math"/>
                       </a:rPr>
@@ -5169,6 +6273,42 @@
                     </m:r>
                     <m:r>
                       <a:rPr lang="de-DE" sz="2400" b="0" i="1" dirty="0" smtClean="0">
+                        <a:latin typeface="Cambria Math"/>
+                        <a:ea typeface="Cambria Math"/>
+                      </a:rPr>
+                      <m:t>𝑣</m:t>
+                    </m:r>
+                    <m:d>
+                      <m:dPr>
+                        <m:ctrlPr>
+                          <a:rPr lang="de-DE" sz="2400" b="0" i="1" dirty="0" smtClean="0">
+                            <a:latin typeface="Cambria Math"/>
+                            <a:ea typeface="Cambria Math"/>
+                          </a:rPr>
+                        </m:ctrlPr>
+                      </m:dPr>
+                      <m:e>
+                        <m:r>
+                          <a:rPr lang="de-DE" sz="2400" b="0" i="1" dirty="0" smtClean="0">
+                            <a:latin typeface="Cambria Math"/>
+                            <a:ea typeface="Cambria Math"/>
+                          </a:rPr>
+                          <m:t>𝑆</m:t>
+                        </m:r>
+                      </m:e>
+                    </m:d>
+                    <m:r>
+                      <a:rPr lang="de-DE" sz="2400" b="0" i="1" dirty="0" smtClean="0">
+                        <a:latin typeface="Cambria Math"/>
+                        <a:ea typeface="Cambria Math"/>
+                      </a:rPr>
+                      <m:t>=</m:t>
+                    </m:r>
+                    <m:r>
+                      <a:rPr lang="de-DE" sz="2400" b="0" i="1" dirty="0" smtClean="0">
+                        <a:solidFill>
+                          <a:srgbClr val="FF0000"/>
+                        </a:solidFill>
                         <a:latin typeface="Cambria Math"/>
                         <a:ea typeface="Cambria Math"/>
                       </a:rPr>
@@ -5176,7 +6316,11 @@
                     </m:r>
                   </m:oMath>
                 </a14:m>
-                <a:endParaRPr lang="de-DE" sz="2400" dirty="0"/>
+                <a:endParaRPr lang="de-DE" sz="2400" dirty="0">
+                  <a:solidFill>
+                    <a:srgbClr val="FF0000"/>
+                  </a:solidFill>
+                </a:endParaRPr>
               </a:p>
               <a:p>
                 <a:pPr marL="0" indent="0">
@@ -5206,13 +6350,13 @@
             </p:nvSpPr>
             <p:spPr>
               <a:xfrm>
-                <a:off x="467544" y="3068960"/>
-                <a:ext cx="8219256" cy="3057203"/>
+                <a:off x="467544" y="2852936"/>
+                <a:ext cx="8219256" cy="3273227"/>
               </a:xfrm>
               <a:blipFill rotWithShape="1">
                 <a:blip r:embed="rId3"/>
                 <a:stretch>
-                  <a:fillRect l="-1187" t="-1394" b="-1793"/>
+                  <a:fillRect l="-1187" t="-1304" b="-745"/>
                 </a:stretch>
               </a:blipFill>
             </p:spPr>
@@ -5231,70 +6375,141 @@
           </p:sp>
         </mc:Fallback>
       </mc:AlternateContent>
-      <p:sp>
-        <p:nvSpPr>
-          <p:cNvPr id="9" name="Gewitterblitz 8"/>
-          <p:cNvSpPr/>
+      <p:grpSp>
+        <p:nvGrpSpPr>
+          <p:cNvPr id="19" name="Gruppieren 18"/>
+          <p:cNvGrpSpPr/>
           <p:nvPr/>
-        </p:nvSpPr>
-        <p:spPr bwMode="auto">
-          <a:xfrm rot="20159503" flipH="1">
-            <a:off x="6665321" y="5489496"/>
-            <a:ext cx="413152" cy="919568"/>
+        </p:nvGrpSpPr>
+        <p:grpSpPr>
+          <a:xfrm rot="20160000" flipH="1">
+            <a:off x="7639799" y="5678706"/>
+            <a:ext cx="246748" cy="522170"/>
+            <a:chOff x="7668344" y="4725144"/>
+            <a:chExt cx="288032" cy="648072"/>
           </a:xfrm>
-          <a:prstGeom prst="lightningBolt">
-            <a:avLst/>
-          </a:prstGeom>
-          <a:solidFill>
-            <a:srgbClr val="FF0000"/>
-          </a:solidFill>
-          <a:ln w="9525" cap="flat" cmpd="sng" algn="ctr">
-            <a:noFill/>
-            <a:prstDash val="solid"/>
-            <a:round/>
-            <a:headEnd type="none" w="med" len="med"/>
-            <a:tailEnd type="none" w="med" len="med"/>
-          </a:ln>
-          <a:effectLst/>
-        </p:spPr>
-        <p:txBody>
-          <a:bodyPr vert="horz" wrap="square" lIns="91440" tIns="45720" rIns="91440" bIns="45720" numCol="1" rtlCol="0" anchor="t" anchorCtr="0" compatLnSpc="1">
-            <a:prstTxWarp prst="textNoShape">
+        </p:grpSpPr>
+        <p:cxnSp>
+          <p:nvCxnSpPr>
+            <p:cNvPr id="10" name="Gerade Verbindung 9"/>
+            <p:cNvCxnSpPr/>
+            <p:nvPr/>
+          </p:nvCxnSpPr>
+          <p:spPr bwMode="auto">
+            <a:xfrm>
+              <a:off x="7668344" y="4725144"/>
+              <a:ext cx="288032" cy="288032"/>
+            </a:xfrm>
+            <a:prstGeom prst="line">
               <a:avLst/>
-            </a:prstTxWarp>
-          </a:bodyPr>
-          <a:lstStyle/>
-          <a:p>
-            <a:pPr marL="0" marR="0" indent="0" algn="l" defTabSz="914400" rtl="0" eaLnBrk="0" fontAlgn="base" latinLnBrk="0" hangingPunct="0">
-              <a:lnSpc>
-                <a:spcPct val="100000"/>
-              </a:lnSpc>
-              <a:spcBef>
-                <a:spcPct val="0"/>
-              </a:spcBef>
-              <a:spcAft>
-                <a:spcPct val="0"/>
-              </a:spcAft>
-              <a:buClrTx/>
-              <a:buSzTx/>
-              <a:buFontTx/>
-              <a:buNone/>
-              <a:tabLst/>
-            </a:pPr>
-            <a:endParaRPr kumimoji="0" lang="de-DE" sz="2400" b="0" i="0" u="none" strike="noStrike" cap="none" normalizeH="0" baseline="0" smtClean="0">
-              <a:ln>
-                <a:noFill/>
-              </a:ln>
+            </a:prstGeom>
+            <a:solidFill>
+              <a:schemeClr val="accent1"/>
+            </a:solidFill>
+            <a:ln w="19050" cap="flat" cmpd="sng" algn="ctr">
               <a:solidFill>
-                <a:schemeClr val="tx1"/>
+                <a:srgbClr val="FF0000"/>
               </a:solidFill>
-              <a:effectLst/>
-              <a:latin typeface="Arial" charset="0"/>
-              <a:ea typeface="ＭＳ Ｐゴシック" pitchFamily="48" charset="-128"/>
-            </a:endParaRPr>
-          </a:p>
-        </p:txBody>
-      </p:sp>
+              <a:prstDash val="solid"/>
+              <a:round/>
+              <a:headEnd type="none" w="med" len="med"/>
+              <a:tailEnd type="none" w="med" len="med"/>
+            </a:ln>
+            <a:effectLst/>
+            <a:extLst>
+              <a:ext uri="{AF507438-7753-43E0-B8FC-AC1667EBCBE1}">
+                <a14:hiddenEffects xmlns:a14="http://schemas.microsoft.com/office/drawing/2010/main">
+                  <a:effectLst>
+                    <a:outerShdw dist="35921" dir="2700000" algn="ctr" rotWithShape="0">
+                      <a:schemeClr val="bg2"/>
+                    </a:outerShdw>
+                  </a:effectLst>
+                </a14:hiddenEffects>
+              </a:ext>
+            </a:extLst>
+          </p:spPr>
+        </p:cxnSp>
+        <p:cxnSp>
+          <p:nvCxnSpPr>
+            <p:cNvPr id="15" name="Gerade Verbindung mit Pfeil 14"/>
+            <p:cNvCxnSpPr/>
+            <p:nvPr/>
+          </p:nvCxnSpPr>
+          <p:spPr bwMode="auto">
+            <a:xfrm>
+              <a:off x="7668344" y="5085184"/>
+              <a:ext cx="288032" cy="288032"/>
+            </a:xfrm>
+            <a:prstGeom prst="straightConnector1">
+              <a:avLst/>
+            </a:prstGeom>
+            <a:solidFill>
+              <a:schemeClr val="accent1"/>
+            </a:solidFill>
+            <a:ln w="19050" cap="flat" cmpd="sng" algn="ctr">
+              <a:solidFill>
+                <a:srgbClr val="FF0000"/>
+              </a:solidFill>
+              <a:prstDash val="solid"/>
+              <a:round/>
+              <a:headEnd type="none" w="med" len="med"/>
+              <a:tailEnd type="arrow"/>
+            </a:ln>
+            <a:effectLst/>
+            <a:extLst>
+              <a:ext uri="{AF507438-7753-43E0-B8FC-AC1667EBCBE1}">
+                <a14:hiddenEffects xmlns:a14="http://schemas.microsoft.com/office/drawing/2010/main">
+                  <a:effectLst>
+                    <a:outerShdw dist="35921" dir="2700000" algn="ctr" rotWithShape="0">
+                      <a:schemeClr val="bg2"/>
+                    </a:outerShdw>
+                  </a:effectLst>
+                </a14:hiddenEffects>
+              </a:ext>
+            </a:extLst>
+          </p:spPr>
+        </p:cxnSp>
+        <p:cxnSp>
+          <p:nvCxnSpPr>
+            <p:cNvPr id="16" name="Gerade Verbindung 15"/>
+            <p:cNvCxnSpPr/>
+            <p:nvPr/>
+          </p:nvCxnSpPr>
+          <p:spPr bwMode="auto">
+            <a:xfrm flipV="1">
+              <a:off x="7668344" y="5013176"/>
+              <a:ext cx="288032" cy="72008"/>
+            </a:xfrm>
+            <a:prstGeom prst="line">
+              <a:avLst/>
+            </a:prstGeom>
+            <a:solidFill>
+              <a:schemeClr val="accent1"/>
+            </a:solidFill>
+            <a:ln w="19050" cap="flat" cmpd="sng" algn="ctr">
+              <a:solidFill>
+                <a:srgbClr val="FF0000"/>
+              </a:solidFill>
+              <a:prstDash val="solid"/>
+              <a:round/>
+              <a:headEnd type="none" w="med" len="med"/>
+              <a:tailEnd type="none" w="med" len="med"/>
+            </a:ln>
+            <a:effectLst/>
+            <a:extLst>
+              <a:ext uri="{AF507438-7753-43E0-B8FC-AC1667EBCBE1}">
+                <a14:hiddenEffects xmlns:a14="http://schemas.microsoft.com/office/drawing/2010/main">
+                  <a:effectLst>
+                    <a:outerShdw dist="35921" dir="2700000" algn="ctr" rotWithShape="0">
+                      <a:schemeClr val="bg2"/>
+                    </a:outerShdw>
+                  </a:effectLst>
+                </a14:hiddenEffects>
+              </a:ext>
+            </a:extLst>
+          </p:spPr>
+        </p:cxnSp>
+      </p:grpSp>
     </p:spTree>
     <p:extLst>
       <p:ext uri="{BB962C8B-B14F-4D97-AF65-F5344CB8AC3E}">
@@ -5308,7 +6523,7 @@
 </p:sld>
 </file>
 
-<file path=ppt/slides/slide11.xml><?xml version="1.0" encoding="utf-8"?>
+<file path=ppt/slides/slide14.xml><?xml version="1.0" encoding="utf-8"?>
 <p:sld xmlns:a="http://schemas.openxmlformats.org/drawingml/2006/main" xmlns:r="http://schemas.openxmlformats.org/officeDocument/2006/relationships" xmlns:p="http://schemas.openxmlformats.org/presentationml/2006/main">
   <p:cSld>
     <p:spTree>
@@ -5370,10 +6585,39 @@
               <a:buNone/>
             </a:pPr>
             <a:r>
-              <a:rPr lang="de-DE" sz="2800" dirty="0" smtClean="0"/>
-              <a:t>Zur Betrachtung der Eindeutigkeit verändern Sie nun den Abstimmungsmodus, sodass mindestens 80% der Stimmen nötig sind, um die 100 Millionen zu erhalten. Welche Minimalkoalitionen sind nun vorhanden? Welche Auszahlungsvektoren liegen im Kern? Beachten Sie, dass der Kern – im Gegensatz zu Shapley – keine Fairness berücksichtigt.</a:t>
-            </a:r>
-            <a:endParaRPr lang="de-DE" sz="2800" dirty="0"/>
+              <a:rPr lang="de-DE" sz="2400" dirty="0" smtClean="0"/>
+              <a:t>Zur Betrachtung der Eindeutigkeit verändern Sie nun den Abstimmungsmodus, sodass </a:t>
+            </a:r>
+            <a:r>
+              <a:rPr lang="de-DE" sz="2400" b="1" dirty="0" smtClean="0"/>
+              <a:t>mindestens 80% </a:t>
+            </a:r>
+            <a:r>
+              <a:rPr lang="de-DE" sz="2400" dirty="0" smtClean="0"/>
+              <a:t>der Stimmen nötig sind, um die 100 Millionen zu erhalten. </a:t>
+            </a:r>
+            <a:endParaRPr lang="de-DE" sz="2400" dirty="0" smtClean="0"/>
+          </a:p>
+          <a:p>
+            <a:pPr marL="0" indent="0">
+              <a:buNone/>
+            </a:pPr>
+            <a:r>
+              <a:rPr lang="de-DE" sz="2400" dirty="0" smtClean="0"/>
+              <a:t/>
+            </a:r>
+            <a:br>
+              <a:rPr lang="de-DE" sz="2400" dirty="0" smtClean="0"/>
+            </a:br>
+            <a:r>
+              <a:rPr lang="de-DE" sz="2400" dirty="0" smtClean="0"/>
+              <a:t>Welche </a:t>
+            </a:r>
+            <a:r>
+              <a:rPr lang="de-DE" sz="2400" dirty="0" smtClean="0"/>
+              <a:t>Minimalkoalitionen sind nun vorhanden? Welche Auszahlungsvektoren liegen im Kern? Beachten Sie, dass der Kern – im Gegensatz zu Shapley – keine Fairness berücksichtigt.</a:t>
+            </a:r>
+            <a:endParaRPr lang="de-DE" sz="2400" dirty="0"/>
           </a:p>
         </p:txBody>
       </p:sp>
@@ -5390,7 +6634,7 @@
 </p:sld>
 </file>
 
-<file path=ppt/slides/slide12.xml><?xml version="1.0" encoding="utf-8"?>
+<file path=ppt/slides/slide15.xml><?xml version="1.0" encoding="utf-8"?>
 <p:sld xmlns:a="http://schemas.openxmlformats.org/drawingml/2006/main" xmlns:r="http://schemas.openxmlformats.org/officeDocument/2006/relationships" xmlns:p="http://schemas.openxmlformats.org/presentationml/2006/main">
   <p:cSld>
     <p:spTree>
@@ -5433,6 +6677,214 @@
           </a:p>
         </p:txBody>
       </p:sp>
+      <p:sp>
+        <p:nvSpPr>
+          <p:cNvPr id="5" name="Inhaltsplatzhalter 4"/>
+          <p:cNvSpPr>
+            <a:spLocks noGrp="1"/>
+          </p:cNvSpPr>
+          <p:nvPr>
+            <p:ph idx="1"/>
+          </p:nvPr>
+        </p:nvSpPr>
+        <p:spPr/>
+        <p:txBody>
+          <a:bodyPr/>
+          <a:lstStyle/>
+          <a:p>
+            <a:pPr marL="0" indent="0">
+              <a:buNone/>
+            </a:pPr>
+            <a:r>
+              <a:rPr lang="de-DE" sz="2400" dirty="0"/>
+              <a:t>Welche Minimalkoalitionen sind nun vorhanden</a:t>
+            </a:r>
+            <a:r>
+              <a:rPr lang="de-DE" sz="2400" dirty="0" smtClean="0"/>
+              <a:t>?</a:t>
+            </a:r>
+            <a:r>
+              <a:rPr lang="de-DE" sz="2400" dirty="0" smtClean="0"/>
+              <a:t/>
+            </a:r>
+            <a:br>
+              <a:rPr lang="de-DE" sz="2400" dirty="0" smtClean="0"/>
+            </a:br>
+            <a:endParaRPr lang="de-DE" sz="2400" dirty="0" smtClean="0"/>
+          </a:p>
+          <a:p>
+            <a:r>
+              <a:rPr lang="de-DE" sz="2400" dirty="0" smtClean="0"/>
+              <a:t>{A, B, C} haben zusammen 85 Stimmen</a:t>
+            </a:r>
+          </a:p>
+          <a:p>
+            <a:r>
+              <a:rPr lang="de-DE" sz="2400" dirty="0" smtClean="0"/>
+              <a:t>{A, B, D} </a:t>
+            </a:r>
+            <a:r>
+              <a:rPr lang="de-DE" sz="2400" dirty="0"/>
+              <a:t>haben zusammen 85 Stimmen</a:t>
+            </a:r>
+            <a:endParaRPr lang="de-DE" sz="2400" dirty="0" smtClean="0"/>
+          </a:p>
+          <a:p>
+            <a:r>
+              <a:rPr lang="de-DE" sz="2400" dirty="0" smtClean="0">
+                <a:solidFill>
+                  <a:schemeClr val="bg1">
+                    <a:lumMod val="65000"/>
+                  </a:schemeClr>
+                </a:solidFill>
+              </a:rPr>
+              <a:t>{A, C, D} </a:t>
+            </a:r>
+            <a:r>
+              <a:rPr lang="de-DE" sz="2400" dirty="0">
+                <a:solidFill>
+                  <a:schemeClr val="bg1">
+                    <a:lumMod val="65000"/>
+                  </a:schemeClr>
+                </a:solidFill>
+              </a:rPr>
+              <a:t>haben zusammen </a:t>
+            </a:r>
+            <a:r>
+              <a:rPr lang="de-DE" sz="2400" dirty="0" smtClean="0">
+                <a:solidFill>
+                  <a:schemeClr val="bg1">
+                    <a:lumMod val="65000"/>
+                  </a:schemeClr>
+                </a:solidFill>
+              </a:rPr>
+              <a:t>75 </a:t>
+            </a:r>
+            <a:r>
+              <a:rPr lang="de-DE" sz="2400" dirty="0">
+                <a:solidFill>
+                  <a:schemeClr val="bg1">
+                    <a:lumMod val="65000"/>
+                  </a:schemeClr>
+                </a:solidFill>
+              </a:rPr>
+              <a:t>Stimmen</a:t>
+            </a:r>
+            <a:endParaRPr lang="de-DE" sz="2400" dirty="0" smtClean="0">
+              <a:solidFill>
+                <a:schemeClr val="bg1">
+                  <a:lumMod val="65000"/>
+                </a:schemeClr>
+              </a:solidFill>
+            </a:endParaRPr>
+          </a:p>
+          <a:p>
+            <a:r>
+              <a:rPr lang="de-DE" sz="2400" dirty="0" smtClean="0">
+                <a:solidFill>
+                  <a:schemeClr val="bg1">
+                    <a:lumMod val="65000"/>
+                  </a:schemeClr>
+                </a:solidFill>
+              </a:rPr>
+              <a:t>{B, C, D}</a:t>
+            </a:r>
+            <a:r>
+              <a:rPr lang="de-DE" sz="2400" dirty="0">
+                <a:solidFill>
+                  <a:schemeClr val="bg1">
+                    <a:lumMod val="65000"/>
+                  </a:schemeClr>
+                </a:solidFill>
+              </a:rPr>
+              <a:t> haben zusammen </a:t>
+            </a:r>
+            <a:r>
+              <a:rPr lang="de-DE" sz="2400" dirty="0" smtClean="0">
+                <a:solidFill>
+                  <a:schemeClr val="bg1">
+                    <a:lumMod val="65000"/>
+                  </a:schemeClr>
+                </a:solidFill>
+              </a:rPr>
+              <a:t>55 </a:t>
+            </a:r>
+            <a:r>
+              <a:rPr lang="de-DE" sz="2400" dirty="0">
+                <a:solidFill>
+                  <a:schemeClr val="bg1">
+                    <a:lumMod val="65000"/>
+                  </a:schemeClr>
+                </a:solidFill>
+              </a:rPr>
+              <a:t>Stimmen</a:t>
+            </a:r>
+            <a:endParaRPr lang="de-DE" sz="2400" dirty="0">
+              <a:solidFill>
+                <a:schemeClr val="bg1">
+                  <a:lumMod val="65000"/>
+                </a:schemeClr>
+              </a:solidFill>
+            </a:endParaRPr>
+          </a:p>
+        </p:txBody>
+      </p:sp>
+    </p:spTree>
+    <p:extLst>
+      <p:ext uri="{BB962C8B-B14F-4D97-AF65-F5344CB8AC3E}">
+        <p14:creationId xmlns:p14="http://schemas.microsoft.com/office/powerpoint/2010/main" val="1272569857"/>
+      </p:ext>
+    </p:extLst>
+  </p:cSld>
+  <p:clrMapOvr>
+    <a:masterClrMapping/>
+  </p:clrMapOvr>
+</p:sld>
+</file>
+
+<file path=ppt/slides/slide16.xml><?xml version="1.0" encoding="utf-8"?>
+<p:sld xmlns:a="http://schemas.openxmlformats.org/drawingml/2006/main" xmlns:r="http://schemas.openxmlformats.org/officeDocument/2006/relationships" xmlns:p="http://schemas.openxmlformats.org/presentationml/2006/main">
+  <p:cSld>
+    <p:spTree>
+      <p:nvGrpSpPr>
+        <p:cNvPr id="1" name=""/>
+        <p:cNvGrpSpPr/>
+        <p:nvPr/>
+      </p:nvGrpSpPr>
+      <p:grpSpPr>
+        <a:xfrm>
+          <a:off x="0" y="0"/>
+          <a:ext cx="0" cy="0"/>
+          <a:chOff x="0" y="0"/>
+          <a:chExt cx="0" cy="0"/>
+        </a:xfrm>
+      </p:grpSpPr>
+      <p:sp>
+        <p:nvSpPr>
+          <p:cNvPr id="2" name="Titel 1"/>
+          <p:cNvSpPr>
+            <a:spLocks noGrp="1"/>
+          </p:cNvSpPr>
+          <p:nvPr>
+            <p:ph type="title"/>
+          </p:nvPr>
+        </p:nvSpPr>
+        <p:spPr/>
+        <p:txBody>
+          <a:bodyPr/>
+          <a:lstStyle/>
+          <a:p>
+            <a:r>
+              <a:rPr lang="de-DE" dirty="0" smtClean="0"/>
+              <a:t>Aufgabe 1f</a:t>
+            </a:r>
+            <a:br>
+              <a:rPr lang="de-DE" dirty="0" smtClean="0"/>
+            </a:br>
+            <a:endParaRPr lang="de-DE" dirty="0"/>
+          </a:p>
+        </p:txBody>
+      </p:sp>
       <p:pic>
         <p:nvPicPr>
           <p:cNvPr id="8" name="Inhaltsplatzhalter 7"/>
@@ -5444,7 +6896,7 @@
           </p:nvPr>
         </p:nvPicPr>
         <p:blipFill>
-          <a:blip r:embed="rId2">
+          <a:blip r:embed="rId3">
             <a:extLst>
               <a:ext uri="{28A0092B-C50C-407E-A947-70E740481C1C}">
                 <a14:useLocalDpi xmlns:a14="http://schemas.microsoft.com/office/drawing/2010/main" val="0"/>
@@ -5476,8 +6928,8 @@
             </p:nvSpPr>
             <p:spPr>
               <a:xfrm>
-                <a:off x="467544" y="3068960"/>
-                <a:ext cx="8219256" cy="3057203"/>
+                <a:off x="467544" y="2852936"/>
+                <a:ext cx="8219256" cy="3273227"/>
               </a:xfrm>
             </p:spPr>
             <p:txBody>
@@ -5701,6 +7153,10 @@
                   <a:rPr lang="de-DE" sz="2400" dirty="0" smtClean="0"/>
                   <a:t>Minimalkoalitionen: 	</a:t>
                 </a:r>
+                <a:r>
+                  <a:rPr lang="de-DE" sz="2400" dirty="0" smtClean="0"/>
+                  <a:t>   </a:t>
+                </a:r>
                 <a14:m>
                   <m:oMath xmlns:m="http://schemas.openxmlformats.org/officeDocument/2006/math">
                     <m:sSub>
@@ -5763,8 +7219,33 @@
                       <a:rPr lang="de-DE" sz="2400" b="0" i="1" smtClean="0">
                         <a:latin typeface="Cambria Math"/>
                       </a:rPr>
-                      <m:t> </m:t>
-                    </m:r>
+                      <m:t>+</m:t>
+                    </m:r>
+                    <m:sSub>
+                      <m:sSubPr>
+                        <m:ctrlPr>
+                          <a:rPr lang="de-DE" sz="2400" b="0" i="1" smtClean="0">
+                            <a:latin typeface="Cambria Math"/>
+                          </a:rPr>
+                        </m:ctrlPr>
+                      </m:sSubPr>
+                      <m:e>
+                        <m:r>
+                          <a:rPr lang="de-DE" sz="2400" b="0" i="1" smtClean="0">
+                            <a:latin typeface="Cambria Math"/>
+                          </a:rPr>
+                          <m:t>𝑥</m:t>
+                        </m:r>
+                      </m:e>
+                      <m:sub>
+                        <m:r>
+                          <a:rPr lang="de-DE" sz="2400" b="0" i="1" smtClean="0">
+                            <a:latin typeface="Cambria Math"/>
+                          </a:rPr>
+                          <m:t>𝐶</m:t>
+                        </m:r>
+                      </m:sub>
+                    </m:sSub>
                     <m:r>
                       <a:rPr lang="de-DE" sz="2400" b="0" i="1" smtClean="0">
                         <a:latin typeface="Cambria Math"/>
@@ -5784,6 +7265,127 @@
                   <a:rPr lang="de-DE" sz="2400" b="0" dirty="0" smtClean="0"/>
                   <a:t>			</a:t>
                 </a:r>
+                <a:r>
+                  <a:rPr lang="de-DE" sz="2400" b="0" dirty="0" smtClean="0"/>
+                  <a:t>   </a:t>
+                </a:r>
+                <a14:m>
+                  <m:oMath xmlns:m="http://schemas.openxmlformats.org/officeDocument/2006/math">
+                    <m:sSub>
+                      <m:sSubPr>
+                        <m:ctrlPr>
+                          <a:rPr lang="de-DE" sz="2400" i="1">
+                            <a:latin typeface="Cambria Math"/>
+                          </a:rPr>
+                        </m:ctrlPr>
+                      </m:sSubPr>
+                      <m:e>
+                        <m:r>
+                          <a:rPr lang="de-DE" sz="2400" i="1">
+                            <a:latin typeface="Cambria Math"/>
+                          </a:rPr>
+                          <m:t>𝑥</m:t>
+                        </m:r>
+                      </m:e>
+                      <m:sub>
+                        <m:r>
+                          <a:rPr lang="de-DE" sz="2400" i="1">
+                            <a:latin typeface="Cambria Math"/>
+                          </a:rPr>
+                          <m:t>𝐴</m:t>
+                        </m:r>
+                      </m:sub>
+                    </m:sSub>
+                    <m:r>
+                      <a:rPr lang="de-DE" sz="2400" i="1">
+                        <a:latin typeface="Cambria Math"/>
+                      </a:rPr>
+                      <m:t>+</m:t>
+                    </m:r>
+                    <m:sSub>
+                      <m:sSubPr>
+                        <m:ctrlPr>
+                          <a:rPr lang="de-DE" sz="2400" i="1">
+                            <a:latin typeface="Cambria Math"/>
+                          </a:rPr>
+                        </m:ctrlPr>
+                      </m:sSubPr>
+                      <m:e>
+                        <m:r>
+                          <a:rPr lang="de-DE" sz="2400" i="1">
+                            <a:latin typeface="Cambria Math"/>
+                          </a:rPr>
+                          <m:t>𝑥</m:t>
+                        </m:r>
+                      </m:e>
+                      <m:sub>
+                        <m:r>
+                          <a:rPr lang="de-DE" sz="2400" i="1">
+                            <a:latin typeface="Cambria Math"/>
+                          </a:rPr>
+                          <m:t>𝐵</m:t>
+                        </m:r>
+                      </m:sub>
+                    </m:sSub>
+                    <m:r>
+                      <a:rPr lang="de-DE" sz="2400" i="1">
+                        <a:latin typeface="Cambria Math"/>
+                      </a:rPr>
+                      <m:t>+</m:t>
+                    </m:r>
+                    <m:sSub>
+                      <m:sSubPr>
+                        <m:ctrlPr>
+                          <a:rPr lang="de-DE" sz="2400" i="1">
+                            <a:latin typeface="Cambria Math"/>
+                          </a:rPr>
+                        </m:ctrlPr>
+                      </m:sSubPr>
+                      <m:e>
+                        <m:r>
+                          <a:rPr lang="de-DE" sz="2400" i="1">
+                            <a:latin typeface="Cambria Math"/>
+                          </a:rPr>
+                          <m:t>𝑥</m:t>
+                        </m:r>
+                      </m:e>
+                      <m:sub>
+                        <m:r>
+                          <a:rPr lang="de-DE" sz="2400" b="0" i="1" smtClean="0">
+                            <a:latin typeface="Cambria Math"/>
+                          </a:rPr>
+                          <m:t>𝐷</m:t>
+                        </m:r>
+                      </m:sub>
+                    </m:sSub>
+                    <m:r>
+                      <a:rPr lang="de-DE" sz="2400" b="0" i="1" smtClean="0">
+                        <a:latin typeface="Cambria Math"/>
+                        <a:ea typeface="Cambria Math"/>
+                      </a:rPr>
+                      <m:t>≥1</m:t>
+                    </m:r>
+                  </m:oMath>
+                </a14:m>
+                <a:r>
+                  <a:rPr lang="de-DE" sz="2400" dirty="0" smtClean="0"/>
+                  <a:t/>
+                </a:r>
+                <a:br>
+                  <a:rPr lang="de-DE" sz="2400" dirty="0" smtClean="0"/>
+                </a:br>
+                <a:endParaRPr lang="de-DE" sz="1200" dirty="0" smtClean="0"/>
+              </a:p>
+              <a:p>
+                <a:pPr marL="0" indent="0">
+                  <a:buNone/>
+                </a:pPr>
+                <a:r>
+                  <a:rPr lang="de-DE" sz="2400" dirty="0" smtClean="0">
+                    <a:sym typeface="Wingdings" panose="05000000000000000000" pitchFamily="2" charset="2"/>
+                  </a:rPr>
+                  <a:t>	 </a:t>
+                </a:r>
                 <a14:m>
                   <m:oMath xmlns:m="http://schemas.openxmlformats.org/officeDocument/2006/math">
                     <m:sSub>
@@ -5807,205 +7409,6 @@
                           <a:rPr lang="de-DE" sz="2400" b="0" i="1" smtClean="0">
                             <a:latin typeface="Cambria Math"/>
                           </a:rPr>
-                          <m:t>𝐴</m:t>
-                        </m:r>
-                      </m:sub>
-                    </m:sSub>
-                    <m:r>
-                      <a:rPr lang="de-DE" sz="2400" b="0" i="1" smtClean="0">
-                        <a:latin typeface="Cambria Math"/>
-                      </a:rPr>
-                      <m:t>+</m:t>
-                    </m:r>
-                    <m:sSub>
-                      <m:sSubPr>
-                        <m:ctrlPr>
-                          <a:rPr lang="de-DE" sz="2400" i="1" smtClean="0">
-                            <a:latin typeface="Cambria Math"/>
-                          </a:rPr>
-                        </m:ctrlPr>
-                      </m:sSubPr>
-                      <m:e>
-                        <m:r>
-                          <a:rPr lang="de-DE" sz="2400" b="0" i="1" smtClean="0">
-                            <a:latin typeface="Cambria Math"/>
-                          </a:rPr>
-                          <m:t>𝑥</m:t>
-                        </m:r>
-                      </m:e>
-                      <m:sub>
-                        <m:r>
-                          <a:rPr lang="de-DE" sz="2400" b="0" i="1" smtClean="0">
-                            <a:latin typeface="Cambria Math"/>
-                          </a:rPr>
-                          <m:t>𝐶</m:t>
-                        </m:r>
-                      </m:sub>
-                    </m:sSub>
-                    <m:r>
-                      <a:rPr lang="de-DE" sz="2400" b="0" i="1" smtClean="0">
-                        <a:latin typeface="Cambria Math"/>
-                      </a:rPr>
-                      <m:t> </m:t>
-                    </m:r>
-                    <m:r>
-                      <a:rPr lang="de-DE" sz="2400" b="0" i="1" smtClean="0">
-                        <a:latin typeface="Cambria Math"/>
-                        <a:ea typeface="Cambria Math"/>
-                      </a:rPr>
-                      <m:t>≥1</m:t>
-                    </m:r>
-                  </m:oMath>
-                </a14:m>
-                <a:endParaRPr lang="de-DE" sz="2400" dirty="0"/>
-              </a:p>
-              <a:p>
-                <a:pPr marL="0" indent="0">
-                  <a:buNone/>
-                </a:pPr>
-                <a:r>
-                  <a:rPr lang="de-DE" sz="2400" dirty="0" smtClean="0"/>
-                  <a:t>			</a:t>
-                </a:r>
-                <a14:m>
-                  <m:oMath xmlns:m="http://schemas.openxmlformats.org/officeDocument/2006/math">
-                    <m:sSub>
-                      <m:sSubPr>
-                        <m:ctrlPr>
-                          <a:rPr lang="de-DE" sz="2400" i="1" smtClean="0">
-                            <a:latin typeface="Cambria Math"/>
-                          </a:rPr>
-                        </m:ctrlPr>
-                      </m:sSubPr>
-                      <m:e>
-                        <m:r>
-                          <a:rPr lang="de-DE" sz="2400" b="0" i="1" smtClean="0">
-                            <a:latin typeface="Cambria Math"/>
-                          </a:rPr>
-                          <m:t>𝑥</m:t>
-                        </m:r>
-                      </m:e>
-                      <m:sub>
-                        <m:r>
-                          <a:rPr lang="de-DE" sz="2400" b="0" i="1" smtClean="0">
-                            <a:latin typeface="Cambria Math"/>
-                          </a:rPr>
-                          <m:t>𝐴</m:t>
-                        </m:r>
-                      </m:sub>
-                    </m:sSub>
-                    <m:r>
-                      <a:rPr lang="de-DE" sz="2400" b="0" i="1" smtClean="0">
-                        <a:latin typeface="Cambria Math"/>
-                      </a:rPr>
-                      <m:t>+</m:t>
-                    </m:r>
-                    <m:sSub>
-                      <m:sSubPr>
-                        <m:ctrlPr>
-                          <a:rPr lang="de-DE" sz="2400" i="1" smtClean="0">
-                            <a:latin typeface="Cambria Math"/>
-                          </a:rPr>
-                        </m:ctrlPr>
-                      </m:sSubPr>
-                      <m:e>
-                        <m:r>
-                          <a:rPr lang="de-DE" sz="2400" b="0" i="1" smtClean="0">
-                            <a:latin typeface="Cambria Math"/>
-                          </a:rPr>
-                          <m:t>𝑥</m:t>
-                        </m:r>
-                      </m:e>
-                      <m:sub>
-                        <m:r>
-                          <a:rPr lang="de-DE" sz="2400" b="0" i="1" smtClean="0">
-                            <a:latin typeface="Cambria Math"/>
-                          </a:rPr>
-                          <m:t>𝐷</m:t>
-                        </m:r>
-                      </m:sub>
-                    </m:sSub>
-                    <m:r>
-                      <a:rPr lang="de-DE" sz="2400" b="0" i="1" smtClean="0">
-                        <a:latin typeface="Cambria Math"/>
-                      </a:rPr>
-                      <m:t> </m:t>
-                    </m:r>
-                    <m:r>
-                      <a:rPr lang="de-DE" sz="2400" b="0" i="1" smtClean="0">
-                        <a:latin typeface="Cambria Math"/>
-                        <a:ea typeface="Cambria Math"/>
-                      </a:rPr>
-                      <m:t>≥1</m:t>
-                    </m:r>
-                  </m:oMath>
-                </a14:m>
-                <a:endParaRPr lang="de-DE" sz="2400" dirty="0" smtClean="0"/>
-              </a:p>
-              <a:p>
-                <a:pPr marL="0" indent="0">
-                  <a:buNone/>
-                </a:pPr>
-                <a:r>
-                  <a:rPr lang="de-DE" sz="2400" dirty="0" smtClean="0">
-                    <a:sym typeface="Wingdings" panose="05000000000000000000" pitchFamily="2" charset="2"/>
-                  </a:rPr>
-                  <a:t>	 </a:t>
-                </a:r>
-                <a14:m>
-                  <m:oMath xmlns:m="http://schemas.openxmlformats.org/officeDocument/2006/math">
-                    <m:sSub>
-                      <m:sSubPr>
-                        <m:ctrlPr>
-                          <a:rPr lang="de-DE" sz="2400" i="1" smtClean="0">
-                            <a:latin typeface="Cambria Math"/>
-                          </a:rPr>
-                        </m:ctrlPr>
-                      </m:sSubPr>
-                      <m:e>
-                        <m:r>
-                          <a:rPr lang="de-DE" sz="2400" b="0" i="1" smtClean="0">
-                            <a:latin typeface="Cambria Math"/>
-                          </a:rPr>
-                          <m:t>𝑥</m:t>
-                        </m:r>
-                      </m:e>
-                      <m:sub>
-                        <m:r>
-                          <a:rPr lang="de-DE" sz="2400" b="0" i="1" smtClean="0">
-                            <a:latin typeface="Cambria Math"/>
-                          </a:rPr>
-                          <m:t>𝐵</m:t>
-                        </m:r>
-                      </m:sub>
-                    </m:sSub>
-                    <m:r>
-                      <a:rPr lang="de-DE" sz="2400" b="0" i="1" smtClean="0">
-                        <a:latin typeface="Cambria Math"/>
-                      </a:rPr>
-                      <m:t>=</m:t>
-                    </m:r>
-                    <m:sSub>
-                      <m:sSubPr>
-                        <m:ctrlPr>
-                          <a:rPr lang="de-DE" sz="2400" i="1" smtClean="0">
-                            <a:latin typeface="Cambria Math"/>
-                          </a:rPr>
-                        </m:ctrlPr>
-                      </m:sSubPr>
-                      <m:e>
-                        <m:r>
-                          <a:rPr lang="de-DE" sz="2400" b="0" i="1" smtClean="0">
-                            <a:latin typeface="Cambria Math"/>
-                          </a:rPr>
-                          <m:t>𝑥</m:t>
-                        </m:r>
-                      </m:e>
-                      <m:sub>
-                        <m:r>
-                          <a:rPr lang="de-DE" sz="2400" b="0" i="1" smtClean="0">
-                            <a:latin typeface="Cambria Math"/>
-                          </a:rPr>
                           <m:t>𝐶</m:t>
                         </m:r>
                       </m:sub>
@@ -6051,7 +7454,7 @@
                 </a14:m>
                 <a:r>
                   <a:rPr lang="de-DE" sz="2400" b="0" dirty="0" smtClean="0"/>
-                  <a:t>	</a:t>
+                  <a:t>    und    </a:t>
                 </a:r>
                 <a14:m>
                   <m:oMath xmlns:m="http://schemas.openxmlformats.org/officeDocument/2006/math">
@@ -6084,202 +7487,319 @@
                       <a:rPr lang="de-DE" sz="2400" b="0" i="1" smtClean="0">
                         <a:latin typeface="Cambria Math"/>
                       </a:rPr>
-                      <m:t>=</m:t>
-                    </m:r>
+                      <m:t>+</m:t>
+                    </m:r>
+                    <m:sSub>
+                      <m:sSubPr>
+                        <m:ctrlPr>
+                          <a:rPr lang="de-DE" sz="2400" i="1" smtClean="0">
+                            <a:latin typeface="Cambria Math"/>
+                          </a:rPr>
+                        </m:ctrlPr>
+                      </m:sSubPr>
+                      <m:e>
+                        <m:r>
+                          <a:rPr lang="de-DE" sz="2400" i="1">
+                            <a:latin typeface="Cambria Math"/>
+                          </a:rPr>
+                          <m:t>𝑥</m:t>
+                        </m:r>
+                      </m:e>
+                      <m:sub>
+                        <m:r>
+                          <a:rPr lang="de-DE" sz="2400" b="0" i="1" smtClean="0">
+                            <a:latin typeface="Cambria Math"/>
+                          </a:rPr>
+                          <m:t>𝐵</m:t>
+                        </m:r>
+                      </m:sub>
+                    </m:sSub>
                     <m:r>
                       <a:rPr lang="de-DE" sz="2400" b="0" i="1" smtClean="0">
                         <a:latin typeface="Cambria Math"/>
                       </a:rPr>
-                      <m:t>1</m:t>
+                      <m:t>=1</m:t>
                     </m:r>
                   </m:oMath>
                 </a14:m>
-                <a:r>
-                  <a:rPr lang="de-DE" sz="2400" b="0" dirty="0" smtClean="0"/>
-                  <a:t/>
-                </a:r>
-                <a:br>
-                  <a:rPr lang="de-DE" sz="2400" b="0" dirty="0" smtClean="0"/>
-                </a:br>
-                <a:endParaRPr lang="de-DE" sz="1200" b="0" dirty="0" smtClean="0"/>
+                <a:endParaRPr lang="de-DE" sz="2400" b="0" dirty="0" smtClean="0"/>
               </a:p>
               <a:p>
                 <a:pPr marL="0" indent="0">
                   <a:buNone/>
                 </a:pPr>
-                <a14:m>
-                  <m:oMath xmlns:m="http://schemas.openxmlformats.org/officeDocument/2006/math">
-                    <m:r>
-                      <a:rPr lang="de-DE" sz="2400" b="0" i="1" smtClean="0">
-                        <a:latin typeface="Cambria Math"/>
-                      </a:rPr>
-                      <m:t>𝑆</m:t>
-                    </m:r>
-                    <m:r>
-                      <a:rPr lang="de-DE" sz="2400" b="0" i="1" smtClean="0">
-                        <a:latin typeface="Cambria Math"/>
-                      </a:rPr>
-                      <m:t>={</m:t>
-                    </m:r>
-                    <m:r>
-                      <a:rPr lang="de-DE" sz="2400" b="0" i="1" smtClean="0">
-                        <a:latin typeface="Cambria Math"/>
-                      </a:rPr>
-                      <m:t>𝐵</m:t>
-                    </m:r>
-                    <m:r>
-                      <a:rPr lang="de-DE" sz="2400" b="0" i="1" smtClean="0">
-                        <a:latin typeface="Cambria Math"/>
-                      </a:rPr>
-                      <m:t>,</m:t>
-                    </m:r>
-                    <m:r>
-                      <a:rPr lang="de-DE" sz="2400" b="0" i="1" smtClean="0">
-                        <a:latin typeface="Cambria Math"/>
-                      </a:rPr>
-                      <m:t>𝐶</m:t>
-                    </m:r>
-                    <m:r>
-                      <a:rPr lang="de-DE" sz="2400" b="0" i="1" smtClean="0">
-                        <a:latin typeface="Cambria Math"/>
-                      </a:rPr>
-                      <m:t>,</m:t>
-                    </m:r>
-                    <m:r>
-                      <a:rPr lang="de-DE" sz="2400" b="0" i="1" smtClean="0">
-                        <a:latin typeface="Cambria Math"/>
-                      </a:rPr>
-                      <m:t>𝐷</m:t>
-                    </m:r>
-                    <m:r>
-                      <a:rPr lang="de-DE" sz="2400" b="0" i="1" smtClean="0">
-                        <a:latin typeface="Cambria Math"/>
-                      </a:rPr>
-                      <m:t>}</m:t>
-                    </m:r>
-                  </m:oMath>
-                </a14:m>
-                <a:r>
-                  <a:rPr lang="de-DE" sz="2400" dirty="0" smtClean="0"/>
-                  <a:t> 		 </a:t>
-                </a:r>
-                <a14:m>
-                  <m:oMath xmlns:m="http://schemas.openxmlformats.org/officeDocument/2006/math">
-                    <m:sSub>
-                      <m:sSubPr>
-                        <m:ctrlPr>
-                          <a:rPr lang="de-DE" sz="2400" i="1" dirty="0" smtClean="0">
-                            <a:latin typeface="Cambria Math"/>
-                          </a:rPr>
-                        </m:ctrlPr>
-                      </m:sSubPr>
-                      <m:e>
-                        <m:r>
-                          <a:rPr lang="de-DE" sz="2400" b="0" i="1" dirty="0" smtClean="0">
-                            <a:latin typeface="Cambria Math"/>
-                          </a:rPr>
-                          <m:t>0=</m:t>
-                        </m:r>
-                        <m:r>
-                          <a:rPr lang="de-DE" sz="2400" b="0" i="1" dirty="0" smtClean="0">
-                            <a:latin typeface="Cambria Math"/>
-                          </a:rPr>
-                          <m:t>𝑥</m:t>
-                        </m:r>
-                      </m:e>
-                      <m:sub>
-                        <m:r>
-                          <a:rPr lang="de-DE" sz="2400" b="0" i="1" dirty="0" smtClean="0">
-                            <a:latin typeface="Cambria Math"/>
-                          </a:rPr>
-                          <m:t>𝐵</m:t>
-                        </m:r>
-                      </m:sub>
-                    </m:sSub>
-                    <m:r>
-                      <a:rPr lang="de-DE" sz="2400" b="0" i="1" dirty="0" smtClean="0">
-                        <a:latin typeface="Cambria Math"/>
-                      </a:rPr>
-                      <m:t>+</m:t>
-                    </m:r>
-                    <m:sSub>
-                      <m:sSubPr>
-                        <m:ctrlPr>
-                          <a:rPr lang="de-DE" sz="2400" i="1" dirty="0" smtClean="0">
-                            <a:latin typeface="Cambria Math"/>
-                          </a:rPr>
-                        </m:ctrlPr>
-                      </m:sSubPr>
-                      <m:e>
-                        <m:r>
-                          <a:rPr lang="de-DE" sz="2400" b="0" i="1" dirty="0" smtClean="0">
-                            <a:latin typeface="Cambria Math"/>
-                          </a:rPr>
-                          <m:t>𝑥</m:t>
-                        </m:r>
-                      </m:e>
-                      <m:sub>
-                        <m:r>
-                          <a:rPr lang="de-DE" sz="2400" b="0" i="1" dirty="0" smtClean="0">
-                            <a:latin typeface="Cambria Math"/>
-                          </a:rPr>
-                          <m:t>𝐶</m:t>
-                        </m:r>
-                      </m:sub>
-                    </m:sSub>
-                    <m:r>
-                      <a:rPr lang="de-DE" sz="2400" b="0" i="1" dirty="0" smtClean="0">
-                        <a:latin typeface="Cambria Math"/>
-                      </a:rPr>
-                      <m:t>+</m:t>
-                    </m:r>
-                    <m:sSub>
-                      <m:sSubPr>
-                        <m:ctrlPr>
-                          <a:rPr lang="de-DE" sz="2400" i="1" dirty="0" smtClean="0">
-                            <a:latin typeface="Cambria Math"/>
-                          </a:rPr>
-                        </m:ctrlPr>
-                      </m:sSubPr>
-                      <m:e>
-                        <m:r>
-                          <a:rPr lang="de-DE" sz="2400" b="0" i="1" dirty="0" smtClean="0">
-                            <a:latin typeface="Cambria Math"/>
-                          </a:rPr>
-                          <m:t>𝑥</m:t>
-                        </m:r>
-                      </m:e>
-                      <m:sub>
-                        <m:r>
-                          <a:rPr lang="de-DE" sz="2400" b="0" i="1" dirty="0" smtClean="0">
-                            <a:latin typeface="Cambria Math"/>
-                          </a:rPr>
-                          <m:t>𝐷</m:t>
-                        </m:r>
-                      </m:sub>
-                    </m:sSub>
-                    <m:r>
-                      <a:rPr lang="de-DE" sz="2400" i="1" dirty="0">
-                        <a:latin typeface="Cambria Math"/>
-                        <a:ea typeface="Cambria Math"/>
-                      </a:rPr>
-                      <m:t>≥</m:t>
-                    </m:r>
-                    <m:r>
-                      <a:rPr lang="de-DE" sz="2400" b="0" i="1" dirty="0" smtClean="0">
-                        <a:latin typeface="Cambria Math"/>
-                        <a:ea typeface="Cambria Math"/>
-                      </a:rPr>
-                      <m:t>1</m:t>
-                    </m:r>
-                  </m:oMath>
-                </a14:m>
-                <a:endParaRPr lang="de-DE" sz="2400" dirty="0"/>
+                <a:endParaRPr lang="de-DE" sz="2400" b="0" dirty="0" smtClean="0"/>
               </a:p>
               <a:p>
                 <a:pPr marL="0" indent="0">
                   <a:buNone/>
                 </a:pPr>
+                <a:r>
+                  <a:rPr lang="de-DE" sz="2400" dirty="0" smtClean="0">
+                    <a:sym typeface="Wingdings" panose="05000000000000000000" pitchFamily="2" charset="2"/>
+                  </a:rPr>
+                  <a:t> </a:t>
+                </a:r>
+                <a14:m>
+                  <m:oMath xmlns:m="http://schemas.openxmlformats.org/officeDocument/2006/math">
+                    <m:r>
+                      <m:rPr>
+                        <m:sty m:val="p"/>
+                      </m:rPr>
+                      <a:rPr lang="de-DE" sz="2400" b="0" i="0" smtClean="0">
+                        <a:latin typeface="Cambria Math"/>
+                      </a:rPr>
+                      <m:t>Kern</m:t>
+                    </m:r>
+                    <m:r>
+                      <a:rPr lang="de-DE" sz="2400" b="0" i="0" smtClean="0">
+                        <a:latin typeface="Cambria Math"/>
+                      </a:rPr>
+                      <m:t>=</m:t>
+                    </m:r>
+                    <m:d>
+                      <m:dPr>
+                        <m:begChr m:val="{"/>
+                        <m:endChr m:val="|"/>
+                        <m:ctrlPr>
+                          <a:rPr lang="de-DE" sz="2400" b="0" i="1" smtClean="0">
+                            <a:latin typeface="Cambria Math"/>
+                          </a:rPr>
+                        </m:ctrlPr>
+                      </m:dPr>
+                      <m:e>
+                        <m:r>
+                          <a:rPr lang="de-DE" sz="2400" b="0" i="1" smtClean="0">
+                            <a:latin typeface="Cambria Math"/>
+                          </a:rPr>
+                          <m:t>𝑥</m:t>
+                        </m:r>
+                        <m:r>
+                          <a:rPr lang="de-DE" sz="2400" b="0" i="1" smtClean="0">
+                            <a:latin typeface="Cambria Math"/>
+                          </a:rPr>
+                          <m:t>:</m:t>
+                        </m:r>
+                        <m:r>
+                          <a:rPr lang="de-DE" sz="2400" b="0" i="1" smtClean="0">
+                            <a:latin typeface="Cambria Math"/>
+                          </a:rPr>
+                          <m:t>𝑁</m:t>
+                        </m:r>
+                        <m:r>
+                          <a:rPr lang="de-DE" sz="2400" b="0" i="1" smtClean="0">
+                            <a:latin typeface="Cambria Math"/>
+                            <a:ea typeface="Cambria Math"/>
+                          </a:rPr>
+                          <m:t>→</m:t>
+                        </m:r>
+                        <m:r>
+                          <a:rPr lang="de-DE" sz="2400" b="0" i="1" smtClean="0">
+                            <a:latin typeface="Cambria Math"/>
+                            <a:ea typeface="Cambria Math"/>
+                          </a:rPr>
+                          <m:t>ℝ</m:t>
+                        </m:r>
+                        <m:r>
+                          <a:rPr lang="de-DE" sz="2400" b="0" i="1" smtClean="0">
+                            <a:latin typeface="Cambria Math"/>
+                            <a:ea typeface="Cambria Math"/>
+                          </a:rPr>
+                          <m:t> </m:t>
+                        </m:r>
+                      </m:e>
+                    </m:d>
+                    <m:r>
+                      <a:rPr lang="de-DE" sz="2400" b="0" i="1" smtClean="0">
+                        <a:latin typeface="Cambria Math"/>
+                        <a:ea typeface="Cambria Math"/>
+                      </a:rPr>
+                      <m:t> </m:t>
+                    </m:r>
+                    <m:sSub>
+                      <m:sSubPr>
+                        <m:ctrlPr>
+                          <a:rPr lang="de-DE" sz="2400" b="0" i="1" smtClean="0">
+                            <a:latin typeface="Cambria Math"/>
+                            <a:ea typeface="Cambria Math"/>
+                          </a:rPr>
+                        </m:ctrlPr>
+                      </m:sSubPr>
+                      <m:e>
+                        <m:r>
+                          <a:rPr lang="de-DE" sz="2400" b="0" i="1" smtClean="0">
+                            <a:latin typeface="Cambria Math"/>
+                            <a:ea typeface="Cambria Math"/>
+                          </a:rPr>
+                          <m:t>𝑥</m:t>
+                        </m:r>
+                      </m:e>
+                      <m:sub>
+                        <m:r>
+                          <a:rPr lang="de-DE" sz="2400" b="0" i="1" smtClean="0">
+                            <a:latin typeface="Cambria Math"/>
+                            <a:ea typeface="Cambria Math"/>
+                          </a:rPr>
+                          <m:t>𝐴</m:t>
+                        </m:r>
+                      </m:sub>
+                    </m:sSub>
+                    <m:r>
+                      <a:rPr lang="de-DE" sz="2400" b="0" i="1" smtClean="0">
+                        <a:latin typeface="Cambria Math"/>
+                        <a:ea typeface="Cambria Math"/>
+                      </a:rPr>
+                      <m:t>+</m:t>
+                    </m:r>
+                    <m:sSub>
+                      <m:sSubPr>
+                        <m:ctrlPr>
+                          <a:rPr lang="de-DE" sz="2400" i="1">
+                            <a:latin typeface="Cambria Math"/>
+                            <a:ea typeface="Cambria Math"/>
+                          </a:rPr>
+                        </m:ctrlPr>
+                      </m:sSubPr>
+                      <m:e>
+                        <m:r>
+                          <a:rPr lang="de-DE" sz="2400" i="1">
+                            <a:latin typeface="Cambria Math"/>
+                            <a:ea typeface="Cambria Math"/>
+                          </a:rPr>
+                          <m:t>𝑥</m:t>
+                        </m:r>
+                      </m:e>
+                      <m:sub>
+                        <m:r>
+                          <a:rPr lang="de-DE" sz="2400" b="0" i="1" smtClean="0">
+                            <a:latin typeface="Cambria Math"/>
+                            <a:ea typeface="Cambria Math"/>
+                          </a:rPr>
+                          <m:t>𝐵</m:t>
+                        </m:r>
+                      </m:sub>
+                    </m:sSub>
+                    <m:r>
+                      <a:rPr lang="de-DE" sz="2400" b="0" i="1" smtClean="0">
+                        <a:latin typeface="Cambria Math"/>
+                        <a:ea typeface="Cambria Math"/>
+                      </a:rPr>
+                      <m:t>=1 ∧ </m:t>
+                    </m:r>
+                    <m:sSub>
+                      <m:sSubPr>
+                        <m:ctrlPr>
+                          <a:rPr lang="de-DE" sz="2400" i="1">
+                            <a:latin typeface="Cambria Math"/>
+                            <a:ea typeface="Cambria Math"/>
+                          </a:rPr>
+                        </m:ctrlPr>
+                      </m:sSubPr>
+                      <m:e>
+                        <m:r>
+                          <a:rPr lang="de-DE" sz="2400" i="1">
+                            <a:latin typeface="Cambria Math"/>
+                            <a:ea typeface="Cambria Math"/>
+                          </a:rPr>
+                          <m:t>𝑥</m:t>
+                        </m:r>
+                      </m:e>
+                      <m:sub>
+                        <m:r>
+                          <a:rPr lang="de-DE" sz="2400" b="0" i="1" smtClean="0">
+                            <a:latin typeface="Cambria Math"/>
+                            <a:ea typeface="Cambria Math"/>
+                          </a:rPr>
+                          <m:t>𝐶</m:t>
+                        </m:r>
+                      </m:sub>
+                    </m:sSub>
+                    <m:r>
+                      <a:rPr lang="de-DE" sz="2400" b="0" i="1" smtClean="0">
+                        <a:latin typeface="Cambria Math"/>
+                        <a:ea typeface="Cambria Math"/>
+                      </a:rPr>
+                      <m:t>=</m:t>
+                    </m:r>
+                    <m:sSub>
+                      <m:sSubPr>
+                        <m:ctrlPr>
+                          <a:rPr lang="de-DE" sz="2400" i="1">
+                            <a:latin typeface="Cambria Math"/>
+                            <a:ea typeface="Cambria Math"/>
+                          </a:rPr>
+                        </m:ctrlPr>
+                      </m:sSubPr>
+                      <m:e>
+                        <m:r>
+                          <a:rPr lang="de-DE" sz="2400" i="1">
+                            <a:latin typeface="Cambria Math"/>
+                            <a:ea typeface="Cambria Math"/>
+                          </a:rPr>
+                          <m:t>𝑥</m:t>
+                        </m:r>
+                      </m:e>
+                      <m:sub>
+                        <m:r>
+                          <a:rPr lang="de-DE" sz="2400" b="0" i="1" smtClean="0">
+                            <a:latin typeface="Cambria Math"/>
+                            <a:ea typeface="Cambria Math"/>
+                          </a:rPr>
+                          <m:t>𝐷</m:t>
+                        </m:r>
+                      </m:sub>
+                    </m:sSub>
+                    <m:r>
+                      <a:rPr lang="de-DE" sz="2400" b="0" i="1" smtClean="0">
+                        <a:latin typeface="Cambria Math"/>
+                        <a:ea typeface="Cambria Math"/>
+                      </a:rPr>
+                      <m:t>=0 ∧ </m:t>
+                    </m:r>
+                    <m:sSub>
+                      <m:sSubPr>
+                        <m:ctrlPr>
+                          <a:rPr lang="de-DE" sz="2400" i="1">
+                            <a:latin typeface="Cambria Math"/>
+                            <a:ea typeface="Cambria Math"/>
+                          </a:rPr>
+                        </m:ctrlPr>
+                      </m:sSubPr>
+                      <m:e>
+                        <m:r>
+                          <a:rPr lang="de-DE" sz="2400" i="1">
+                            <a:latin typeface="Cambria Math"/>
+                            <a:ea typeface="Cambria Math"/>
+                          </a:rPr>
+                          <m:t>𝑥</m:t>
+                        </m:r>
+                      </m:e>
+                      <m:sub>
+                        <m:r>
+                          <a:rPr lang="de-DE" sz="2400" b="0" i="1" smtClean="0">
+                            <a:latin typeface="Cambria Math"/>
+                            <a:ea typeface="Cambria Math"/>
+                          </a:rPr>
+                          <m:t>𝑖</m:t>
+                        </m:r>
+                      </m:sub>
+                    </m:sSub>
+                    <m:r>
+                      <a:rPr lang="de-DE" sz="2400" i="1" smtClean="0">
+                        <a:latin typeface="Cambria Math"/>
+                        <a:ea typeface="Cambria Math"/>
+                      </a:rPr>
+                      <m:t>≥</m:t>
+                    </m:r>
+                    <m:r>
+                      <a:rPr lang="de-DE" sz="2400" b="0" i="1" smtClean="0">
+                        <a:latin typeface="Cambria Math"/>
+                        <a:ea typeface="Cambria Math"/>
+                      </a:rPr>
+                      <m:t>0}</m:t>
+                    </m:r>
+                  </m:oMath>
+                </a14:m>
                 <a:endParaRPr lang="de-DE" sz="2400" dirty="0"/>
               </a:p>
               <a:p>
@@ -6304,13 +7824,13 @@
             </p:nvSpPr>
             <p:spPr>
               <a:xfrm>
-                <a:off x="467544" y="3068960"/>
-                <a:ext cx="8219256" cy="3057203"/>
+                <a:off x="467544" y="2852936"/>
+                <a:ext cx="8219256" cy="3273227"/>
               </a:xfrm>
               <a:blipFill rotWithShape="1">
-                <a:blip r:embed="rId3"/>
+                <a:blip r:embed="rId4"/>
                 <a:stretch>
-                  <a:fillRect l="-1187" t="-1394" b="-1793"/>
+                  <a:fillRect l="-1187" t="-1304" r="-74"/>
                 </a:stretch>
               </a:blipFill>
             </p:spPr>
@@ -6329,70 +7849,6 @@
           </p:sp>
         </mc:Fallback>
       </mc:AlternateContent>
-      <p:sp>
-        <p:nvSpPr>
-          <p:cNvPr id="9" name="Gewitterblitz 8"/>
-          <p:cNvSpPr/>
-          <p:nvPr/>
-        </p:nvSpPr>
-        <p:spPr bwMode="auto">
-          <a:xfrm rot="20159503" flipH="1">
-            <a:off x="6665321" y="5489496"/>
-            <a:ext cx="413152" cy="919568"/>
-          </a:xfrm>
-          <a:prstGeom prst="lightningBolt">
-            <a:avLst/>
-          </a:prstGeom>
-          <a:solidFill>
-            <a:srgbClr val="FF0000"/>
-          </a:solidFill>
-          <a:ln w="9525" cap="flat" cmpd="sng" algn="ctr">
-            <a:noFill/>
-            <a:prstDash val="solid"/>
-            <a:round/>
-            <a:headEnd type="none" w="med" len="med"/>
-            <a:tailEnd type="none" w="med" len="med"/>
-          </a:ln>
-          <a:effectLst/>
-        </p:spPr>
-        <p:txBody>
-          <a:bodyPr vert="horz" wrap="square" lIns="91440" tIns="45720" rIns="91440" bIns="45720" numCol="1" rtlCol="0" anchor="t" anchorCtr="0" compatLnSpc="1">
-            <a:prstTxWarp prst="textNoShape">
-              <a:avLst/>
-            </a:prstTxWarp>
-          </a:bodyPr>
-          <a:lstStyle/>
-          <a:p>
-            <a:pPr marL="0" marR="0" indent="0" algn="l" defTabSz="914400" rtl="0" eaLnBrk="0" fontAlgn="base" latinLnBrk="0" hangingPunct="0">
-              <a:lnSpc>
-                <a:spcPct val="100000"/>
-              </a:lnSpc>
-              <a:spcBef>
-                <a:spcPct val="0"/>
-              </a:spcBef>
-              <a:spcAft>
-                <a:spcPct val="0"/>
-              </a:spcAft>
-              <a:buClrTx/>
-              <a:buSzTx/>
-              <a:buFontTx/>
-              <a:buNone/>
-              <a:tabLst/>
-            </a:pPr>
-            <a:endParaRPr kumimoji="0" lang="de-DE" sz="2400" b="0" i="0" u="none" strike="noStrike" cap="none" normalizeH="0" baseline="0" smtClean="0">
-              <a:ln>
-                <a:noFill/>
-              </a:ln>
-              <a:solidFill>
-                <a:schemeClr val="tx1"/>
-              </a:solidFill>
-              <a:effectLst/>
-              <a:latin typeface="Arial" charset="0"/>
-              <a:ea typeface="ＭＳ Ｐゴシック" pitchFamily="48" charset="-128"/>
-            </a:endParaRPr>
-          </a:p>
-        </p:txBody>
-      </p:sp>
     </p:spTree>
     <p:extLst>
       <p:ext uri="{BB962C8B-B14F-4D97-AF65-F5344CB8AC3E}">
@@ -6708,8 +8164,24 @@
             </a:pPr>
             <a:r>
               <a:rPr lang="de-DE" sz="2000" dirty="0" smtClean="0"/>
-              <a:t>Nehmen Sie an, eine Gruppe von Agenten besteht aus A, B, C und D. Alle Agenten stimmen über die Auszahlung von 100 Millionen ab, und müssen dafür eine Mehrheit von 51 erreichen.</a:t>
-            </a:r>
+              <a:t>Nehmen Sie an, eine Gruppe von Agenten besteht aus A, B, C und D. Alle Agenten stimmen über die Auszahlung von 100 Millionen ab, und müssen dafür eine </a:t>
+            </a:r>
+            <a:r>
+              <a:rPr lang="de-DE" sz="2000" b="1" dirty="0" smtClean="0"/>
+              <a:t>Mehrheit von 51 </a:t>
+            </a:r>
+            <a:r>
+              <a:rPr lang="de-DE" sz="2000" dirty="0" smtClean="0"/>
+              <a:t>erreichen</a:t>
+            </a:r>
+            <a:r>
+              <a:rPr lang="de-DE" sz="2000" dirty="0" smtClean="0"/>
+              <a:t>.</a:t>
+            </a:r>
+            <a:br>
+              <a:rPr lang="de-DE" sz="2000" dirty="0" smtClean="0"/>
+            </a:br>
+            <a:endParaRPr lang="de-DE" sz="2000" dirty="0" smtClean="0"/>
           </a:p>
           <a:p>
             <a:pPr marL="0" indent="0">
@@ -6717,24 +8189,31 @@
             </a:pPr>
             <a:r>
               <a:rPr lang="de-DE" sz="2000" dirty="0" smtClean="0"/>
-              <a:t>A hat 45 Stimmen zur Verfügung, B 25 und C und D jeweils 15. Der Wert einer Koalition besteht dann in der Menge des Geldes, die sie gemeinsam akquirieren kann. Modellieren Sie diese Situation als Koalitionsspiel und berechnen Sie die Shapley-Werte der beteiligten Agenten (bezogen auf die große Koalition {A, B, C, D}). Ist diese Koalition mit dem Shapley-Wert stabil oder gibt es eine Teilkoalition, die auch ohne andere Beteiligte auskommt und</a:t>
-            </a:r>
-          </a:p>
-          <a:p>
-            <a:pPr marL="0" indent="0">
-              <a:buNone/>
-            </a:pPr>
+              <a:t>A hat 45 Stimmen zur Verfügung, B 25 und C und D jeweils 15. </a:t>
+            </a:r>
             <a:r>
               <a:rPr lang="de-DE" sz="2000" dirty="0" smtClean="0"/>
-              <a:t>für alle daran beteiligten Agenten bessere </a:t>
-            </a:r>
-            <a:r>
-              <a:rPr lang="de-DE" sz="2000" dirty="0" err="1" smtClean="0"/>
-              <a:t>Payoffs</a:t>
+              <a:t>Der </a:t>
             </a:r>
             <a:r>
               <a:rPr lang="de-DE" sz="2000" dirty="0" smtClean="0"/>
-              <a:t> erzielen kann?</a:t>
+              <a:t>Wert einer Koalition besteht dann in der Menge des Geldes, die sie gemeinsam akquirieren kann. Modellieren Sie diese Situation als Koalitionsspiel und berechnen Sie die Shapley-Werte der beteiligten Agenten (bezogen auf die große Koalition {A, B, C, D}). Ist diese Koalition mit dem Shapley-Wert stabil oder gibt es eine Teilkoalition, die auch ohne andere Beteiligte auskommt </a:t>
+            </a:r>
+            <a:r>
+              <a:rPr lang="de-DE" sz="2000" dirty="0" smtClean="0"/>
+              <a:t>und für </a:t>
+            </a:r>
+            <a:r>
+              <a:rPr lang="de-DE" sz="2000" dirty="0" smtClean="0"/>
+              <a:t>alle daran beteiligten Agenten bessere </a:t>
+            </a:r>
+            <a:r>
+              <a:rPr lang="de-DE" sz="2000" dirty="0" smtClean="0"/>
+              <a:t>Pay-Offs </a:t>
+            </a:r>
+            <a:r>
+              <a:rPr lang="de-DE" sz="2000" dirty="0" smtClean="0"/>
+              <a:t>erzielen kann?</a:t>
             </a:r>
             <a:endParaRPr lang="de-DE" sz="2000" dirty="0"/>
           </a:p>
@@ -6793,18 +8272,3387 @@
           </a:p>
         </p:txBody>
       </p:sp>
+      <mc:AlternateContent xmlns:mc="http://schemas.openxmlformats.org/markup-compatibility/2006">
+        <mc:Choice xmlns:a14="http://schemas.microsoft.com/office/drawing/2010/main" Requires="a14">
+          <p:sp>
+            <p:nvSpPr>
+              <p:cNvPr id="3" name="Inhaltsplatzhalter 2"/>
+              <p:cNvSpPr>
+                <a:spLocks noGrp="1"/>
+              </p:cNvSpPr>
+              <p:nvPr>
+                <p:ph sz="half" idx="2"/>
+              </p:nvPr>
+            </p:nvSpPr>
+            <p:spPr>
+              <a:xfrm>
+                <a:off x="683568" y="2499137"/>
+                <a:ext cx="8136904" cy="3627026"/>
+              </a:xfrm>
+            </p:spPr>
+            <p:txBody>
+              <a:bodyPr/>
+              <a:lstStyle/>
+              <a:p>
+                <a:pPr marL="0" indent="0">
+                  <a:buNone/>
+                  <a:tabLst>
+                    <a:tab pos="355600" algn="l"/>
+                    <a:tab pos="1793875" algn="l"/>
+                    <a:tab pos="4845050" algn="l"/>
+                  </a:tabLst>
+                </a:pPr>
+                <a:r>
+                  <a:rPr lang="de-DE" sz="1600" i="1" dirty="0" smtClean="0">
+                    <a:latin typeface="Cambria Math"/>
+                  </a:rPr>
+                  <a:t>	</a:t>
+                </a:r>
+                <a14:m>
+                  <m:oMath xmlns:m="http://schemas.openxmlformats.org/officeDocument/2006/math">
+                    <m:r>
+                      <a:rPr lang="de-DE" sz="1600" i="1" smtClean="0">
+                        <a:solidFill>
+                          <a:srgbClr val="C00000"/>
+                        </a:solidFill>
+                        <a:latin typeface="Cambria Math"/>
+                      </a:rPr>
+                      <m:t>|</m:t>
+                    </m:r>
+                    <m:r>
+                      <a:rPr lang="de-DE" sz="1600" b="0" i="1" smtClean="0">
+                        <a:solidFill>
+                          <a:srgbClr val="C00000"/>
+                        </a:solidFill>
+                        <a:latin typeface="Cambria Math"/>
+                      </a:rPr>
+                      <m:t>𝑆</m:t>
+                    </m:r>
+                    <m:r>
+                      <a:rPr lang="de-DE" sz="1600" i="1">
+                        <a:solidFill>
+                          <a:srgbClr val="C00000"/>
+                        </a:solidFill>
+                        <a:latin typeface="Cambria Math"/>
+                      </a:rPr>
+                      <m:t>|!</m:t>
+                    </m:r>
+                  </m:oMath>
+                </a14:m>
+                <a:r>
+                  <a:rPr lang="de-DE" sz="1600" dirty="0">
+                    <a:solidFill>
+                      <a:srgbClr val="C00000"/>
+                    </a:solidFill>
+                  </a:rPr>
+                  <a:t>       </a:t>
+                </a:r>
+                <a:r>
+                  <a:rPr lang="de-DE" sz="1600" dirty="0" smtClean="0"/>
+                  <a:t>	</a:t>
+                </a:r>
+                <a14:m>
+                  <m:oMath xmlns:m="http://schemas.openxmlformats.org/officeDocument/2006/math">
+                    <m:d>
+                      <m:dPr>
+                        <m:ctrlPr>
+                          <a:rPr lang="de-DE" sz="1600" i="1" smtClean="0">
+                            <a:solidFill>
+                              <a:srgbClr val="0070C0"/>
+                            </a:solidFill>
+                            <a:latin typeface="Cambria Math"/>
+                          </a:rPr>
+                        </m:ctrlPr>
+                      </m:dPr>
+                      <m:e>
+                        <m:d>
+                          <m:dPr>
+                            <m:begChr m:val="|"/>
+                            <m:endChr m:val="|"/>
+                            <m:ctrlPr>
+                              <a:rPr lang="de-DE" sz="1600" i="1" smtClean="0">
+                                <a:solidFill>
+                                  <a:srgbClr val="0070C0"/>
+                                </a:solidFill>
+                                <a:latin typeface="Cambria Math"/>
+                              </a:rPr>
+                            </m:ctrlPr>
+                          </m:dPr>
+                          <m:e>
+                            <m:r>
+                              <a:rPr lang="de-DE" sz="1600" b="0" i="1" smtClean="0">
+                                <a:solidFill>
+                                  <a:srgbClr val="0070C0"/>
+                                </a:solidFill>
+                                <a:latin typeface="Cambria Math"/>
+                              </a:rPr>
+                              <m:t>𝑁</m:t>
+                            </m:r>
+                          </m:e>
+                        </m:d>
+                        <m:r>
+                          <a:rPr lang="de-DE" sz="1600" i="1">
+                            <a:solidFill>
+                              <a:srgbClr val="0070C0"/>
+                            </a:solidFill>
+                            <a:latin typeface="Cambria Math"/>
+                          </a:rPr>
+                          <m:t>−</m:t>
+                        </m:r>
+                        <m:d>
+                          <m:dPr>
+                            <m:begChr m:val="|"/>
+                            <m:endChr m:val="|"/>
+                            <m:ctrlPr>
+                              <a:rPr lang="de-DE" sz="1600" i="1">
+                                <a:solidFill>
+                                  <a:srgbClr val="0070C0"/>
+                                </a:solidFill>
+                                <a:latin typeface="Cambria Math"/>
+                              </a:rPr>
+                            </m:ctrlPr>
+                          </m:dPr>
+                          <m:e>
+                            <m:r>
+                              <a:rPr lang="de-DE" sz="1600" b="0" i="1" smtClean="0">
+                                <a:solidFill>
+                                  <a:srgbClr val="0070C0"/>
+                                </a:solidFill>
+                                <a:latin typeface="Cambria Math"/>
+                              </a:rPr>
+                              <m:t>𝑆</m:t>
+                            </m:r>
+                          </m:e>
+                        </m:d>
+                        <m:r>
+                          <a:rPr lang="de-DE" sz="1600" i="1">
+                            <a:solidFill>
+                              <a:srgbClr val="0070C0"/>
+                            </a:solidFill>
+                            <a:latin typeface="Cambria Math"/>
+                          </a:rPr>
+                          <m:t>−1</m:t>
+                        </m:r>
+                      </m:e>
+                    </m:d>
+                    <m:r>
+                      <a:rPr lang="de-DE" sz="1600" i="1">
+                        <a:solidFill>
+                          <a:srgbClr val="0070C0"/>
+                        </a:solidFill>
+                        <a:latin typeface="Cambria Math"/>
+                      </a:rPr>
+                      <m:t>!</m:t>
+                    </m:r>
+                  </m:oMath>
+                </a14:m>
+                <a:r>
+                  <a:rPr lang="de-DE" sz="1600" dirty="0">
+                    <a:solidFill>
+                      <a:srgbClr val="0070C0"/>
+                    </a:solidFill>
+                  </a:rPr>
+                  <a:t> </a:t>
+                </a:r>
+                <a:r>
+                  <a:rPr lang="de-DE" sz="1600" dirty="0"/>
+                  <a:t>	</a:t>
+                </a:r>
+                <a:r>
+                  <a:rPr lang="de-DE" sz="1600" dirty="0" smtClean="0">
+                    <a:solidFill>
+                      <a:srgbClr val="00B050"/>
+                    </a:solidFill>
+                  </a:rPr>
+                  <a:t>    </a:t>
+                </a:r>
+                <a14:m>
+                  <m:oMath xmlns:m="http://schemas.openxmlformats.org/officeDocument/2006/math">
+                    <m:d>
+                      <m:dPr>
+                        <m:begChr m:val="["/>
+                        <m:endChr m:val="]"/>
+                        <m:ctrlPr>
+                          <a:rPr lang="de-DE" sz="1600" dirty="0">
+                            <a:solidFill>
+                              <a:srgbClr val="00B050"/>
+                            </a:solidFill>
+                            <a:latin typeface="Cambria Math"/>
+                          </a:rPr>
+                        </m:ctrlPr>
+                      </m:dPr>
+                      <m:e>
+                        <m:r>
+                          <a:rPr lang="de-DE" sz="1600" i="1" dirty="0">
+                            <a:solidFill>
+                              <a:srgbClr val="00B050"/>
+                            </a:solidFill>
+                            <a:latin typeface="Cambria Math"/>
+                          </a:rPr>
+                          <m:t>𝑣</m:t>
+                        </m:r>
+                        <m:d>
+                          <m:dPr>
+                            <m:ctrlPr>
+                              <a:rPr lang="de-DE" sz="1600" i="1" dirty="0">
+                                <a:solidFill>
+                                  <a:srgbClr val="00B050"/>
+                                </a:solidFill>
+                                <a:latin typeface="Cambria Math"/>
+                              </a:rPr>
+                            </m:ctrlPr>
+                          </m:dPr>
+                          <m:e>
+                            <m:r>
+                              <a:rPr lang="de-DE" sz="1600" b="0" i="1" dirty="0" smtClean="0">
+                                <a:solidFill>
+                                  <a:srgbClr val="00B050"/>
+                                </a:solidFill>
+                                <a:latin typeface="Cambria Math"/>
+                              </a:rPr>
+                              <m:t>𝑆</m:t>
+                            </m:r>
+                            <m:r>
+                              <a:rPr lang="de-DE" sz="1600" i="1" dirty="0">
+                                <a:solidFill>
+                                  <a:srgbClr val="00B050"/>
+                                </a:solidFill>
+                                <a:latin typeface="Cambria Math"/>
+                              </a:rPr>
+                              <m:t>∪</m:t>
+                            </m:r>
+                            <m:d>
+                              <m:dPr>
+                                <m:begChr m:val="{"/>
+                                <m:endChr m:val="}"/>
+                                <m:ctrlPr>
+                                  <a:rPr lang="de-DE" sz="1600" i="1" dirty="0">
+                                    <a:solidFill>
+                                      <a:srgbClr val="00B050"/>
+                                    </a:solidFill>
+                                    <a:latin typeface="Cambria Math"/>
+                                  </a:rPr>
+                                </m:ctrlPr>
+                              </m:dPr>
+                              <m:e>
+                                <m:r>
+                                  <a:rPr lang="de-DE" sz="1600" b="0" i="1" dirty="0" smtClean="0">
+                                    <a:solidFill>
+                                      <a:srgbClr val="00B050"/>
+                                    </a:solidFill>
+                                    <a:latin typeface="Cambria Math"/>
+                                  </a:rPr>
+                                  <m:t>𝑖</m:t>
+                                </m:r>
+                              </m:e>
+                            </m:d>
+                          </m:e>
+                        </m:d>
+                        <m:r>
+                          <a:rPr lang="de-DE" sz="1600" i="1" dirty="0">
+                            <a:solidFill>
+                              <a:srgbClr val="00B050"/>
+                            </a:solidFill>
+                            <a:latin typeface="Cambria Math"/>
+                          </a:rPr>
+                          <m:t>−</m:t>
+                        </m:r>
+                        <m:r>
+                          <a:rPr lang="de-DE" sz="1600" i="1" dirty="0">
+                            <a:solidFill>
+                              <a:srgbClr val="00B050"/>
+                            </a:solidFill>
+                            <a:latin typeface="Cambria Math"/>
+                          </a:rPr>
+                          <m:t>𝑣</m:t>
+                        </m:r>
+                        <m:d>
+                          <m:dPr>
+                            <m:ctrlPr>
+                              <a:rPr lang="de-DE" sz="1600" i="1" dirty="0">
+                                <a:solidFill>
+                                  <a:srgbClr val="00B050"/>
+                                </a:solidFill>
+                                <a:latin typeface="Cambria Math"/>
+                              </a:rPr>
+                            </m:ctrlPr>
+                          </m:dPr>
+                          <m:e>
+                            <m:r>
+                              <a:rPr lang="de-DE" sz="1600" b="0" i="1" dirty="0" smtClean="0">
+                                <a:solidFill>
+                                  <a:srgbClr val="00B050"/>
+                                </a:solidFill>
+                                <a:latin typeface="Cambria Math"/>
+                              </a:rPr>
+                              <m:t>𝑆</m:t>
+                            </m:r>
+                          </m:e>
+                        </m:d>
+                      </m:e>
+                    </m:d>
+                  </m:oMath>
+                </a14:m>
+                <a:r>
+                  <a:rPr lang="de-DE" sz="1600" dirty="0" smtClean="0">
+                    <a:solidFill>
+                      <a:srgbClr val="00B050"/>
+                    </a:solidFill>
+                  </a:rPr>
+                  <a:t/>
+                </a:r>
+                <a:br>
+                  <a:rPr lang="de-DE" sz="1600" dirty="0" smtClean="0">
+                    <a:solidFill>
+                      <a:srgbClr val="00B050"/>
+                    </a:solidFill>
+                  </a:rPr>
+                </a:br>
+                <a:endParaRPr lang="de-DE" sz="1100" i="1" dirty="0" smtClean="0">
+                  <a:latin typeface="Cambria Math"/>
+                </a:endParaRPr>
+              </a:p>
+              <a:p>
+                <a:pPr marL="0" indent="0">
+                  <a:buNone/>
+                  <a:tabLst>
+                    <a:tab pos="355600" algn="l"/>
+                    <a:tab pos="1793875" algn="l"/>
+                    <a:tab pos="4845050" algn="l"/>
+                  </a:tabLst>
+                </a:pPr>
+                <a:r>
+                  <a:rPr lang="de-DE" sz="1400" b="0" i="1" dirty="0" smtClean="0">
+                    <a:latin typeface="Cambria Math"/>
+                  </a:rPr>
+                  <a:t>	</a:t>
+                </a:r>
+                <a14:m>
+                  <m:oMath xmlns:m="http://schemas.openxmlformats.org/officeDocument/2006/math">
+                    <m:r>
+                      <a:rPr lang="de-DE" sz="1400" b="0" i="1" smtClean="0">
+                        <a:latin typeface="Cambria Math"/>
+                      </a:rPr>
+                      <m:t>|∅|!</m:t>
+                    </m:r>
+                  </m:oMath>
+                </a14:m>
+                <a:r>
+                  <a:rPr lang="de-DE" sz="1400" dirty="0" smtClean="0"/>
+                  <a:t>  </a:t>
+                </a:r>
+                <a:r>
+                  <a:rPr lang="de-DE" sz="1400" dirty="0" smtClean="0">
+                    <a:solidFill>
+                      <a:srgbClr val="C00000"/>
+                    </a:solidFill>
+                  </a:rPr>
+                  <a:t>=1     </a:t>
+                </a:r>
+                <a:r>
+                  <a:rPr lang="de-DE" sz="1400" dirty="0" smtClean="0"/>
+                  <a:t>	</a:t>
+                </a:r>
+                <a14:m>
+                  <m:oMath xmlns:m="http://schemas.openxmlformats.org/officeDocument/2006/math">
+                    <m:d>
+                      <m:dPr>
+                        <m:ctrlPr>
+                          <a:rPr lang="de-DE" sz="1400" b="0" i="1" smtClean="0">
+                            <a:latin typeface="Cambria Math"/>
+                          </a:rPr>
+                        </m:ctrlPr>
+                      </m:dPr>
+                      <m:e>
+                        <m:d>
+                          <m:dPr>
+                            <m:begChr m:val="|"/>
+                            <m:endChr m:val="|"/>
+                            <m:ctrlPr>
+                              <a:rPr lang="de-DE" sz="1400" b="0" i="1" smtClean="0">
+                                <a:latin typeface="Cambria Math"/>
+                              </a:rPr>
+                            </m:ctrlPr>
+                          </m:dPr>
+                          <m:e>
+                            <m:d>
+                              <m:dPr>
+                                <m:begChr m:val="{"/>
+                                <m:endChr m:val="}"/>
+                                <m:ctrlPr>
+                                  <a:rPr lang="de-DE" sz="1400" b="0" i="1" smtClean="0">
+                                    <a:latin typeface="Cambria Math"/>
+                                  </a:rPr>
+                                </m:ctrlPr>
+                              </m:dPr>
+                              <m:e>
+                                <m:r>
+                                  <a:rPr lang="de-DE" sz="1400" b="0" i="1" smtClean="0">
+                                    <a:latin typeface="Cambria Math"/>
+                                  </a:rPr>
+                                  <m:t>𝐴</m:t>
+                                </m:r>
+                                <m:r>
+                                  <a:rPr lang="de-DE" sz="1400" b="0" i="1" smtClean="0">
+                                    <a:latin typeface="Cambria Math"/>
+                                  </a:rPr>
+                                  <m:t>,</m:t>
+                                </m:r>
+                                <m:r>
+                                  <a:rPr lang="de-DE" sz="1400" b="0" i="1" smtClean="0">
+                                    <a:latin typeface="Cambria Math"/>
+                                  </a:rPr>
+                                  <m:t>𝐵</m:t>
+                                </m:r>
+                                <m:r>
+                                  <a:rPr lang="de-DE" sz="1400" b="0" i="1" smtClean="0">
+                                    <a:latin typeface="Cambria Math"/>
+                                  </a:rPr>
+                                  <m:t>,</m:t>
+                                </m:r>
+                                <m:r>
+                                  <a:rPr lang="de-DE" sz="1400" b="0" i="1" smtClean="0">
+                                    <a:latin typeface="Cambria Math"/>
+                                  </a:rPr>
+                                  <m:t>𝐶</m:t>
+                                </m:r>
+                                <m:r>
+                                  <a:rPr lang="de-DE" sz="1400" b="0" i="1" smtClean="0">
+                                    <a:latin typeface="Cambria Math"/>
+                                  </a:rPr>
+                                  <m:t>,</m:t>
+                                </m:r>
+                                <m:r>
+                                  <a:rPr lang="de-DE" sz="1400" b="0" i="1" smtClean="0">
+                                    <a:latin typeface="Cambria Math"/>
+                                  </a:rPr>
+                                  <m:t>𝐷</m:t>
+                                </m:r>
+                              </m:e>
+                            </m:d>
+                          </m:e>
+                        </m:d>
+                        <m:r>
+                          <a:rPr lang="de-DE" sz="1400" b="0" i="1" smtClean="0">
+                            <a:latin typeface="Cambria Math"/>
+                          </a:rPr>
+                          <m:t>−</m:t>
+                        </m:r>
+                        <m:d>
+                          <m:dPr>
+                            <m:begChr m:val="|"/>
+                            <m:endChr m:val="|"/>
+                            <m:ctrlPr>
+                              <a:rPr lang="de-DE" sz="1400" b="0" i="1" smtClean="0">
+                                <a:latin typeface="Cambria Math"/>
+                              </a:rPr>
+                            </m:ctrlPr>
+                          </m:dPr>
+                          <m:e>
+                            <m:r>
+                              <a:rPr lang="de-DE" sz="1400" b="0" i="1" smtClean="0">
+                                <a:latin typeface="Cambria Math"/>
+                              </a:rPr>
+                              <m:t>∅</m:t>
+                            </m:r>
+                          </m:e>
+                        </m:d>
+                        <m:r>
+                          <a:rPr lang="de-DE" sz="1400" b="0" i="1" smtClean="0">
+                            <a:latin typeface="Cambria Math"/>
+                          </a:rPr>
+                          <m:t>−1</m:t>
+                        </m:r>
+                      </m:e>
+                    </m:d>
+                    <m:r>
+                      <a:rPr lang="de-DE" sz="1400" b="0" i="1" smtClean="0">
+                        <a:latin typeface="Cambria Math"/>
+                      </a:rPr>
+                      <m:t>!</m:t>
+                    </m:r>
+                  </m:oMath>
+                </a14:m>
+                <a:r>
+                  <a:rPr lang="de-DE" sz="1400" dirty="0" smtClean="0"/>
+                  <a:t>  </a:t>
+                </a:r>
+                <a:r>
+                  <a:rPr lang="de-DE" sz="1400" dirty="0" smtClean="0">
+                    <a:solidFill>
+                      <a:srgbClr val="0070C0"/>
+                    </a:solidFill>
+                  </a:rPr>
+                  <a:t>=6</a:t>
+                </a:r>
+                <a:r>
+                  <a:rPr lang="de-DE" sz="1400" dirty="0" smtClean="0"/>
+                  <a:t>	    </a:t>
+                </a:r>
+                <a14:m>
+                  <m:oMath xmlns:m="http://schemas.openxmlformats.org/officeDocument/2006/math">
+                    <m:r>
+                      <a:rPr lang="de-DE" sz="1400" b="0" i="0" dirty="0" smtClean="0">
+                        <a:latin typeface="Cambria Math"/>
+                      </a:rPr>
+                      <m:t>[</m:t>
+                    </m:r>
+                    <m:r>
+                      <a:rPr lang="de-DE" sz="1400" b="0" i="1" dirty="0" smtClean="0">
+                        <a:latin typeface="Cambria Math"/>
+                      </a:rPr>
+                      <m:t>𝑣</m:t>
+                    </m:r>
+                    <m:d>
+                      <m:dPr>
+                        <m:ctrlPr>
+                          <a:rPr lang="de-DE" sz="1400" b="0" i="1" dirty="0" smtClean="0">
+                            <a:latin typeface="Cambria Math"/>
+                          </a:rPr>
+                        </m:ctrlPr>
+                      </m:dPr>
+                      <m:e>
+                        <m:r>
+                          <a:rPr lang="de-DE" sz="1400" b="0" i="1" dirty="0" smtClean="0">
+                            <a:latin typeface="Cambria Math"/>
+                          </a:rPr>
+                          <m:t>∅∪</m:t>
+                        </m:r>
+                        <m:d>
+                          <m:dPr>
+                            <m:begChr m:val="{"/>
+                            <m:endChr m:val="}"/>
+                            <m:ctrlPr>
+                              <a:rPr lang="de-DE" sz="1400" b="0" i="1" dirty="0" smtClean="0">
+                                <a:latin typeface="Cambria Math"/>
+                              </a:rPr>
+                            </m:ctrlPr>
+                          </m:dPr>
+                          <m:e>
+                            <m:r>
+                              <a:rPr lang="de-DE" sz="1400" b="0" i="1" dirty="0" smtClean="0">
+                                <a:latin typeface="Cambria Math"/>
+                              </a:rPr>
+                              <m:t>𝐴</m:t>
+                            </m:r>
+                          </m:e>
+                        </m:d>
+                      </m:e>
+                    </m:d>
+                    <m:r>
+                      <a:rPr lang="de-DE" sz="1400" b="0" i="1" dirty="0" smtClean="0">
+                        <a:latin typeface="Cambria Math"/>
+                      </a:rPr>
+                      <m:t>−</m:t>
+                    </m:r>
+                    <m:r>
+                      <a:rPr lang="de-DE" sz="1400" b="0" i="1" dirty="0" smtClean="0">
+                        <a:latin typeface="Cambria Math"/>
+                      </a:rPr>
+                      <m:t>𝑣</m:t>
+                    </m:r>
+                    <m:d>
+                      <m:dPr>
+                        <m:ctrlPr>
+                          <a:rPr lang="de-DE" sz="1400" b="0" i="1" dirty="0" smtClean="0">
+                            <a:latin typeface="Cambria Math"/>
+                          </a:rPr>
+                        </m:ctrlPr>
+                      </m:dPr>
+                      <m:e>
+                        <m:r>
+                          <a:rPr lang="de-DE" sz="1400" b="0" i="1" dirty="0" smtClean="0">
+                            <a:latin typeface="Cambria Math"/>
+                          </a:rPr>
+                          <m:t>∅</m:t>
+                        </m:r>
+                      </m:e>
+                    </m:d>
+                    <m:r>
+                      <a:rPr lang="de-DE" sz="1400" b="0" i="1" dirty="0" smtClean="0">
+                        <a:latin typeface="Cambria Math"/>
+                      </a:rPr>
+                      <m:t>]</m:t>
+                    </m:r>
+                  </m:oMath>
+                </a14:m>
+                <a:r>
+                  <a:rPr lang="de-DE" sz="1400" dirty="0" smtClean="0"/>
+                  <a:t> </a:t>
+                </a:r>
+                <a:r>
+                  <a:rPr lang="de-DE" sz="1400" dirty="0" smtClean="0">
+                    <a:solidFill>
+                      <a:srgbClr val="00B050"/>
+                    </a:solidFill>
+                  </a:rPr>
+                  <a:t>=0</a:t>
+                </a:r>
+              </a:p>
+              <a:p>
+                <a:pPr marL="0" indent="0">
+                  <a:buNone/>
+                  <a:tabLst>
+                    <a:tab pos="355600" algn="l"/>
+                    <a:tab pos="1793875" algn="l"/>
+                    <a:tab pos="4845050" algn="l"/>
+                  </a:tabLst>
+                </a:pPr>
+                <a:r>
+                  <a:rPr lang="de-DE" sz="1400" dirty="0" smtClean="0"/>
+                  <a:t>	</a:t>
+                </a:r>
+                <a14:m>
+                  <m:oMath xmlns:m="http://schemas.openxmlformats.org/officeDocument/2006/math">
+                    <m:r>
+                      <a:rPr lang="de-DE" sz="1400" i="1">
+                        <a:latin typeface="Cambria Math"/>
+                      </a:rPr>
+                      <m:t>|</m:t>
+                    </m:r>
+                    <m:r>
+                      <a:rPr lang="de-DE" sz="1400" b="0" i="1" smtClean="0">
+                        <a:latin typeface="Cambria Math"/>
+                      </a:rPr>
+                      <m:t>𝐵</m:t>
+                    </m:r>
+                    <m:r>
+                      <a:rPr lang="de-DE" sz="1400" i="1">
+                        <a:latin typeface="Cambria Math"/>
+                      </a:rPr>
+                      <m:t>|!</m:t>
+                    </m:r>
+                  </m:oMath>
+                </a14:m>
+                <a:r>
+                  <a:rPr lang="de-DE" sz="1400" dirty="0"/>
+                  <a:t>  </a:t>
+                </a:r>
+                <a:r>
+                  <a:rPr lang="de-DE" sz="1400" dirty="0" smtClean="0">
+                    <a:solidFill>
+                      <a:srgbClr val="C00000"/>
+                    </a:solidFill>
+                  </a:rPr>
+                  <a:t>=1     </a:t>
+                </a:r>
+                <a:r>
+                  <a:rPr lang="de-DE" sz="1400" dirty="0" smtClean="0"/>
+                  <a:t>	</a:t>
+                </a:r>
+                <a14:m>
+                  <m:oMath xmlns:m="http://schemas.openxmlformats.org/officeDocument/2006/math">
+                    <m:d>
+                      <m:dPr>
+                        <m:ctrlPr>
+                          <a:rPr lang="de-DE" sz="1400" i="1">
+                            <a:latin typeface="Cambria Math"/>
+                          </a:rPr>
+                        </m:ctrlPr>
+                      </m:dPr>
+                      <m:e>
+                        <m:d>
+                          <m:dPr>
+                            <m:begChr m:val="|"/>
+                            <m:endChr m:val="|"/>
+                            <m:ctrlPr>
+                              <a:rPr lang="de-DE" sz="1400" i="1">
+                                <a:latin typeface="Cambria Math"/>
+                              </a:rPr>
+                            </m:ctrlPr>
+                          </m:dPr>
+                          <m:e>
+                            <m:d>
+                              <m:dPr>
+                                <m:begChr m:val="{"/>
+                                <m:endChr m:val="}"/>
+                                <m:ctrlPr>
+                                  <a:rPr lang="de-DE" sz="1400" i="1">
+                                    <a:latin typeface="Cambria Math"/>
+                                  </a:rPr>
+                                </m:ctrlPr>
+                              </m:dPr>
+                              <m:e>
+                                <m:r>
+                                  <a:rPr lang="de-DE" sz="1400" i="1">
+                                    <a:latin typeface="Cambria Math"/>
+                                  </a:rPr>
+                                  <m:t>𝐴</m:t>
+                                </m:r>
+                                <m:r>
+                                  <a:rPr lang="de-DE" sz="1400" i="1">
+                                    <a:latin typeface="Cambria Math"/>
+                                  </a:rPr>
+                                  <m:t>,</m:t>
+                                </m:r>
+                                <m:r>
+                                  <a:rPr lang="de-DE" sz="1400" i="1">
+                                    <a:latin typeface="Cambria Math"/>
+                                  </a:rPr>
+                                  <m:t>𝐵</m:t>
+                                </m:r>
+                                <m:r>
+                                  <a:rPr lang="de-DE" sz="1400" i="1">
+                                    <a:latin typeface="Cambria Math"/>
+                                  </a:rPr>
+                                  <m:t>,</m:t>
+                                </m:r>
+                                <m:r>
+                                  <a:rPr lang="de-DE" sz="1400" i="1">
+                                    <a:latin typeface="Cambria Math"/>
+                                  </a:rPr>
+                                  <m:t>𝐶</m:t>
+                                </m:r>
+                                <m:r>
+                                  <a:rPr lang="de-DE" sz="1400" i="1">
+                                    <a:latin typeface="Cambria Math"/>
+                                  </a:rPr>
+                                  <m:t>,</m:t>
+                                </m:r>
+                                <m:r>
+                                  <a:rPr lang="de-DE" sz="1400" i="1">
+                                    <a:latin typeface="Cambria Math"/>
+                                  </a:rPr>
+                                  <m:t>𝐷</m:t>
+                                </m:r>
+                              </m:e>
+                            </m:d>
+                          </m:e>
+                        </m:d>
+                        <m:r>
+                          <a:rPr lang="de-DE" sz="1400" i="1">
+                            <a:latin typeface="Cambria Math"/>
+                          </a:rPr>
+                          <m:t>−</m:t>
+                        </m:r>
+                        <m:d>
+                          <m:dPr>
+                            <m:begChr m:val="|"/>
+                            <m:endChr m:val="|"/>
+                            <m:ctrlPr>
+                              <a:rPr lang="de-DE" sz="1400" i="1">
+                                <a:latin typeface="Cambria Math"/>
+                              </a:rPr>
+                            </m:ctrlPr>
+                          </m:dPr>
+                          <m:e>
+                            <m:r>
+                              <a:rPr lang="de-DE" sz="1400" b="0" i="1" smtClean="0">
+                                <a:latin typeface="Cambria Math"/>
+                              </a:rPr>
+                              <m:t>𝐵</m:t>
+                            </m:r>
+                          </m:e>
+                        </m:d>
+                        <m:r>
+                          <a:rPr lang="de-DE" sz="1400" i="1">
+                            <a:latin typeface="Cambria Math"/>
+                          </a:rPr>
+                          <m:t>−1</m:t>
+                        </m:r>
+                      </m:e>
+                    </m:d>
+                    <m:r>
+                      <a:rPr lang="de-DE" sz="1400" i="1">
+                        <a:latin typeface="Cambria Math"/>
+                      </a:rPr>
+                      <m:t>!</m:t>
+                    </m:r>
+                  </m:oMath>
+                </a14:m>
+                <a:r>
+                  <a:rPr lang="de-DE" sz="1400" dirty="0"/>
+                  <a:t> </a:t>
+                </a:r>
+                <a:r>
+                  <a:rPr lang="de-DE" sz="1400" dirty="0" smtClean="0"/>
+                  <a:t> </a:t>
+                </a:r>
+                <a:r>
+                  <a:rPr lang="de-DE" sz="1400" dirty="0" smtClean="0">
+                    <a:solidFill>
+                      <a:srgbClr val="0070C0"/>
+                    </a:solidFill>
+                  </a:rPr>
+                  <a:t>=2</a:t>
+                </a:r>
+                <a:r>
+                  <a:rPr lang="de-DE" sz="1400" dirty="0"/>
+                  <a:t>	    </a:t>
+                </a:r>
+                <a14:m>
+                  <m:oMath xmlns:m="http://schemas.openxmlformats.org/officeDocument/2006/math">
+                    <m:r>
+                      <a:rPr lang="de-DE" sz="1400" dirty="0">
+                        <a:latin typeface="Cambria Math"/>
+                      </a:rPr>
+                      <m:t>[</m:t>
+                    </m:r>
+                    <m:r>
+                      <a:rPr lang="de-DE" sz="1400" i="1" dirty="0">
+                        <a:latin typeface="Cambria Math"/>
+                      </a:rPr>
+                      <m:t>𝑣</m:t>
+                    </m:r>
+                    <m:d>
+                      <m:dPr>
+                        <m:ctrlPr>
+                          <a:rPr lang="de-DE" sz="1400" i="1" dirty="0">
+                            <a:latin typeface="Cambria Math"/>
+                          </a:rPr>
+                        </m:ctrlPr>
+                      </m:dPr>
+                      <m:e>
+                        <m:r>
+                          <a:rPr lang="de-DE" sz="1400" b="0" i="1" dirty="0" smtClean="0">
+                            <a:latin typeface="Cambria Math"/>
+                          </a:rPr>
+                          <m:t>{</m:t>
+                        </m:r>
+                        <m:r>
+                          <a:rPr lang="de-DE" sz="1400" b="0" i="1" dirty="0" smtClean="0">
+                            <a:latin typeface="Cambria Math"/>
+                          </a:rPr>
+                          <m:t>𝐵</m:t>
+                        </m:r>
+                        <m:r>
+                          <a:rPr lang="de-DE" sz="1400" b="0" i="1" dirty="0" smtClean="0">
+                            <a:latin typeface="Cambria Math"/>
+                          </a:rPr>
+                          <m:t>}∪</m:t>
+                        </m:r>
+                        <m:d>
+                          <m:dPr>
+                            <m:begChr m:val="{"/>
+                            <m:endChr m:val="}"/>
+                            <m:ctrlPr>
+                              <a:rPr lang="de-DE" sz="1400" i="1" dirty="0">
+                                <a:latin typeface="Cambria Math"/>
+                              </a:rPr>
+                            </m:ctrlPr>
+                          </m:dPr>
+                          <m:e>
+                            <m:r>
+                              <a:rPr lang="de-DE" sz="1400" i="1" dirty="0">
+                                <a:latin typeface="Cambria Math"/>
+                              </a:rPr>
+                              <m:t>𝐴</m:t>
+                            </m:r>
+                          </m:e>
+                        </m:d>
+                      </m:e>
+                    </m:d>
+                    <m:r>
+                      <a:rPr lang="de-DE" sz="1400" i="1" dirty="0">
+                        <a:latin typeface="Cambria Math"/>
+                      </a:rPr>
+                      <m:t>−</m:t>
+                    </m:r>
+                    <m:r>
+                      <a:rPr lang="de-DE" sz="1400" i="1" dirty="0">
+                        <a:latin typeface="Cambria Math"/>
+                      </a:rPr>
+                      <m:t>𝑣</m:t>
+                    </m:r>
+                    <m:d>
+                      <m:dPr>
+                        <m:ctrlPr>
+                          <a:rPr lang="de-DE" sz="1400" i="1" dirty="0">
+                            <a:latin typeface="Cambria Math"/>
+                          </a:rPr>
+                        </m:ctrlPr>
+                      </m:dPr>
+                      <m:e>
+                        <m:r>
+                          <a:rPr lang="de-DE" sz="1400" b="0" i="1" dirty="0" smtClean="0">
+                            <a:latin typeface="Cambria Math"/>
+                          </a:rPr>
+                          <m:t>{</m:t>
+                        </m:r>
+                        <m:r>
+                          <a:rPr lang="de-DE" sz="1400" b="0" i="1" dirty="0" smtClean="0">
+                            <a:latin typeface="Cambria Math"/>
+                          </a:rPr>
+                          <m:t>𝐵</m:t>
+                        </m:r>
+                        <m:r>
+                          <a:rPr lang="de-DE" sz="1400" b="0" i="1" dirty="0" smtClean="0">
+                            <a:latin typeface="Cambria Math"/>
+                          </a:rPr>
+                          <m:t>}</m:t>
+                        </m:r>
+                      </m:e>
+                    </m:d>
+                    <m:r>
+                      <a:rPr lang="de-DE" sz="1400" i="1" dirty="0">
+                        <a:latin typeface="Cambria Math"/>
+                      </a:rPr>
+                      <m:t>]</m:t>
+                    </m:r>
+                  </m:oMath>
+                </a14:m>
+                <a:r>
+                  <a:rPr lang="de-DE" sz="1400" dirty="0" smtClean="0"/>
+                  <a:t> </a:t>
+                </a:r>
+                <a:r>
+                  <a:rPr lang="de-DE" sz="1400" dirty="0" smtClean="0">
+                    <a:solidFill>
+                      <a:srgbClr val="00B050"/>
+                    </a:solidFill>
+                  </a:rPr>
+                  <a:t>=1</a:t>
+                </a:r>
+              </a:p>
+              <a:p>
+                <a:pPr marL="0" indent="0">
+                  <a:buNone/>
+                  <a:tabLst>
+                    <a:tab pos="355600" algn="l"/>
+                    <a:tab pos="1793875" algn="l"/>
+                    <a:tab pos="4845050" algn="l"/>
+                  </a:tabLst>
+                </a:pPr>
+                <a:r>
+                  <a:rPr lang="de-DE" sz="1400" dirty="0" smtClean="0"/>
+                  <a:t>	</a:t>
+                </a:r>
+                <a14:m>
+                  <m:oMath xmlns:m="http://schemas.openxmlformats.org/officeDocument/2006/math">
+                    <m:r>
+                      <a:rPr lang="de-DE" sz="1400" i="1">
+                        <a:latin typeface="Cambria Math"/>
+                      </a:rPr>
+                      <m:t>|</m:t>
+                    </m:r>
+                    <m:r>
+                      <a:rPr lang="de-DE" sz="1400" b="0" i="1" smtClean="0">
+                        <a:latin typeface="Cambria Math"/>
+                      </a:rPr>
+                      <m:t>𝐶</m:t>
+                    </m:r>
+                    <m:r>
+                      <a:rPr lang="de-DE" sz="1400" i="1">
+                        <a:latin typeface="Cambria Math"/>
+                      </a:rPr>
+                      <m:t>|!</m:t>
+                    </m:r>
+                  </m:oMath>
+                </a14:m>
+                <a:r>
+                  <a:rPr lang="de-DE" sz="1400" dirty="0"/>
+                  <a:t>  </a:t>
+                </a:r>
+                <a:r>
+                  <a:rPr lang="de-DE" sz="1400" dirty="0" smtClean="0">
+                    <a:solidFill>
+                      <a:srgbClr val="C00000"/>
+                    </a:solidFill>
+                  </a:rPr>
+                  <a:t>=1     </a:t>
+                </a:r>
+                <a:r>
+                  <a:rPr lang="de-DE" sz="1400" dirty="0" smtClean="0"/>
+                  <a:t>	</a:t>
+                </a:r>
+                <a14:m>
+                  <m:oMath xmlns:m="http://schemas.openxmlformats.org/officeDocument/2006/math">
+                    <m:d>
+                      <m:dPr>
+                        <m:ctrlPr>
+                          <a:rPr lang="de-DE" sz="1400" i="1">
+                            <a:latin typeface="Cambria Math"/>
+                          </a:rPr>
+                        </m:ctrlPr>
+                      </m:dPr>
+                      <m:e>
+                        <m:d>
+                          <m:dPr>
+                            <m:begChr m:val="|"/>
+                            <m:endChr m:val="|"/>
+                            <m:ctrlPr>
+                              <a:rPr lang="de-DE" sz="1400" i="1">
+                                <a:latin typeface="Cambria Math"/>
+                              </a:rPr>
+                            </m:ctrlPr>
+                          </m:dPr>
+                          <m:e>
+                            <m:d>
+                              <m:dPr>
+                                <m:begChr m:val="{"/>
+                                <m:endChr m:val="}"/>
+                                <m:ctrlPr>
+                                  <a:rPr lang="de-DE" sz="1400" i="1">
+                                    <a:latin typeface="Cambria Math"/>
+                                  </a:rPr>
+                                </m:ctrlPr>
+                              </m:dPr>
+                              <m:e>
+                                <m:r>
+                                  <a:rPr lang="de-DE" sz="1400" i="1">
+                                    <a:latin typeface="Cambria Math"/>
+                                  </a:rPr>
+                                  <m:t>𝐴</m:t>
+                                </m:r>
+                                <m:r>
+                                  <a:rPr lang="de-DE" sz="1400" i="1">
+                                    <a:latin typeface="Cambria Math"/>
+                                  </a:rPr>
+                                  <m:t>,</m:t>
+                                </m:r>
+                                <m:r>
+                                  <a:rPr lang="de-DE" sz="1400" i="1">
+                                    <a:latin typeface="Cambria Math"/>
+                                  </a:rPr>
+                                  <m:t>𝐵</m:t>
+                                </m:r>
+                                <m:r>
+                                  <a:rPr lang="de-DE" sz="1400" i="1">
+                                    <a:latin typeface="Cambria Math"/>
+                                  </a:rPr>
+                                  <m:t>,</m:t>
+                                </m:r>
+                                <m:r>
+                                  <a:rPr lang="de-DE" sz="1400" i="1">
+                                    <a:latin typeface="Cambria Math"/>
+                                  </a:rPr>
+                                  <m:t>𝐶</m:t>
+                                </m:r>
+                                <m:r>
+                                  <a:rPr lang="de-DE" sz="1400" i="1">
+                                    <a:latin typeface="Cambria Math"/>
+                                  </a:rPr>
+                                  <m:t>,</m:t>
+                                </m:r>
+                                <m:r>
+                                  <a:rPr lang="de-DE" sz="1400" i="1">
+                                    <a:latin typeface="Cambria Math"/>
+                                  </a:rPr>
+                                  <m:t>𝐷</m:t>
+                                </m:r>
+                              </m:e>
+                            </m:d>
+                          </m:e>
+                        </m:d>
+                        <m:r>
+                          <a:rPr lang="de-DE" sz="1400" i="1">
+                            <a:latin typeface="Cambria Math"/>
+                          </a:rPr>
+                          <m:t>−</m:t>
+                        </m:r>
+                        <m:d>
+                          <m:dPr>
+                            <m:begChr m:val="|"/>
+                            <m:endChr m:val="|"/>
+                            <m:ctrlPr>
+                              <a:rPr lang="de-DE" sz="1400" i="1">
+                                <a:latin typeface="Cambria Math"/>
+                              </a:rPr>
+                            </m:ctrlPr>
+                          </m:dPr>
+                          <m:e>
+                            <m:r>
+                              <a:rPr lang="de-DE" sz="1400" b="0" i="1" smtClean="0">
+                                <a:latin typeface="Cambria Math"/>
+                              </a:rPr>
+                              <m:t>𝐶</m:t>
+                            </m:r>
+                          </m:e>
+                        </m:d>
+                        <m:r>
+                          <a:rPr lang="de-DE" sz="1400" i="1" smtClean="0">
+                            <a:latin typeface="Cambria Math"/>
+                          </a:rPr>
+                          <m:t>−</m:t>
+                        </m:r>
+                        <m:r>
+                          <a:rPr lang="de-DE" sz="1400" i="1">
+                            <a:latin typeface="Cambria Math"/>
+                          </a:rPr>
+                          <m:t>1</m:t>
+                        </m:r>
+                      </m:e>
+                    </m:d>
+                    <m:r>
+                      <a:rPr lang="de-DE" sz="1400" i="1">
+                        <a:latin typeface="Cambria Math"/>
+                      </a:rPr>
+                      <m:t>!</m:t>
+                    </m:r>
+                  </m:oMath>
+                </a14:m>
+                <a:r>
+                  <a:rPr lang="de-DE" sz="1400" dirty="0"/>
+                  <a:t> </a:t>
+                </a:r>
+                <a:r>
+                  <a:rPr lang="de-DE" sz="1400" dirty="0" smtClean="0"/>
+                  <a:t> </a:t>
+                </a:r>
+                <a:r>
+                  <a:rPr lang="de-DE" sz="1400" dirty="0" smtClean="0">
+                    <a:solidFill>
+                      <a:srgbClr val="0070C0"/>
+                    </a:solidFill>
+                  </a:rPr>
+                  <a:t>=2</a:t>
+                </a:r>
+                <a:r>
+                  <a:rPr lang="de-DE" sz="1400" dirty="0"/>
+                  <a:t>	    </a:t>
+                </a:r>
+                <a14:m>
+                  <m:oMath xmlns:m="http://schemas.openxmlformats.org/officeDocument/2006/math">
+                    <m:r>
+                      <a:rPr lang="de-DE" sz="1400" dirty="0">
+                        <a:latin typeface="Cambria Math"/>
+                      </a:rPr>
+                      <m:t>[</m:t>
+                    </m:r>
+                    <m:r>
+                      <a:rPr lang="de-DE" sz="1400" i="1" dirty="0">
+                        <a:latin typeface="Cambria Math"/>
+                      </a:rPr>
+                      <m:t>𝑣</m:t>
+                    </m:r>
+                    <m:d>
+                      <m:dPr>
+                        <m:ctrlPr>
+                          <a:rPr lang="de-DE" sz="1400" i="1" dirty="0">
+                            <a:latin typeface="Cambria Math"/>
+                          </a:rPr>
+                        </m:ctrlPr>
+                      </m:dPr>
+                      <m:e>
+                        <m:r>
+                          <a:rPr lang="de-DE" sz="1400" i="1" dirty="0">
+                            <a:latin typeface="Cambria Math"/>
+                          </a:rPr>
+                          <m:t>{</m:t>
+                        </m:r>
+                        <m:r>
+                          <a:rPr lang="de-DE" sz="1400" b="0" i="1" dirty="0" smtClean="0">
+                            <a:latin typeface="Cambria Math"/>
+                          </a:rPr>
+                          <m:t>𝐶</m:t>
+                        </m:r>
+                        <m:r>
+                          <a:rPr lang="de-DE" sz="1400" i="1" dirty="0">
+                            <a:latin typeface="Cambria Math"/>
+                          </a:rPr>
+                          <m:t>}∪</m:t>
+                        </m:r>
+                        <m:d>
+                          <m:dPr>
+                            <m:begChr m:val="{"/>
+                            <m:endChr m:val="}"/>
+                            <m:ctrlPr>
+                              <a:rPr lang="de-DE" sz="1400" i="1" dirty="0">
+                                <a:latin typeface="Cambria Math"/>
+                              </a:rPr>
+                            </m:ctrlPr>
+                          </m:dPr>
+                          <m:e>
+                            <m:r>
+                              <a:rPr lang="de-DE" sz="1400" i="1" dirty="0">
+                                <a:latin typeface="Cambria Math"/>
+                              </a:rPr>
+                              <m:t>𝐴</m:t>
+                            </m:r>
+                          </m:e>
+                        </m:d>
+                      </m:e>
+                    </m:d>
+                    <m:r>
+                      <a:rPr lang="de-DE" sz="1400" i="1" dirty="0">
+                        <a:latin typeface="Cambria Math"/>
+                      </a:rPr>
+                      <m:t>−</m:t>
+                    </m:r>
+                    <m:r>
+                      <a:rPr lang="de-DE" sz="1400" i="1" dirty="0">
+                        <a:latin typeface="Cambria Math"/>
+                      </a:rPr>
+                      <m:t>𝑣</m:t>
+                    </m:r>
+                    <m:d>
+                      <m:dPr>
+                        <m:ctrlPr>
+                          <a:rPr lang="de-DE" sz="1400" i="1" dirty="0">
+                            <a:latin typeface="Cambria Math"/>
+                          </a:rPr>
+                        </m:ctrlPr>
+                      </m:dPr>
+                      <m:e>
+                        <m:r>
+                          <a:rPr lang="de-DE" sz="1400" i="1" dirty="0">
+                            <a:latin typeface="Cambria Math"/>
+                          </a:rPr>
+                          <m:t>{</m:t>
+                        </m:r>
+                        <m:r>
+                          <a:rPr lang="de-DE" sz="1400" b="0" i="1" dirty="0" smtClean="0">
+                            <a:latin typeface="Cambria Math"/>
+                          </a:rPr>
+                          <m:t>𝐶</m:t>
+                        </m:r>
+                        <m:r>
+                          <a:rPr lang="de-DE" sz="1400" i="1" dirty="0">
+                            <a:latin typeface="Cambria Math"/>
+                          </a:rPr>
+                          <m:t>}</m:t>
+                        </m:r>
+                      </m:e>
+                    </m:d>
+                    <m:r>
+                      <a:rPr lang="de-DE" sz="1400" i="1" dirty="0">
+                        <a:latin typeface="Cambria Math"/>
+                      </a:rPr>
+                      <m:t>]</m:t>
+                    </m:r>
+                  </m:oMath>
+                </a14:m>
+                <a:r>
+                  <a:rPr lang="de-DE" sz="1400" dirty="0" smtClean="0"/>
+                  <a:t> </a:t>
+                </a:r>
+                <a:r>
+                  <a:rPr lang="de-DE" sz="1400" dirty="0" smtClean="0">
+                    <a:solidFill>
+                      <a:srgbClr val="00B050"/>
+                    </a:solidFill>
+                  </a:rPr>
+                  <a:t>=1</a:t>
+                </a:r>
+                <a:endParaRPr lang="de-DE" sz="1400" dirty="0">
+                  <a:solidFill>
+                    <a:srgbClr val="00B050"/>
+                  </a:solidFill>
+                </a:endParaRPr>
+              </a:p>
+              <a:p>
+                <a:pPr marL="0" indent="0">
+                  <a:buNone/>
+                  <a:tabLst>
+                    <a:tab pos="355600" algn="l"/>
+                    <a:tab pos="1793875" algn="l"/>
+                    <a:tab pos="4845050" algn="l"/>
+                  </a:tabLst>
+                </a:pPr>
+                <a:r>
+                  <a:rPr lang="de-DE" sz="1400" dirty="0"/>
+                  <a:t>	</a:t>
+                </a:r>
+                <a14:m>
+                  <m:oMath xmlns:m="http://schemas.openxmlformats.org/officeDocument/2006/math">
+                    <m:r>
+                      <a:rPr lang="de-DE" sz="1400" i="1">
+                        <a:latin typeface="Cambria Math"/>
+                      </a:rPr>
+                      <m:t>|</m:t>
+                    </m:r>
+                    <m:r>
+                      <a:rPr lang="de-DE" sz="1400" b="0" i="1" smtClean="0">
+                        <a:latin typeface="Cambria Math"/>
+                      </a:rPr>
+                      <m:t>𝐷</m:t>
+                    </m:r>
+                    <m:r>
+                      <a:rPr lang="de-DE" sz="1400" i="1">
+                        <a:latin typeface="Cambria Math"/>
+                      </a:rPr>
+                      <m:t>|!</m:t>
+                    </m:r>
+                  </m:oMath>
+                </a14:m>
+                <a:r>
+                  <a:rPr lang="de-DE" sz="1400" dirty="0"/>
+                  <a:t>  </a:t>
+                </a:r>
+                <a:r>
+                  <a:rPr lang="de-DE" sz="1400" dirty="0" smtClean="0">
+                    <a:solidFill>
+                      <a:srgbClr val="C00000"/>
+                    </a:solidFill>
+                  </a:rPr>
+                  <a:t>=1     </a:t>
+                </a:r>
+                <a:r>
+                  <a:rPr lang="de-DE" sz="1400" dirty="0" smtClean="0"/>
+                  <a:t>	</a:t>
+                </a:r>
+                <a14:m>
+                  <m:oMath xmlns:m="http://schemas.openxmlformats.org/officeDocument/2006/math">
+                    <m:d>
+                      <m:dPr>
+                        <m:ctrlPr>
+                          <a:rPr lang="de-DE" sz="1400" i="1">
+                            <a:latin typeface="Cambria Math"/>
+                          </a:rPr>
+                        </m:ctrlPr>
+                      </m:dPr>
+                      <m:e>
+                        <m:d>
+                          <m:dPr>
+                            <m:begChr m:val="|"/>
+                            <m:endChr m:val="|"/>
+                            <m:ctrlPr>
+                              <a:rPr lang="de-DE" sz="1400" i="1">
+                                <a:latin typeface="Cambria Math"/>
+                              </a:rPr>
+                            </m:ctrlPr>
+                          </m:dPr>
+                          <m:e>
+                            <m:d>
+                              <m:dPr>
+                                <m:begChr m:val="{"/>
+                                <m:endChr m:val="}"/>
+                                <m:ctrlPr>
+                                  <a:rPr lang="de-DE" sz="1400" i="1">
+                                    <a:latin typeface="Cambria Math"/>
+                                  </a:rPr>
+                                </m:ctrlPr>
+                              </m:dPr>
+                              <m:e>
+                                <m:r>
+                                  <a:rPr lang="de-DE" sz="1400" i="1">
+                                    <a:latin typeface="Cambria Math"/>
+                                  </a:rPr>
+                                  <m:t>𝐴</m:t>
+                                </m:r>
+                                <m:r>
+                                  <a:rPr lang="de-DE" sz="1400" i="1">
+                                    <a:latin typeface="Cambria Math"/>
+                                  </a:rPr>
+                                  <m:t>,</m:t>
+                                </m:r>
+                                <m:r>
+                                  <a:rPr lang="de-DE" sz="1400" i="1">
+                                    <a:latin typeface="Cambria Math"/>
+                                  </a:rPr>
+                                  <m:t>𝐵</m:t>
+                                </m:r>
+                                <m:r>
+                                  <a:rPr lang="de-DE" sz="1400" i="1">
+                                    <a:latin typeface="Cambria Math"/>
+                                  </a:rPr>
+                                  <m:t>,</m:t>
+                                </m:r>
+                                <m:r>
+                                  <a:rPr lang="de-DE" sz="1400" i="1">
+                                    <a:latin typeface="Cambria Math"/>
+                                  </a:rPr>
+                                  <m:t>𝐶</m:t>
+                                </m:r>
+                                <m:r>
+                                  <a:rPr lang="de-DE" sz="1400" i="1">
+                                    <a:latin typeface="Cambria Math"/>
+                                  </a:rPr>
+                                  <m:t>,</m:t>
+                                </m:r>
+                                <m:r>
+                                  <a:rPr lang="de-DE" sz="1400" i="1">
+                                    <a:latin typeface="Cambria Math"/>
+                                  </a:rPr>
+                                  <m:t>𝐷</m:t>
+                                </m:r>
+                              </m:e>
+                            </m:d>
+                          </m:e>
+                        </m:d>
+                        <m:r>
+                          <a:rPr lang="de-DE" sz="1400" i="1">
+                            <a:latin typeface="Cambria Math"/>
+                          </a:rPr>
+                          <m:t>−</m:t>
+                        </m:r>
+                        <m:d>
+                          <m:dPr>
+                            <m:begChr m:val="|"/>
+                            <m:endChr m:val="|"/>
+                            <m:ctrlPr>
+                              <a:rPr lang="de-DE" sz="1400" i="1">
+                                <a:latin typeface="Cambria Math"/>
+                              </a:rPr>
+                            </m:ctrlPr>
+                          </m:dPr>
+                          <m:e>
+                            <m:r>
+                              <a:rPr lang="de-DE" sz="1400" b="0" i="1" smtClean="0">
+                                <a:latin typeface="Cambria Math"/>
+                              </a:rPr>
+                              <m:t>𝐷</m:t>
+                            </m:r>
+                          </m:e>
+                        </m:d>
+                        <m:r>
+                          <a:rPr lang="de-DE" sz="1400" i="1">
+                            <a:latin typeface="Cambria Math"/>
+                          </a:rPr>
+                          <m:t>−1</m:t>
+                        </m:r>
+                      </m:e>
+                    </m:d>
+                    <m:r>
+                      <a:rPr lang="de-DE" sz="1400" i="1">
+                        <a:latin typeface="Cambria Math"/>
+                      </a:rPr>
+                      <m:t>!</m:t>
+                    </m:r>
+                  </m:oMath>
+                </a14:m>
+                <a:r>
+                  <a:rPr lang="de-DE" sz="1400" dirty="0"/>
+                  <a:t> </a:t>
+                </a:r>
+                <a:r>
+                  <a:rPr lang="de-DE" sz="1400" dirty="0" smtClean="0"/>
+                  <a:t> </a:t>
+                </a:r>
+                <a:r>
+                  <a:rPr lang="de-DE" sz="1400" dirty="0" smtClean="0">
+                    <a:solidFill>
+                      <a:srgbClr val="0070C0"/>
+                    </a:solidFill>
+                  </a:rPr>
+                  <a:t>=2</a:t>
+                </a:r>
+                <a:r>
+                  <a:rPr lang="de-DE" sz="1400" dirty="0"/>
+                  <a:t>	    </a:t>
+                </a:r>
+                <a14:m>
+                  <m:oMath xmlns:m="http://schemas.openxmlformats.org/officeDocument/2006/math">
+                    <m:d>
+                      <m:dPr>
+                        <m:begChr m:val="["/>
+                        <m:endChr m:val="]"/>
+                        <m:ctrlPr>
+                          <a:rPr lang="de-DE" sz="1400" dirty="0">
+                            <a:latin typeface="Cambria Math"/>
+                          </a:rPr>
+                        </m:ctrlPr>
+                      </m:dPr>
+                      <m:e>
+                        <m:r>
+                          <a:rPr lang="de-DE" sz="1400" i="1" dirty="0">
+                            <a:latin typeface="Cambria Math"/>
+                          </a:rPr>
+                          <m:t>𝑣</m:t>
+                        </m:r>
+                        <m:d>
+                          <m:dPr>
+                            <m:ctrlPr>
+                              <a:rPr lang="de-DE" sz="1400" i="1" dirty="0">
+                                <a:latin typeface="Cambria Math"/>
+                              </a:rPr>
+                            </m:ctrlPr>
+                          </m:dPr>
+                          <m:e>
+                            <m:d>
+                              <m:dPr>
+                                <m:begChr m:val="{"/>
+                                <m:endChr m:val="}"/>
+                                <m:ctrlPr>
+                                  <a:rPr lang="de-DE" sz="1400" b="0" i="1" dirty="0" smtClean="0">
+                                    <a:latin typeface="Cambria Math"/>
+                                  </a:rPr>
+                                </m:ctrlPr>
+                              </m:dPr>
+                              <m:e>
+                                <m:r>
+                                  <a:rPr lang="de-DE" sz="1400" b="0" i="1" dirty="0" smtClean="0">
+                                    <a:latin typeface="Cambria Math"/>
+                                  </a:rPr>
+                                  <m:t>𝐷</m:t>
+                                </m:r>
+                              </m:e>
+                            </m:d>
+                            <m:r>
+                              <a:rPr lang="de-DE" sz="1400" i="1" dirty="0">
+                                <a:latin typeface="Cambria Math"/>
+                              </a:rPr>
+                              <m:t>∪</m:t>
+                            </m:r>
+                            <m:d>
+                              <m:dPr>
+                                <m:begChr m:val="{"/>
+                                <m:endChr m:val="}"/>
+                                <m:ctrlPr>
+                                  <a:rPr lang="de-DE" sz="1400" i="1" dirty="0">
+                                    <a:latin typeface="Cambria Math"/>
+                                  </a:rPr>
+                                </m:ctrlPr>
+                              </m:dPr>
+                              <m:e>
+                                <m:r>
+                                  <a:rPr lang="de-DE" sz="1400" i="1" dirty="0">
+                                    <a:latin typeface="Cambria Math"/>
+                                  </a:rPr>
+                                  <m:t>𝐴</m:t>
+                                </m:r>
+                              </m:e>
+                            </m:d>
+                          </m:e>
+                        </m:d>
+                        <m:r>
+                          <a:rPr lang="de-DE" sz="1400" i="1" dirty="0">
+                            <a:latin typeface="Cambria Math"/>
+                          </a:rPr>
+                          <m:t>−</m:t>
+                        </m:r>
+                        <m:r>
+                          <a:rPr lang="de-DE" sz="1400" i="1" dirty="0">
+                            <a:latin typeface="Cambria Math"/>
+                          </a:rPr>
+                          <m:t>𝑣</m:t>
+                        </m:r>
+                        <m:d>
+                          <m:dPr>
+                            <m:ctrlPr>
+                              <a:rPr lang="de-DE" sz="1400" i="1" dirty="0">
+                                <a:latin typeface="Cambria Math"/>
+                              </a:rPr>
+                            </m:ctrlPr>
+                          </m:dPr>
+                          <m:e>
+                            <m:d>
+                              <m:dPr>
+                                <m:begChr m:val="{"/>
+                                <m:endChr m:val="}"/>
+                                <m:ctrlPr>
+                                  <a:rPr lang="de-DE" sz="1400" b="0" i="1" dirty="0" smtClean="0">
+                                    <a:latin typeface="Cambria Math"/>
+                                  </a:rPr>
+                                </m:ctrlPr>
+                              </m:dPr>
+                              <m:e>
+                                <m:r>
+                                  <a:rPr lang="de-DE" sz="1400" b="0" i="1" dirty="0" smtClean="0">
+                                    <a:latin typeface="Cambria Math"/>
+                                  </a:rPr>
+                                  <m:t>𝐷</m:t>
+                                </m:r>
+                              </m:e>
+                            </m:d>
+                          </m:e>
+                        </m:d>
+                      </m:e>
+                    </m:d>
+                  </m:oMath>
+                </a14:m>
+                <a:r>
+                  <a:rPr lang="de-DE" sz="1400" dirty="0" smtClean="0"/>
+                  <a:t> </a:t>
+                </a:r>
+                <a:r>
+                  <a:rPr lang="de-DE" sz="1400" dirty="0" smtClean="0">
+                    <a:solidFill>
+                      <a:srgbClr val="00B050"/>
+                    </a:solidFill>
+                  </a:rPr>
+                  <a:t>=1</a:t>
+                </a:r>
+                <a:r>
+                  <a:rPr lang="de-DE" sz="1400" dirty="0" smtClean="0"/>
+                  <a:t/>
+                </a:r>
+                <a:br>
+                  <a:rPr lang="de-DE" sz="1400" dirty="0" smtClean="0"/>
+                </a:br>
+                <a:endParaRPr lang="de-DE" sz="1000" dirty="0"/>
+              </a:p>
+              <a:p>
+                <a:pPr marL="0" indent="0">
+                  <a:buNone/>
+                  <a:tabLst>
+                    <a:tab pos="355600" algn="l"/>
+                    <a:tab pos="1793875" algn="l"/>
+                    <a:tab pos="4845050" algn="l"/>
+                  </a:tabLst>
+                </a:pPr>
+                <a:r>
+                  <a:rPr lang="de-DE" sz="1400" dirty="0"/>
+                  <a:t>	</a:t>
+                </a:r>
+                <a14:m>
+                  <m:oMath xmlns:m="http://schemas.openxmlformats.org/officeDocument/2006/math">
+                    <m:r>
+                      <a:rPr lang="de-DE" sz="1400" i="1">
+                        <a:latin typeface="Cambria Math"/>
+                      </a:rPr>
+                      <m:t>|</m:t>
+                    </m:r>
+                    <m:r>
+                      <a:rPr lang="de-DE" sz="1400" b="0" i="1" smtClean="0">
+                        <a:latin typeface="Cambria Math"/>
+                      </a:rPr>
+                      <m:t>{</m:t>
+                    </m:r>
+                    <m:r>
+                      <a:rPr lang="de-DE" sz="1400" i="1">
+                        <a:latin typeface="Cambria Math"/>
+                      </a:rPr>
+                      <m:t>𝐵</m:t>
+                    </m:r>
+                    <m:r>
+                      <a:rPr lang="de-DE" sz="1400" b="0" i="1" smtClean="0">
+                        <a:latin typeface="Cambria Math"/>
+                      </a:rPr>
+                      <m:t>,</m:t>
+                    </m:r>
+                    <m:r>
+                      <a:rPr lang="de-DE" sz="1400" b="0" i="1" smtClean="0">
+                        <a:latin typeface="Cambria Math"/>
+                      </a:rPr>
+                      <m:t>𝐶</m:t>
+                    </m:r>
+                    <m:r>
+                      <a:rPr lang="de-DE" sz="1400" b="0" i="1" smtClean="0">
+                        <a:latin typeface="Cambria Math"/>
+                      </a:rPr>
+                      <m:t>}|!</m:t>
+                    </m:r>
+                  </m:oMath>
+                </a14:m>
+                <a:r>
+                  <a:rPr lang="de-DE" sz="1400" dirty="0"/>
+                  <a:t> </a:t>
+                </a:r>
+                <a:r>
+                  <a:rPr lang="de-DE" sz="1400" dirty="0" smtClean="0">
+                    <a:solidFill>
+                      <a:srgbClr val="C00000"/>
+                    </a:solidFill>
+                  </a:rPr>
+                  <a:t>=2    </a:t>
+                </a:r>
+                <a:r>
+                  <a:rPr lang="de-DE" sz="1400" dirty="0" smtClean="0"/>
+                  <a:t>	</a:t>
+                </a:r>
+                <a14:m>
+                  <m:oMath xmlns:m="http://schemas.openxmlformats.org/officeDocument/2006/math">
+                    <m:d>
+                      <m:dPr>
+                        <m:ctrlPr>
+                          <a:rPr lang="de-DE" sz="1400" i="1">
+                            <a:latin typeface="Cambria Math"/>
+                          </a:rPr>
+                        </m:ctrlPr>
+                      </m:dPr>
+                      <m:e>
+                        <m:d>
+                          <m:dPr>
+                            <m:begChr m:val="|"/>
+                            <m:endChr m:val="|"/>
+                            <m:ctrlPr>
+                              <a:rPr lang="de-DE" sz="1400" i="1">
+                                <a:latin typeface="Cambria Math"/>
+                              </a:rPr>
+                            </m:ctrlPr>
+                          </m:dPr>
+                          <m:e>
+                            <m:d>
+                              <m:dPr>
+                                <m:begChr m:val="{"/>
+                                <m:endChr m:val="}"/>
+                                <m:ctrlPr>
+                                  <a:rPr lang="de-DE" sz="1400" i="1">
+                                    <a:latin typeface="Cambria Math"/>
+                                  </a:rPr>
+                                </m:ctrlPr>
+                              </m:dPr>
+                              <m:e>
+                                <m:r>
+                                  <a:rPr lang="de-DE" sz="1400" i="1">
+                                    <a:latin typeface="Cambria Math"/>
+                                  </a:rPr>
+                                  <m:t>𝐴</m:t>
+                                </m:r>
+                                <m:r>
+                                  <a:rPr lang="de-DE" sz="1400" i="1">
+                                    <a:latin typeface="Cambria Math"/>
+                                  </a:rPr>
+                                  <m:t>,</m:t>
+                                </m:r>
+                                <m:r>
+                                  <a:rPr lang="de-DE" sz="1400" i="1">
+                                    <a:latin typeface="Cambria Math"/>
+                                  </a:rPr>
+                                  <m:t>𝐵</m:t>
+                                </m:r>
+                                <m:r>
+                                  <a:rPr lang="de-DE" sz="1400" i="1">
+                                    <a:latin typeface="Cambria Math"/>
+                                  </a:rPr>
+                                  <m:t>,</m:t>
+                                </m:r>
+                                <m:r>
+                                  <a:rPr lang="de-DE" sz="1400" i="1">
+                                    <a:latin typeface="Cambria Math"/>
+                                  </a:rPr>
+                                  <m:t>𝐶</m:t>
+                                </m:r>
+                                <m:r>
+                                  <a:rPr lang="de-DE" sz="1400" i="1">
+                                    <a:latin typeface="Cambria Math"/>
+                                  </a:rPr>
+                                  <m:t>,</m:t>
+                                </m:r>
+                                <m:r>
+                                  <a:rPr lang="de-DE" sz="1400" i="1">
+                                    <a:latin typeface="Cambria Math"/>
+                                  </a:rPr>
+                                  <m:t>𝐷</m:t>
+                                </m:r>
+                              </m:e>
+                            </m:d>
+                          </m:e>
+                        </m:d>
+                        <m:r>
+                          <a:rPr lang="de-DE" sz="1400" i="1">
+                            <a:latin typeface="Cambria Math"/>
+                          </a:rPr>
+                          <m:t>−</m:t>
+                        </m:r>
+                        <m:d>
+                          <m:dPr>
+                            <m:begChr m:val="|"/>
+                            <m:endChr m:val="|"/>
+                            <m:ctrlPr>
+                              <a:rPr lang="de-DE" sz="1400" i="1">
+                                <a:latin typeface="Cambria Math"/>
+                              </a:rPr>
+                            </m:ctrlPr>
+                          </m:dPr>
+                          <m:e>
+                            <m:r>
+                              <a:rPr lang="de-DE" sz="1400" b="0" i="1" smtClean="0">
+                                <a:latin typeface="Cambria Math"/>
+                              </a:rPr>
+                              <m:t>{</m:t>
+                            </m:r>
+                            <m:r>
+                              <a:rPr lang="de-DE" sz="1400" i="1">
+                                <a:latin typeface="Cambria Math"/>
+                              </a:rPr>
+                              <m:t>𝐵</m:t>
+                            </m:r>
+                            <m:r>
+                              <a:rPr lang="de-DE" sz="1400" b="0" i="1" smtClean="0">
+                                <a:latin typeface="Cambria Math"/>
+                              </a:rPr>
+                              <m:t>,</m:t>
+                            </m:r>
+                            <m:r>
+                              <a:rPr lang="de-DE" sz="1400" b="0" i="1" smtClean="0">
+                                <a:latin typeface="Cambria Math"/>
+                              </a:rPr>
+                              <m:t>𝐶</m:t>
+                            </m:r>
+                            <m:r>
+                              <a:rPr lang="de-DE" sz="1400" b="0" i="1" smtClean="0">
+                                <a:latin typeface="Cambria Math"/>
+                              </a:rPr>
+                              <m:t>}</m:t>
+                            </m:r>
+                          </m:e>
+                        </m:d>
+                        <m:r>
+                          <a:rPr lang="de-DE" sz="1400" i="1">
+                            <a:latin typeface="Cambria Math"/>
+                          </a:rPr>
+                          <m:t>−1</m:t>
+                        </m:r>
+                      </m:e>
+                    </m:d>
+                    <m:r>
+                      <a:rPr lang="de-DE" sz="1400" i="1">
+                        <a:latin typeface="Cambria Math"/>
+                      </a:rPr>
+                      <m:t>!</m:t>
+                    </m:r>
+                  </m:oMath>
+                </a14:m>
+                <a:r>
+                  <a:rPr lang="de-DE" sz="1400" dirty="0"/>
+                  <a:t> </a:t>
+                </a:r>
+                <a:r>
+                  <a:rPr lang="de-DE" sz="1400" dirty="0" smtClean="0">
+                    <a:solidFill>
+                      <a:srgbClr val="0070C0"/>
+                    </a:solidFill>
+                  </a:rPr>
+                  <a:t>=1</a:t>
+                </a:r>
+                <a:r>
+                  <a:rPr lang="de-DE" sz="1400" dirty="0"/>
+                  <a:t>	    </a:t>
+                </a:r>
+                <a14:m>
+                  <m:oMath xmlns:m="http://schemas.openxmlformats.org/officeDocument/2006/math">
+                    <m:r>
+                      <a:rPr lang="de-DE" sz="1400" dirty="0">
+                        <a:latin typeface="Cambria Math"/>
+                      </a:rPr>
+                      <m:t>[</m:t>
+                    </m:r>
+                    <m:r>
+                      <a:rPr lang="de-DE" sz="1400" i="1" dirty="0">
+                        <a:latin typeface="Cambria Math"/>
+                      </a:rPr>
+                      <m:t>𝑣</m:t>
+                    </m:r>
+                    <m:d>
+                      <m:dPr>
+                        <m:ctrlPr>
+                          <a:rPr lang="de-DE" sz="1400" i="1" dirty="0">
+                            <a:latin typeface="Cambria Math"/>
+                          </a:rPr>
+                        </m:ctrlPr>
+                      </m:dPr>
+                      <m:e>
+                        <m:r>
+                          <a:rPr lang="de-DE" sz="1400" i="1" dirty="0">
+                            <a:latin typeface="Cambria Math"/>
+                          </a:rPr>
+                          <m:t>{</m:t>
+                        </m:r>
+                        <m:r>
+                          <a:rPr lang="de-DE" sz="1400" i="1" dirty="0">
+                            <a:latin typeface="Cambria Math"/>
+                          </a:rPr>
+                          <m:t>𝐵</m:t>
+                        </m:r>
+                        <m:r>
+                          <a:rPr lang="de-DE" sz="1400" b="0" i="1" dirty="0" smtClean="0">
+                            <a:latin typeface="Cambria Math"/>
+                          </a:rPr>
+                          <m:t>,</m:t>
+                        </m:r>
+                        <m:r>
+                          <a:rPr lang="de-DE" sz="1400" b="0" i="1" dirty="0" smtClean="0">
+                            <a:latin typeface="Cambria Math"/>
+                          </a:rPr>
+                          <m:t>𝐶</m:t>
+                        </m:r>
+                        <m:r>
+                          <a:rPr lang="de-DE" sz="1400" i="1" dirty="0">
+                            <a:latin typeface="Cambria Math"/>
+                          </a:rPr>
+                          <m:t>}∪</m:t>
+                        </m:r>
+                        <m:d>
+                          <m:dPr>
+                            <m:begChr m:val="{"/>
+                            <m:endChr m:val="}"/>
+                            <m:ctrlPr>
+                              <a:rPr lang="de-DE" sz="1400" i="1" dirty="0">
+                                <a:latin typeface="Cambria Math"/>
+                              </a:rPr>
+                            </m:ctrlPr>
+                          </m:dPr>
+                          <m:e>
+                            <m:r>
+                              <a:rPr lang="de-DE" sz="1400" i="1" dirty="0">
+                                <a:latin typeface="Cambria Math"/>
+                              </a:rPr>
+                              <m:t>𝐴</m:t>
+                            </m:r>
+                          </m:e>
+                        </m:d>
+                      </m:e>
+                    </m:d>
+                    <m:r>
+                      <a:rPr lang="de-DE" sz="1400" i="1" dirty="0">
+                        <a:latin typeface="Cambria Math"/>
+                      </a:rPr>
+                      <m:t>−</m:t>
+                    </m:r>
+                    <m:r>
+                      <a:rPr lang="de-DE" sz="1400" i="1" dirty="0">
+                        <a:latin typeface="Cambria Math"/>
+                      </a:rPr>
+                      <m:t>𝑣</m:t>
+                    </m:r>
+                    <m:d>
+                      <m:dPr>
+                        <m:ctrlPr>
+                          <a:rPr lang="de-DE" sz="1400" i="1" dirty="0">
+                            <a:latin typeface="Cambria Math"/>
+                          </a:rPr>
+                        </m:ctrlPr>
+                      </m:dPr>
+                      <m:e>
+                        <m:r>
+                          <a:rPr lang="de-DE" sz="1400" i="1" dirty="0">
+                            <a:latin typeface="Cambria Math"/>
+                          </a:rPr>
+                          <m:t>{</m:t>
+                        </m:r>
+                        <m:r>
+                          <a:rPr lang="de-DE" sz="1400" i="1" dirty="0">
+                            <a:latin typeface="Cambria Math"/>
+                          </a:rPr>
+                          <m:t>𝐵</m:t>
+                        </m:r>
+                        <m:r>
+                          <a:rPr lang="de-DE" sz="1400" b="0" i="1" dirty="0" smtClean="0">
+                            <a:latin typeface="Cambria Math"/>
+                          </a:rPr>
+                          <m:t>,</m:t>
+                        </m:r>
+                        <m:r>
+                          <a:rPr lang="de-DE" sz="1400" b="0" i="1" dirty="0" smtClean="0">
+                            <a:latin typeface="Cambria Math"/>
+                          </a:rPr>
+                          <m:t>𝐶</m:t>
+                        </m:r>
+                        <m:r>
+                          <a:rPr lang="de-DE" sz="1400" i="1" dirty="0">
+                            <a:latin typeface="Cambria Math"/>
+                          </a:rPr>
+                          <m:t>}</m:t>
+                        </m:r>
+                      </m:e>
+                    </m:d>
+                    <m:r>
+                      <a:rPr lang="de-DE" sz="1400" i="1" dirty="0">
+                        <a:latin typeface="Cambria Math"/>
+                      </a:rPr>
+                      <m:t>]</m:t>
+                    </m:r>
+                  </m:oMath>
+                </a14:m>
+                <a:r>
+                  <a:rPr lang="de-DE" sz="1400" dirty="0" smtClean="0"/>
+                  <a:t> </a:t>
+                </a:r>
+                <a:r>
+                  <a:rPr lang="de-DE" sz="1400" dirty="0" smtClean="0">
+                    <a:solidFill>
+                      <a:srgbClr val="00B050"/>
+                    </a:solidFill>
+                  </a:rPr>
+                  <a:t>=1</a:t>
+                </a:r>
+                <a:endParaRPr lang="de-DE" sz="1400" dirty="0">
+                  <a:solidFill>
+                    <a:srgbClr val="00B050"/>
+                  </a:solidFill>
+                </a:endParaRPr>
+              </a:p>
+              <a:p>
+                <a:pPr marL="0" indent="0">
+                  <a:buNone/>
+                  <a:tabLst>
+                    <a:tab pos="355600" algn="l"/>
+                    <a:tab pos="1793875" algn="l"/>
+                    <a:tab pos="4845050" algn="l"/>
+                  </a:tabLst>
+                </a:pPr>
+                <a:r>
+                  <a:rPr lang="de-DE" sz="1400" dirty="0" smtClean="0"/>
+                  <a:t> </a:t>
+                </a:r>
+                <a:r>
+                  <a:rPr lang="de-DE" sz="1400" dirty="0"/>
+                  <a:t>	</a:t>
+                </a:r>
+                <a14:m>
+                  <m:oMath xmlns:m="http://schemas.openxmlformats.org/officeDocument/2006/math">
+                    <m:r>
+                      <a:rPr lang="de-DE" sz="1400" i="1">
+                        <a:latin typeface="Cambria Math"/>
+                      </a:rPr>
+                      <m:t>|</m:t>
+                    </m:r>
+                    <m:r>
+                      <a:rPr lang="de-DE" sz="1400" b="0" i="1" smtClean="0">
+                        <a:latin typeface="Cambria Math"/>
+                      </a:rPr>
+                      <m:t>{</m:t>
+                    </m:r>
+                    <m:r>
+                      <a:rPr lang="de-DE" sz="1400" i="1">
+                        <a:latin typeface="Cambria Math"/>
+                      </a:rPr>
+                      <m:t>𝐵</m:t>
+                    </m:r>
+                    <m:r>
+                      <a:rPr lang="de-DE" sz="1400" b="0" i="1" smtClean="0">
+                        <a:latin typeface="Cambria Math"/>
+                      </a:rPr>
+                      <m:t>,</m:t>
+                    </m:r>
+                    <m:r>
+                      <a:rPr lang="de-DE" sz="1400" b="0" i="1" smtClean="0">
+                        <a:latin typeface="Cambria Math"/>
+                      </a:rPr>
+                      <m:t>𝐷</m:t>
+                    </m:r>
+                    <m:r>
+                      <a:rPr lang="de-DE" sz="1400" b="0" i="1" smtClean="0">
+                        <a:latin typeface="Cambria Math"/>
+                      </a:rPr>
+                      <m:t>}|!</m:t>
+                    </m:r>
+                  </m:oMath>
+                </a14:m>
+                <a:r>
+                  <a:rPr lang="de-DE" sz="1400" dirty="0"/>
+                  <a:t> </a:t>
+                </a:r>
+                <a:r>
+                  <a:rPr lang="de-DE" sz="1400" dirty="0" smtClean="0">
+                    <a:solidFill>
+                      <a:srgbClr val="C00000"/>
+                    </a:solidFill>
+                  </a:rPr>
+                  <a:t>=2    </a:t>
+                </a:r>
+                <a:r>
+                  <a:rPr lang="de-DE" sz="1400" dirty="0" smtClean="0"/>
+                  <a:t>	</a:t>
+                </a:r>
+                <a14:m>
+                  <m:oMath xmlns:m="http://schemas.openxmlformats.org/officeDocument/2006/math">
+                    <m:d>
+                      <m:dPr>
+                        <m:ctrlPr>
+                          <a:rPr lang="de-DE" sz="1400" i="1">
+                            <a:latin typeface="Cambria Math"/>
+                          </a:rPr>
+                        </m:ctrlPr>
+                      </m:dPr>
+                      <m:e>
+                        <m:d>
+                          <m:dPr>
+                            <m:begChr m:val="|"/>
+                            <m:endChr m:val="|"/>
+                            <m:ctrlPr>
+                              <a:rPr lang="de-DE" sz="1400" i="1">
+                                <a:latin typeface="Cambria Math"/>
+                              </a:rPr>
+                            </m:ctrlPr>
+                          </m:dPr>
+                          <m:e>
+                            <m:d>
+                              <m:dPr>
+                                <m:begChr m:val="{"/>
+                                <m:endChr m:val="}"/>
+                                <m:ctrlPr>
+                                  <a:rPr lang="de-DE" sz="1400" i="1">
+                                    <a:latin typeface="Cambria Math"/>
+                                  </a:rPr>
+                                </m:ctrlPr>
+                              </m:dPr>
+                              <m:e>
+                                <m:r>
+                                  <a:rPr lang="de-DE" sz="1400" i="1">
+                                    <a:latin typeface="Cambria Math"/>
+                                  </a:rPr>
+                                  <m:t>𝐴</m:t>
+                                </m:r>
+                                <m:r>
+                                  <a:rPr lang="de-DE" sz="1400" i="1">
+                                    <a:latin typeface="Cambria Math"/>
+                                  </a:rPr>
+                                  <m:t>,</m:t>
+                                </m:r>
+                                <m:r>
+                                  <a:rPr lang="de-DE" sz="1400" i="1">
+                                    <a:latin typeface="Cambria Math"/>
+                                  </a:rPr>
+                                  <m:t>𝐵</m:t>
+                                </m:r>
+                                <m:r>
+                                  <a:rPr lang="de-DE" sz="1400" i="1">
+                                    <a:latin typeface="Cambria Math"/>
+                                  </a:rPr>
+                                  <m:t>,</m:t>
+                                </m:r>
+                                <m:r>
+                                  <a:rPr lang="de-DE" sz="1400" i="1">
+                                    <a:latin typeface="Cambria Math"/>
+                                  </a:rPr>
+                                  <m:t>𝐶</m:t>
+                                </m:r>
+                                <m:r>
+                                  <a:rPr lang="de-DE" sz="1400" i="1">
+                                    <a:latin typeface="Cambria Math"/>
+                                  </a:rPr>
+                                  <m:t>,</m:t>
+                                </m:r>
+                                <m:r>
+                                  <a:rPr lang="de-DE" sz="1400" i="1">
+                                    <a:latin typeface="Cambria Math"/>
+                                  </a:rPr>
+                                  <m:t>𝐷</m:t>
+                                </m:r>
+                              </m:e>
+                            </m:d>
+                          </m:e>
+                        </m:d>
+                        <m:r>
+                          <a:rPr lang="de-DE" sz="1400" i="1">
+                            <a:latin typeface="Cambria Math"/>
+                          </a:rPr>
+                          <m:t>−</m:t>
+                        </m:r>
+                        <m:d>
+                          <m:dPr>
+                            <m:begChr m:val="|"/>
+                            <m:endChr m:val="|"/>
+                            <m:ctrlPr>
+                              <a:rPr lang="de-DE" sz="1400" i="1">
+                                <a:latin typeface="Cambria Math"/>
+                              </a:rPr>
+                            </m:ctrlPr>
+                          </m:dPr>
+                          <m:e>
+                            <m:r>
+                              <a:rPr lang="de-DE" sz="1400" b="0" i="1" smtClean="0">
+                                <a:latin typeface="Cambria Math"/>
+                              </a:rPr>
+                              <m:t>{</m:t>
+                            </m:r>
+                            <m:r>
+                              <a:rPr lang="de-DE" sz="1400" i="1">
+                                <a:latin typeface="Cambria Math"/>
+                              </a:rPr>
+                              <m:t>𝐵</m:t>
+                            </m:r>
+                            <m:r>
+                              <a:rPr lang="de-DE" sz="1400" b="0" i="1" smtClean="0">
+                                <a:latin typeface="Cambria Math"/>
+                              </a:rPr>
+                              <m:t>,</m:t>
+                            </m:r>
+                            <m:r>
+                              <a:rPr lang="de-DE" sz="1400" b="0" i="1" smtClean="0">
+                                <a:latin typeface="Cambria Math"/>
+                              </a:rPr>
+                              <m:t>𝐷</m:t>
+                            </m:r>
+                            <m:r>
+                              <a:rPr lang="de-DE" sz="1400" b="0" i="1" smtClean="0">
+                                <a:latin typeface="Cambria Math"/>
+                              </a:rPr>
+                              <m:t>}</m:t>
+                            </m:r>
+                          </m:e>
+                        </m:d>
+                        <m:r>
+                          <a:rPr lang="de-DE" sz="1400" i="1">
+                            <a:latin typeface="Cambria Math"/>
+                          </a:rPr>
+                          <m:t>−1</m:t>
+                        </m:r>
+                      </m:e>
+                    </m:d>
+                    <m:r>
+                      <a:rPr lang="de-DE" sz="1400" i="1">
+                        <a:latin typeface="Cambria Math"/>
+                      </a:rPr>
+                      <m:t>!</m:t>
+                    </m:r>
+                  </m:oMath>
+                </a14:m>
+                <a:r>
+                  <a:rPr lang="de-DE" sz="1400" dirty="0"/>
+                  <a:t> </a:t>
+                </a:r>
+                <a:r>
+                  <a:rPr lang="de-DE" sz="1400" dirty="0" smtClean="0">
+                    <a:solidFill>
+                      <a:srgbClr val="0070C0"/>
+                    </a:solidFill>
+                  </a:rPr>
+                  <a:t>=1</a:t>
+                </a:r>
+                <a:r>
+                  <a:rPr lang="de-DE" sz="1400" dirty="0"/>
+                  <a:t>	    </a:t>
+                </a:r>
+                <a14:m>
+                  <m:oMath xmlns:m="http://schemas.openxmlformats.org/officeDocument/2006/math">
+                    <m:r>
+                      <a:rPr lang="de-DE" sz="1400" dirty="0">
+                        <a:latin typeface="Cambria Math"/>
+                      </a:rPr>
+                      <m:t>[</m:t>
+                    </m:r>
+                    <m:r>
+                      <a:rPr lang="de-DE" sz="1400" i="1" dirty="0">
+                        <a:latin typeface="Cambria Math"/>
+                      </a:rPr>
+                      <m:t>𝑣</m:t>
+                    </m:r>
+                    <m:d>
+                      <m:dPr>
+                        <m:ctrlPr>
+                          <a:rPr lang="de-DE" sz="1400" i="1" dirty="0">
+                            <a:latin typeface="Cambria Math"/>
+                          </a:rPr>
+                        </m:ctrlPr>
+                      </m:dPr>
+                      <m:e>
+                        <m:r>
+                          <a:rPr lang="de-DE" sz="1400" i="1" dirty="0">
+                            <a:latin typeface="Cambria Math"/>
+                          </a:rPr>
+                          <m:t>{</m:t>
+                        </m:r>
+                        <m:r>
+                          <a:rPr lang="de-DE" sz="1400" i="1" dirty="0">
+                            <a:latin typeface="Cambria Math"/>
+                          </a:rPr>
+                          <m:t>𝐵</m:t>
+                        </m:r>
+                        <m:r>
+                          <a:rPr lang="de-DE" sz="1400" b="0" i="1" dirty="0" smtClean="0">
+                            <a:latin typeface="Cambria Math"/>
+                          </a:rPr>
+                          <m:t>,</m:t>
+                        </m:r>
+                        <m:r>
+                          <a:rPr lang="de-DE" sz="1400" b="0" i="1" dirty="0" smtClean="0">
+                            <a:latin typeface="Cambria Math"/>
+                          </a:rPr>
+                          <m:t>𝐷</m:t>
+                        </m:r>
+                        <m:r>
+                          <a:rPr lang="de-DE" sz="1400" i="1" dirty="0">
+                            <a:latin typeface="Cambria Math"/>
+                          </a:rPr>
+                          <m:t>}∪</m:t>
+                        </m:r>
+                        <m:d>
+                          <m:dPr>
+                            <m:begChr m:val="{"/>
+                            <m:endChr m:val="}"/>
+                            <m:ctrlPr>
+                              <a:rPr lang="de-DE" sz="1400" i="1" dirty="0">
+                                <a:latin typeface="Cambria Math"/>
+                              </a:rPr>
+                            </m:ctrlPr>
+                          </m:dPr>
+                          <m:e>
+                            <m:r>
+                              <a:rPr lang="de-DE" sz="1400" i="1" dirty="0">
+                                <a:latin typeface="Cambria Math"/>
+                              </a:rPr>
+                              <m:t>𝐴</m:t>
+                            </m:r>
+                          </m:e>
+                        </m:d>
+                      </m:e>
+                    </m:d>
+                    <m:r>
+                      <a:rPr lang="de-DE" sz="1400" i="1" dirty="0">
+                        <a:latin typeface="Cambria Math"/>
+                      </a:rPr>
+                      <m:t>−</m:t>
+                    </m:r>
+                    <m:r>
+                      <a:rPr lang="de-DE" sz="1400" i="1" dirty="0">
+                        <a:latin typeface="Cambria Math"/>
+                      </a:rPr>
+                      <m:t>𝑣</m:t>
+                    </m:r>
+                    <m:d>
+                      <m:dPr>
+                        <m:ctrlPr>
+                          <a:rPr lang="de-DE" sz="1400" i="1" dirty="0">
+                            <a:latin typeface="Cambria Math"/>
+                          </a:rPr>
+                        </m:ctrlPr>
+                      </m:dPr>
+                      <m:e>
+                        <m:r>
+                          <a:rPr lang="de-DE" sz="1400" i="1" dirty="0">
+                            <a:latin typeface="Cambria Math"/>
+                          </a:rPr>
+                          <m:t>{</m:t>
+                        </m:r>
+                        <m:r>
+                          <a:rPr lang="de-DE" sz="1400" i="1" dirty="0">
+                            <a:latin typeface="Cambria Math"/>
+                          </a:rPr>
+                          <m:t>𝐵</m:t>
+                        </m:r>
+                        <m:r>
+                          <a:rPr lang="de-DE" sz="1400" b="0" i="1" dirty="0" smtClean="0">
+                            <a:latin typeface="Cambria Math"/>
+                          </a:rPr>
+                          <m:t>,</m:t>
+                        </m:r>
+                        <m:r>
+                          <a:rPr lang="de-DE" sz="1400" b="0" i="1" dirty="0" smtClean="0">
+                            <a:latin typeface="Cambria Math"/>
+                          </a:rPr>
+                          <m:t>𝐷</m:t>
+                        </m:r>
+                        <m:r>
+                          <a:rPr lang="de-DE" sz="1400" i="1" dirty="0">
+                            <a:latin typeface="Cambria Math"/>
+                          </a:rPr>
+                          <m:t>}</m:t>
+                        </m:r>
+                      </m:e>
+                    </m:d>
+                    <m:r>
+                      <a:rPr lang="de-DE" sz="1400" i="1" dirty="0">
+                        <a:latin typeface="Cambria Math"/>
+                      </a:rPr>
+                      <m:t>]</m:t>
+                    </m:r>
+                  </m:oMath>
+                </a14:m>
+                <a:r>
+                  <a:rPr lang="de-DE" sz="1400" dirty="0" smtClean="0"/>
+                  <a:t> </a:t>
+                </a:r>
+                <a:r>
+                  <a:rPr lang="de-DE" sz="1400" dirty="0" smtClean="0">
+                    <a:solidFill>
+                      <a:srgbClr val="00B050"/>
+                    </a:solidFill>
+                  </a:rPr>
+                  <a:t>=1</a:t>
+                </a:r>
+                <a:endParaRPr lang="de-DE" sz="1400" dirty="0">
+                  <a:solidFill>
+                    <a:srgbClr val="00B050"/>
+                  </a:solidFill>
+                </a:endParaRPr>
+              </a:p>
+              <a:p>
+                <a:pPr marL="0" indent="0">
+                  <a:buNone/>
+                  <a:tabLst>
+                    <a:tab pos="355600" algn="l"/>
+                    <a:tab pos="1793875" algn="l"/>
+                    <a:tab pos="4845050" algn="l"/>
+                  </a:tabLst>
+                </a:pPr>
+                <a:r>
+                  <a:rPr lang="de-DE" sz="1400" dirty="0"/>
+                  <a:t>	</a:t>
+                </a:r>
+                <a14:m>
+                  <m:oMath xmlns:m="http://schemas.openxmlformats.org/officeDocument/2006/math">
+                    <m:r>
+                      <a:rPr lang="de-DE" sz="1400" i="1">
+                        <a:latin typeface="Cambria Math"/>
+                      </a:rPr>
+                      <m:t>|</m:t>
+                    </m:r>
+                    <m:r>
+                      <a:rPr lang="de-DE" sz="1400" b="0" i="1" smtClean="0">
+                        <a:latin typeface="Cambria Math"/>
+                      </a:rPr>
+                      <m:t>{</m:t>
+                    </m:r>
+                    <m:r>
+                      <a:rPr lang="de-DE" sz="1400" b="0" i="1" smtClean="0">
+                        <a:latin typeface="Cambria Math"/>
+                      </a:rPr>
+                      <m:t>𝐶</m:t>
+                    </m:r>
+                    <m:r>
+                      <a:rPr lang="de-DE" sz="1400" b="0" i="1" smtClean="0">
+                        <a:latin typeface="Cambria Math"/>
+                      </a:rPr>
+                      <m:t>,</m:t>
+                    </m:r>
+                    <m:r>
+                      <a:rPr lang="de-DE" sz="1400" b="0" i="1" smtClean="0">
+                        <a:latin typeface="Cambria Math"/>
+                      </a:rPr>
+                      <m:t>𝐷</m:t>
+                    </m:r>
+                    <m:r>
+                      <a:rPr lang="de-DE" sz="1400" b="0" i="1" smtClean="0">
+                        <a:latin typeface="Cambria Math"/>
+                      </a:rPr>
+                      <m:t>}|!</m:t>
+                    </m:r>
+                  </m:oMath>
+                </a14:m>
+                <a:r>
+                  <a:rPr lang="de-DE" sz="1400" dirty="0"/>
+                  <a:t> </a:t>
+                </a:r>
+                <a:r>
+                  <a:rPr lang="de-DE" sz="1400" dirty="0" smtClean="0">
+                    <a:solidFill>
+                      <a:srgbClr val="C00000"/>
+                    </a:solidFill>
+                  </a:rPr>
+                  <a:t>=2    </a:t>
+                </a:r>
+                <a:r>
+                  <a:rPr lang="de-DE" sz="1400" dirty="0" smtClean="0"/>
+                  <a:t>	</a:t>
+                </a:r>
+                <a14:m>
+                  <m:oMath xmlns:m="http://schemas.openxmlformats.org/officeDocument/2006/math">
+                    <m:d>
+                      <m:dPr>
+                        <m:ctrlPr>
+                          <a:rPr lang="de-DE" sz="1400" i="1">
+                            <a:latin typeface="Cambria Math"/>
+                          </a:rPr>
+                        </m:ctrlPr>
+                      </m:dPr>
+                      <m:e>
+                        <m:d>
+                          <m:dPr>
+                            <m:begChr m:val="|"/>
+                            <m:endChr m:val="|"/>
+                            <m:ctrlPr>
+                              <a:rPr lang="de-DE" sz="1400" i="1">
+                                <a:latin typeface="Cambria Math"/>
+                              </a:rPr>
+                            </m:ctrlPr>
+                          </m:dPr>
+                          <m:e>
+                            <m:d>
+                              <m:dPr>
+                                <m:begChr m:val="{"/>
+                                <m:endChr m:val="}"/>
+                                <m:ctrlPr>
+                                  <a:rPr lang="de-DE" sz="1400" i="1">
+                                    <a:latin typeface="Cambria Math"/>
+                                  </a:rPr>
+                                </m:ctrlPr>
+                              </m:dPr>
+                              <m:e>
+                                <m:r>
+                                  <a:rPr lang="de-DE" sz="1400" i="1">
+                                    <a:latin typeface="Cambria Math"/>
+                                  </a:rPr>
+                                  <m:t>𝐴</m:t>
+                                </m:r>
+                                <m:r>
+                                  <a:rPr lang="de-DE" sz="1400" i="1">
+                                    <a:latin typeface="Cambria Math"/>
+                                  </a:rPr>
+                                  <m:t>,</m:t>
+                                </m:r>
+                                <m:r>
+                                  <a:rPr lang="de-DE" sz="1400" i="1">
+                                    <a:latin typeface="Cambria Math"/>
+                                  </a:rPr>
+                                  <m:t>𝐵</m:t>
+                                </m:r>
+                                <m:r>
+                                  <a:rPr lang="de-DE" sz="1400" i="1">
+                                    <a:latin typeface="Cambria Math"/>
+                                  </a:rPr>
+                                  <m:t>,</m:t>
+                                </m:r>
+                                <m:r>
+                                  <a:rPr lang="de-DE" sz="1400" i="1">
+                                    <a:latin typeface="Cambria Math"/>
+                                  </a:rPr>
+                                  <m:t>𝐶</m:t>
+                                </m:r>
+                                <m:r>
+                                  <a:rPr lang="de-DE" sz="1400" i="1">
+                                    <a:latin typeface="Cambria Math"/>
+                                  </a:rPr>
+                                  <m:t>,</m:t>
+                                </m:r>
+                                <m:r>
+                                  <a:rPr lang="de-DE" sz="1400" i="1">
+                                    <a:latin typeface="Cambria Math"/>
+                                  </a:rPr>
+                                  <m:t>𝐷</m:t>
+                                </m:r>
+                              </m:e>
+                            </m:d>
+                          </m:e>
+                        </m:d>
+                        <m:r>
+                          <a:rPr lang="de-DE" sz="1400" i="1">
+                            <a:latin typeface="Cambria Math"/>
+                          </a:rPr>
+                          <m:t>−</m:t>
+                        </m:r>
+                        <m:d>
+                          <m:dPr>
+                            <m:begChr m:val="|"/>
+                            <m:endChr m:val="|"/>
+                            <m:ctrlPr>
+                              <a:rPr lang="de-DE" sz="1400" i="1">
+                                <a:latin typeface="Cambria Math"/>
+                              </a:rPr>
+                            </m:ctrlPr>
+                          </m:dPr>
+                          <m:e>
+                            <m:r>
+                              <a:rPr lang="de-DE" sz="1400" b="0" i="1" smtClean="0">
+                                <a:latin typeface="Cambria Math"/>
+                              </a:rPr>
+                              <m:t>{</m:t>
+                            </m:r>
+                            <m:r>
+                              <a:rPr lang="de-DE" sz="1400" b="0" i="1" smtClean="0">
+                                <a:latin typeface="Cambria Math"/>
+                              </a:rPr>
+                              <m:t>𝐶</m:t>
+                            </m:r>
+                            <m:r>
+                              <a:rPr lang="de-DE" sz="1400" b="0" i="1" smtClean="0">
+                                <a:latin typeface="Cambria Math"/>
+                              </a:rPr>
+                              <m:t>,</m:t>
+                            </m:r>
+                            <m:r>
+                              <a:rPr lang="de-DE" sz="1400" b="0" i="1" smtClean="0">
+                                <a:latin typeface="Cambria Math"/>
+                              </a:rPr>
+                              <m:t>𝐷</m:t>
+                            </m:r>
+                            <m:r>
+                              <a:rPr lang="de-DE" sz="1400" b="0" i="1" smtClean="0">
+                                <a:latin typeface="Cambria Math"/>
+                              </a:rPr>
+                              <m:t>}</m:t>
+                            </m:r>
+                          </m:e>
+                        </m:d>
+                        <m:r>
+                          <a:rPr lang="de-DE" sz="1400" i="1">
+                            <a:latin typeface="Cambria Math"/>
+                          </a:rPr>
+                          <m:t>−1</m:t>
+                        </m:r>
+                      </m:e>
+                    </m:d>
+                    <m:r>
+                      <a:rPr lang="de-DE" sz="1400" i="1">
+                        <a:latin typeface="Cambria Math"/>
+                      </a:rPr>
+                      <m:t>!</m:t>
+                    </m:r>
+                  </m:oMath>
+                </a14:m>
+                <a:r>
+                  <a:rPr lang="de-DE" sz="1400" dirty="0"/>
+                  <a:t> </a:t>
+                </a:r>
+                <a:r>
+                  <a:rPr lang="de-DE" sz="1400" dirty="0" smtClean="0">
+                    <a:solidFill>
+                      <a:srgbClr val="0070C0"/>
+                    </a:solidFill>
+                  </a:rPr>
+                  <a:t>=1</a:t>
+                </a:r>
+                <a:r>
+                  <a:rPr lang="de-DE" sz="1400" dirty="0"/>
+                  <a:t>	    </a:t>
+                </a:r>
+                <a14:m>
+                  <m:oMath xmlns:m="http://schemas.openxmlformats.org/officeDocument/2006/math">
+                    <m:r>
+                      <a:rPr lang="de-DE" sz="1400" dirty="0">
+                        <a:latin typeface="Cambria Math"/>
+                      </a:rPr>
+                      <m:t>[</m:t>
+                    </m:r>
+                    <m:r>
+                      <a:rPr lang="de-DE" sz="1400" i="1" dirty="0">
+                        <a:latin typeface="Cambria Math"/>
+                      </a:rPr>
+                      <m:t>𝑣</m:t>
+                    </m:r>
+                    <m:d>
+                      <m:dPr>
+                        <m:ctrlPr>
+                          <a:rPr lang="de-DE" sz="1400" i="1" dirty="0">
+                            <a:latin typeface="Cambria Math"/>
+                          </a:rPr>
+                        </m:ctrlPr>
+                      </m:dPr>
+                      <m:e>
+                        <m:r>
+                          <a:rPr lang="de-DE" sz="1400" i="1" dirty="0">
+                            <a:latin typeface="Cambria Math"/>
+                          </a:rPr>
+                          <m:t>{</m:t>
+                        </m:r>
+                        <m:r>
+                          <a:rPr lang="de-DE" sz="1400" b="0" i="1" dirty="0" smtClean="0">
+                            <a:latin typeface="Cambria Math"/>
+                          </a:rPr>
+                          <m:t>𝐶</m:t>
+                        </m:r>
+                        <m:r>
+                          <a:rPr lang="de-DE" sz="1400" b="0" i="1" dirty="0" smtClean="0">
+                            <a:latin typeface="Cambria Math"/>
+                          </a:rPr>
+                          <m:t>,</m:t>
+                        </m:r>
+                        <m:r>
+                          <a:rPr lang="de-DE" sz="1400" b="0" i="1" dirty="0" smtClean="0">
+                            <a:latin typeface="Cambria Math"/>
+                          </a:rPr>
+                          <m:t>𝐷</m:t>
+                        </m:r>
+                        <m:r>
+                          <a:rPr lang="de-DE" sz="1400" i="1" dirty="0">
+                            <a:latin typeface="Cambria Math"/>
+                          </a:rPr>
+                          <m:t>}∪</m:t>
+                        </m:r>
+                        <m:d>
+                          <m:dPr>
+                            <m:begChr m:val="{"/>
+                            <m:endChr m:val="}"/>
+                            <m:ctrlPr>
+                              <a:rPr lang="de-DE" sz="1400" i="1" dirty="0">
+                                <a:latin typeface="Cambria Math"/>
+                              </a:rPr>
+                            </m:ctrlPr>
+                          </m:dPr>
+                          <m:e>
+                            <m:r>
+                              <a:rPr lang="de-DE" sz="1400" i="1" dirty="0">
+                                <a:latin typeface="Cambria Math"/>
+                              </a:rPr>
+                              <m:t>𝐴</m:t>
+                            </m:r>
+                          </m:e>
+                        </m:d>
+                      </m:e>
+                    </m:d>
+                    <m:r>
+                      <a:rPr lang="de-DE" sz="1400" i="1" dirty="0">
+                        <a:latin typeface="Cambria Math"/>
+                      </a:rPr>
+                      <m:t>−</m:t>
+                    </m:r>
+                    <m:r>
+                      <a:rPr lang="de-DE" sz="1400" i="1" dirty="0">
+                        <a:latin typeface="Cambria Math"/>
+                      </a:rPr>
+                      <m:t>𝑣</m:t>
+                    </m:r>
+                    <m:d>
+                      <m:dPr>
+                        <m:ctrlPr>
+                          <a:rPr lang="de-DE" sz="1400" i="1" dirty="0">
+                            <a:latin typeface="Cambria Math"/>
+                          </a:rPr>
+                        </m:ctrlPr>
+                      </m:dPr>
+                      <m:e>
+                        <m:r>
+                          <a:rPr lang="de-DE" sz="1400" i="1" dirty="0">
+                            <a:latin typeface="Cambria Math"/>
+                          </a:rPr>
+                          <m:t>{</m:t>
+                        </m:r>
+                        <m:r>
+                          <a:rPr lang="de-DE" sz="1400" b="0" i="1" dirty="0" smtClean="0">
+                            <a:latin typeface="Cambria Math"/>
+                          </a:rPr>
+                          <m:t>𝐶</m:t>
+                        </m:r>
+                        <m:r>
+                          <a:rPr lang="de-DE" sz="1400" b="0" i="1" dirty="0" smtClean="0">
+                            <a:latin typeface="Cambria Math"/>
+                          </a:rPr>
+                          <m:t>,</m:t>
+                        </m:r>
+                        <m:r>
+                          <a:rPr lang="de-DE" sz="1400" b="0" i="1" dirty="0" smtClean="0">
+                            <a:latin typeface="Cambria Math"/>
+                          </a:rPr>
+                          <m:t>𝐷</m:t>
+                        </m:r>
+                        <m:r>
+                          <a:rPr lang="de-DE" sz="1400" i="1" dirty="0">
+                            <a:latin typeface="Cambria Math"/>
+                          </a:rPr>
+                          <m:t>}</m:t>
+                        </m:r>
+                      </m:e>
+                    </m:d>
+                    <m:r>
+                      <a:rPr lang="de-DE" sz="1400" i="1" dirty="0">
+                        <a:latin typeface="Cambria Math"/>
+                      </a:rPr>
+                      <m:t>]</m:t>
+                    </m:r>
+                  </m:oMath>
+                </a14:m>
+                <a:r>
+                  <a:rPr lang="de-DE" sz="1400" dirty="0" smtClean="0"/>
+                  <a:t> </a:t>
+                </a:r>
+                <a:r>
+                  <a:rPr lang="de-DE" sz="1400" dirty="0" smtClean="0">
+                    <a:solidFill>
+                      <a:srgbClr val="00B050"/>
+                    </a:solidFill>
+                  </a:rPr>
+                  <a:t>=1</a:t>
+                </a:r>
+              </a:p>
+              <a:p>
+                <a:pPr marL="0" indent="0">
+                  <a:buNone/>
+                  <a:tabLst>
+                    <a:tab pos="355600" algn="l"/>
+                    <a:tab pos="1793875" algn="l"/>
+                    <a:tab pos="4845050" algn="l"/>
+                  </a:tabLst>
+                </a:pPr>
+                <a:endParaRPr lang="de-DE" sz="1000" dirty="0"/>
+              </a:p>
+              <a:p>
+                <a:pPr marL="0" indent="0">
+                  <a:buNone/>
+                  <a:tabLst>
+                    <a:tab pos="355600" algn="l"/>
+                    <a:tab pos="1793875" algn="l"/>
+                    <a:tab pos="4845050" algn="l"/>
+                  </a:tabLst>
+                </a:pPr>
+                <a:r>
+                  <a:rPr lang="de-DE" sz="1400" dirty="0"/>
+                  <a:t>	</a:t>
+                </a:r>
+                <a14:m>
+                  <m:oMath xmlns:m="http://schemas.openxmlformats.org/officeDocument/2006/math">
+                    <m:r>
+                      <a:rPr lang="de-DE" sz="1400" i="1">
+                        <a:latin typeface="Cambria Math"/>
+                      </a:rPr>
+                      <m:t>|</m:t>
+                    </m:r>
+                    <m:r>
+                      <a:rPr lang="de-DE" sz="1400" b="0" i="1" smtClean="0">
+                        <a:latin typeface="Cambria Math"/>
+                      </a:rPr>
+                      <m:t>{</m:t>
+                    </m:r>
+                    <m:r>
+                      <a:rPr lang="de-DE" sz="1400" i="1">
+                        <a:latin typeface="Cambria Math"/>
+                      </a:rPr>
+                      <m:t>𝐵</m:t>
+                    </m:r>
+                    <m:r>
+                      <a:rPr lang="de-DE" sz="1400" b="0" i="1" smtClean="0">
+                        <a:latin typeface="Cambria Math"/>
+                      </a:rPr>
+                      <m:t>,</m:t>
+                    </m:r>
+                    <m:r>
+                      <a:rPr lang="de-DE" sz="1400" b="0" i="1" smtClean="0">
+                        <a:latin typeface="Cambria Math"/>
+                      </a:rPr>
+                      <m:t>𝐶</m:t>
+                    </m:r>
+                    <m:r>
+                      <a:rPr lang="de-DE" sz="1400" b="0" i="1" smtClean="0">
+                        <a:latin typeface="Cambria Math"/>
+                      </a:rPr>
+                      <m:t>,</m:t>
+                    </m:r>
+                    <m:r>
+                      <a:rPr lang="de-DE" sz="1400" b="0" i="1" smtClean="0">
+                        <a:latin typeface="Cambria Math"/>
+                      </a:rPr>
+                      <m:t>𝐷</m:t>
+                    </m:r>
+                    <m:r>
+                      <a:rPr lang="de-DE" sz="1400" b="0" i="1" smtClean="0">
+                        <a:latin typeface="Cambria Math"/>
+                      </a:rPr>
+                      <m:t>}|!</m:t>
+                    </m:r>
+                  </m:oMath>
+                </a14:m>
+                <a:r>
+                  <a:rPr lang="de-DE" sz="1400" dirty="0"/>
+                  <a:t> </a:t>
+                </a:r>
+                <a:r>
+                  <a:rPr lang="de-DE" sz="1400" dirty="0" smtClean="0">
+                    <a:solidFill>
+                      <a:srgbClr val="C00000"/>
+                    </a:solidFill>
+                  </a:rPr>
+                  <a:t>=6 </a:t>
+                </a:r>
+                <a:r>
+                  <a:rPr lang="de-DE" sz="1400" dirty="0" smtClean="0"/>
+                  <a:t>	</a:t>
+                </a:r>
+                <a14:m>
+                  <m:oMath xmlns:m="http://schemas.openxmlformats.org/officeDocument/2006/math">
+                    <m:d>
+                      <m:dPr>
+                        <m:ctrlPr>
+                          <a:rPr lang="de-DE" sz="1400" i="1">
+                            <a:latin typeface="Cambria Math"/>
+                          </a:rPr>
+                        </m:ctrlPr>
+                      </m:dPr>
+                      <m:e>
+                        <m:d>
+                          <m:dPr>
+                            <m:begChr m:val="|"/>
+                            <m:endChr m:val="|"/>
+                            <m:ctrlPr>
+                              <a:rPr lang="de-DE" sz="1400" i="1">
+                                <a:latin typeface="Cambria Math"/>
+                              </a:rPr>
+                            </m:ctrlPr>
+                          </m:dPr>
+                          <m:e>
+                            <m:d>
+                              <m:dPr>
+                                <m:begChr m:val="{"/>
+                                <m:endChr m:val="}"/>
+                                <m:ctrlPr>
+                                  <a:rPr lang="de-DE" sz="1400" i="1">
+                                    <a:latin typeface="Cambria Math"/>
+                                  </a:rPr>
+                                </m:ctrlPr>
+                              </m:dPr>
+                              <m:e>
+                                <m:r>
+                                  <a:rPr lang="de-DE" sz="1400" i="1">
+                                    <a:latin typeface="Cambria Math"/>
+                                  </a:rPr>
+                                  <m:t>𝐴</m:t>
+                                </m:r>
+                                <m:r>
+                                  <a:rPr lang="de-DE" sz="1400" i="1">
+                                    <a:latin typeface="Cambria Math"/>
+                                  </a:rPr>
+                                  <m:t>,</m:t>
+                                </m:r>
+                                <m:r>
+                                  <a:rPr lang="de-DE" sz="1400" i="1">
+                                    <a:latin typeface="Cambria Math"/>
+                                  </a:rPr>
+                                  <m:t>𝐵</m:t>
+                                </m:r>
+                                <m:r>
+                                  <a:rPr lang="de-DE" sz="1400" i="1">
+                                    <a:latin typeface="Cambria Math"/>
+                                  </a:rPr>
+                                  <m:t>,</m:t>
+                                </m:r>
+                                <m:r>
+                                  <a:rPr lang="de-DE" sz="1400" i="1">
+                                    <a:latin typeface="Cambria Math"/>
+                                  </a:rPr>
+                                  <m:t>𝐶</m:t>
+                                </m:r>
+                                <m:r>
+                                  <a:rPr lang="de-DE" sz="1400" i="1">
+                                    <a:latin typeface="Cambria Math"/>
+                                  </a:rPr>
+                                  <m:t>,</m:t>
+                                </m:r>
+                                <m:r>
+                                  <a:rPr lang="de-DE" sz="1400" i="1">
+                                    <a:latin typeface="Cambria Math"/>
+                                  </a:rPr>
+                                  <m:t>𝐷</m:t>
+                                </m:r>
+                              </m:e>
+                            </m:d>
+                          </m:e>
+                        </m:d>
+                        <m:r>
+                          <a:rPr lang="de-DE" sz="1400" i="1">
+                            <a:latin typeface="Cambria Math"/>
+                          </a:rPr>
+                          <m:t>−</m:t>
+                        </m:r>
+                        <m:d>
+                          <m:dPr>
+                            <m:begChr m:val="|"/>
+                            <m:endChr m:val="|"/>
+                            <m:ctrlPr>
+                              <a:rPr lang="de-DE" sz="1400" i="1">
+                                <a:latin typeface="Cambria Math"/>
+                              </a:rPr>
+                            </m:ctrlPr>
+                          </m:dPr>
+                          <m:e>
+                            <m:r>
+                              <a:rPr lang="de-DE" sz="1400" b="0" i="1" smtClean="0">
+                                <a:latin typeface="Cambria Math"/>
+                              </a:rPr>
+                              <m:t>{</m:t>
+                            </m:r>
+                            <m:r>
+                              <a:rPr lang="de-DE" sz="1400" i="1">
+                                <a:latin typeface="Cambria Math"/>
+                              </a:rPr>
+                              <m:t>𝐵</m:t>
+                            </m:r>
+                            <m:r>
+                              <a:rPr lang="de-DE" sz="1400" b="0" i="1" smtClean="0">
+                                <a:latin typeface="Cambria Math"/>
+                              </a:rPr>
+                              <m:t>,</m:t>
+                            </m:r>
+                            <m:r>
+                              <a:rPr lang="de-DE" sz="1400" b="0" i="1" smtClean="0">
+                                <a:latin typeface="Cambria Math"/>
+                              </a:rPr>
+                              <m:t>𝐶</m:t>
+                            </m:r>
+                            <m:r>
+                              <a:rPr lang="de-DE" sz="1400" b="0" i="1" smtClean="0">
+                                <a:latin typeface="Cambria Math"/>
+                              </a:rPr>
+                              <m:t>,</m:t>
+                            </m:r>
+                            <m:r>
+                              <a:rPr lang="de-DE" sz="1400" b="0" i="1" smtClean="0">
+                                <a:latin typeface="Cambria Math"/>
+                              </a:rPr>
+                              <m:t>𝐷</m:t>
+                            </m:r>
+                            <m:r>
+                              <a:rPr lang="de-DE" sz="1400" b="0" i="1" smtClean="0">
+                                <a:latin typeface="Cambria Math"/>
+                              </a:rPr>
+                              <m:t>}</m:t>
+                            </m:r>
+                          </m:e>
+                        </m:d>
+                        <m:r>
+                          <a:rPr lang="de-DE" sz="1400" i="1">
+                            <a:latin typeface="Cambria Math"/>
+                          </a:rPr>
+                          <m:t>−1</m:t>
+                        </m:r>
+                      </m:e>
+                    </m:d>
+                    <m:r>
+                      <a:rPr lang="de-DE" sz="1400" i="1">
+                        <a:latin typeface="Cambria Math"/>
+                      </a:rPr>
+                      <m:t>!</m:t>
+                    </m:r>
+                  </m:oMath>
+                </a14:m>
+                <a:r>
+                  <a:rPr lang="de-DE" sz="1400" dirty="0" smtClean="0"/>
+                  <a:t> </a:t>
+                </a:r>
+                <a:r>
+                  <a:rPr lang="de-DE" sz="1400" dirty="0" smtClean="0">
+                    <a:solidFill>
+                      <a:srgbClr val="0070C0"/>
+                    </a:solidFill>
+                  </a:rPr>
+                  <a:t>=1  </a:t>
+                </a:r>
+                <a:r>
+                  <a:rPr lang="de-DE" sz="1400" dirty="0" smtClean="0"/>
+                  <a:t>	    </a:t>
+                </a:r>
+                <a14:m>
+                  <m:oMath xmlns:m="http://schemas.openxmlformats.org/officeDocument/2006/math">
+                    <m:r>
+                      <a:rPr lang="de-DE" sz="1400" dirty="0">
+                        <a:latin typeface="Cambria Math"/>
+                      </a:rPr>
+                      <m:t>[</m:t>
+                    </m:r>
+                    <m:r>
+                      <a:rPr lang="de-DE" sz="1400" i="1" dirty="0">
+                        <a:latin typeface="Cambria Math"/>
+                      </a:rPr>
+                      <m:t>𝑣</m:t>
+                    </m:r>
+                    <m:d>
+                      <m:dPr>
+                        <m:ctrlPr>
+                          <a:rPr lang="de-DE" sz="1400" i="1" dirty="0">
+                            <a:latin typeface="Cambria Math"/>
+                          </a:rPr>
+                        </m:ctrlPr>
+                      </m:dPr>
+                      <m:e>
+                        <m:r>
+                          <a:rPr lang="de-DE" sz="1400" i="1" dirty="0">
+                            <a:latin typeface="Cambria Math"/>
+                          </a:rPr>
+                          <m:t>{</m:t>
+                        </m:r>
+                        <m:r>
+                          <a:rPr lang="de-DE" sz="1400" i="1" dirty="0">
+                            <a:latin typeface="Cambria Math"/>
+                          </a:rPr>
+                          <m:t>𝐵</m:t>
+                        </m:r>
+                        <m:r>
+                          <a:rPr lang="de-DE" sz="1400" b="0" i="1" dirty="0" smtClean="0">
+                            <a:latin typeface="Cambria Math"/>
+                          </a:rPr>
+                          <m:t>,</m:t>
+                        </m:r>
+                        <m:r>
+                          <a:rPr lang="de-DE" sz="1400" b="0" i="1" dirty="0" smtClean="0">
+                            <a:latin typeface="Cambria Math"/>
+                          </a:rPr>
+                          <m:t>𝐶</m:t>
+                        </m:r>
+                        <m:r>
+                          <a:rPr lang="de-DE" sz="1400" b="0" i="1" dirty="0" smtClean="0">
+                            <a:latin typeface="Cambria Math"/>
+                          </a:rPr>
+                          <m:t>,</m:t>
+                        </m:r>
+                        <m:r>
+                          <a:rPr lang="de-DE" sz="1400" b="0" i="1" dirty="0" smtClean="0">
+                            <a:latin typeface="Cambria Math"/>
+                          </a:rPr>
+                          <m:t>𝐷</m:t>
+                        </m:r>
+                        <m:r>
+                          <a:rPr lang="de-DE" sz="1400" i="1" dirty="0">
+                            <a:latin typeface="Cambria Math"/>
+                          </a:rPr>
+                          <m:t>}∪</m:t>
+                        </m:r>
+                        <m:d>
+                          <m:dPr>
+                            <m:begChr m:val="{"/>
+                            <m:endChr m:val="}"/>
+                            <m:ctrlPr>
+                              <a:rPr lang="de-DE" sz="1400" i="1" dirty="0">
+                                <a:latin typeface="Cambria Math"/>
+                              </a:rPr>
+                            </m:ctrlPr>
+                          </m:dPr>
+                          <m:e>
+                            <m:r>
+                              <a:rPr lang="de-DE" sz="1400" i="1" dirty="0">
+                                <a:latin typeface="Cambria Math"/>
+                              </a:rPr>
+                              <m:t>𝐴</m:t>
+                            </m:r>
+                          </m:e>
+                        </m:d>
+                      </m:e>
+                    </m:d>
+                    <m:r>
+                      <a:rPr lang="de-DE" sz="1400" i="1" dirty="0">
+                        <a:latin typeface="Cambria Math"/>
+                      </a:rPr>
+                      <m:t>−</m:t>
+                    </m:r>
+                    <m:r>
+                      <a:rPr lang="de-DE" sz="1400" i="1" dirty="0">
+                        <a:latin typeface="Cambria Math"/>
+                      </a:rPr>
+                      <m:t>𝑣</m:t>
+                    </m:r>
+                    <m:d>
+                      <m:dPr>
+                        <m:ctrlPr>
+                          <a:rPr lang="de-DE" sz="1400" i="1" dirty="0">
+                            <a:latin typeface="Cambria Math"/>
+                          </a:rPr>
+                        </m:ctrlPr>
+                      </m:dPr>
+                      <m:e>
+                        <m:r>
+                          <a:rPr lang="de-DE" sz="1400" i="1" dirty="0">
+                            <a:latin typeface="Cambria Math"/>
+                          </a:rPr>
+                          <m:t>{</m:t>
+                        </m:r>
+                        <m:r>
+                          <a:rPr lang="de-DE" sz="1400" i="1" dirty="0">
+                            <a:latin typeface="Cambria Math"/>
+                          </a:rPr>
+                          <m:t>𝐵</m:t>
+                        </m:r>
+                        <m:r>
+                          <a:rPr lang="de-DE" sz="1400" b="0" i="1" dirty="0" smtClean="0">
+                            <a:latin typeface="Cambria Math"/>
+                          </a:rPr>
+                          <m:t>,</m:t>
+                        </m:r>
+                        <m:r>
+                          <a:rPr lang="de-DE" sz="1400" b="0" i="1" dirty="0" smtClean="0">
+                            <a:latin typeface="Cambria Math"/>
+                          </a:rPr>
+                          <m:t>𝐶</m:t>
+                        </m:r>
+                        <m:r>
+                          <a:rPr lang="de-DE" sz="1400" b="0" i="1" dirty="0" smtClean="0">
+                            <a:latin typeface="Cambria Math"/>
+                          </a:rPr>
+                          <m:t>,</m:t>
+                        </m:r>
+                        <m:r>
+                          <a:rPr lang="de-DE" sz="1400" b="0" i="1" dirty="0" smtClean="0">
+                            <a:latin typeface="Cambria Math"/>
+                          </a:rPr>
+                          <m:t>𝐷</m:t>
+                        </m:r>
+                        <m:r>
+                          <a:rPr lang="de-DE" sz="1400" i="1" dirty="0">
+                            <a:latin typeface="Cambria Math"/>
+                          </a:rPr>
+                          <m:t>}</m:t>
+                        </m:r>
+                      </m:e>
+                    </m:d>
+                    <m:r>
+                      <a:rPr lang="de-DE" sz="1400" i="1" dirty="0">
+                        <a:latin typeface="Cambria Math"/>
+                      </a:rPr>
+                      <m:t>]</m:t>
+                    </m:r>
+                  </m:oMath>
+                </a14:m>
+                <a:r>
+                  <a:rPr lang="de-DE" sz="1400" dirty="0" smtClean="0"/>
+                  <a:t> </a:t>
+                </a:r>
+                <a:r>
+                  <a:rPr lang="de-DE" sz="1400" dirty="0" smtClean="0">
+                    <a:solidFill>
+                      <a:srgbClr val="00B050"/>
+                    </a:solidFill>
+                  </a:rPr>
+                  <a:t>=0</a:t>
+                </a:r>
+                <a:endParaRPr lang="de-DE" sz="1400" dirty="0">
+                  <a:solidFill>
+                    <a:srgbClr val="00B050"/>
+                  </a:solidFill>
+                </a:endParaRPr>
+              </a:p>
+              <a:p>
+                <a:pPr marL="0" indent="0">
+                  <a:buNone/>
+                  <a:tabLst>
+                    <a:tab pos="2327275" algn="l"/>
+                  </a:tabLst>
+                </a:pPr>
+                <a:endParaRPr lang="de-DE" sz="1400" dirty="0"/>
+              </a:p>
+              <a:p>
+                <a:pPr marL="0" indent="0">
+                  <a:buNone/>
+                </a:pPr>
+                <a14:m>
+                  <m:oMathPara xmlns:m="http://schemas.openxmlformats.org/officeDocument/2006/math">
+                    <m:oMathParaPr>
+                      <m:jc m:val="centerGroup"/>
+                    </m:oMathParaPr>
+                    <m:oMath xmlns:m="http://schemas.openxmlformats.org/officeDocument/2006/math">
+                      <m:sSub>
+                        <m:sSubPr>
+                          <m:ctrlPr>
+                            <a:rPr lang="de-DE" sz="2000" i="1" smtClean="0">
+                              <a:latin typeface="Cambria Math"/>
+                            </a:rPr>
+                          </m:ctrlPr>
+                        </m:sSubPr>
+                        <m:e>
+                          <m:r>
+                            <m:rPr>
+                              <m:sty m:val="p"/>
+                            </m:rPr>
+                            <a:rPr lang="de-DE" sz="2000" b="0" i="0" smtClean="0">
+                              <a:latin typeface="Cambria Math"/>
+                            </a:rPr>
+                            <m:t>Φ</m:t>
+                          </m:r>
+                        </m:e>
+                        <m:sub>
+                          <m:r>
+                            <a:rPr lang="de-DE" sz="2000" b="0" i="1" smtClean="0">
+                              <a:latin typeface="Cambria Math"/>
+                            </a:rPr>
+                            <m:t>𝐴</m:t>
+                          </m:r>
+                        </m:sub>
+                      </m:sSub>
+                      <m:d>
+                        <m:dPr>
+                          <m:ctrlPr>
+                            <a:rPr lang="de-DE" sz="2000" b="0" i="1" smtClean="0">
+                              <a:latin typeface="Cambria Math"/>
+                            </a:rPr>
+                          </m:ctrlPr>
+                        </m:dPr>
+                        <m:e>
+                          <m:r>
+                            <a:rPr lang="de-DE" sz="2000" b="0" i="1" smtClean="0">
+                              <a:latin typeface="Cambria Math"/>
+                            </a:rPr>
+                            <m:t>𝑉</m:t>
+                          </m:r>
+                        </m:e>
+                      </m:d>
+                      <m:r>
+                        <a:rPr lang="de-DE" sz="2000" b="0" i="1" smtClean="0">
+                          <a:latin typeface="Cambria Math"/>
+                        </a:rPr>
+                        <m:t>= </m:t>
+                      </m:r>
+                      <m:f>
+                        <m:fPr>
+                          <m:ctrlPr>
+                            <a:rPr lang="de-DE" sz="2000" b="0" i="1" smtClean="0">
+                              <a:latin typeface="Cambria Math"/>
+                            </a:rPr>
+                          </m:ctrlPr>
+                        </m:fPr>
+                        <m:num>
+                          <m:r>
+                            <a:rPr lang="de-DE" sz="2000" b="0" i="1" smtClean="0">
+                              <a:latin typeface="Cambria Math"/>
+                            </a:rPr>
+                            <m:t>1</m:t>
+                          </m:r>
+                        </m:num>
+                        <m:den>
+                          <m:r>
+                            <a:rPr lang="de-DE" sz="2000" b="0" i="1" smtClean="0">
+                              <a:latin typeface="Cambria Math"/>
+                            </a:rPr>
+                            <m:t>24</m:t>
+                          </m:r>
+                        </m:den>
+                      </m:f>
+                      <m:r>
+                        <a:rPr lang="de-DE" sz="2000" b="0" i="1" smtClean="0">
+                          <a:latin typeface="Cambria Math"/>
+                        </a:rPr>
+                        <m:t>⋅</m:t>
+                      </m:r>
+                      <m:d>
+                        <m:dPr>
+                          <m:ctrlPr>
+                            <a:rPr lang="de-DE" sz="2000" b="0" i="1" smtClean="0">
+                              <a:latin typeface="Cambria Math"/>
+                            </a:rPr>
+                          </m:ctrlPr>
+                        </m:dPr>
+                        <m:e>
+                          <m:r>
+                            <a:rPr lang="de-DE" sz="2000" b="0" i="1" smtClean="0">
+                              <a:latin typeface="Cambria Math"/>
+                            </a:rPr>
+                            <m:t>0+2+2+2+2+2+2+0</m:t>
+                          </m:r>
+                        </m:e>
+                      </m:d>
+                      <m:r>
+                        <a:rPr lang="de-DE" sz="2000" b="0" i="1" smtClean="0">
+                          <a:latin typeface="Cambria Math"/>
+                        </a:rPr>
+                        <m:t>=</m:t>
+                      </m:r>
+                      <m:f>
+                        <m:fPr>
+                          <m:ctrlPr>
+                            <a:rPr lang="de-DE" sz="2000" b="0" i="1" smtClean="0">
+                              <a:latin typeface="Cambria Math"/>
+                            </a:rPr>
+                          </m:ctrlPr>
+                        </m:fPr>
+                        <m:num>
+                          <m:r>
+                            <a:rPr lang="de-DE" sz="2000" b="0" i="1" smtClean="0">
+                              <a:latin typeface="Cambria Math"/>
+                            </a:rPr>
+                            <m:t>1</m:t>
+                          </m:r>
+                        </m:num>
+                        <m:den>
+                          <m:r>
+                            <a:rPr lang="de-DE" sz="2000" b="0" i="1" smtClean="0">
+                              <a:latin typeface="Cambria Math"/>
+                            </a:rPr>
+                            <m:t>2</m:t>
+                          </m:r>
+                        </m:den>
+                      </m:f>
+                    </m:oMath>
+                  </m:oMathPara>
+                </a14:m>
+                <a:endParaRPr lang="de-DE" sz="2000" dirty="0"/>
+              </a:p>
+            </p:txBody>
+          </p:sp>
+        </mc:Choice>
+        <mc:Fallback>
+          <p:sp>
+            <p:nvSpPr>
+              <p:cNvPr id="3" name="Inhaltsplatzhalter 2"/>
+              <p:cNvSpPr>
+                <a:spLocks noGrp="1" noRot="1" noChangeAspect="1" noMove="1" noResize="1" noEditPoints="1" noAdjustHandles="1" noChangeArrowheads="1" noChangeShapeType="1" noTextEdit="1"/>
+              </p:cNvSpPr>
+              <p:nvPr>
+                <p:ph sz="half" idx="2"/>
+              </p:nvPr>
+            </p:nvSpPr>
+            <p:spPr>
+              <a:xfrm>
+                <a:off x="683568" y="2499137"/>
+                <a:ext cx="8136904" cy="3627026"/>
+              </a:xfrm>
+              <a:blipFill rotWithShape="1">
+                <a:blip r:embed="rId2"/>
+                <a:stretch>
+                  <a:fillRect b="-1176"/>
+                </a:stretch>
+              </a:blipFill>
+            </p:spPr>
+            <p:txBody>
+              <a:bodyPr/>
+              <a:lstStyle/>
+              <a:p>
+                <a:r>
+                  <a:rPr lang="de-DE">
+                    <a:noFill/>
+                  </a:rPr>
+                  <a:t> </a:t>
+                </a:r>
+              </a:p>
+            </p:txBody>
+          </p:sp>
+        </mc:Fallback>
+      </mc:AlternateContent>
       <p:pic>
         <p:nvPicPr>
-          <p:cNvPr id="5" name="Inhaltsplatzhalter 4"/>
+          <p:cNvPr id="6" name="Inhaltsplatzhalter 4"/>
           <p:cNvPicPr>
-            <a:picLocks noGrp="1" noChangeAspect="1"/>
+            <a:picLocks noChangeAspect="1"/>
           </p:cNvPicPr>
-          <p:nvPr>
-            <p:ph idx="1"/>
-          </p:nvPr>
+          <p:nvPr/>
         </p:nvPicPr>
         <p:blipFill>
-          <a:blip r:embed="rId2">
+          <a:blip r:embed="rId3">
             <a:extLst>
               <a:ext uri="{28A0092B-C50C-407E-A947-70E740481C1C}">
                 <a14:useLocalDpi xmlns:a14="http://schemas.microsoft.com/office/drawing/2010/main" val="0"/>
@@ -6817,15 +11665,18 @@
         </p:blipFill>
         <p:spPr>
           <a:xfrm>
-            <a:off x="457200" y="1052736"/>
+            <a:off x="457200" y="1124744"/>
             <a:ext cx="8229600" cy="1374393"/>
           </a:xfrm>
+          <a:prstGeom prst="rect">
+            <a:avLst/>
+          </a:prstGeom>
         </p:spPr>
       </p:pic>
     </p:spTree>
     <p:extLst>
       <p:ext uri="{BB962C8B-B14F-4D97-AF65-F5344CB8AC3E}">
-        <p14:creationId xmlns:p14="http://schemas.microsoft.com/office/powerpoint/2010/main" val="1552880360"/>
+        <p14:creationId xmlns:p14="http://schemas.microsoft.com/office/powerpoint/2010/main" val="4195426701"/>
       </p:ext>
     </p:extLst>
   </p:cSld>
@@ -6869,7 +11720,775 @@
           <a:p>
             <a:r>
               <a:rPr lang="de-DE" dirty="0" smtClean="0"/>
-              <a:t>Aufgabe 1c</a:t>
+              <a:t>Aufgabe 1b</a:t>
+            </a:r>
+            <a:endParaRPr lang="de-DE" dirty="0"/>
+          </a:p>
+        </p:txBody>
+      </p:sp>
+      <mc:AlternateContent xmlns:mc="http://schemas.openxmlformats.org/markup-compatibility/2006">
+        <mc:Choice xmlns:a14="http://schemas.microsoft.com/office/drawing/2010/main" Requires="a14">
+          <p:sp>
+            <p:nvSpPr>
+              <p:cNvPr id="3" name="Inhaltsplatzhalter 2"/>
+              <p:cNvSpPr>
+                <a:spLocks noGrp="1"/>
+              </p:cNvSpPr>
+              <p:nvPr>
+                <p:ph sz="half" idx="2"/>
+              </p:nvPr>
+            </p:nvSpPr>
+            <p:spPr>
+              <a:xfrm>
+                <a:off x="683568" y="2499137"/>
+                <a:ext cx="8136904" cy="3627026"/>
+              </a:xfrm>
+            </p:spPr>
+            <p:txBody>
+              <a:bodyPr/>
+              <a:lstStyle/>
+              <a:p>
+                <a:pPr marL="0" indent="0">
+                  <a:buNone/>
+                </a:pPr>
+                <a14:m>
+                  <m:oMathPara xmlns:m="http://schemas.openxmlformats.org/officeDocument/2006/math">
+                    <m:oMathParaPr>
+                      <m:jc m:val="centerGroup"/>
+                    </m:oMathParaPr>
+                    <m:oMath xmlns:m="http://schemas.openxmlformats.org/officeDocument/2006/math">
+                      <m:sSub>
+                        <m:sSubPr>
+                          <m:ctrlPr>
+                            <a:rPr lang="de-DE" sz="2000" i="1" smtClean="0">
+                              <a:latin typeface="Cambria Math"/>
+                            </a:rPr>
+                          </m:ctrlPr>
+                        </m:sSubPr>
+                        <m:e>
+                          <m:r>
+                            <m:rPr>
+                              <m:sty m:val="p"/>
+                            </m:rPr>
+                            <a:rPr lang="de-DE" sz="2000" b="0" i="0" smtClean="0">
+                              <a:latin typeface="Cambria Math"/>
+                            </a:rPr>
+                            <m:t>Φ</m:t>
+                          </m:r>
+                        </m:e>
+                        <m:sub>
+                          <m:r>
+                            <a:rPr lang="de-DE" sz="2000" b="0" i="1" smtClean="0">
+                              <a:latin typeface="Cambria Math"/>
+                            </a:rPr>
+                            <m:t>𝐴</m:t>
+                          </m:r>
+                        </m:sub>
+                      </m:sSub>
+                      <m:d>
+                        <m:dPr>
+                          <m:ctrlPr>
+                            <a:rPr lang="de-DE" sz="2000" b="0" i="1" smtClean="0">
+                              <a:latin typeface="Cambria Math"/>
+                            </a:rPr>
+                          </m:ctrlPr>
+                        </m:dPr>
+                        <m:e>
+                          <m:r>
+                            <a:rPr lang="de-DE" sz="2000" b="0" i="1" smtClean="0">
+                              <a:latin typeface="Cambria Math"/>
+                            </a:rPr>
+                            <m:t>𝑉</m:t>
+                          </m:r>
+                        </m:e>
+                      </m:d>
+                      <m:r>
+                        <a:rPr lang="de-DE" sz="2000" b="0" i="1" smtClean="0">
+                          <a:latin typeface="Cambria Math"/>
+                        </a:rPr>
+                        <m:t>= </m:t>
+                      </m:r>
+                      <m:f>
+                        <m:fPr>
+                          <m:ctrlPr>
+                            <a:rPr lang="de-DE" sz="2000" b="0" i="1" smtClean="0">
+                              <a:latin typeface="Cambria Math"/>
+                            </a:rPr>
+                          </m:ctrlPr>
+                        </m:fPr>
+                        <m:num>
+                          <m:r>
+                            <a:rPr lang="de-DE" sz="2000" b="0" i="1" smtClean="0">
+                              <a:latin typeface="Cambria Math"/>
+                            </a:rPr>
+                            <m:t>1</m:t>
+                          </m:r>
+                        </m:num>
+                        <m:den>
+                          <m:r>
+                            <a:rPr lang="de-DE" sz="2000" b="0" i="1" smtClean="0">
+                              <a:latin typeface="Cambria Math"/>
+                            </a:rPr>
+                            <m:t>24</m:t>
+                          </m:r>
+                        </m:den>
+                      </m:f>
+                      <m:r>
+                        <a:rPr lang="de-DE" sz="2000" b="0" i="1" smtClean="0">
+                          <a:latin typeface="Cambria Math"/>
+                        </a:rPr>
+                        <m:t>⋅</m:t>
+                      </m:r>
+                      <m:d>
+                        <m:dPr>
+                          <m:ctrlPr>
+                            <a:rPr lang="de-DE" sz="2000" b="0" i="1" smtClean="0">
+                              <a:latin typeface="Cambria Math"/>
+                            </a:rPr>
+                          </m:ctrlPr>
+                        </m:dPr>
+                        <m:e>
+                          <m:r>
+                            <a:rPr lang="de-DE" sz="2000" b="0" i="1" smtClean="0">
+                              <a:latin typeface="Cambria Math"/>
+                            </a:rPr>
+                            <m:t>0+2+2+2+2+2+2+0</m:t>
+                          </m:r>
+                        </m:e>
+                      </m:d>
+                      <m:r>
+                        <a:rPr lang="de-DE" sz="2000" b="0" i="1" smtClean="0">
+                          <a:latin typeface="Cambria Math"/>
+                        </a:rPr>
+                        <m:t>=</m:t>
+                      </m:r>
+                      <m:f>
+                        <m:fPr>
+                          <m:ctrlPr>
+                            <a:rPr lang="de-DE" sz="2000" b="0" i="1" smtClean="0">
+                              <a:latin typeface="Cambria Math"/>
+                            </a:rPr>
+                          </m:ctrlPr>
+                        </m:fPr>
+                        <m:num>
+                          <m:r>
+                            <a:rPr lang="de-DE" sz="2000" b="0" i="1" smtClean="0">
+                              <a:latin typeface="Cambria Math"/>
+                            </a:rPr>
+                            <m:t>1</m:t>
+                          </m:r>
+                        </m:num>
+                        <m:den>
+                          <m:r>
+                            <a:rPr lang="de-DE" sz="2000" b="0" i="1" smtClean="0">
+                              <a:latin typeface="Cambria Math"/>
+                            </a:rPr>
+                            <m:t>2</m:t>
+                          </m:r>
+                        </m:den>
+                      </m:f>
+                    </m:oMath>
+                  </m:oMathPara>
+                </a14:m>
+                <a:endParaRPr lang="de-DE" sz="2000" b="0" dirty="0" smtClean="0"/>
+              </a:p>
+              <a:p>
+                <a:pPr marL="0" indent="0">
+                  <a:buNone/>
+                </a:pPr>
+                <a14:m>
+                  <m:oMathPara xmlns:m="http://schemas.openxmlformats.org/officeDocument/2006/math">
+                    <m:oMathParaPr>
+                      <m:jc m:val="centerGroup"/>
+                    </m:oMathParaPr>
+                    <m:oMath xmlns:m="http://schemas.openxmlformats.org/officeDocument/2006/math">
+                      <m:sSub>
+                        <m:sSubPr>
+                          <m:ctrlPr>
+                            <a:rPr lang="de-DE" sz="2000" i="1">
+                              <a:latin typeface="Cambria Math"/>
+                            </a:rPr>
+                          </m:ctrlPr>
+                        </m:sSubPr>
+                        <m:e>
+                          <m:r>
+                            <m:rPr>
+                              <m:sty m:val="p"/>
+                            </m:rPr>
+                            <a:rPr lang="de-DE" sz="2000">
+                              <a:latin typeface="Cambria Math"/>
+                            </a:rPr>
+                            <m:t>Φ</m:t>
+                          </m:r>
+                        </m:e>
+                        <m:sub>
+                          <m:r>
+                            <a:rPr lang="de-DE" sz="2000" b="0" i="1" smtClean="0">
+                              <a:latin typeface="Cambria Math"/>
+                            </a:rPr>
+                            <m:t>𝐵</m:t>
+                          </m:r>
+                        </m:sub>
+                      </m:sSub>
+                      <m:d>
+                        <m:dPr>
+                          <m:ctrlPr>
+                            <a:rPr lang="de-DE" sz="2000" i="1">
+                              <a:latin typeface="Cambria Math"/>
+                            </a:rPr>
+                          </m:ctrlPr>
+                        </m:dPr>
+                        <m:e>
+                          <m:r>
+                            <a:rPr lang="de-DE" sz="2000" i="1">
+                              <a:latin typeface="Cambria Math"/>
+                            </a:rPr>
+                            <m:t>𝑉</m:t>
+                          </m:r>
+                        </m:e>
+                      </m:d>
+                      <m:r>
+                        <a:rPr lang="de-DE" sz="2000" i="1">
+                          <a:latin typeface="Cambria Math"/>
+                        </a:rPr>
+                        <m:t>=</m:t>
+                      </m:r>
+                      <m:f>
+                        <m:fPr>
+                          <m:ctrlPr>
+                            <a:rPr lang="de-DE" sz="2000" i="1">
+                              <a:latin typeface="Cambria Math"/>
+                            </a:rPr>
+                          </m:ctrlPr>
+                        </m:fPr>
+                        <m:num>
+                          <m:r>
+                            <a:rPr lang="de-DE" sz="2000" i="1">
+                              <a:latin typeface="Cambria Math"/>
+                            </a:rPr>
+                            <m:t>1</m:t>
+                          </m:r>
+                        </m:num>
+                        <m:den>
+                          <m:r>
+                            <a:rPr lang="de-DE" sz="2000" b="0" i="1" smtClean="0">
+                              <a:latin typeface="Cambria Math"/>
+                            </a:rPr>
+                            <m:t>6</m:t>
+                          </m:r>
+                        </m:den>
+                      </m:f>
+                    </m:oMath>
+                  </m:oMathPara>
+                </a14:m>
+                <a:endParaRPr lang="de-DE" sz="2000" b="0" dirty="0" smtClean="0"/>
+              </a:p>
+              <a:p>
+                <a:pPr marL="0" indent="0">
+                  <a:buNone/>
+                </a:pPr>
+                <a14:m>
+                  <m:oMathPara xmlns:m="http://schemas.openxmlformats.org/officeDocument/2006/math">
+                    <m:oMathParaPr>
+                      <m:jc m:val="centerGroup"/>
+                    </m:oMathParaPr>
+                    <m:oMath xmlns:m="http://schemas.openxmlformats.org/officeDocument/2006/math">
+                      <m:sSub>
+                        <m:sSubPr>
+                          <m:ctrlPr>
+                            <a:rPr lang="de-DE" sz="2000" i="1">
+                              <a:latin typeface="Cambria Math"/>
+                            </a:rPr>
+                          </m:ctrlPr>
+                        </m:sSubPr>
+                        <m:e>
+                          <m:r>
+                            <m:rPr>
+                              <m:sty m:val="p"/>
+                            </m:rPr>
+                            <a:rPr lang="de-DE" sz="2000">
+                              <a:latin typeface="Cambria Math"/>
+                            </a:rPr>
+                            <m:t>Φ</m:t>
+                          </m:r>
+                        </m:e>
+                        <m:sub>
+                          <m:r>
+                            <a:rPr lang="de-DE" sz="2000" b="0" i="1" smtClean="0">
+                              <a:latin typeface="Cambria Math"/>
+                            </a:rPr>
+                            <m:t>𝐶</m:t>
+                          </m:r>
+                        </m:sub>
+                      </m:sSub>
+                      <m:d>
+                        <m:dPr>
+                          <m:ctrlPr>
+                            <a:rPr lang="de-DE" sz="2000" i="1">
+                              <a:latin typeface="Cambria Math"/>
+                            </a:rPr>
+                          </m:ctrlPr>
+                        </m:dPr>
+                        <m:e>
+                          <m:r>
+                            <a:rPr lang="de-DE" sz="2000" i="1">
+                              <a:latin typeface="Cambria Math"/>
+                            </a:rPr>
+                            <m:t>𝑉</m:t>
+                          </m:r>
+                        </m:e>
+                      </m:d>
+                      <m:r>
+                        <a:rPr lang="de-DE" sz="2000" i="1">
+                          <a:latin typeface="Cambria Math"/>
+                        </a:rPr>
+                        <m:t>=</m:t>
+                      </m:r>
+                      <m:f>
+                        <m:fPr>
+                          <m:ctrlPr>
+                            <a:rPr lang="de-DE" sz="2000" i="1">
+                              <a:latin typeface="Cambria Math"/>
+                            </a:rPr>
+                          </m:ctrlPr>
+                        </m:fPr>
+                        <m:num>
+                          <m:r>
+                            <a:rPr lang="de-DE" sz="2000" i="1">
+                              <a:latin typeface="Cambria Math"/>
+                            </a:rPr>
+                            <m:t>1</m:t>
+                          </m:r>
+                        </m:num>
+                        <m:den>
+                          <m:r>
+                            <a:rPr lang="de-DE" sz="2000" i="1">
+                              <a:latin typeface="Cambria Math"/>
+                            </a:rPr>
+                            <m:t>6</m:t>
+                          </m:r>
+                        </m:den>
+                      </m:f>
+                    </m:oMath>
+                  </m:oMathPara>
+                </a14:m>
+                <a:endParaRPr lang="de-DE" sz="2000" b="0" dirty="0" smtClean="0"/>
+              </a:p>
+              <a:p>
+                <a:pPr marL="0" indent="0">
+                  <a:buNone/>
+                </a:pPr>
+                <a14:m>
+                  <m:oMathPara xmlns:m="http://schemas.openxmlformats.org/officeDocument/2006/math">
+                    <m:oMathParaPr>
+                      <m:jc m:val="centerGroup"/>
+                    </m:oMathParaPr>
+                    <m:oMath xmlns:m="http://schemas.openxmlformats.org/officeDocument/2006/math">
+                      <m:sSub>
+                        <m:sSubPr>
+                          <m:ctrlPr>
+                            <a:rPr lang="de-DE" sz="2000" i="1">
+                              <a:latin typeface="Cambria Math"/>
+                            </a:rPr>
+                          </m:ctrlPr>
+                        </m:sSubPr>
+                        <m:e>
+                          <m:r>
+                            <m:rPr>
+                              <m:sty m:val="p"/>
+                            </m:rPr>
+                            <a:rPr lang="de-DE" sz="2000">
+                              <a:latin typeface="Cambria Math"/>
+                            </a:rPr>
+                            <m:t>Φ</m:t>
+                          </m:r>
+                        </m:e>
+                        <m:sub>
+                          <m:r>
+                            <a:rPr lang="de-DE" sz="2000" b="0" i="1" smtClean="0">
+                              <a:latin typeface="Cambria Math"/>
+                            </a:rPr>
+                            <m:t>𝐷</m:t>
+                          </m:r>
+                        </m:sub>
+                      </m:sSub>
+                      <m:d>
+                        <m:dPr>
+                          <m:ctrlPr>
+                            <a:rPr lang="de-DE" sz="2000" i="1">
+                              <a:latin typeface="Cambria Math"/>
+                            </a:rPr>
+                          </m:ctrlPr>
+                        </m:dPr>
+                        <m:e>
+                          <m:r>
+                            <a:rPr lang="de-DE" sz="2000" i="1">
+                              <a:latin typeface="Cambria Math"/>
+                            </a:rPr>
+                            <m:t>𝑉</m:t>
+                          </m:r>
+                        </m:e>
+                      </m:d>
+                      <m:r>
+                        <a:rPr lang="de-DE" sz="2000" i="1">
+                          <a:latin typeface="Cambria Math"/>
+                        </a:rPr>
+                        <m:t>=</m:t>
+                      </m:r>
+                      <m:f>
+                        <m:fPr>
+                          <m:ctrlPr>
+                            <a:rPr lang="de-DE" sz="2000" i="1">
+                              <a:latin typeface="Cambria Math"/>
+                            </a:rPr>
+                          </m:ctrlPr>
+                        </m:fPr>
+                        <m:num>
+                          <m:r>
+                            <a:rPr lang="de-DE" sz="2000" i="1">
+                              <a:latin typeface="Cambria Math"/>
+                            </a:rPr>
+                            <m:t>1</m:t>
+                          </m:r>
+                        </m:num>
+                        <m:den>
+                          <m:r>
+                            <a:rPr lang="de-DE" sz="2000" i="1">
+                              <a:latin typeface="Cambria Math"/>
+                            </a:rPr>
+                            <m:t>6</m:t>
+                          </m:r>
+                        </m:den>
+                      </m:f>
+                    </m:oMath>
+                  </m:oMathPara>
+                </a14:m>
+                <a:endParaRPr lang="de-DE" sz="2000" b="0" dirty="0" smtClean="0"/>
+              </a:p>
+              <a:p>
+                <a:pPr marL="0" indent="0">
+                  <a:buNone/>
+                </a:pPr>
+                <a:endParaRPr lang="de-DE" sz="2000" dirty="0" smtClean="0"/>
+              </a:p>
+              <a:p>
+                <a:pPr marL="0" indent="0">
+                  <a:buNone/>
+                </a:pPr>
+                <a:r>
+                  <a:rPr lang="de-DE" sz="2000" dirty="0" smtClean="0">
+                    <a:sym typeface="Wingdings" panose="05000000000000000000" pitchFamily="2" charset="2"/>
+                  </a:rPr>
+                  <a:t> Auszahlungsvektor </a:t>
+                </a:r>
+                <a14:m>
+                  <m:oMath xmlns:m="http://schemas.openxmlformats.org/officeDocument/2006/math">
+                    <m:r>
+                      <a:rPr lang="de-DE" sz="2000" b="0" i="1" smtClean="0">
+                        <a:latin typeface="Cambria Math"/>
+                        <a:sym typeface="Wingdings" panose="05000000000000000000" pitchFamily="2" charset="2"/>
+                      </a:rPr>
+                      <m:t>𝑥</m:t>
+                    </m:r>
+                    <m:d>
+                      <m:dPr>
+                        <m:ctrlPr>
+                          <a:rPr lang="de-DE" sz="2000" b="0" i="1" smtClean="0">
+                            <a:latin typeface="Cambria Math"/>
+                            <a:sym typeface="Wingdings" panose="05000000000000000000" pitchFamily="2" charset="2"/>
+                          </a:rPr>
+                        </m:ctrlPr>
+                      </m:dPr>
+                      <m:e>
+                        <m:r>
+                          <a:rPr lang="de-DE" sz="2000" b="0" i="1" smtClean="0">
+                            <a:latin typeface="Cambria Math"/>
+                            <a:sym typeface="Wingdings" panose="05000000000000000000" pitchFamily="2" charset="2"/>
+                          </a:rPr>
+                          <m:t>𝑁</m:t>
+                        </m:r>
+                      </m:e>
+                    </m:d>
+                    <m:r>
+                      <a:rPr lang="de-DE" sz="2000" b="0" i="1" smtClean="0">
+                        <a:latin typeface="Cambria Math"/>
+                        <a:sym typeface="Wingdings" panose="05000000000000000000" pitchFamily="2" charset="2"/>
+                      </a:rPr>
+                      <m:t>=(</m:t>
+                    </m:r>
+                    <m:f>
+                      <m:fPr>
+                        <m:ctrlPr>
+                          <a:rPr lang="de-DE" sz="2000" b="0" i="1" smtClean="0">
+                            <a:latin typeface="Cambria Math"/>
+                            <a:sym typeface="Wingdings" panose="05000000000000000000" pitchFamily="2" charset="2"/>
+                          </a:rPr>
+                        </m:ctrlPr>
+                      </m:fPr>
+                      <m:num>
+                        <m:r>
+                          <a:rPr lang="de-DE" sz="2000" b="0" i="1" smtClean="0">
+                            <a:latin typeface="Cambria Math"/>
+                            <a:sym typeface="Wingdings" panose="05000000000000000000" pitchFamily="2" charset="2"/>
+                          </a:rPr>
+                          <m:t>1</m:t>
+                        </m:r>
+                      </m:num>
+                      <m:den>
+                        <m:r>
+                          <a:rPr lang="de-DE" sz="2000" b="0" i="1" smtClean="0">
+                            <a:latin typeface="Cambria Math"/>
+                            <a:sym typeface="Wingdings" panose="05000000000000000000" pitchFamily="2" charset="2"/>
+                          </a:rPr>
+                          <m:t>2</m:t>
+                        </m:r>
+                      </m:den>
+                    </m:f>
+                    <m:r>
+                      <a:rPr lang="de-DE" sz="2000" b="0" i="1" smtClean="0">
+                        <a:latin typeface="Cambria Math"/>
+                        <a:sym typeface="Wingdings" panose="05000000000000000000" pitchFamily="2" charset="2"/>
+                      </a:rPr>
+                      <m:t>,</m:t>
+                    </m:r>
+                    <m:f>
+                      <m:fPr>
+                        <m:ctrlPr>
+                          <a:rPr lang="de-DE" sz="2000" i="1">
+                            <a:latin typeface="Cambria Math"/>
+                            <a:sym typeface="Wingdings" panose="05000000000000000000" pitchFamily="2" charset="2"/>
+                          </a:rPr>
+                        </m:ctrlPr>
+                      </m:fPr>
+                      <m:num>
+                        <m:r>
+                          <a:rPr lang="de-DE" sz="2000" i="1">
+                            <a:latin typeface="Cambria Math"/>
+                            <a:sym typeface="Wingdings" panose="05000000000000000000" pitchFamily="2" charset="2"/>
+                          </a:rPr>
+                          <m:t>1</m:t>
+                        </m:r>
+                      </m:num>
+                      <m:den>
+                        <m:r>
+                          <a:rPr lang="de-DE" sz="2000" b="0" i="1" smtClean="0">
+                            <a:latin typeface="Cambria Math"/>
+                            <a:sym typeface="Wingdings" panose="05000000000000000000" pitchFamily="2" charset="2"/>
+                          </a:rPr>
+                          <m:t>6</m:t>
+                        </m:r>
+                      </m:den>
+                    </m:f>
+                  </m:oMath>
+                </a14:m>
+                <a:r>
+                  <a:rPr lang="de-DE" sz="2000" dirty="0" smtClean="0"/>
+                  <a:t>,</a:t>
+                </a:r>
+                <a:r>
+                  <a:rPr lang="de-DE" sz="2000" dirty="0">
+                    <a:sym typeface="Wingdings" panose="05000000000000000000" pitchFamily="2" charset="2"/>
+                  </a:rPr>
+                  <a:t> </a:t>
+                </a:r>
+                <a14:m>
+                  <m:oMath xmlns:m="http://schemas.openxmlformats.org/officeDocument/2006/math">
+                    <m:f>
+                      <m:fPr>
+                        <m:ctrlPr>
+                          <a:rPr lang="de-DE" sz="2000" i="1">
+                            <a:latin typeface="Cambria Math"/>
+                            <a:sym typeface="Wingdings" panose="05000000000000000000" pitchFamily="2" charset="2"/>
+                          </a:rPr>
+                        </m:ctrlPr>
+                      </m:fPr>
+                      <m:num>
+                        <m:r>
+                          <a:rPr lang="de-DE" sz="2000" i="1">
+                            <a:latin typeface="Cambria Math"/>
+                            <a:sym typeface="Wingdings" panose="05000000000000000000" pitchFamily="2" charset="2"/>
+                          </a:rPr>
+                          <m:t>1</m:t>
+                        </m:r>
+                      </m:num>
+                      <m:den>
+                        <m:r>
+                          <a:rPr lang="de-DE" sz="2000" b="0" i="1" smtClean="0">
+                            <a:latin typeface="Cambria Math"/>
+                            <a:sym typeface="Wingdings" panose="05000000000000000000" pitchFamily="2" charset="2"/>
+                          </a:rPr>
+                          <m:t>6</m:t>
+                        </m:r>
+                      </m:den>
+                    </m:f>
+                  </m:oMath>
+                </a14:m>
+                <a:r>
+                  <a:rPr lang="de-DE" sz="2000" dirty="0" smtClean="0"/>
+                  <a:t>,</a:t>
+                </a:r>
+                <a:r>
+                  <a:rPr lang="de-DE" sz="2000" dirty="0">
+                    <a:sym typeface="Wingdings" panose="05000000000000000000" pitchFamily="2" charset="2"/>
+                  </a:rPr>
+                  <a:t> </a:t>
+                </a:r>
+                <a14:m>
+                  <m:oMath xmlns:m="http://schemas.openxmlformats.org/officeDocument/2006/math">
+                    <m:f>
+                      <m:fPr>
+                        <m:ctrlPr>
+                          <a:rPr lang="de-DE" sz="2000" i="1">
+                            <a:latin typeface="Cambria Math"/>
+                            <a:sym typeface="Wingdings" panose="05000000000000000000" pitchFamily="2" charset="2"/>
+                          </a:rPr>
+                        </m:ctrlPr>
+                      </m:fPr>
+                      <m:num>
+                        <m:r>
+                          <a:rPr lang="de-DE" sz="2000" i="1">
+                            <a:latin typeface="Cambria Math"/>
+                            <a:sym typeface="Wingdings" panose="05000000000000000000" pitchFamily="2" charset="2"/>
+                          </a:rPr>
+                          <m:t>1</m:t>
+                        </m:r>
+                      </m:num>
+                      <m:den>
+                        <m:r>
+                          <a:rPr lang="de-DE" sz="2000" b="0" i="1" smtClean="0">
+                            <a:latin typeface="Cambria Math"/>
+                            <a:sym typeface="Wingdings" panose="05000000000000000000" pitchFamily="2" charset="2"/>
+                          </a:rPr>
+                          <m:t>6</m:t>
+                        </m:r>
+                      </m:den>
+                    </m:f>
+                  </m:oMath>
+                </a14:m>
+                <a:r>
+                  <a:rPr lang="de-DE" sz="2000" dirty="0" smtClean="0"/>
+                  <a:t>)</a:t>
+                </a:r>
+              </a:p>
+            </p:txBody>
+          </p:sp>
+        </mc:Choice>
+        <mc:Fallback>
+          <p:sp>
+            <p:nvSpPr>
+              <p:cNvPr id="3" name="Inhaltsplatzhalter 2"/>
+              <p:cNvSpPr>
+                <a:spLocks noGrp="1" noRot="1" noChangeAspect="1" noMove="1" noResize="1" noEditPoints="1" noAdjustHandles="1" noChangeArrowheads="1" noChangeShapeType="1" noTextEdit="1"/>
+              </p:cNvSpPr>
+              <p:nvPr>
+                <p:ph sz="half" idx="2"/>
+              </p:nvPr>
+            </p:nvSpPr>
+            <p:spPr>
+              <a:xfrm>
+                <a:off x="683568" y="2499137"/>
+                <a:ext cx="8136904" cy="3627026"/>
+              </a:xfrm>
+              <a:blipFill rotWithShape="1">
+                <a:blip r:embed="rId2"/>
+                <a:stretch>
+                  <a:fillRect l="-749"/>
+                </a:stretch>
+              </a:blipFill>
+            </p:spPr>
+            <p:txBody>
+              <a:bodyPr/>
+              <a:lstStyle/>
+              <a:p>
+                <a:r>
+                  <a:rPr lang="de-DE">
+                    <a:noFill/>
+                  </a:rPr>
+                  <a:t> </a:t>
+                </a:r>
+              </a:p>
+            </p:txBody>
+          </p:sp>
+        </mc:Fallback>
+      </mc:AlternateContent>
+      <p:pic>
+        <p:nvPicPr>
+          <p:cNvPr id="6" name="Inhaltsplatzhalter 4"/>
+          <p:cNvPicPr>
+            <a:picLocks noChangeAspect="1"/>
+          </p:cNvPicPr>
+          <p:nvPr/>
+        </p:nvPicPr>
+        <p:blipFill>
+          <a:blip r:embed="rId3">
+            <a:extLst>
+              <a:ext uri="{28A0092B-C50C-407E-A947-70E740481C1C}">
+                <a14:useLocalDpi xmlns:a14="http://schemas.microsoft.com/office/drawing/2010/main" val="0"/>
+              </a:ext>
+            </a:extLst>
+          </a:blip>
+          <a:stretch>
+            <a:fillRect/>
+          </a:stretch>
+        </p:blipFill>
+        <p:spPr>
+          <a:xfrm>
+            <a:off x="457200" y="1124744"/>
+            <a:ext cx="8229600" cy="1374393"/>
+          </a:xfrm>
+          <a:prstGeom prst="rect">
+            <a:avLst/>
+          </a:prstGeom>
+        </p:spPr>
+      </p:pic>
+    </p:spTree>
+    <p:extLst>
+      <p:ext uri="{BB962C8B-B14F-4D97-AF65-F5344CB8AC3E}">
+        <p14:creationId xmlns:p14="http://schemas.microsoft.com/office/powerpoint/2010/main" val="3943957996"/>
+      </p:ext>
+    </p:extLst>
+  </p:cSld>
+  <p:clrMapOvr>
+    <a:masterClrMapping/>
+  </p:clrMapOvr>
+</p:sld>
+</file>
+
+<file path=ppt/slides/slide7.xml><?xml version="1.0" encoding="utf-8"?>
+<p:sld xmlns:a="http://schemas.openxmlformats.org/drawingml/2006/main" xmlns:r="http://schemas.openxmlformats.org/officeDocument/2006/relationships" xmlns:p="http://schemas.openxmlformats.org/presentationml/2006/main">
+  <p:cSld>
+    <p:spTree>
+      <p:nvGrpSpPr>
+        <p:cNvPr id="1" name=""/>
+        <p:cNvGrpSpPr/>
+        <p:nvPr/>
+      </p:nvGrpSpPr>
+      <p:grpSpPr>
+        <a:xfrm>
+          <a:off x="0" y="0"/>
+          <a:ext cx="0" cy="0"/>
+          <a:chOff x="0" y="0"/>
+          <a:chExt cx="0" cy="0"/>
+        </a:xfrm>
+      </p:grpSpPr>
+      <p:sp>
+        <p:nvSpPr>
+          <p:cNvPr id="2" name="Titel 1"/>
+          <p:cNvSpPr>
+            <a:spLocks noGrp="1"/>
+          </p:cNvSpPr>
+          <p:nvPr>
+            <p:ph type="title"/>
+          </p:nvPr>
+        </p:nvSpPr>
+        <p:spPr/>
+        <p:txBody>
+          <a:bodyPr/>
+          <a:lstStyle/>
+          <a:p>
+            <a:r>
+              <a:rPr lang="de-DE" dirty="0" smtClean="0"/>
+              <a:t>Aufgabe 1b</a:t>
             </a:r>
             <a:endParaRPr lang="de-DE" dirty="0"/>
           </a:p>
@@ -6877,7 +12496,7 @@
       </p:sp>
       <p:sp>
         <p:nvSpPr>
-          <p:cNvPr id="3" name="Inhaltsplatzhalter 2"/>
+          <p:cNvPr id="4" name="Inhaltsplatzhalter 3"/>
           <p:cNvSpPr>
             <a:spLocks noGrp="1"/>
           </p:cNvSpPr>
@@ -6890,10 +12509,615 @@
           <a:bodyPr/>
           <a:lstStyle/>
           <a:p>
-            <a:endParaRPr lang="de-DE"/>
+            <a:pPr marL="0" indent="0">
+              <a:buNone/>
+            </a:pPr>
+            <a:r>
+              <a:rPr lang="de-DE" dirty="0">
+                <a:solidFill>
+                  <a:srgbClr val="FF0000"/>
+                </a:solidFill>
+              </a:rPr>
+              <a:t>Ist diese Koalition mit dem Shapley-Wert stabil oder gibt es eine Teilkoalition, die auch ohne andere Beteiligte auskommt und für alle daran beteiligten Agenten bessere Pay-Offs erzielen kann?</a:t>
+            </a:r>
           </a:p>
         </p:txBody>
       </p:sp>
+    </p:spTree>
+    <p:extLst>
+      <p:ext uri="{BB962C8B-B14F-4D97-AF65-F5344CB8AC3E}">
+        <p14:creationId xmlns:p14="http://schemas.microsoft.com/office/powerpoint/2010/main" val="671945315"/>
+      </p:ext>
+    </p:extLst>
+  </p:cSld>
+  <p:clrMapOvr>
+    <a:masterClrMapping/>
+  </p:clrMapOvr>
+</p:sld>
+</file>
+
+<file path=ppt/slides/slide8.xml><?xml version="1.0" encoding="utf-8"?>
+<p:sld xmlns:a="http://schemas.openxmlformats.org/drawingml/2006/main" xmlns:r="http://schemas.openxmlformats.org/officeDocument/2006/relationships" xmlns:p="http://schemas.openxmlformats.org/presentationml/2006/main">
+  <p:cSld>
+    <p:spTree>
+      <p:nvGrpSpPr>
+        <p:cNvPr id="1" name=""/>
+        <p:cNvGrpSpPr/>
+        <p:nvPr/>
+      </p:nvGrpSpPr>
+      <p:grpSpPr>
+        <a:xfrm>
+          <a:off x="0" y="0"/>
+          <a:ext cx="0" cy="0"/>
+          <a:chOff x="0" y="0"/>
+          <a:chExt cx="0" cy="0"/>
+        </a:xfrm>
+      </p:grpSpPr>
+      <p:sp>
+        <p:nvSpPr>
+          <p:cNvPr id="2" name="Titel 1"/>
+          <p:cNvSpPr>
+            <a:spLocks noGrp="1"/>
+          </p:cNvSpPr>
+          <p:nvPr>
+            <p:ph type="title"/>
+          </p:nvPr>
+        </p:nvSpPr>
+        <p:spPr/>
+        <p:txBody>
+          <a:bodyPr/>
+          <a:lstStyle/>
+          <a:p>
+            <a:r>
+              <a:rPr lang="de-DE" dirty="0" smtClean="0"/>
+              <a:t>Aufgabe 1c</a:t>
+            </a:r>
+            <a:endParaRPr lang="de-DE" dirty="0"/>
+          </a:p>
+        </p:txBody>
+      </p:sp>
+      <mc:AlternateContent xmlns:mc="http://schemas.openxmlformats.org/markup-compatibility/2006">
+        <mc:Choice xmlns:a14="http://schemas.microsoft.com/office/drawing/2010/main" Requires="a14">
+          <p:sp>
+            <p:nvSpPr>
+              <p:cNvPr id="3" name="Inhaltsplatzhalter 2"/>
+              <p:cNvSpPr>
+                <a:spLocks noGrp="1"/>
+              </p:cNvSpPr>
+              <p:nvPr>
+                <p:ph idx="1"/>
+              </p:nvPr>
+            </p:nvSpPr>
+            <p:spPr/>
+            <p:txBody>
+              <a:bodyPr/>
+              <a:lstStyle/>
+              <a:p>
+                <a:pPr marL="0" indent="0">
+                  <a:buNone/>
+                </a:pPr>
+                <a:r>
+                  <a:rPr lang="de-DE" sz="2800" dirty="0" smtClean="0"/>
+                  <a:t>Zeigen Sie an diesem Spiel, dass die Berechnung über </a:t>
+                </a:r>
+                <a:r>
+                  <a:rPr lang="de-DE" sz="2800" dirty="0"/>
+                  <a:t>das Mitteln ü</a:t>
+                </a:r>
+                <a:r>
+                  <a:rPr lang="de-DE" sz="2800" dirty="0" smtClean="0"/>
+                  <a:t>ber </a:t>
+                </a:r>
+                <a:r>
+                  <a:rPr lang="de-DE" sz="2800" dirty="0"/>
+                  <a:t>alle </a:t>
+                </a:r>
+                <a:r>
+                  <a:rPr lang="de-DE" sz="2800" dirty="0" smtClean="0"/>
+                  <a:t>Permutationen nötig </a:t>
+                </a:r>
+                <a:r>
+                  <a:rPr lang="de-DE" sz="2800" dirty="0"/>
+                  <a:t>ist, d.h., zeigen Sie, dass etwa </a:t>
+                </a:r>
+                <a14:m>
+                  <m:oMath xmlns:m="http://schemas.openxmlformats.org/officeDocument/2006/math">
+                    <m:sSub>
+                      <m:sSubPr>
+                        <m:ctrlPr>
+                          <a:rPr lang="de-DE" sz="2800" i="1" smtClean="0">
+                            <a:latin typeface="Cambria Math"/>
+                          </a:rPr>
+                        </m:ctrlPr>
+                      </m:sSubPr>
+                      <m:e>
+                        <m:r>
+                          <m:rPr>
+                            <m:sty m:val="p"/>
+                          </m:rPr>
+                          <a:rPr lang="de-DE" sz="2800" b="0" i="0" smtClean="0">
+                            <a:latin typeface="Cambria Math"/>
+                          </a:rPr>
+                          <m:t>Φ</m:t>
+                        </m:r>
+                      </m:e>
+                      <m:sub>
+                        <m:r>
+                          <a:rPr lang="de-DE" sz="2800" b="0" i="1" smtClean="0">
+                            <a:latin typeface="Cambria Math"/>
+                          </a:rPr>
+                          <m:t>𝐴</m:t>
+                        </m:r>
+                      </m:sub>
+                    </m:sSub>
+                    <m:d>
+                      <m:dPr>
+                        <m:ctrlPr>
+                          <a:rPr lang="de-DE" sz="2800" b="0" i="1" smtClean="0">
+                            <a:latin typeface="Cambria Math"/>
+                          </a:rPr>
+                        </m:ctrlPr>
+                      </m:dPr>
+                      <m:e>
+                        <m:r>
+                          <a:rPr lang="de-DE" sz="2800" b="0" i="1" smtClean="0">
+                            <a:latin typeface="Cambria Math"/>
+                          </a:rPr>
+                          <m:t>𝑉</m:t>
+                        </m:r>
+                      </m:e>
+                    </m:d>
+                    <m:r>
+                      <a:rPr lang="de-DE" sz="2800" b="0" i="1" smtClean="0">
+                        <a:latin typeface="Cambria Math"/>
+                        <a:ea typeface="Cambria Math"/>
+                      </a:rPr>
+                      <m:t>≠</m:t>
+                    </m:r>
+                    <m:sSub>
+                      <m:sSubPr>
+                        <m:ctrlPr>
+                          <a:rPr lang="de-DE" sz="2800" b="0" i="1" smtClean="0">
+                            <a:latin typeface="Cambria Math"/>
+                            <a:ea typeface="Cambria Math"/>
+                          </a:rPr>
+                        </m:ctrlPr>
+                      </m:sSubPr>
+                      <m:e>
+                        <m:sSup>
+                          <m:sSupPr>
+                            <m:ctrlPr>
+                              <a:rPr lang="de-DE" sz="2800" b="0" i="1" smtClean="0">
+                                <a:latin typeface="Cambria Math"/>
+                                <a:ea typeface="Cambria Math"/>
+                              </a:rPr>
+                            </m:ctrlPr>
+                          </m:sSupPr>
+                          <m:e>
+                            <m:r>
+                              <m:rPr>
+                                <m:sty m:val="p"/>
+                              </m:rPr>
+                              <a:rPr lang="de-DE" sz="2800" b="0" i="0" smtClean="0">
+                                <a:latin typeface="Cambria Math"/>
+                                <a:ea typeface="Cambria Math"/>
+                              </a:rPr>
+                              <m:t>Φ</m:t>
+                            </m:r>
+                          </m:e>
+                          <m:sup>
+                            <m:r>
+                              <a:rPr lang="de-DE" sz="2800" b="0" i="1" smtClean="0">
+                                <a:latin typeface="Cambria Math"/>
+                                <a:ea typeface="Cambria Math"/>
+                              </a:rPr>
+                              <m:t>′</m:t>
+                            </m:r>
+                          </m:sup>
+                        </m:sSup>
+                      </m:e>
+                      <m:sub>
+                        <m:r>
+                          <a:rPr lang="de-DE" sz="2800" b="0" i="1" smtClean="0">
+                            <a:latin typeface="Cambria Math"/>
+                            <a:ea typeface="Cambria Math"/>
+                          </a:rPr>
+                          <m:t>𝐴</m:t>
+                        </m:r>
+                      </m:sub>
+                    </m:sSub>
+                    <m:d>
+                      <m:dPr>
+                        <m:ctrlPr>
+                          <a:rPr lang="de-DE" sz="2800" b="0" i="1" smtClean="0">
+                            <a:latin typeface="Cambria Math"/>
+                            <a:ea typeface="Cambria Math"/>
+                          </a:rPr>
+                        </m:ctrlPr>
+                      </m:dPr>
+                      <m:e>
+                        <m:r>
+                          <a:rPr lang="de-DE" sz="2800" b="0" i="1" smtClean="0">
+                            <a:latin typeface="Cambria Math"/>
+                            <a:ea typeface="Cambria Math"/>
+                          </a:rPr>
+                          <m:t>𝑉</m:t>
+                        </m:r>
+                      </m:e>
+                    </m:d>
+                  </m:oMath>
+                </a14:m>
+                <a:r>
+                  <a:rPr lang="de-DE" sz="2800" dirty="0" smtClean="0"/>
+                  <a:t> für eine ”vereinfachte</a:t>
+                </a:r>
+                <a:r>
+                  <a:rPr lang="de-DE" sz="2800" dirty="0"/>
+                  <a:t>“ Berechnung </a:t>
+                </a:r>
+                <a:r>
+                  <a:rPr lang="de-DE" sz="2800" dirty="0" smtClean="0"/>
+                  <a:t>über die </a:t>
+                </a:r>
+                <a:r>
+                  <a:rPr lang="de-DE" sz="2800" dirty="0"/>
+                  <a:t>Teilmengen: </a:t>
+                </a:r>
+                <a14:m>
+                  <m:oMath xmlns:m="http://schemas.openxmlformats.org/officeDocument/2006/math">
+                    <m:sSub>
+                      <m:sSubPr>
+                        <m:ctrlPr>
+                          <a:rPr lang="de-DE" sz="2800" i="1">
+                            <a:latin typeface="Cambria Math"/>
+                          </a:rPr>
+                        </m:ctrlPr>
+                      </m:sSubPr>
+                      <m:e>
+                        <m:r>
+                          <m:rPr>
+                            <m:sty m:val="p"/>
+                          </m:rPr>
+                          <a:rPr lang="de-DE" sz="2800">
+                            <a:latin typeface="Cambria Math"/>
+                          </a:rPr>
+                          <m:t>Φ</m:t>
+                        </m:r>
+                        <m:r>
+                          <a:rPr lang="de-DE" sz="2800" b="0" i="0" smtClean="0">
+                            <a:latin typeface="Cambria Math"/>
+                          </a:rPr>
+                          <m:t>′</m:t>
+                        </m:r>
+                      </m:e>
+                      <m:sub>
+                        <m:r>
+                          <a:rPr lang="de-DE" sz="2800" i="1">
+                            <a:latin typeface="Cambria Math"/>
+                          </a:rPr>
+                          <m:t>𝐴</m:t>
+                        </m:r>
+                      </m:sub>
+                    </m:sSub>
+                    <m:d>
+                      <m:dPr>
+                        <m:ctrlPr>
+                          <a:rPr lang="de-DE" sz="2800" i="1">
+                            <a:latin typeface="Cambria Math"/>
+                          </a:rPr>
+                        </m:ctrlPr>
+                      </m:dPr>
+                      <m:e>
+                        <m:r>
+                          <a:rPr lang="de-DE" sz="2800" i="1">
+                            <a:latin typeface="Cambria Math"/>
+                          </a:rPr>
+                          <m:t>𝑉</m:t>
+                        </m:r>
+                      </m:e>
+                    </m:d>
+                    <m:r>
+                      <a:rPr lang="de-DE" sz="2800" b="0" i="1" smtClean="0">
+                        <a:latin typeface="Cambria Math"/>
+                      </a:rPr>
+                      <m:t>=</m:t>
+                    </m:r>
+                    <m:f>
+                      <m:fPr>
+                        <m:ctrlPr>
+                          <a:rPr lang="de-DE" sz="2800" b="0" i="1" smtClean="0">
+                            <a:latin typeface="Cambria Math"/>
+                          </a:rPr>
+                        </m:ctrlPr>
+                      </m:fPr>
+                      <m:num>
+                        <m:r>
+                          <a:rPr lang="de-DE" sz="2800" b="0" i="1" smtClean="0">
+                            <a:latin typeface="Cambria Math"/>
+                          </a:rPr>
+                          <m:t>1</m:t>
+                        </m:r>
+                      </m:num>
+                      <m:den>
+                        <m:sSup>
+                          <m:sSupPr>
+                            <m:ctrlPr>
+                              <a:rPr lang="de-DE" sz="2800" b="0" i="1" smtClean="0">
+                                <a:latin typeface="Cambria Math"/>
+                              </a:rPr>
+                            </m:ctrlPr>
+                          </m:sSupPr>
+                          <m:e>
+                            <m:r>
+                              <a:rPr lang="de-DE" sz="2800" b="0" i="1" smtClean="0">
+                                <a:latin typeface="Cambria Math"/>
+                              </a:rPr>
+                              <m:t>2</m:t>
+                            </m:r>
+                          </m:e>
+                          <m:sup>
+                            <m:d>
+                              <m:dPr>
+                                <m:begChr m:val="|"/>
+                                <m:endChr m:val="|"/>
+                                <m:ctrlPr>
+                                  <a:rPr lang="de-DE" sz="2800" b="0" i="1" smtClean="0">
+                                    <a:latin typeface="Cambria Math"/>
+                                  </a:rPr>
+                                </m:ctrlPr>
+                              </m:dPr>
+                              <m:e>
+                                <m:r>
+                                  <a:rPr lang="de-DE" sz="2800" b="0" i="1" smtClean="0">
+                                    <a:latin typeface="Cambria Math"/>
+                                  </a:rPr>
+                                  <m:t>𝑁</m:t>
+                                </m:r>
+                              </m:e>
+                            </m:d>
+                            <m:r>
+                              <a:rPr lang="de-DE" sz="2800" b="0" i="1" smtClean="0">
+                                <a:latin typeface="Cambria Math"/>
+                              </a:rPr>
+                              <m:t>−1</m:t>
+                            </m:r>
+                          </m:sup>
+                        </m:sSup>
+                      </m:den>
+                    </m:f>
+                    <m:nary>
+                      <m:naryPr>
+                        <m:chr m:val="∑"/>
+                        <m:supHide m:val="on"/>
+                        <m:ctrlPr>
+                          <a:rPr lang="de-DE" sz="2800" b="0" i="1" smtClean="0">
+                            <a:latin typeface="Cambria Math"/>
+                          </a:rPr>
+                        </m:ctrlPr>
+                      </m:naryPr>
+                      <m:sub>
+                        <m:r>
+                          <m:rPr>
+                            <m:brk m:alnAt="7"/>
+                          </m:rPr>
+                          <a:rPr lang="de-DE" sz="2800" b="0" i="1" smtClean="0">
+                            <a:latin typeface="Cambria Math"/>
+                          </a:rPr>
+                          <m:t>𝑆</m:t>
+                        </m:r>
+                        <m:r>
+                          <a:rPr lang="de-DE" sz="2800" b="0" i="1" smtClean="0">
+                            <a:latin typeface="Cambria Math"/>
+                            <a:ea typeface="Cambria Math"/>
+                          </a:rPr>
+                          <m:t>⊆</m:t>
+                        </m:r>
+                        <m:r>
+                          <a:rPr lang="de-DE" sz="2800" b="0" i="1" smtClean="0">
+                            <a:latin typeface="Cambria Math"/>
+                            <a:ea typeface="Cambria Math"/>
+                          </a:rPr>
+                          <m:t>𝑁</m:t>
+                        </m:r>
+                        <m:r>
+                          <a:rPr lang="de-DE" sz="2800" b="0" i="1" smtClean="0">
+                            <a:latin typeface="Cambria Math"/>
+                            <a:ea typeface="Cambria Math"/>
+                          </a:rPr>
+                          <m:t>\</m:t>
+                        </m:r>
+                        <m:r>
+                          <m:rPr>
+                            <m:lit/>
+                            <m:brk m:alnAt="7"/>
+                          </m:rPr>
+                          <a:rPr lang="de-DE" sz="2800" b="0" i="1" smtClean="0">
+                            <a:latin typeface="Cambria Math"/>
+                            <a:ea typeface="Cambria Math"/>
+                          </a:rPr>
+                          <m:t>{</m:t>
+                        </m:r>
+                        <m:r>
+                          <m:rPr>
+                            <m:brk m:alnAt="7"/>
+                          </m:rPr>
+                          <a:rPr lang="de-DE" sz="2800" b="0" i="1" smtClean="0">
+                            <a:latin typeface="Cambria Math"/>
+                            <a:ea typeface="Cambria Math"/>
+                          </a:rPr>
+                          <m:t>𝑖</m:t>
+                        </m:r>
+                        <m:r>
+                          <a:rPr lang="de-DE" sz="2800" b="0" i="1" smtClean="0">
+                            <a:latin typeface="Cambria Math"/>
+                            <a:ea typeface="Cambria Math"/>
+                          </a:rPr>
+                          <m:t>}</m:t>
+                        </m:r>
+                      </m:sub>
+                      <m:sup/>
+                      <m:e>
+                        <m:r>
+                          <a:rPr lang="de-DE" sz="2800" b="0" i="1" smtClean="0">
+                            <a:latin typeface="Cambria Math"/>
+                          </a:rPr>
+                          <m:t>[</m:t>
+                        </m:r>
+                        <m:r>
+                          <a:rPr lang="de-DE" sz="2800" b="0" i="1" smtClean="0">
+                            <a:latin typeface="Cambria Math"/>
+                          </a:rPr>
+                          <m:t>𝑣</m:t>
+                        </m:r>
+                        <m:r>
+                          <a:rPr lang="de-DE" sz="2800" b="0" i="1" smtClean="0">
+                            <a:latin typeface="Cambria Math"/>
+                          </a:rPr>
+                          <m:t>(</m:t>
+                        </m:r>
+                        <m:r>
+                          <a:rPr lang="de-DE" sz="2800" b="0" i="1" smtClean="0">
+                            <a:latin typeface="Cambria Math"/>
+                          </a:rPr>
+                          <m:t>𝑆</m:t>
+                        </m:r>
+                        <m:r>
+                          <a:rPr lang="de-DE" sz="2800" b="0" i="1" smtClean="0">
+                            <a:latin typeface="Cambria Math"/>
+                          </a:rPr>
+                          <m:t>∪</m:t>
+                        </m:r>
+                        <m:d>
+                          <m:dPr>
+                            <m:begChr m:val="{"/>
+                            <m:endChr m:val="}"/>
+                            <m:ctrlPr>
+                              <a:rPr lang="de-DE" sz="2800" b="0" i="1" smtClean="0">
+                                <a:latin typeface="Cambria Math"/>
+                              </a:rPr>
+                            </m:ctrlPr>
+                          </m:dPr>
+                          <m:e>
+                            <m:r>
+                              <a:rPr lang="de-DE" sz="2800" b="0" i="1" smtClean="0">
+                                <a:latin typeface="Cambria Math"/>
+                              </a:rPr>
+                              <m:t>𝑖</m:t>
+                            </m:r>
+                          </m:e>
+                        </m:d>
+                        <m:r>
+                          <a:rPr lang="de-DE" sz="2800" b="0" i="1" smtClean="0">
+                            <a:latin typeface="Cambria Math"/>
+                          </a:rPr>
+                          <m:t>−</m:t>
+                        </m:r>
+                        <m:r>
+                          <a:rPr lang="de-DE" sz="2800" b="0" i="1" smtClean="0">
+                            <a:latin typeface="Cambria Math"/>
+                          </a:rPr>
+                          <m:t>𝑣</m:t>
+                        </m:r>
+                        <m:r>
+                          <a:rPr lang="de-DE" sz="2800" b="0" i="1" smtClean="0">
+                            <a:latin typeface="Cambria Math"/>
+                          </a:rPr>
+                          <m:t>(</m:t>
+                        </m:r>
+                        <m:r>
+                          <a:rPr lang="de-DE" sz="2800" b="0" i="1" smtClean="0">
+                            <a:latin typeface="Cambria Math"/>
+                          </a:rPr>
+                          <m:t>𝑆</m:t>
+                        </m:r>
+                        <m:r>
+                          <a:rPr lang="de-DE" sz="2800" b="0" i="1" smtClean="0">
+                            <a:latin typeface="Cambria Math"/>
+                          </a:rPr>
+                          <m:t>)]</m:t>
+                        </m:r>
+                      </m:e>
+                    </m:nary>
+                  </m:oMath>
+                </a14:m>
+                <a:r>
+                  <a:rPr lang="de-DE" sz="2800" dirty="0" smtClean="0"/>
+                  <a:t>.</a:t>
+                </a:r>
+              </a:p>
+              <a:p>
+                <a:pPr marL="0" indent="0">
+                  <a:buNone/>
+                </a:pPr>
+                <a:endParaRPr lang="el-GR" sz="2800" dirty="0"/>
+              </a:p>
+              <a:p>
+                <a:pPr marL="0" indent="0">
+                  <a:buNone/>
+                </a:pPr>
+                <a:r>
+                  <a:rPr lang="de-DE" sz="2800" dirty="0" smtClean="0"/>
+                  <a:t>Gelten </a:t>
+                </a:r>
+                <a:r>
+                  <a:rPr lang="de-DE" sz="2800" dirty="0"/>
+                  <a:t>manche der </a:t>
+                </a:r>
+                <a:r>
+                  <a:rPr lang="de-DE" sz="2800" dirty="0" smtClean="0"/>
+                  <a:t>Fairness-Axiome </a:t>
+                </a:r>
+                <a:r>
+                  <a:rPr lang="de-DE" sz="2800" dirty="0"/>
+                  <a:t>auch </a:t>
+                </a:r>
+                <a:r>
+                  <a:rPr lang="de-DE" sz="2800" dirty="0" smtClean="0"/>
+                  <a:t>für </a:t>
+                </a:r>
+                <a:r>
+                  <a:rPr lang="de-DE" sz="2800" dirty="0"/>
+                  <a:t>diese vereinfachte Berechnung?</a:t>
+                </a:r>
+                <a:endParaRPr lang="de-DE" sz="2800" dirty="0"/>
+              </a:p>
+            </p:txBody>
+          </p:sp>
+        </mc:Choice>
+        <mc:Fallback>
+          <p:sp>
+            <p:nvSpPr>
+              <p:cNvPr id="3" name="Inhaltsplatzhalter 2"/>
+              <p:cNvSpPr>
+                <a:spLocks noGrp="1" noRot="1" noChangeAspect="1" noMove="1" noResize="1" noEditPoints="1" noAdjustHandles="1" noChangeArrowheads="1" noChangeShapeType="1" noTextEdit="1"/>
+              </p:cNvSpPr>
+              <p:nvPr>
+                <p:ph idx="1"/>
+              </p:nvPr>
+            </p:nvSpPr>
+            <p:spPr>
+              <a:blipFill rotWithShape="1">
+                <a:blip r:embed="rId2"/>
+                <a:stretch>
+                  <a:fillRect l="-1481" t="-1348" r="-667"/>
+                </a:stretch>
+              </a:blipFill>
+            </p:spPr>
+            <p:txBody>
+              <a:bodyPr/>
+              <a:lstStyle/>
+              <a:p>
+                <a:r>
+                  <a:rPr lang="de-DE">
+                    <a:noFill/>
+                  </a:rPr>
+                  <a:t> </a:t>
+                </a:r>
+              </a:p>
+            </p:txBody>
+          </p:sp>
+        </mc:Fallback>
+      </mc:AlternateContent>
     </p:spTree>
     <p:extLst>
       <p:ext uri="{BB962C8B-B14F-4D97-AF65-F5344CB8AC3E}">
@@ -6907,7 +13131,7 @@
 </p:sld>
 </file>
 
-<file path=ppt/slides/slide7.xml><?xml version="1.0" encoding="utf-8"?>
+<file path=ppt/slides/slide9.xml><?xml version="1.0" encoding="utf-8"?>
 <p:sld xmlns:a="http://schemas.openxmlformats.org/drawingml/2006/main" xmlns:r="http://schemas.openxmlformats.org/officeDocument/2006/relationships" xmlns:p="http://schemas.openxmlformats.org/presentationml/2006/main">
   <p:cSld>
     <p:spTree>
@@ -7414,6 +13638,30 @@
                 <a:pPr marL="0" indent="0">
                   <a:buNone/>
                 </a:pPr>
+                <a:endParaRPr lang="de-DE" dirty="0"/>
+              </a:p>
+              <a:p>
+                <a:pPr marL="0" indent="0">
+                  <a:buNone/>
+                </a:pPr>
+                <a:r>
+                  <a:rPr lang="de-DE" b="0" dirty="0" smtClean="0">
+                    <a:solidFill>
+                      <a:srgbClr val="FF0000"/>
+                    </a:solidFill>
+                  </a:rPr>
+                  <a:t>TODO ?</a:t>
+                </a:r>
+                <a:endParaRPr lang="de-DE" b="0" dirty="0" smtClean="0">
+                  <a:solidFill>
+                    <a:srgbClr val="FF0000"/>
+                  </a:solidFill>
+                </a:endParaRPr>
+              </a:p>
+              <a:p>
+                <a:pPr marL="0" indent="0">
+                  <a:buNone/>
+                </a:pPr>
                 <a:endParaRPr lang="de-DE" dirty="0" smtClean="0"/>
               </a:p>
               <a:p>
@@ -7437,7 +13685,7 @@
               <a:blipFill rotWithShape="1">
                 <a:blip r:embed="rId2"/>
                 <a:stretch>
-                  <a:fillRect/>
+                  <a:fillRect l="-1852" b="-135"/>
                 </a:stretch>
               </a:blipFill>
             </p:spPr>
@@ -7460,166 +13708,6 @@
     <p:extLst>
       <p:ext uri="{BB962C8B-B14F-4D97-AF65-F5344CB8AC3E}">
         <p14:creationId xmlns:p14="http://schemas.microsoft.com/office/powerpoint/2010/main" val="642412825"/>
-      </p:ext>
-    </p:extLst>
-  </p:cSld>
-  <p:clrMapOvr>
-    <a:masterClrMapping/>
-  </p:clrMapOvr>
-</p:sld>
-</file>
-
-<file path=ppt/slides/slide8.xml><?xml version="1.0" encoding="utf-8"?>
-<p:sld xmlns:a="http://schemas.openxmlformats.org/drawingml/2006/main" xmlns:r="http://schemas.openxmlformats.org/officeDocument/2006/relationships" xmlns:p="http://schemas.openxmlformats.org/presentationml/2006/main">
-  <p:cSld>
-    <p:spTree>
-      <p:nvGrpSpPr>
-        <p:cNvPr id="1" name=""/>
-        <p:cNvGrpSpPr/>
-        <p:nvPr/>
-      </p:nvGrpSpPr>
-      <p:grpSpPr>
-        <a:xfrm>
-          <a:off x="0" y="0"/>
-          <a:ext cx="0" cy="0"/>
-          <a:chOff x="0" y="0"/>
-          <a:chExt cx="0" cy="0"/>
-        </a:xfrm>
-      </p:grpSpPr>
-      <p:sp>
-        <p:nvSpPr>
-          <p:cNvPr id="2" name="Titel 1"/>
-          <p:cNvSpPr>
-            <a:spLocks noGrp="1"/>
-          </p:cNvSpPr>
-          <p:nvPr>
-            <p:ph type="title"/>
-          </p:nvPr>
-        </p:nvSpPr>
-        <p:spPr/>
-        <p:txBody>
-          <a:bodyPr/>
-          <a:lstStyle/>
-          <a:p>
-            <a:r>
-              <a:rPr lang="de-DE" dirty="0" smtClean="0"/>
-              <a:t>Aufgabe 1d</a:t>
-            </a:r>
-            <a:endParaRPr lang="de-DE" dirty="0"/>
-          </a:p>
-        </p:txBody>
-      </p:sp>
-      <p:sp>
-        <p:nvSpPr>
-          <p:cNvPr id="3" name="Inhaltsplatzhalter 2"/>
-          <p:cNvSpPr>
-            <a:spLocks noGrp="1"/>
-          </p:cNvSpPr>
-          <p:nvPr>
-            <p:ph idx="1"/>
-          </p:nvPr>
-        </p:nvSpPr>
-        <p:spPr/>
-        <p:txBody>
-          <a:bodyPr/>
-          <a:lstStyle/>
-          <a:p>
-            <a:endParaRPr lang="de-DE" dirty="0"/>
-          </a:p>
-        </p:txBody>
-      </p:sp>
-    </p:spTree>
-    <p:extLst>
-      <p:ext uri="{BB962C8B-B14F-4D97-AF65-F5344CB8AC3E}">
-        <p14:creationId xmlns:p14="http://schemas.microsoft.com/office/powerpoint/2010/main" val="2050992844"/>
-      </p:ext>
-    </p:extLst>
-  </p:cSld>
-  <p:clrMapOvr>
-    <a:masterClrMapping/>
-  </p:clrMapOvr>
-</p:sld>
-</file>
-
-<file path=ppt/slides/slide9.xml><?xml version="1.0" encoding="utf-8"?>
-<p:sld xmlns:a="http://schemas.openxmlformats.org/drawingml/2006/main" xmlns:r="http://schemas.openxmlformats.org/officeDocument/2006/relationships" xmlns:p="http://schemas.openxmlformats.org/presentationml/2006/main">
-  <p:cSld>
-    <p:spTree>
-      <p:nvGrpSpPr>
-        <p:cNvPr id="1" name=""/>
-        <p:cNvGrpSpPr/>
-        <p:nvPr/>
-      </p:nvGrpSpPr>
-      <p:grpSpPr>
-        <a:xfrm>
-          <a:off x="0" y="0"/>
-          <a:ext cx="0" cy="0"/>
-          <a:chOff x="0" y="0"/>
-          <a:chExt cx="0" cy="0"/>
-        </a:xfrm>
-      </p:grpSpPr>
-      <p:sp>
-        <p:nvSpPr>
-          <p:cNvPr id="2" name="Titel 1"/>
-          <p:cNvSpPr>
-            <a:spLocks noGrp="1"/>
-          </p:cNvSpPr>
-          <p:nvPr>
-            <p:ph type="title"/>
-          </p:nvPr>
-        </p:nvSpPr>
-        <p:spPr/>
-        <p:txBody>
-          <a:bodyPr/>
-          <a:lstStyle/>
-          <a:p>
-            <a:r>
-              <a:rPr lang="de-DE" dirty="0" smtClean="0"/>
-              <a:t>Aufgabe 1e</a:t>
-            </a:r>
-            <a:endParaRPr lang="de-DE" dirty="0"/>
-          </a:p>
-        </p:txBody>
-      </p:sp>
-      <p:sp>
-        <p:nvSpPr>
-          <p:cNvPr id="3" name="Inhaltsplatzhalter 2"/>
-          <p:cNvSpPr>
-            <a:spLocks noGrp="1"/>
-          </p:cNvSpPr>
-          <p:nvPr>
-            <p:ph idx="1"/>
-          </p:nvPr>
-        </p:nvSpPr>
-        <p:spPr/>
-        <p:txBody>
-          <a:bodyPr/>
-          <a:lstStyle/>
-          <a:p>
-            <a:pPr marL="0" indent="0">
-              <a:buNone/>
-            </a:pPr>
-            <a:r>
-              <a:rPr lang="de-DE" sz="2400" dirty="0" smtClean="0"/>
-              <a:t>An dem Beispiel aus der zweiten Teilaufgabe lassen sich auch Existenz und Eindeutigkeit des Kerns gut erläutern. Der Kern enthält Auszahlungsvektoren der großen Koalition, bei der Teilkoalitionen keinen größeren Wert als die Summe ihrer Auszahlungen erzielen können.</a:t>
-            </a:r>
-          </a:p>
-          <a:p>
-            <a:pPr marL="0" indent="0">
-              <a:buNone/>
-            </a:pPr>
-            <a:r>
-              <a:rPr lang="de-DE" sz="2400" dirty="0" smtClean="0"/>
-              <a:t>Zeigen Sie, dass in diesem Spiel keine Auszahlung im Kern existieren kann. Leiten Sie dazu aus den Minimalkoalitionen, die erfolgreich abstimmen können, Anforderungen an den Auszahlungsvektor ab und zeigen Sie, dass diese nicht erfüllbar sind.</a:t>
-            </a:r>
-            <a:endParaRPr lang="de-DE" sz="2400" dirty="0"/>
-          </a:p>
-        </p:txBody>
-      </p:sp>
-    </p:spTree>
-    <p:extLst>
-      <p:ext uri="{BB962C8B-B14F-4D97-AF65-F5344CB8AC3E}">
-        <p14:creationId xmlns:p14="http://schemas.microsoft.com/office/powerpoint/2010/main" val="3986010076"/>
       </p:ext>
     </p:extLst>
   </p:cSld>

--- a/Blatt-07/Präsentation_Blatt07_Aufgabe1.pptx
+++ b/Blatt-07/Präsentation_Blatt07_Aufgabe1.pptx
@@ -152,6 +152,22 @@
       </a:defRPr>
     </a:lvl9pPr>
   </p:defaultTextStyle>
+  <p:extLst>
+    <p:ext uri="{EFAFB233-063F-42B5-8137-9DF3F51BA10A}">
+      <p15:sldGuideLst xmlns:p15="http://schemas.microsoft.com/office/powerpoint/2012/main">
+        <p15:guide id="1" orient="horz" pos="2160">
+          <p15:clr>
+            <a:srgbClr val="A4A3A4"/>
+          </p15:clr>
+        </p15:guide>
+        <p15:guide id="2" pos="2880">
+          <p15:clr>
+            <a:srgbClr val="A4A3A4"/>
+          </p15:clr>
+        </p15:guide>
+      </p15:sldGuideLst>
+    </p:ext>
+  </p:extLst>
 </p:presentation>
 </file>
 
@@ -4545,7 +4561,6 @@
               <a:rPr lang="de-DE" sz="2400" dirty="0"/>
               <a:t>Spiel noch superadditiv?</a:t>
             </a:r>
-            <a:endParaRPr lang="de-DE" sz="2400" dirty="0"/>
           </a:p>
         </p:txBody>
       </p:sp>
@@ -4602,8 +4617,8 @@
           </a:p>
         </p:txBody>
       </p:sp>
-      <mc:AlternateContent xmlns:mc="http://schemas.openxmlformats.org/markup-compatibility/2006">
-        <mc:Choice xmlns:a14="http://schemas.microsoft.com/office/drawing/2010/main" Requires="a14">
+      <mc:AlternateContent xmlns:mc="http://schemas.openxmlformats.org/markup-compatibility/2006" xmlns:a14="http://schemas.microsoft.com/office/drawing/2010/main">
+        <mc:Choice Requires="a14">
           <p:sp>
             <p:nvSpPr>
               <p:cNvPr id="5" name="Inhaltsplatzhalter 4"/>
@@ -4704,7 +4719,7 @@
                         <m:endChr m:val="}"/>
                         <m:ctrlPr>
                           <a:rPr lang="de-DE" b="0" i="1" dirty="0" smtClean="0">
-                            <a:latin typeface="Cambria Math"/>
+                            <a:latin typeface="Cambria Math" panose="02040503050406030204" pitchFamily="18" charset="0"/>
                           </a:rPr>
                         </m:ctrlPr>
                       </m:dPr>
@@ -4756,7 +4771,7 @@
                       <m:dPr>
                         <m:ctrlPr>
                           <a:rPr lang="de-DE" b="0" i="1" smtClean="0">
-                            <a:latin typeface="Cambria Math"/>
+                            <a:latin typeface="Cambria Math" panose="02040503050406030204" pitchFamily="18" charset="0"/>
                           </a:rPr>
                         </m:ctrlPr>
                       </m:dPr>
@@ -4797,7 +4812,7 @@
                       <m:dPr>
                         <m:ctrlPr>
                           <a:rPr lang="de-DE" b="0" i="1" smtClean="0">
-                            <a:latin typeface="Cambria Math"/>
+                            <a:latin typeface="Cambria Math" panose="02040503050406030204" pitchFamily="18" charset="0"/>
                           </a:rPr>
                         </m:ctrlPr>
                       </m:dPr>
@@ -4808,7 +4823,7 @@
                             <m:endChr m:val="}"/>
                             <m:ctrlPr>
                               <a:rPr lang="de-DE" b="0" i="1" smtClean="0">
-                                <a:latin typeface="Cambria Math"/>
+                                <a:latin typeface="Cambria Math" panose="02040503050406030204" pitchFamily="18" charset="0"/>
                               </a:rPr>
                             </m:ctrlPr>
                           </m:dPr>
@@ -4883,7 +4898,7 @@
                       <m:dPr>
                         <m:ctrlPr>
                           <a:rPr lang="de-DE" b="0" i="1" smtClean="0">
-                            <a:latin typeface="Cambria Math"/>
+                            <a:latin typeface="Cambria Math" panose="02040503050406030204" pitchFamily="18" charset="0"/>
                             <a:ea typeface="Cambria Math"/>
                           </a:rPr>
                         </m:ctrlPr>
@@ -5008,7 +5023,7 @@
                       <m:dPr>
                         <m:ctrlPr>
                           <a:rPr lang="de-DE" b="0" i="1" smtClean="0">
-                            <a:latin typeface="Cambria Math"/>
+                            <a:latin typeface="Cambria Math" panose="02040503050406030204" pitchFamily="18" charset="0"/>
                           </a:rPr>
                         </m:ctrlPr>
                       </m:dPr>
@@ -5039,7 +5054,7 @@
                       <m:dPr>
                         <m:ctrlPr>
                           <a:rPr lang="de-DE" b="0" i="1" smtClean="0">
-                            <a:latin typeface="Cambria Math"/>
+                            <a:latin typeface="Cambria Math" panose="02040503050406030204" pitchFamily="18" charset="0"/>
                             <a:ea typeface="Cambria Math"/>
                           </a:rPr>
                         </m:ctrlPr>
@@ -5153,7 +5168,7 @@
             </p:txBody>
           </p:sp>
         </mc:Choice>
-        <mc:Fallback>
+        <mc:Fallback xmlns="">
           <p:sp>
             <p:nvSpPr>
               <p:cNvPr id="5" name="Inhaltsplatzhalter 4"/>
@@ -5320,15 +5335,7 @@
             </a:pPr>
             <a:r>
               <a:rPr lang="de-DE" sz="2400" dirty="0" smtClean="0"/>
-              <a:t>Der </a:t>
-            </a:r>
-            <a:r>
-              <a:rPr lang="de-DE" sz="2400" dirty="0" smtClean="0"/>
-              <a:t>Kern enthält Auszahlungsvektoren der großen Koalition, bei der Teilkoalitionen keinen größeren Wert als die Summe ihrer Auszahlungen erzielen können</a:t>
-            </a:r>
-            <a:r>
-              <a:rPr lang="de-DE" sz="2400" dirty="0" smtClean="0"/>
-              <a:t>.</a:t>
+              <a:t>Der Kern enthält Auszahlungsvektoren der großen Koalition, bei der Teilkoalitionen keinen größeren Wert als die Summe ihrer Auszahlungen erzielen können.</a:t>
             </a:r>
             <a:br>
               <a:rPr lang="de-DE" sz="2400" dirty="0" smtClean="0"/>
@@ -5433,8 +5440,8 @@
           </a:xfrm>
         </p:spPr>
       </p:pic>
-      <mc:AlternateContent xmlns:mc="http://schemas.openxmlformats.org/markup-compatibility/2006">
-        <mc:Choice xmlns:a14="http://schemas.microsoft.com/office/drawing/2010/main" Requires="a14">
+      <mc:AlternateContent xmlns:mc="http://schemas.openxmlformats.org/markup-compatibility/2006" xmlns:a14="http://schemas.microsoft.com/office/drawing/2010/main">
+        <mc:Choice Requires="a14">
           <p:sp>
             <p:nvSpPr>
               <p:cNvPr id="7" name="Inhaltsplatzhalter 6"/>
@@ -5468,7 +5475,7 @@
                       <m:sSubPr>
                         <m:ctrlPr>
                           <a:rPr lang="de-DE" sz="2400" i="1" smtClean="0">
-                            <a:latin typeface="Cambria Math"/>
+                            <a:latin typeface="Cambria Math" panose="02040503050406030204" pitchFamily="18" charset="0"/>
                           </a:rPr>
                         </m:ctrlPr>
                       </m:sSubPr>
@@ -5517,7 +5524,7 @@
                       <m:sSubPr>
                         <m:ctrlPr>
                           <a:rPr lang="de-DE" sz="2400" i="1" smtClean="0">
-                            <a:latin typeface="Cambria Math"/>
+                            <a:latin typeface="Cambria Math" panose="02040503050406030204" pitchFamily="18" charset="0"/>
                           </a:rPr>
                         </m:ctrlPr>
                       </m:sSubPr>
@@ -5548,7 +5555,7 @@
                       <m:sSubPr>
                         <m:ctrlPr>
                           <a:rPr lang="de-DE" sz="2400" i="1" smtClean="0">
-                            <a:latin typeface="Cambria Math"/>
+                            <a:latin typeface="Cambria Math" panose="02040503050406030204" pitchFamily="18" charset="0"/>
                           </a:rPr>
                         </m:ctrlPr>
                       </m:sSubPr>
@@ -5587,7 +5594,7 @@
                       <m:sSubPr>
                         <m:ctrlPr>
                           <a:rPr lang="de-DE" sz="2400" i="1" smtClean="0">
-                            <a:latin typeface="Cambria Math"/>
+                            <a:latin typeface="Cambria Math" panose="02040503050406030204" pitchFamily="18" charset="0"/>
                           </a:rPr>
                         </m:ctrlPr>
                       </m:sSubPr>
@@ -5626,7 +5633,7 @@
                       <m:sSubPr>
                         <m:ctrlPr>
                           <a:rPr lang="de-DE" sz="2400" i="1" smtClean="0">
-                            <a:latin typeface="Cambria Math"/>
+                            <a:latin typeface="Cambria Math" panose="02040503050406030204" pitchFamily="18" charset="0"/>
                           </a:rPr>
                         </m:ctrlPr>
                       </m:sSubPr>
@@ -5670,11 +5677,7 @@
                 </a:pPr>
                 <a:r>
                   <a:rPr lang="de-DE" sz="2400" dirty="0" smtClean="0"/>
-                  <a:t>Minimalkoalitionen: 	</a:t>
-                </a:r>
-                <a:r>
-                  <a:rPr lang="de-DE" sz="2400" dirty="0" smtClean="0"/>
-                  <a:t>	</a:t>
+                  <a:t>Minimalkoalitionen: 		</a:t>
                 </a:r>
                 <a14:m>
                   <m:oMath xmlns:m="http://schemas.openxmlformats.org/officeDocument/2006/math">
@@ -5682,7 +5685,7 @@
                       <m:sSubPr>
                         <m:ctrlPr>
                           <a:rPr lang="de-DE" sz="2400" i="1" smtClean="0">
-                            <a:latin typeface="Cambria Math"/>
+                            <a:latin typeface="Cambria Math" panose="02040503050406030204" pitchFamily="18" charset="0"/>
                           </a:rPr>
                         </m:ctrlPr>
                       </m:sSubPr>
@@ -5713,7 +5716,7 @@
                       <m:sSubPr>
                         <m:ctrlPr>
                           <a:rPr lang="de-DE" sz="2400" i="1" smtClean="0">
-                            <a:latin typeface="Cambria Math"/>
+                            <a:latin typeface="Cambria Math" panose="02040503050406030204" pitchFamily="18" charset="0"/>
                           </a:rPr>
                         </m:ctrlPr>
                       </m:sSubPr>
@@ -5757,11 +5760,7 @@
                 </a:pPr>
                 <a:r>
                   <a:rPr lang="de-DE" sz="2400" b="0" dirty="0" smtClean="0"/>
-                  <a:t>			</a:t>
-                </a:r>
-                <a:r>
-                  <a:rPr lang="de-DE" sz="2400" b="0" dirty="0" smtClean="0"/>
-                  <a:t>	</a:t>
+                  <a:t>				</a:t>
                 </a:r>
                 <a14:m>
                   <m:oMath xmlns:m="http://schemas.openxmlformats.org/officeDocument/2006/math">
@@ -5769,7 +5768,7 @@
                       <m:sSubPr>
                         <m:ctrlPr>
                           <a:rPr lang="de-DE" sz="2400" i="1" smtClean="0">
-                            <a:latin typeface="Cambria Math"/>
+                            <a:latin typeface="Cambria Math" panose="02040503050406030204" pitchFamily="18" charset="0"/>
                           </a:rPr>
                         </m:ctrlPr>
                       </m:sSubPr>
@@ -5800,7 +5799,7 @@
                       <m:sSubPr>
                         <m:ctrlPr>
                           <a:rPr lang="de-DE" sz="2400" i="1" smtClean="0">
-                            <a:latin typeface="Cambria Math"/>
+                            <a:latin typeface="Cambria Math" panose="02040503050406030204" pitchFamily="18" charset="0"/>
                           </a:rPr>
                         </m:ctrlPr>
                       </m:sSubPr>
@@ -5844,11 +5843,7 @@
                 </a:pPr>
                 <a:r>
                   <a:rPr lang="de-DE" sz="2400" dirty="0" smtClean="0"/>
-                  <a:t>			</a:t>
-                </a:r>
-                <a:r>
-                  <a:rPr lang="de-DE" sz="2400" dirty="0" smtClean="0"/>
-                  <a:t>	</a:t>
+                  <a:t>				</a:t>
                 </a:r>
                 <a14:m>
                   <m:oMath xmlns:m="http://schemas.openxmlformats.org/officeDocument/2006/math">
@@ -5856,7 +5851,7 @@
                       <m:sSubPr>
                         <m:ctrlPr>
                           <a:rPr lang="de-DE" sz="2400" i="1" smtClean="0">
-                            <a:latin typeface="Cambria Math"/>
+                            <a:latin typeface="Cambria Math" panose="02040503050406030204" pitchFamily="18" charset="0"/>
                           </a:rPr>
                         </m:ctrlPr>
                       </m:sSubPr>
@@ -5887,7 +5882,7 @@
                       <m:sSubPr>
                         <m:ctrlPr>
                           <a:rPr lang="de-DE" sz="2400" i="1" smtClean="0">
-                            <a:latin typeface="Cambria Math"/>
+                            <a:latin typeface="Cambria Math" panose="02040503050406030204" pitchFamily="18" charset="0"/>
                           </a:rPr>
                         </m:ctrlPr>
                       </m:sSubPr>
@@ -5940,13 +5935,7 @@
                   <a:rPr lang="de-DE" sz="2400" dirty="0" smtClean="0">
                     <a:sym typeface="Wingdings" panose="05000000000000000000" pitchFamily="2" charset="2"/>
                   </a:rPr>
-                  <a:t>	</a:t>
-                </a:r>
-                <a:r>
-                  <a:rPr lang="de-DE" sz="2400" dirty="0" smtClean="0">
-                    <a:sym typeface="Wingdings" panose="05000000000000000000" pitchFamily="2" charset="2"/>
-                  </a:rPr>
-                  <a:t>	 </a:t>
+                  <a:t>		 </a:t>
                 </a:r>
                 <a14:m>
                   <m:oMath xmlns:m="http://schemas.openxmlformats.org/officeDocument/2006/math">
@@ -5954,7 +5943,7 @@
                       <m:sSubPr>
                         <m:ctrlPr>
                           <a:rPr lang="de-DE" sz="2400" i="1" smtClean="0">
-                            <a:latin typeface="Cambria Math"/>
+                            <a:latin typeface="Cambria Math" panose="02040503050406030204" pitchFamily="18" charset="0"/>
                           </a:rPr>
                         </m:ctrlPr>
                       </m:sSubPr>
@@ -5985,7 +5974,7 @@
                       <m:sSubPr>
                         <m:ctrlPr>
                           <a:rPr lang="de-DE" sz="2400" i="1" smtClean="0">
-                            <a:latin typeface="Cambria Math"/>
+                            <a:latin typeface="Cambria Math" panose="02040503050406030204" pitchFamily="18" charset="0"/>
                           </a:rPr>
                         </m:ctrlPr>
                       </m:sSubPr>
@@ -6016,7 +6005,7 @@
                       <m:sSubPr>
                         <m:ctrlPr>
                           <a:rPr lang="de-DE" sz="2400" b="0" i="1" smtClean="0">
-                            <a:latin typeface="Cambria Math"/>
+                            <a:latin typeface="Cambria Math" panose="02040503050406030204" pitchFamily="18" charset="0"/>
                           </a:rPr>
                         </m:ctrlPr>
                       </m:sSubPr>
@@ -6047,11 +6036,7 @@
                 </a14:m>
                 <a:r>
                   <a:rPr lang="de-DE" sz="2400" b="0" dirty="0" smtClean="0"/>
-                  <a:t>	</a:t>
-                </a:r>
-                <a:r>
-                  <a:rPr lang="de-DE" sz="2400" b="0" dirty="0" smtClean="0"/>
-                  <a:t>	</a:t>
+                  <a:t>		</a:t>
                 </a:r>
                 <a14:m>
                   <m:oMath xmlns:m="http://schemas.openxmlformats.org/officeDocument/2006/math">
@@ -6059,7 +6044,7 @@
                       <m:sSubPr>
                         <m:ctrlPr>
                           <a:rPr lang="de-DE" sz="2400" b="0" i="1" smtClean="0">
-                            <a:latin typeface="Cambria Math"/>
+                            <a:latin typeface="Cambria Math" panose="02040503050406030204" pitchFamily="18" charset="0"/>
                           </a:rPr>
                         </m:ctrlPr>
                       </m:sSubPr>
@@ -6163,7 +6148,7 @@
                       <m:sSubPr>
                         <m:ctrlPr>
                           <a:rPr lang="de-DE" sz="2400" i="1" dirty="0" smtClean="0">
-                            <a:latin typeface="Cambria Math"/>
+                            <a:latin typeface="Cambria Math" panose="02040503050406030204" pitchFamily="18" charset="0"/>
                           </a:rPr>
                         </m:ctrlPr>
                       </m:sSubPr>
@@ -6209,7 +6194,7 @@
                       <m:sSubPr>
                         <m:ctrlPr>
                           <a:rPr lang="de-DE" sz="2400" i="1" dirty="0" smtClean="0">
-                            <a:latin typeface="Cambria Math"/>
+                            <a:latin typeface="Cambria Math" panose="02040503050406030204" pitchFamily="18" charset="0"/>
                           </a:rPr>
                         </m:ctrlPr>
                       </m:sSubPr>
@@ -6240,7 +6225,7 @@
                       <m:sSubPr>
                         <m:ctrlPr>
                           <a:rPr lang="de-DE" sz="2400" i="1" dirty="0" smtClean="0">
-                            <a:latin typeface="Cambria Math"/>
+                            <a:latin typeface="Cambria Math" panose="02040503050406030204" pitchFamily="18" charset="0"/>
                           </a:rPr>
                         </m:ctrlPr>
                       </m:sSubPr>
@@ -6282,7 +6267,7 @@
                       <m:dPr>
                         <m:ctrlPr>
                           <a:rPr lang="de-DE" sz="2400" b="0" i="1" dirty="0" smtClean="0">
-                            <a:latin typeface="Cambria Math"/>
+                            <a:latin typeface="Cambria Math" panose="02040503050406030204" pitchFamily="18" charset="0"/>
                             <a:ea typeface="Cambria Math"/>
                           </a:rPr>
                         </m:ctrlPr>
@@ -6337,7 +6322,7 @@
             </p:txBody>
           </p:sp>
         </mc:Choice>
-        <mc:Fallback>
+        <mc:Fallback xmlns="">
           <p:sp>
             <p:nvSpPr>
               <p:cNvPr id="7" name="Inhaltsplatzhalter 6"/>
@@ -6596,7 +6581,6 @@
               <a:rPr lang="de-DE" sz="2400" dirty="0" smtClean="0"/>
               <a:t>der Stimmen nötig sind, um die 100 Millionen zu erhalten. </a:t>
             </a:r>
-            <a:endParaRPr lang="de-DE" sz="2400" dirty="0" smtClean="0"/>
           </a:p>
           <a:p>
             <a:pPr marL="0" indent="0">
@@ -6611,11 +6595,7 @@
             </a:br>
             <a:r>
               <a:rPr lang="de-DE" sz="2400" dirty="0" smtClean="0"/>
-              <a:t>Welche </a:t>
-            </a:r>
-            <a:r>
-              <a:rPr lang="de-DE" sz="2400" dirty="0" smtClean="0"/>
-              <a:t>Minimalkoalitionen sind nun vorhanden? Welche Auszahlungsvektoren liegen im Kern? Beachten Sie, dass der Kern – im Gegensatz zu Shapley – keine Fairness berücksichtigt.</a:t>
+              <a:t>Welche Minimalkoalitionen sind nun vorhanden? Welche Auszahlungsvektoren liegen im Kern? Beachten Sie, dass der Kern – im Gegensatz zu Shapley – keine Fairness berücksichtigt.</a:t>
             </a:r>
             <a:endParaRPr lang="de-DE" sz="2400" dirty="0"/>
           </a:p>
@@ -6702,10 +6682,6 @@
             <a:r>
               <a:rPr lang="de-DE" sz="2400" dirty="0" smtClean="0"/>
               <a:t>?</a:t>
-            </a:r>
-            <a:r>
-              <a:rPr lang="de-DE" sz="2400" dirty="0" smtClean="0"/>
-              <a:t/>
             </a:r>
             <a:br>
               <a:rPr lang="de-DE" sz="2400" dirty="0" smtClean="0"/>
@@ -6819,13 +6795,6 @@
               </a:rPr>
               <a:t>Stimmen</a:t>
             </a:r>
-            <a:endParaRPr lang="de-DE" sz="2400" dirty="0">
-              <a:solidFill>
-                <a:schemeClr val="bg1">
-                  <a:lumMod val="65000"/>
-                </a:schemeClr>
-              </a:solidFill>
-            </a:endParaRPr>
           </a:p>
         </p:txBody>
       </p:sp>
@@ -6914,8 +6883,8 @@
           </a:xfrm>
         </p:spPr>
       </p:pic>
-      <mc:AlternateContent xmlns:mc="http://schemas.openxmlformats.org/markup-compatibility/2006">
-        <mc:Choice xmlns:a14="http://schemas.microsoft.com/office/drawing/2010/main" Requires="a14">
+      <mc:AlternateContent xmlns:mc="http://schemas.openxmlformats.org/markup-compatibility/2006" xmlns:a14="http://schemas.microsoft.com/office/drawing/2010/main">
+        <mc:Choice Requires="a14">
           <p:sp>
             <p:nvSpPr>
               <p:cNvPr id="7" name="Inhaltsplatzhalter 6"/>
@@ -6949,7 +6918,7 @@
                       <m:sSubPr>
                         <m:ctrlPr>
                           <a:rPr lang="de-DE" sz="2400" i="1" smtClean="0">
-                            <a:latin typeface="Cambria Math"/>
+                            <a:latin typeface="Cambria Math" panose="02040503050406030204" pitchFamily="18" charset="0"/>
                           </a:rPr>
                         </m:ctrlPr>
                       </m:sSubPr>
@@ -6998,7 +6967,7 @@
                       <m:sSubPr>
                         <m:ctrlPr>
                           <a:rPr lang="de-DE" sz="2400" i="1" smtClean="0">
-                            <a:latin typeface="Cambria Math"/>
+                            <a:latin typeface="Cambria Math" panose="02040503050406030204" pitchFamily="18" charset="0"/>
                           </a:rPr>
                         </m:ctrlPr>
                       </m:sSubPr>
@@ -7029,7 +6998,7 @@
                       <m:sSubPr>
                         <m:ctrlPr>
                           <a:rPr lang="de-DE" sz="2400" i="1" smtClean="0">
-                            <a:latin typeface="Cambria Math"/>
+                            <a:latin typeface="Cambria Math" panose="02040503050406030204" pitchFamily="18" charset="0"/>
                           </a:rPr>
                         </m:ctrlPr>
                       </m:sSubPr>
@@ -7068,7 +7037,7 @@
                       <m:sSubPr>
                         <m:ctrlPr>
                           <a:rPr lang="de-DE" sz="2400" i="1" smtClean="0">
-                            <a:latin typeface="Cambria Math"/>
+                            <a:latin typeface="Cambria Math" panose="02040503050406030204" pitchFamily="18" charset="0"/>
                           </a:rPr>
                         </m:ctrlPr>
                       </m:sSubPr>
@@ -7107,7 +7076,7 @@
                       <m:sSubPr>
                         <m:ctrlPr>
                           <a:rPr lang="de-DE" sz="2400" i="1" smtClean="0">
-                            <a:latin typeface="Cambria Math"/>
+                            <a:latin typeface="Cambria Math" panose="02040503050406030204" pitchFamily="18" charset="0"/>
                           </a:rPr>
                         </m:ctrlPr>
                       </m:sSubPr>
@@ -7151,11 +7120,7 @@
                 </a:pPr>
                 <a:r>
                   <a:rPr lang="de-DE" sz="2400" dirty="0" smtClean="0"/>
-                  <a:t>Minimalkoalitionen: 	</a:t>
-                </a:r>
-                <a:r>
-                  <a:rPr lang="de-DE" sz="2400" dirty="0" smtClean="0"/>
-                  <a:t>   </a:t>
+                  <a:t>Minimalkoalitionen: 	   </a:t>
                 </a:r>
                 <a14:m>
                   <m:oMath xmlns:m="http://schemas.openxmlformats.org/officeDocument/2006/math">
@@ -7163,7 +7128,7 @@
                       <m:sSubPr>
                         <m:ctrlPr>
                           <a:rPr lang="de-DE" sz="2400" i="1" smtClean="0">
-                            <a:latin typeface="Cambria Math"/>
+                            <a:latin typeface="Cambria Math" panose="02040503050406030204" pitchFamily="18" charset="0"/>
                           </a:rPr>
                         </m:ctrlPr>
                       </m:sSubPr>
@@ -7194,7 +7159,7 @@
                       <m:sSubPr>
                         <m:ctrlPr>
                           <a:rPr lang="de-DE" sz="2400" i="1" smtClean="0">
-                            <a:latin typeface="Cambria Math"/>
+                            <a:latin typeface="Cambria Math" panose="02040503050406030204" pitchFamily="18" charset="0"/>
                           </a:rPr>
                         </m:ctrlPr>
                       </m:sSubPr>
@@ -7225,7 +7190,7 @@
                       <m:sSubPr>
                         <m:ctrlPr>
                           <a:rPr lang="de-DE" sz="2400" b="0" i="1" smtClean="0">
-                            <a:latin typeface="Cambria Math"/>
+                            <a:latin typeface="Cambria Math" panose="02040503050406030204" pitchFamily="18" charset="0"/>
                           </a:rPr>
                         </m:ctrlPr>
                       </m:sSubPr>
@@ -7263,11 +7228,7 @@
                 </a:pPr>
                 <a:r>
                   <a:rPr lang="de-DE" sz="2400" b="0" dirty="0" smtClean="0"/>
-                  <a:t>			</a:t>
-                </a:r>
-                <a:r>
-                  <a:rPr lang="de-DE" sz="2400" b="0" dirty="0" smtClean="0"/>
-                  <a:t>   </a:t>
+                  <a:t>			   </a:t>
                 </a:r>
                 <a14:m>
                   <m:oMath xmlns:m="http://schemas.openxmlformats.org/officeDocument/2006/math">
@@ -7275,7 +7236,7 @@
                       <m:sSubPr>
                         <m:ctrlPr>
                           <a:rPr lang="de-DE" sz="2400" i="1">
-                            <a:latin typeface="Cambria Math"/>
+                            <a:latin typeface="Cambria Math" panose="02040503050406030204" pitchFamily="18" charset="0"/>
                           </a:rPr>
                         </m:ctrlPr>
                       </m:sSubPr>
@@ -7306,7 +7267,7 @@
                       <m:sSubPr>
                         <m:ctrlPr>
                           <a:rPr lang="de-DE" sz="2400" i="1">
-                            <a:latin typeface="Cambria Math"/>
+                            <a:latin typeface="Cambria Math" panose="02040503050406030204" pitchFamily="18" charset="0"/>
                           </a:rPr>
                         </m:ctrlPr>
                       </m:sSubPr>
@@ -7337,7 +7298,7 @@
                       <m:sSubPr>
                         <m:ctrlPr>
                           <a:rPr lang="de-DE" sz="2400" i="1">
-                            <a:latin typeface="Cambria Math"/>
+                            <a:latin typeface="Cambria Math" panose="02040503050406030204" pitchFamily="18" charset="0"/>
                           </a:rPr>
                         </m:ctrlPr>
                       </m:sSubPr>
@@ -7392,7 +7353,7 @@
                       <m:sSubPr>
                         <m:ctrlPr>
                           <a:rPr lang="de-DE" sz="2400" i="1" smtClean="0">
-                            <a:latin typeface="Cambria Math"/>
+                            <a:latin typeface="Cambria Math" panose="02040503050406030204" pitchFamily="18" charset="0"/>
                           </a:rPr>
                         </m:ctrlPr>
                       </m:sSubPr>
@@ -7423,7 +7384,7 @@
                       <m:sSubPr>
                         <m:ctrlPr>
                           <a:rPr lang="de-DE" sz="2400" b="0" i="1" smtClean="0">
-                            <a:latin typeface="Cambria Math"/>
+                            <a:latin typeface="Cambria Math" panose="02040503050406030204" pitchFamily="18" charset="0"/>
                           </a:rPr>
                         </m:ctrlPr>
                       </m:sSubPr>
@@ -7462,7 +7423,7 @@
                       <m:sSubPr>
                         <m:ctrlPr>
                           <a:rPr lang="de-DE" sz="2400" b="0" i="1" smtClean="0">
-                            <a:latin typeface="Cambria Math"/>
+                            <a:latin typeface="Cambria Math" panose="02040503050406030204" pitchFamily="18" charset="0"/>
                           </a:rPr>
                         </m:ctrlPr>
                       </m:sSubPr>
@@ -7493,7 +7454,7 @@
                       <m:sSubPr>
                         <m:ctrlPr>
                           <a:rPr lang="de-DE" sz="2400" i="1" smtClean="0">
-                            <a:latin typeface="Cambria Math"/>
+                            <a:latin typeface="Cambria Math" panose="02040503050406030204" pitchFamily="18" charset="0"/>
                           </a:rPr>
                         </m:ctrlPr>
                       </m:sSubPr>
@@ -7563,7 +7524,7 @@
                         <m:endChr m:val="|"/>
                         <m:ctrlPr>
                           <a:rPr lang="de-DE" sz="2400" b="0" i="1" smtClean="0">
-                            <a:latin typeface="Cambria Math"/>
+                            <a:latin typeface="Cambria Math" panose="02040503050406030204" pitchFamily="18" charset="0"/>
                           </a:rPr>
                         </m:ctrlPr>
                       </m:dPr>
@@ -7620,7 +7581,7 @@
                       <m:sSubPr>
                         <m:ctrlPr>
                           <a:rPr lang="de-DE" sz="2400" b="0" i="1" smtClean="0">
-                            <a:latin typeface="Cambria Math"/>
+                            <a:latin typeface="Cambria Math" panose="02040503050406030204" pitchFamily="18" charset="0"/>
                             <a:ea typeface="Cambria Math"/>
                           </a:rPr>
                         </m:ctrlPr>
@@ -7655,7 +7616,7 @@
                       <m:sSubPr>
                         <m:ctrlPr>
                           <a:rPr lang="de-DE" sz="2400" i="1">
-                            <a:latin typeface="Cambria Math"/>
+                            <a:latin typeface="Cambria Math" panose="02040503050406030204" pitchFamily="18" charset="0"/>
                             <a:ea typeface="Cambria Math"/>
                           </a:rPr>
                         </m:ctrlPr>
@@ -7690,7 +7651,7 @@
                       <m:sSubPr>
                         <m:ctrlPr>
                           <a:rPr lang="de-DE" sz="2400" i="1">
-                            <a:latin typeface="Cambria Math"/>
+                            <a:latin typeface="Cambria Math" panose="02040503050406030204" pitchFamily="18" charset="0"/>
                             <a:ea typeface="Cambria Math"/>
                           </a:rPr>
                         </m:ctrlPr>
@@ -7725,7 +7686,7 @@
                       <m:sSubPr>
                         <m:ctrlPr>
                           <a:rPr lang="de-DE" sz="2400" i="1">
-                            <a:latin typeface="Cambria Math"/>
+                            <a:latin typeface="Cambria Math" panose="02040503050406030204" pitchFamily="18" charset="0"/>
                             <a:ea typeface="Cambria Math"/>
                           </a:rPr>
                         </m:ctrlPr>
@@ -7760,7 +7721,7 @@
                       <m:sSubPr>
                         <m:ctrlPr>
                           <a:rPr lang="de-DE" sz="2400" i="1">
-                            <a:latin typeface="Cambria Math"/>
+                            <a:latin typeface="Cambria Math" panose="02040503050406030204" pitchFamily="18" charset="0"/>
                             <a:ea typeface="Cambria Math"/>
                           </a:rPr>
                         </m:ctrlPr>
@@ -7811,7 +7772,7 @@
             </p:txBody>
           </p:sp>
         </mc:Choice>
-        <mc:Fallback>
+        <mc:Fallback xmlns="">
           <p:sp>
             <p:nvSpPr>
               <p:cNvPr id="7" name="Inhaltsplatzhalter 6"/>
@@ -7929,19 +7890,15 @@
             <a:pPr marL="0" indent="0">
               <a:buNone/>
             </a:pPr>
-            <a:endParaRPr lang="de-DE" dirty="0"/>
+            <a:endParaRPr lang="de-DE" dirty="0" smtClean="0"/>
           </a:p>
           <a:p>
             <a:pPr marL="0" indent="0">
               <a:buNone/>
             </a:pPr>
             <a:r>
-              <a:rPr lang="de-DE" dirty="0" smtClean="0">
-                <a:solidFill>
-                  <a:srgbClr val="FF0000"/>
-                </a:solidFill>
-              </a:rPr>
-              <a:t>@ Pat</a:t>
+              <a:rPr lang="de-DE" dirty="0" smtClean="0"/>
+              <a:t>Bundestagswahl:</a:t>
             </a:r>
           </a:p>
           <a:p>
@@ -7949,31 +7906,9 @@
               <a:buNone/>
             </a:pPr>
             <a:r>
-              <a:rPr lang="de-DE" dirty="0" smtClean="0">
-                <a:solidFill>
-                  <a:srgbClr val="FF0000"/>
-                </a:solidFill>
-              </a:rPr>
-              <a:t>@ Stefan</a:t>
+              <a:rPr lang="de-DE" dirty="0" smtClean="0"/>
+              <a:t>Um eine absolute Mehrheit zu erlangen müssen Koalitionen gebildet werden. Diese setzen sich aus den gewählten Parteien zusammen.</a:t>
             </a:r>
-          </a:p>
-          <a:p>
-            <a:pPr marL="0" indent="0">
-              <a:buNone/>
-            </a:pPr>
-            <a:r>
-              <a:rPr lang="de-DE" dirty="0" smtClean="0">
-                <a:solidFill>
-                  <a:srgbClr val="FF0000"/>
-                </a:solidFill>
-              </a:rPr>
-              <a:t>Einfügen!</a:t>
-            </a:r>
-          </a:p>
-          <a:p>
-            <a:pPr marL="0" indent="0">
-              <a:buNone/>
-            </a:pPr>
             <a:endParaRPr lang="de-DE" dirty="0"/>
           </a:p>
         </p:txBody>
@@ -8050,12 +7985,12 @@
               <a:buNone/>
             </a:pPr>
             <a:r>
-              <a:rPr lang="de-DE" dirty="0" smtClean="0">
-                <a:solidFill>
-                  <a:srgbClr val="FF0000"/>
-                </a:solidFill>
-              </a:rPr>
-              <a:t>@ Pat</a:t>
+              <a:rPr lang="de-DE" dirty="0" smtClean="0"/>
+              <a:t>WG-Wahl</a:t>
+            </a:r>
+            <a:r>
+              <a:rPr lang="de-DE" dirty="0" smtClean="0"/>
+              <a:t>:</a:t>
             </a:r>
           </a:p>
           <a:p>
@@ -8063,12 +7998,8 @@
               <a:buNone/>
             </a:pPr>
             <a:r>
-              <a:rPr lang="de-DE" dirty="0" smtClean="0">
-                <a:solidFill>
-                  <a:srgbClr val="FF0000"/>
-                </a:solidFill>
-              </a:rPr>
-              <a:t>@ Stefan</a:t>
+              <a:rPr lang="de-DE" dirty="0" smtClean="0"/>
+              <a:t>Mehrere Leute wollen in einem Ort wohnen. Es gibt mehrere Möglichkeiten:</a:t>
             </a:r>
           </a:p>
           <a:p>
@@ -8076,18 +8007,27 @@
               <a:buNone/>
             </a:pPr>
             <a:r>
-              <a:rPr lang="de-DE" dirty="0" smtClean="0">
-                <a:solidFill>
-                  <a:srgbClr val="FF0000"/>
-                </a:solidFill>
-              </a:rPr>
-              <a:t>Einfügen!</a:t>
+              <a:rPr lang="de-DE" dirty="0" smtClean="0"/>
+              <a:t>Jeder in einem Einzelappartement, zwei ziehen zusammen, drei ziehen zusammen, etc.</a:t>
             </a:r>
-            <a:endParaRPr lang="de-DE" dirty="0">
-              <a:solidFill>
-                <a:srgbClr val="FF0000"/>
-              </a:solidFill>
-            </a:endParaRPr>
+          </a:p>
+          <a:p>
+            <a:pPr marL="0" indent="0">
+              <a:buNone/>
+            </a:pPr>
+            <a:r>
+              <a:rPr lang="de-DE" dirty="0" smtClean="0"/>
+              <a:t>Bewertet wird das ganze nach den </a:t>
+            </a:r>
+            <a:r>
+              <a:rPr lang="de-DE" dirty="0" err="1" smtClean="0"/>
+              <a:t>Augaben</a:t>
+            </a:r>
+            <a:r>
+              <a:rPr lang="de-DE" dirty="0" smtClean="0"/>
+              <a:t> für die Wohnungen.</a:t>
+            </a:r>
+            <a:endParaRPr lang="de-DE" dirty="0"/>
           </a:p>
         </p:txBody>
       </p:sp>
@@ -8172,11 +8112,7 @@
             </a:r>
             <a:r>
               <a:rPr lang="de-DE" sz="2000" dirty="0" smtClean="0"/>
-              <a:t>erreichen</a:t>
-            </a:r>
-            <a:r>
-              <a:rPr lang="de-DE" sz="2000" dirty="0" smtClean="0"/>
-              <a:t>.</a:t>
+              <a:t>erreichen.</a:t>
             </a:r>
             <a:br>
               <a:rPr lang="de-DE" sz="2000" dirty="0" smtClean="0"/>
@@ -8189,31 +8125,7 @@
             </a:pPr>
             <a:r>
               <a:rPr lang="de-DE" sz="2000" dirty="0" smtClean="0"/>
-              <a:t>A hat 45 Stimmen zur Verfügung, B 25 und C und D jeweils 15. </a:t>
-            </a:r>
-            <a:r>
-              <a:rPr lang="de-DE" sz="2000" dirty="0" smtClean="0"/>
-              <a:t>Der </a:t>
-            </a:r>
-            <a:r>
-              <a:rPr lang="de-DE" sz="2000" dirty="0" smtClean="0"/>
-              <a:t>Wert einer Koalition besteht dann in der Menge des Geldes, die sie gemeinsam akquirieren kann. Modellieren Sie diese Situation als Koalitionsspiel und berechnen Sie die Shapley-Werte der beteiligten Agenten (bezogen auf die große Koalition {A, B, C, D}). Ist diese Koalition mit dem Shapley-Wert stabil oder gibt es eine Teilkoalition, die auch ohne andere Beteiligte auskommt </a:t>
-            </a:r>
-            <a:r>
-              <a:rPr lang="de-DE" sz="2000" dirty="0" smtClean="0"/>
-              <a:t>und für </a:t>
-            </a:r>
-            <a:r>
-              <a:rPr lang="de-DE" sz="2000" dirty="0" smtClean="0"/>
-              <a:t>alle daran beteiligten Agenten bessere </a:t>
-            </a:r>
-            <a:r>
-              <a:rPr lang="de-DE" sz="2000" dirty="0" smtClean="0"/>
-              <a:t>Pay-Offs </a:t>
-            </a:r>
-            <a:r>
-              <a:rPr lang="de-DE" sz="2000" dirty="0" smtClean="0"/>
-              <a:t>erzielen kann?</a:t>
+              <a:t>A hat 45 Stimmen zur Verfügung, B 25 und C und D jeweils 15. Der Wert einer Koalition besteht dann in der Menge des Geldes, die sie gemeinsam akquirieren kann. Modellieren Sie diese Situation als Koalitionsspiel und berechnen Sie die Shapley-Werte der beteiligten Agenten (bezogen auf die große Koalition {A, B, C, D}). Ist diese Koalition mit dem Shapley-Wert stabil oder gibt es eine Teilkoalition, die auch ohne andere Beteiligte auskommt und für alle daran beteiligten Agenten bessere Pay-Offs erzielen kann?</a:t>
             </a:r>
             <a:endParaRPr lang="de-DE" sz="2000" dirty="0"/>
           </a:p>
@@ -8272,8 +8184,8 @@
           </a:p>
         </p:txBody>
       </p:sp>
-      <mc:AlternateContent xmlns:mc="http://schemas.openxmlformats.org/markup-compatibility/2006">
-        <mc:Choice xmlns:a14="http://schemas.microsoft.com/office/drawing/2010/main" Requires="a14">
+      <mc:AlternateContent xmlns:mc="http://schemas.openxmlformats.org/markup-compatibility/2006" xmlns:a14="http://schemas.microsoft.com/office/drawing/2010/main">
+        <mc:Choice Requires="a14">
           <p:sp>
             <p:nvSpPr>
               <p:cNvPr id="3" name="Inhaltsplatzhalter 2"/>
@@ -8360,7 +8272,7 @@
                             <a:solidFill>
                               <a:srgbClr val="0070C0"/>
                             </a:solidFill>
-                            <a:latin typeface="Cambria Math"/>
+                            <a:latin typeface="Cambria Math" panose="02040503050406030204" pitchFamily="18" charset="0"/>
                           </a:rPr>
                         </m:ctrlPr>
                       </m:dPr>
@@ -8374,7 +8286,7 @@
                                 <a:solidFill>
                                   <a:srgbClr val="0070C0"/>
                                 </a:solidFill>
-                                <a:latin typeface="Cambria Math"/>
+                                <a:latin typeface="Cambria Math" panose="02040503050406030204" pitchFamily="18" charset="0"/>
                               </a:rPr>
                             </m:ctrlPr>
                           </m:dPr>
@@ -8408,7 +8320,7 @@
                                 <a:solidFill>
                                   <a:srgbClr val="0070C0"/>
                                 </a:solidFill>
-                                <a:latin typeface="Cambria Math"/>
+                                <a:latin typeface="Cambria Math" panose="02040503050406030204" pitchFamily="18" charset="0"/>
                               </a:rPr>
                             </m:ctrlPr>
                           </m:dPr>
@@ -8473,11 +8385,11 @@
                         <m:begChr m:val="["/>
                         <m:endChr m:val="]"/>
                         <m:ctrlPr>
-                          <a:rPr lang="de-DE" sz="1600" dirty="0">
+                          <a:rPr lang="de-DE" sz="1600" i="1" dirty="0">
                             <a:solidFill>
                               <a:srgbClr val="00B050"/>
                             </a:solidFill>
-                            <a:latin typeface="Cambria Math"/>
+                            <a:latin typeface="Cambria Math" panose="02040503050406030204" pitchFamily="18" charset="0"/>
                           </a:rPr>
                         </m:ctrlPr>
                       </m:dPr>
@@ -8498,7 +8410,7 @@
                                 <a:solidFill>
                                   <a:srgbClr val="00B050"/>
                                 </a:solidFill>
-                                <a:latin typeface="Cambria Math"/>
+                                <a:latin typeface="Cambria Math" panose="02040503050406030204" pitchFamily="18" charset="0"/>
                               </a:rPr>
                             </m:ctrlPr>
                           </m:dPr>
@@ -8530,7 +8442,7 @@
                                     <a:solidFill>
                                       <a:srgbClr val="00B050"/>
                                     </a:solidFill>
-                                    <a:latin typeface="Cambria Math"/>
+                                    <a:latin typeface="Cambria Math" panose="02040503050406030204" pitchFamily="18" charset="0"/>
                                   </a:rPr>
                                 </m:ctrlPr>
                               </m:dPr>
@@ -8573,7 +8485,7 @@
                                 <a:solidFill>
                                   <a:srgbClr val="00B050"/>
                                 </a:solidFill>
-                                <a:latin typeface="Cambria Math"/>
+                                <a:latin typeface="Cambria Math" panose="02040503050406030204" pitchFamily="18" charset="0"/>
                               </a:rPr>
                             </m:ctrlPr>
                           </m:dPr>
@@ -8659,7 +8571,7 @@
                       <m:dPr>
                         <m:ctrlPr>
                           <a:rPr lang="de-DE" sz="1400" b="0" i="1" smtClean="0">
-                            <a:latin typeface="Cambria Math"/>
+                            <a:latin typeface="Cambria Math" panose="02040503050406030204" pitchFamily="18" charset="0"/>
                           </a:rPr>
                         </m:ctrlPr>
                       </m:dPr>
@@ -8670,7 +8582,7 @@
                             <m:endChr m:val="|"/>
                             <m:ctrlPr>
                               <a:rPr lang="de-DE" sz="1400" b="0" i="1" smtClean="0">
-                                <a:latin typeface="Cambria Math"/>
+                                <a:latin typeface="Cambria Math" panose="02040503050406030204" pitchFamily="18" charset="0"/>
                               </a:rPr>
                             </m:ctrlPr>
                           </m:dPr>
@@ -8681,7 +8593,7 @@
                                 <m:endChr m:val="}"/>
                                 <m:ctrlPr>
                                   <a:rPr lang="de-DE" sz="1400" b="0" i="1" smtClean="0">
-                                    <a:latin typeface="Cambria Math"/>
+                                    <a:latin typeface="Cambria Math" panose="02040503050406030204" pitchFamily="18" charset="0"/>
                                   </a:rPr>
                                 </m:ctrlPr>
                               </m:dPr>
@@ -8744,7 +8656,7 @@
                             <m:endChr m:val="|"/>
                             <m:ctrlPr>
                               <a:rPr lang="de-DE" sz="1400" b="0" i="1" smtClean="0">
-                                <a:latin typeface="Cambria Math"/>
+                                <a:latin typeface="Cambria Math" panose="02040503050406030204" pitchFamily="18" charset="0"/>
                               </a:rPr>
                             </m:ctrlPr>
                           </m:dPr>
@@ -8807,7 +8719,7 @@
                       <m:dPr>
                         <m:ctrlPr>
                           <a:rPr lang="de-DE" sz="1400" b="0" i="1" dirty="0" smtClean="0">
-                            <a:latin typeface="Cambria Math"/>
+                            <a:latin typeface="Cambria Math" panose="02040503050406030204" pitchFamily="18" charset="0"/>
                           </a:rPr>
                         </m:ctrlPr>
                       </m:dPr>
@@ -8824,7 +8736,7 @@
                             <m:endChr m:val="}"/>
                             <m:ctrlPr>
                               <a:rPr lang="de-DE" sz="1400" b="0" i="1" dirty="0" smtClean="0">
-                                <a:latin typeface="Cambria Math"/>
+                                <a:latin typeface="Cambria Math" panose="02040503050406030204" pitchFamily="18" charset="0"/>
                               </a:rPr>
                             </m:ctrlPr>
                           </m:dPr>
@@ -8855,7 +8767,7 @@
                       <m:dPr>
                         <m:ctrlPr>
                           <a:rPr lang="de-DE" sz="1400" b="0" i="1" dirty="0" smtClean="0">
-                            <a:latin typeface="Cambria Math"/>
+                            <a:latin typeface="Cambria Math" panose="02040503050406030204" pitchFamily="18" charset="0"/>
                           </a:rPr>
                         </m:ctrlPr>
                       </m:dPr>
@@ -8946,7 +8858,7 @@
                       <m:dPr>
                         <m:ctrlPr>
                           <a:rPr lang="de-DE" sz="1400" i="1">
-                            <a:latin typeface="Cambria Math"/>
+                            <a:latin typeface="Cambria Math" panose="02040503050406030204" pitchFamily="18" charset="0"/>
                           </a:rPr>
                         </m:ctrlPr>
                       </m:dPr>
@@ -8957,7 +8869,7 @@
                             <m:endChr m:val="|"/>
                             <m:ctrlPr>
                               <a:rPr lang="de-DE" sz="1400" i="1">
-                                <a:latin typeface="Cambria Math"/>
+                                <a:latin typeface="Cambria Math" panose="02040503050406030204" pitchFamily="18" charset="0"/>
                               </a:rPr>
                             </m:ctrlPr>
                           </m:dPr>
@@ -8968,7 +8880,7 @@
                                 <m:endChr m:val="}"/>
                                 <m:ctrlPr>
                                   <a:rPr lang="de-DE" sz="1400" i="1">
-                                    <a:latin typeface="Cambria Math"/>
+                                    <a:latin typeface="Cambria Math" panose="02040503050406030204" pitchFamily="18" charset="0"/>
                                   </a:rPr>
                                 </m:ctrlPr>
                               </m:dPr>
@@ -9031,7 +8943,7 @@
                             <m:endChr m:val="|"/>
                             <m:ctrlPr>
                               <a:rPr lang="de-DE" sz="1400" i="1">
-                                <a:latin typeface="Cambria Math"/>
+                                <a:latin typeface="Cambria Math" panose="02040503050406030204" pitchFamily="18" charset="0"/>
                               </a:rPr>
                             </m:ctrlPr>
                           </m:dPr>
@@ -9098,7 +9010,7 @@
                       <m:dPr>
                         <m:ctrlPr>
                           <a:rPr lang="de-DE" sz="1400" i="1" dirty="0">
-                            <a:latin typeface="Cambria Math"/>
+                            <a:latin typeface="Cambria Math" panose="02040503050406030204" pitchFamily="18" charset="0"/>
                           </a:rPr>
                         </m:ctrlPr>
                       </m:dPr>
@@ -9127,7 +9039,7 @@
                             <m:endChr m:val="}"/>
                             <m:ctrlPr>
                               <a:rPr lang="de-DE" sz="1400" i="1" dirty="0">
-                                <a:latin typeface="Cambria Math"/>
+                                <a:latin typeface="Cambria Math" panose="02040503050406030204" pitchFamily="18" charset="0"/>
                               </a:rPr>
                             </m:ctrlPr>
                           </m:dPr>
@@ -9158,7 +9070,7 @@
                       <m:dPr>
                         <m:ctrlPr>
                           <a:rPr lang="de-DE" sz="1400" i="1" dirty="0">
-                            <a:latin typeface="Cambria Math"/>
+                            <a:latin typeface="Cambria Math" panose="02040503050406030204" pitchFamily="18" charset="0"/>
                           </a:rPr>
                         </m:ctrlPr>
                       </m:dPr>
@@ -9261,7 +9173,7 @@
                       <m:dPr>
                         <m:ctrlPr>
                           <a:rPr lang="de-DE" sz="1400" i="1">
-                            <a:latin typeface="Cambria Math"/>
+                            <a:latin typeface="Cambria Math" panose="02040503050406030204" pitchFamily="18" charset="0"/>
                           </a:rPr>
                         </m:ctrlPr>
                       </m:dPr>
@@ -9272,7 +9184,7 @@
                             <m:endChr m:val="|"/>
                             <m:ctrlPr>
                               <a:rPr lang="de-DE" sz="1400" i="1">
-                                <a:latin typeface="Cambria Math"/>
+                                <a:latin typeface="Cambria Math" panose="02040503050406030204" pitchFamily="18" charset="0"/>
                               </a:rPr>
                             </m:ctrlPr>
                           </m:dPr>
@@ -9283,7 +9195,7 @@
                                 <m:endChr m:val="}"/>
                                 <m:ctrlPr>
                                   <a:rPr lang="de-DE" sz="1400" i="1">
-                                    <a:latin typeface="Cambria Math"/>
+                                    <a:latin typeface="Cambria Math" panose="02040503050406030204" pitchFamily="18" charset="0"/>
                                   </a:rPr>
                                 </m:ctrlPr>
                               </m:dPr>
@@ -9346,7 +9258,7 @@
                             <m:endChr m:val="|"/>
                             <m:ctrlPr>
                               <a:rPr lang="de-DE" sz="1400" i="1">
-                                <a:latin typeface="Cambria Math"/>
+                                <a:latin typeface="Cambria Math" panose="02040503050406030204" pitchFamily="18" charset="0"/>
                               </a:rPr>
                             </m:ctrlPr>
                           </m:dPr>
@@ -9419,7 +9331,7 @@
                       <m:dPr>
                         <m:ctrlPr>
                           <a:rPr lang="de-DE" sz="1400" i="1" dirty="0">
-                            <a:latin typeface="Cambria Math"/>
+                            <a:latin typeface="Cambria Math" panose="02040503050406030204" pitchFamily="18" charset="0"/>
                           </a:rPr>
                         </m:ctrlPr>
                       </m:dPr>
@@ -9448,7 +9360,7 @@
                             <m:endChr m:val="}"/>
                             <m:ctrlPr>
                               <a:rPr lang="de-DE" sz="1400" i="1" dirty="0">
-                                <a:latin typeface="Cambria Math"/>
+                                <a:latin typeface="Cambria Math" panose="02040503050406030204" pitchFamily="18" charset="0"/>
                               </a:rPr>
                             </m:ctrlPr>
                           </m:dPr>
@@ -9479,7 +9391,7 @@
                       <m:dPr>
                         <m:ctrlPr>
                           <a:rPr lang="de-DE" sz="1400" i="1" dirty="0">
-                            <a:latin typeface="Cambria Math"/>
+                            <a:latin typeface="Cambria Math" panose="02040503050406030204" pitchFamily="18" charset="0"/>
                           </a:rPr>
                         </m:ctrlPr>
                       </m:dPr>
@@ -9587,7 +9499,7 @@
                       <m:dPr>
                         <m:ctrlPr>
                           <a:rPr lang="de-DE" sz="1400" i="1">
-                            <a:latin typeface="Cambria Math"/>
+                            <a:latin typeface="Cambria Math" panose="02040503050406030204" pitchFamily="18" charset="0"/>
                           </a:rPr>
                         </m:ctrlPr>
                       </m:dPr>
@@ -9598,7 +9510,7 @@
                             <m:endChr m:val="|"/>
                             <m:ctrlPr>
                               <a:rPr lang="de-DE" sz="1400" i="1">
-                                <a:latin typeface="Cambria Math"/>
+                                <a:latin typeface="Cambria Math" panose="02040503050406030204" pitchFamily="18" charset="0"/>
                               </a:rPr>
                             </m:ctrlPr>
                           </m:dPr>
@@ -9609,7 +9521,7 @@
                                 <m:endChr m:val="}"/>
                                 <m:ctrlPr>
                                   <a:rPr lang="de-DE" sz="1400" i="1">
-                                    <a:latin typeface="Cambria Math"/>
+                                    <a:latin typeface="Cambria Math" panose="02040503050406030204" pitchFamily="18" charset="0"/>
                                   </a:rPr>
                                 </m:ctrlPr>
                               </m:dPr>
@@ -9672,7 +9584,7 @@
                             <m:endChr m:val="|"/>
                             <m:ctrlPr>
                               <a:rPr lang="de-DE" sz="1400" i="1">
-                                <a:latin typeface="Cambria Math"/>
+                                <a:latin typeface="Cambria Math" panose="02040503050406030204" pitchFamily="18" charset="0"/>
                               </a:rPr>
                             </m:ctrlPr>
                           </m:dPr>
@@ -9728,8 +9640,8 @@
                         <m:begChr m:val="["/>
                         <m:endChr m:val="]"/>
                         <m:ctrlPr>
-                          <a:rPr lang="de-DE" sz="1400" dirty="0">
-                            <a:latin typeface="Cambria Math"/>
+                          <a:rPr lang="de-DE" sz="1400" i="1" dirty="0">
+                            <a:latin typeface="Cambria Math" panose="02040503050406030204" pitchFamily="18" charset="0"/>
                           </a:rPr>
                         </m:ctrlPr>
                       </m:dPr>
@@ -9744,7 +9656,7 @@
                           <m:dPr>
                             <m:ctrlPr>
                               <a:rPr lang="de-DE" sz="1400" i="1" dirty="0">
-                                <a:latin typeface="Cambria Math"/>
+                                <a:latin typeface="Cambria Math" panose="02040503050406030204" pitchFamily="18" charset="0"/>
                               </a:rPr>
                             </m:ctrlPr>
                           </m:dPr>
@@ -9755,7 +9667,7 @@
                                 <m:endChr m:val="}"/>
                                 <m:ctrlPr>
                                   <a:rPr lang="de-DE" sz="1400" b="0" i="1" dirty="0" smtClean="0">
-                                    <a:latin typeface="Cambria Math"/>
+                                    <a:latin typeface="Cambria Math" panose="02040503050406030204" pitchFamily="18" charset="0"/>
                                   </a:rPr>
                                 </m:ctrlPr>
                               </m:dPr>
@@ -9780,7 +9692,7 @@
                                 <m:endChr m:val="}"/>
                                 <m:ctrlPr>
                                   <a:rPr lang="de-DE" sz="1400" i="1" dirty="0">
-                                    <a:latin typeface="Cambria Math"/>
+                                    <a:latin typeface="Cambria Math" panose="02040503050406030204" pitchFamily="18" charset="0"/>
                                   </a:rPr>
                                 </m:ctrlPr>
                               </m:dPr>
@@ -9811,7 +9723,7 @@
                           <m:dPr>
                             <m:ctrlPr>
                               <a:rPr lang="de-DE" sz="1400" i="1" dirty="0">
-                                <a:latin typeface="Cambria Math"/>
+                                <a:latin typeface="Cambria Math" panose="02040503050406030204" pitchFamily="18" charset="0"/>
                               </a:rPr>
                             </m:ctrlPr>
                           </m:dPr>
@@ -9822,7 +9734,7 @@
                                 <m:endChr m:val="}"/>
                                 <m:ctrlPr>
                                   <a:rPr lang="de-DE" sz="1400" b="0" i="1" dirty="0" smtClean="0">
-                                    <a:latin typeface="Cambria Math"/>
+                                    <a:latin typeface="Cambria Math" panose="02040503050406030204" pitchFamily="18" charset="0"/>
                                   </a:rPr>
                                 </m:ctrlPr>
                               </m:dPr>
@@ -9937,7 +9849,7 @@
                       <m:dPr>
                         <m:ctrlPr>
                           <a:rPr lang="de-DE" sz="1400" i="1">
-                            <a:latin typeface="Cambria Math"/>
+                            <a:latin typeface="Cambria Math" panose="02040503050406030204" pitchFamily="18" charset="0"/>
                           </a:rPr>
                         </m:ctrlPr>
                       </m:dPr>
@@ -9948,7 +9860,7 @@
                             <m:endChr m:val="|"/>
                             <m:ctrlPr>
                               <a:rPr lang="de-DE" sz="1400" i="1">
-                                <a:latin typeface="Cambria Math"/>
+                                <a:latin typeface="Cambria Math" panose="02040503050406030204" pitchFamily="18" charset="0"/>
                               </a:rPr>
                             </m:ctrlPr>
                           </m:dPr>
@@ -9959,7 +9871,7 @@
                                 <m:endChr m:val="}"/>
                                 <m:ctrlPr>
                                   <a:rPr lang="de-DE" sz="1400" i="1">
-                                    <a:latin typeface="Cambria Math"/>
+                                    <a:latin typeface="Cambria Math" panose="02040503050406030204" pitchFamily="18" charset="0"/>
                                   </a:rPr>
                                 </m:ctrlPr>
                               </m:dPr>
@@ -10022,7 +9934,7 @@
                             <m:endChr m:val="|"/>
                             <m:ctrlPr>
                               <a:rPr lang="de-DE" sz="1400" i="1">
-                                <a:latin typeface="Cambria Math"/>
+                                <a:latin typeface="Cambria Math" panose="02040503050406030204" pitchFamily="18" charset="0"/>
                               </a:rPr>
                             </m:ctrlPr>
                           </m:dPr>
@@ -10109,7 +10021,7 @@
                       <m:dPr>
                         <m:ctrlPr>
                           <a:rPr lang="de-DE" sz="1400" i="1" dirty="0">
-                            <a:latin typeface="Cambria Math"/>
+                            <a:latin typeface="Cambria Math" panose="02040503050406030204" pitchFamily="18" charset="0"/>
                           </a:rPr>
                         </m:ctrlPr>
                       </m:dPr>
@@ -10150,7 +10062,7 @@
                             <m:endChr m:val="}"/>
                             <m:ctrlPr>
                               <a:rPr lang="de-DE" sz="1400" i="1" dirty="0">
-                                <a:latin typeface="Cambria Math"/>
+                                <a:latin typeface="Cambria Math" panose="02040503050406030204" pitchFamily="18" charset="0"/>
                               </a:rPr>
                             </m:ctrlPr>
                           </m:dPr>
@@ -10181,7 +10093,7 @@
                       <m:dPr>
                         <m:ctrlPr>
                           <a:rPr lang="de-DE" sz="1400" i="1" dirty="0">
-                            <a:latin typeface="Cambria Math"/>
+                            <a:latin typeface="Cambria Math" panose="02040503050406030204" pitchFamily="18" charset="0"/>
                           </a:rPr>
                         </m:ctrlPr>
                       </m:dPr>
@@ -10323,7 +10235,7 @@
                       <m:dPr>
                         <m:ctrlPr>
                           <a:rPr lang="de-DE" sz="1400" i="1">
-                            <a:latin typeface="Cambria Math"/>
+                            <a:latin typeface="Cambria Math" panose="02040503050406030204" pitchFamily="18" charset="0"/>
                           </a:rPr>
                         </m:ctrlPr>
                       </m:dPr>
@@ -10334,7 +10246,7 @@
                             <m:endChr m:val="|"/>
                             <m:ctrlPr>
                               <a:rPr lang="de-DE" sz="1400" i="1">
-                                <a:latin typeface="Cambria Math"/>
+                                <a:latin typeface="Cambria Math" panose="02040503050406030204" pitchFamily="18" charset="0"/>
                               </a:rPr>
                             </m:ctrlPr>
                           </m:dPr>
@@ -10345,7 +10257,7 @@
                                 <m:endChr m:val="}"/>
                                 <m:ctrlPr>
                                   <a:rPr lang="de-DE" sz="1400" i="1">
-                                    <a:latin typeface="Cambria Math"/>
+                                    <a:latin typeface="Cambria Math" panose="02040503050406030204" pitchFamily="18" charset="0"/>
                                   </a:rPr>
                                 </m:ctrlPr>
                               </m:dPr>
@@ -10408,7 +10320,7 @@
                             <m:endChr m:val="|"/>
                             <m:ctrlPr>
                               <a:rPr lang="de-DE" sz="1400" i="1">
-                                <a:latin typeface="Cambria Math"/>
+                                <a:latin typeface="Cambria Math" panose="02040503050406030204" pitchFamily="18" charset="0"/>
                               </a:rPr>
                             </m:ctrlPr>
                           </m:dPr>
@@ -10495,7 +10407,7 @@
                       <m:dPr>
                         <m:ctrlPr>
                           <a:rPr lang="de-DE" sz="1400" i="1" dirty="0">
-                            <a:latin typeface="Cambria Math"/>
+                            <a:latin typeface="Cambria Math" panose="02040503050406030204" pitchFamily="18" charset="0"/>
                           </a:rPr>
                         </m:ctrlPr>
                       </m:dPr>
@@ -10536,7 +10448,7 @@
                             <m:endChr m:val="}"/>
                             <m:ctrlPr>
                               <a:rPr lang="de-DE" sz="1400" i="1" dirty="0">
-                                <a:latin typeface="Cambria Math"/>
+                                <a:latin typeface="Cambria Math" panose="02040503050406030204" pitchFamily="18" charset="0"/>
                               </a:rPr>
                             </m:ctrlPr>
                           </m:dPr>
@@ -10567,7 +10479,7 @@
                       <m:dPr>
                         <m:ctrlPr>
                           <a:rPr lang="de-DE" sz="1400" i="1" dirty="0">
-                            <a:latin typeface="Cambria Math"/>
+                            <a:latin typeface="Cambria Math" panose="02040503050406030204" pitchFamily="18" charset="0"/>
                           </a:rPr>
                         </m:ctrlPr>
                       </m:dPr>
@@ -10705,7 +10617,7 @@
                       <m:dPr>
                         <m:ctrlPr>
                           <a:rPr lang="de-DE" sz="1400" i="1">
-                            <a:latin typeface="Cambria Math"/>
+                            <a:latin typeface="Cambria Math" panose="02040503050406030204" pitchFamily="18" charset="0"/>
                           </a:rPr>
                         </m:ctrlPr>
                       </m:dPr>
@@ -10716,7 +10628,7 @@
                             <m:endChr m:val="|"/>
                             <m:ctrlPr>
                               <a:rPr lang="de-DE" sz="1400" i="1">
-                                <a:latin typeface="Cambria Math"/>
+                                <a:latin typeface="Cambria Math" panose="02040503050406030204" pitchFamily="18" charset="0"/>
                               </a:rPr>
                             </m:ctrlPr>
                           </m:dPr>
@@ -10727,7 +10639,7 @@
                                 <m:endChr m:val="}"/>
                                 <m:ctrlPr>
                                   <a:rPr lang="de-DE" sz="1400" i="1">
-                                    <a:latin typeface="Cambria Math"/>
+                                    <a:latin typeface="Cambria Math" panose="02040503050406030204" pitchFamily="18" charset="0"/>
                                   </a:rPr>
                                 </m:ctrlPr>
                               </m:dPr>
@@ -10790,7 +10702,7 @@
                             <m:endChr m:val="|"/>
                             <m:ctrlPr>
                               <a:rPr lang="de-DE" sz="1400" i="1">
-                                <a:latin typeface="Cambria Math"/>
+                                <a:latin typeface="Cambria Math" panose="02040503050406030204" pitchFamily="18" charset="0"/>
                               </a:rPr>
                             </m:ctrlPr>
                           </m:dPr>
@@ -10877,7 +10789,7 @@
                       <m:dPr>
                         <m:ctrlPr>
                           <a:rPr lang="de-DE" sz="1400" i="1" dirty="0">
-                            <a:latin typeface="Cambria Math"/>
+                            <a:latin typeface="Cambria Math" panose="02040503050406030204" pitchFamily="18" charset="0"/>
                           </a:rPr>
                         </m:ctrlPr>
                       </m:dPr>
@@ -10918,7 +10830,7 @@
                             <m:endChr m:val="}"/>
                             <m:ctrlPr>
                               <a:rPr lang="de-DE" sz="1400" i="1" dirty="0">
-                                <a:latin typeface="Cambria Math"/>
+                                <a:latin typeface="Cambria Math" panose="02040503050406030204" pitchFamily="18" charset="0"/>
                               </a:rPr>
                             </m:ctrlPr>
                           </m:dPr>
@@ -10949,7 +10861,7 @@
                       <m:dPr>
                         <m:ctrlPr>
                           <a:rPr lang="de-DE" sz="1400" i="1" dirty="0">
-                            <a:latin typeface="Cambria Math"/>
+                            <a:latin typeface="Cambria Math" panose="02040503050406030204" pitchFamily="18" charset="0"/>
                           </a:rPr>
                         </m:ctrlPr>
                       </m:dPr>
@@ -11105,7 +11017,7 @@
                       <m:dPr>
                         <m:ctrlPr>
                           <a:rPr lang="de-DE" sz="1400" i="1">
-                            <a:latin typeface="Cambria Math"/>
+                            <a:latin typeface="Cambria Math" panose="02040503050406030204" pitchFamily="18" charset="0"/>
                           </a:rPr>
                         </m:ctrlPr>
                       </m:dPr>
@@ -11116,7 +11028,7 @@
                             <m:endChr m:val="|"/>
                             <m:ctrlPr>
                               <a:rPr lang="de-DE" sz="1400" i="1">
-                                <a:latin typeface="Cambria Math"/>
+                                <a:latin typeface="Cambria Math" panose="02040503050406030204" pitchFamily="18" charset="0"/>
                               </a:rPr>
                             </m:ctrlPr>
                           </m:dPr>
@@ -11127,7 +11039,7 @@
                                 <m:endChr m:val="}"/>
                                 <m:ctrlPr>
                                   <a:rPr lang="de-DE" sz="1400" i="1">
-                                    <a:latin typeface="Cambria Math"/>
+                                    <a:latin typeface="Cambria Math" panose="02040503050406030204" pitchFamily="18" charset="0"/>
                                   </a:rPr>
                                 </m:ctrlPr>
                               </m:dPr>
@@ -11190,7 +11102,7 @@
                             <m:endChr m:val="|"/>
                             <m:ctrlPr>
                               <a:rPr lang="de-DE" sz="1400" i="1">
-                                <a:latin typeface="Cambria Math"/>
+                                <a:latin typeface="Cambria Math" panose="02040503050406030204" pitchFamily="18" charset="0"/>
                               </a:rPr>
                             </m:ctrlPr>
                           </m:dPr>
@@ -11289,7 +11201,7 @@
                       <m:dPr>
                         <m:ctrlPr>
                           <a:rPr lang="de-DE" sz="1400" i="1" dirty="0">
-                            <a:latin typeface="Cambria Math"/>
+                            <a:latin typeface="Cambria Math" panose="02040503050406030204" pitchFamily="18" charset="0"/>
                           </a:rPr>
                         </m:ctrlPr>
                       </m:dPr>
@@ -11342,7 +11254,7 @@
                             <m:endChr m:val="}"/>
                             <m:ctrlPr>
                               <a:rPr lang="de-DE" sz="1400" i="1" dirty="0">
-                                <a:latin typeface="Cambria Math"/>
+                                <a:latin typeface="Cambria Math" panose="02040503050406030204" pitchFamily="18" charset="0"/>
                               </a:rPr>
                             </m:ctrlPr>
                           </m:dPr>
@@ -11373,7 +11285,7 @@
                       <m:dPr>
                         <m:ctrlPr>
                           <a:rPr lang="de-DE" sz="1400" i="1" dirty="0">
-                            <a:latin typeface="Cambria Math"/>
+                            <a:latin typeface="Cambria Math" panose="02040503050406030204" pitchFamily="18" charset="0"/>
                           </a:rPr>
                         </m:ctrlPr>
                       </m:dPr>
@@ -11471,7 +11383,7 @@
                         <m:sSubPr>
                           <m:ctrlPr>
                             <a:rPr lang="de-DE" sz="2000" i="1" smtClean="0">
-                              <a:latin typeface="Cambria Math"/>
+                              <a:latin typeface="Cambria Math" panose="02040503050406030204" pitchFamily="18" charset="0"/>
                             </a:rPr>
                           </m:ctrlPr>
                         </m:sSubPr>
@@ -11499,7 +11411,7 @@
                         <m:dPr>
                           <m:ctrlPr>
                             <a:rPr lang="de-DE" sz="2000" b="0" i="1" smtClean="0">
-                              <a:latin typeface="Cambria Math"/>
+                              <a:latin typeface="Cambria Math" panose="02040503050406030204" pitchFamily="18" charset="0"/>
                             </a:rPr>
                           </m:ctrlPr>
                         </m:dPr>
@@ -11522,7 +11434,7 @@
                         <m:fPr>
                           <m:ctrlPr>
                             <a:rPr lang="de-DE" sz="2000" b="0" i="1" smtClean="0">
-                              <a:latin typeface="Cambria Math"/>
+                              <a:latin typeface="Cambria Math" panose="02040503050406030204" pitchFamily="18" charset="0"/>
                             </a:rPr>
                           </m:ctrlPr>
                         </m:fPr>
@@ -11553,7 +11465,7 @@
                         <m:dPr>
                           <m:ctrlPr>
                             <a:rPr lang="de-DE" sz="2000" b="0" i="1" smtClean="0">
-                              <a:latin typeface="Cambria Math"/>
+                              <a:latin typeface="Cambria Math" panose="02040503050406030204" pitchFamily="18" charset="0"/>
                             </a:rPr>
                           </m:ctrlPr>
                         </m:dPr>
@@ -11576,7 +11488,7 @@
                         <m:fPr>
                           <m:ctrlPr>
                             <a:rPr lang="de-DE" sz="2000" b="0" i="1" smtClean="0">
-                              <a:latin typeface="Cambria Math"/>
+                              <a:latin typeface="Cambria Math" panose="02040503050406030204" pitchFamily="18" charset="0"/>
                             </a:rPr>
                           </m:ctrlPr>
                         </m:fPr>
@@ -11605,7 +11517,7 @@
             </p:txBody>
           </p:sp>
         </mc:Choice>
-        <mc:Fallback>
+        <mc:Fallback xmlns="">
           <p:sp>
             <p:nvSpPr>
               <p:cNvPr id="3" name="Inhaltsplatzhalter 2"/>
@@ -11726,8 +11638,8 @@
           </a:p>
         </p:txBody>
       </p:sp>
-      <mc:AlternateContent xmlns:mc="http://schemas.openxmlformats.org/markup-compatibility/2006">
-        <mc:Choice xmlns:a14="http://schemas.microsoft.com/office/drawing/2010/main" Requires="a14">
+      <mc:AlternateContent xmlns:mc="http://schemas.openxmlformats.org/markup-compatibility/2006" xmlns:a14="http://schemas.microsoft.com/office/drawing/2010/main">
+        <mc:Choice Requires="a14">
           <p:sp>
             <p:nvSpPr>
               <p:cNvPr id="3" name="Inhaltsplatzhalter 2"/>
@@ -11761,7 +11673,7 @@
                         <m:sSubPr>
                           <m:ctrlPr>
                             <a:rPr lang="de-DE" sz="2000" i="1" smtClean="0">
-                              <a:latin typeface="Cambria Math"/>
+                              <a:latin typeface="Cambria Math" panose="02040503050406030204" pitchFamily="18" charset="0"/>
                             </a:rPr>
                           </m:ctrlPr>
                         </m:sSubPr>
@@ -11789,7 +11701,7 @@
                         <m:dPr>
                           <m:ctrlPr>
                             <a:rPr lang="de-DE" sz="2000" b="0" i="1" smtClean="0">
-                              <a:latin typeface="Cambria Math"/>
+                              <a:latin typeface="Cambria Math" panose="02040503050406030204" pitchFamily="18" charset="0"/>
                             </a:rPr>
                           </m:ctrlPr>
                         </m:dPr>
@@ -11812,7 +11724,7 @@
                         <m:fPr>
                           <m:ctrlPr>
                             <a:rPr lang="de-DE" sz="2000" b="0" i="1" smtClean="0">
-                              <a:latin typeface="Cambria Math"/>
+                              <a:latin typeface="Cambria Math" panose="02040503050406030204" pitchFamily="18" charset="0"/>
                             </a:rPr>
                           </m:ctrlPr>
                         </m:fPr>
@@ -11843,7 +11755,7 @@
                         <m:dPr>
                           <m:ctrlPr>
                             <a:rPr lang="de-DE" sz="2000" b="0" i="1" smtClean="0">
-                              <a:latin typeface="Cambria Math"/>
+                              <a:latin typeface="Cambria Math" panose="02040503050406030204" pitchFamily="18" charset="0"/>
                             </a:rPr>
                           </m:ctrlPr>
                         </m:dPr>
@@ -11866,7 +11778,7 @@
                         <m:fPr>
                           <m:ctrlPr>
                             <a:rPr lang="de-DE" sz="2000" b="0" i="1" smtClean="0">
-                              <a:latin typeface="Cambria Math"/>
+                              <a:latin typeface="Cambria Math" panose="02040503050406030204" pitchFamily="18" charset="0"/>
                             </a:rPr>
                           </m:ctrlPr>
                         </m:fPr>
@@ -11906,7 +11818,7 @@
                         <m:sSubPr>
                           <m:ctrlPr>
                             <a:rPr lang="de-DE" sz="2000" i="1">
-                              <a:latin typeface="Cambria Math"/>
+                              <a:latin typeface="Cambria Math" panose="02040503050406030204" pitchFamily="18" charset="0"/>
                             </a:rPr>
                           </m:ctrlPr>
                         </m:sSubPr>
@@ -11934,7 +11846,7 @@
                         <m:dPr>
                           <m:ctrlPr>
                             <a:rPr lang="de-DE" sz="2000" i="1">
-                              <a:latin typeface="Cambria Math"/>
+                              <a:latin typeface="Cambria Math" panose="02040503050406030204" pitchFamily="18" charset="0"/>
                             </a:rPr>
                           </m:ctrlPr>
                         </m:dPr>
@@ -11957,7 +11869,7 @@
                         <m:fPr>
                           <m:ctrlPr>
                             <a:rPr lang="de-DE" sz="2000" i="1">
-                              <a:latin typeface="Cambria Math"/>
+                              <a:latin typeface="Cambria Math" panose="02040503050406030204" pitchFamily="18" charset="0"/>
                             </a:rPr>
                           </m:ctrlPr>
                         </m:fPr>
@@ -11997,7 +11909,7 @@
                         <m:sSubPr>
                           <m:ctrlPr>
                             <a:rPr lang="de-DE" sz="2000" i="1">
-                              <a:latin typeface="Cambria Math"/>
+                              <a:latin typeface="Cambria Math" panose="02040503050406030204" pitchFamily="18" charset="0"/>
                             </a:rPr>
                           </m:ctrlPr>
                         </m:sSubPr>
@@ -12025,7 +11937,7 @@
                         <m:dPr>
                           <m:ctrlPr>
                             <a:rPr lang="de-DE" sz="2000" i="1">
-                              <a:latin typeface="Cambria Math"/>
+                              <a:latin typeface="Cambria Math" panose="02040503050406030204" pitchFamily="18" charset="0"/>
                             </a:rPr>
                           </m:ctrlPr>
                         </m:dPr>
@@ -12048,7 +11960,7 @@
                         <m:fPr>
                           <m:ctrlPr>
                             <a:rPr lang="de-DE" sz="2000" i="1">
-                              <a:latin typeface="Cambria Math"/>
+                              <a:latin typeface="Cambria Math" panose="02040503050406030204" pitchFamily="18" charset="0"/>
                             </a:rPr>
                           </m:ctrlPr>
                         </m:fPr>
@@ -12088,7 +12000,7 @@
                         <m:sSubPr>
                           <m:ctrlPr>
                             <a:rPr lang="de-DE" sz="2000" i="1">
-                              <a:latin typeface="Cambria Math"/>
+                              <a:latin typeface="Cambria Math" panose="02040503050406030204" pitchFamily="18" charset="0"/>
                             </a:rPr>
                           </m:ctrlPr>
                         </m:sSubPr>
@@ -12116,7 +12028,7 @@
                         <m:dPr>
                           <m:ctrlPr>
                             <a:rPr lang="de-DE" sz="2000" i="1">
-                              <a:latin typeface="Cambria Math"/>
+                              <a:latin typeface="Cambria Math" panose="02040503050406030204" pitchFamily="18" charset="0"/>
                             </a:rPr>
                           </m:ctrlPr>
                         </m:dPr>
@@ -12139,7 +12051,7 @@
                         <m:fPr>
                           <m:ctrlPr>
                             <a:rPr lang="de-DE" sz="2000" i="1">
-                              <a:latin typeface="Cambria Math"/>
+                              <a:latin typeface="Cambria Math" panose="02040503050406030204" pitchFamily="18" charset="0"/>
                             </a:rPr>
                           </m:ctrlPr>
                         </m:fPr>
@@ -12194,7 +12106,7 @@
                       <m:dPr>
                         <m:ctrlPr>
                           <a:rPr lang="de-DE" sz="2000" b="0" i="1" smtClean="0">
-                            <a:latin typeface="Cambria Math"/>
+                            <a:latin typeface="Cambria Math" panose="02040503050406030204" pitchFamily="18" charset="0"/>
                             <a:sym typeface="Wingdings" panose="05000000000000000000" pitchFamily="2" charset="2"/>
                           </a:rPr>
                         </m:ctrlPr>
@@ -12220,7 +12132,7 @@
                       <m:fPr>
                         <m:ctrlPr>
                           <a:rPr lang="de-DE" sz="2000" b="0" i="1" smtClean="0">
-                            <a:latin typeface="Cambria Math"/>
+                            <a:latin typeface="Cambria Math" panose="02040503050406030204" pitchFamily="18" charset="0"/>
                             <a:sym typeface="Wingdings" panose="05000000000000000000" pitchFamily="2" charset="2"/>
                           </a:rPr>
                         </m:ctrlPr>
@@ -12255,7 +12167,7 @@
                       <m:fPr>
                         <m:ctrlPr>
                           <a:rPr lang="de-DE" sz="2000" i="1">
-                            <a:latin typeface="Cambria Math"/>
+                            <a:latin typeface="Cambria Math" panose="02040503050406030204" pitchFamily="18" charset="0"/>
                             <a:sym typeface="Wingdings" panose="05000000000000000000" pitchFamily="2" charset="2"/>
                           </a:rPr>
                         </m:ctrlPr>
@@ -12297,7 +12209,7 @@
                       <m:fPr>
                         <m:ctrlPr>
                           <a:rPr lang="de-DE" sz="2000" i="1">
-                            <a:latin typeface="Cambria Math"/>
+                            <a:latin typeface="Cambria Math" panose="02040503050406030204" pitchFamily="18" charset="0"/>
                             <a:sym typeface="Wingdings" panose="05000000000000000000" pitchFamily="2" charset="2"/>
                           </a:rPr>
                         </m:ctrlPr>
@@ -12339,7 +12251,7 @@
                       <m:fPr>
                         <m:ctrlPr>
                           <a:rPr lang="de-DE" sz="2000" i="1">
-                            <a:latin typeface="Cambria Math"/>
+                            <a:latin typeface="Cambria Math" panose="02040503050406030204" pitchFamily="18" charset="0"/>
                             <a:sym typeface="Wingdings" panose="05000000000000000000" pitchFamily="2" charset="2"/>
                           </a:rPr>
                         </m:ctrlPr>
@@ -12373,7 +12285,7 @@
             </p:txBody>
           </p:sp>
         </mc:Choice>
-        <mc:Fallback>
+        <mc:Fallback xmlns="">
           <p:sp>
             <p:nvSpPr>
               <p:cNvPr id="3" name="Inhaltsplatzhalter 2"/>
@@ -12513,13 +12425,38 @@
               <a:buNone/>
             </a:pPr>
             <a:r>
-              <a:rPr lang="de-DE" dirty="0">
-                <a:solidFill>
-                  <a:srgbClr val="FF0000"/>
-                </a:solidFill>
-              </a:rPr>
-              <a:t>Ist diese Koalition mit dem Shapley-Wert stabil oder gibt es eine Teilkoalition, die auch ohne andere Beteiligte auskommt und für alle daran beteiligten Agenten bessere Pay-Offs erzielen kann?</a:t>
+              <a:rPr lang="de-DE" sz="2800" dirty="0"/>
+              <a:t>Ist diese Koalition mit dem Shapley-Wert stabil oder gibt es eine Teilkoalition, die auch ohne andere Beteiligte auskommt und für alle daran beteiligten Agenten bessere Pay-Offs erzielen kann</a:t>
             </a:r>
+            <a:r>
+              <a:rPr lang="de-DE" sz="2800" dirty="0" smtClean="0"/>
+              <a:t>?</a:t>
+            </a:r>
+          </a:p>
+          <a:p>
+            <a:pPr marL="0" indent="0">
+              <a:buNone/>
+            </a:pPr>
+            <a:endParaRPr lang="de-DE" sz="2800" dirty="0"/>
+          </a:p>
+          <a:p>
+            <a:pPr marL="0" indent="0">
+              <a:buNone/>
+            </a:pPr>
+            <a:r>
+              <a:rPr lang="de-DE" sz="2800" dirty="0" smtClean="0"/>
+              <a:t>Nein, sie ist nicht stabil…</a:t>
+            </a:r>
+          </a:p>
+          <a:p>
+            <a:pPr marL="0" indent="0">
+              <a:buNone/>
+            </a:pPr>
+            <a:r>
+              <a:rPr lang="de-DE" sz="2800" dirty="0" smtClean="0"/>
+              <a:t>{A,B},{A,C},{A,D},{A,B,C},{A,B,D},{A,C,D},{B,C,D}</a:t>
+            </a:r>
+            <a:endParaRPr lang="de-DE" sz="2800" dirty="0"/>
           </a:p>
         </p:txBody>
       </p:sp>
@@ -12576,8 +12513,8 @@
           </a:p>
         </p:txBody>
       </p:sp>
-      <mc:AlternateContent xmlns:mc="http://schemas.openxmlformats.org/markup-compatibility/2006">
-        <mc:Choice xmlns:a14="http://schemas.microsoft.com/office/drawing/2010/main" Requires="a14">
+      <mc:AlternateContent xmlns:mc="http://schemas.openxmlformats.org/markup-compatibility/2006" xmlns:a14="http://schemas.microsoft.com/office/drawing/2010/main">
+        <mc:Choice Requires="a14">
           <p:sp>
             <p:nvSpPr>
               <p:cNvPr id="3" name="Inhaltsplatzhalter 2"/>
@@ -12626,7 +12563,7 @@
                       <m:sSubPr>
                         <m:ctrlPr>
                           <a:rPr lang="de-DE" sz="2800" i="1" smtClean="0">
-                            <a:latin typeface="Cambria Math"/>
+                            <a:latin typeface="Cambria Math" panose="02040503050406030204" pitchFamily="18" charset="0"/>
                           </a:rPr>
                         </m:ctrlPr>
                       </m:sSubPr>
@@ -12654,7 +12591,7 @@
                       <m:dPr>
                         <m:ctrlPr>
                           <a:rPr lang="de-DE" sz="2800" b="0" i="1" smtClean="0">
-                            <a:latin typeface="Cambria Math"/>
+                            <a:latin typeface="Cambria Math" panose="02040503050406030204" pitchFamily="18" charset="0"/>
                           </a:rPr>
                         </m:ctrlPr>
                       </m:dPr>
@@ -12678,7 +12615,7 @@
                       <m:sSubPr>
                         <m:ctrlPr>
                           <a:rPr lang="de-DE" sz="2800" b="0" i="1" smtClean="0">
-                            <a:latin typeface="Cambria Math"/>
+                            <a:latin typeface="Cambria Math" panose="02040503050406030204" pitchFamily="18" charset="0"/>
                             <a:ea typeface="Cambria Math"/>
                           </a:rPr>
                         </m:ctrlPr>
@@ -12688,7 +12625,7 @@
                           <m:sSupPr>
                             <m:ctrlPr>
                               <a:rPr lang="de-DE" sz="2800" b="0" i="1" smtClean="0">
-                                <a:latin typeface="Cambria Math"/>
+                                <a:latin typeface="Cambria Math" panose="02040503050406030204" pitchFamily="18" charset="0"/>
                                 <a:ea typeface="Cambria Math"/>
                               </a:rPr>
                             </m:ctrlPr>
@@ -12730,7 +12667,7 @@
                       <m:dPr>
                         <m:ctrlPr>
                           <a:rPr lang="de-DE" sz="2800" b="0" i="1" smtClean="0">
-                            <a:latin typeface="Cambria Math"/>
+                            <a:latin typeface="Cambria Math" panose="02040503050406030204" pitchFamily="18" charset="0"/>
                             <a:ea typeface="Cambria Math"/>
                           </a:rPr>
                         </m:ctrlPr>
@@ -12769,7 +12706,7 @@
                       <m:sSubPr>
                         <m:ctrlPr>
                           <a:rPr lang="de-DE" sz="2800" i="1">
-                            <a:latin typeface="Cambria Math"/>
+                            <a:latin typeface="Cambria Math" panose="02040503050406030204" pitchFamily="18" charset="0"/>
                           </a:rPr>
                         </m:ctrlPr>
                       </m:sSubPr>
@@ -12803,7 +12740,7 @@
                       <m:dPr>
                         <m:ctrlPr>
                           <a:rPr lang="de-DE" sz="2800" i="1">
-                            <a:latin typeface="Cambria Math"/>
+                            <a:latin typeface="Cambria Math" panose="02040503050406030204" pitchFamily="18" charset="0"/>
                           </a:rPr>
                         </m:ctrlPr>
                       </m:dPr>
@@ -12826,7 +12763,7 @@
                       <m:fPr>
                         <m:ctrlPr>
                           <a:rPr lang="de-DE" sz="2800" b="0" i="1" smtClean="0">
-                            <a:latin typeface="Cambria Math"/>
+                            <a:latin typeface="Cambria Math" panose="02040503050406030204" pitchFamily="18" charset="0"/>
                           </a:rPr>
                         </m:ctrlPr>
                       </m:fPr>
@@ -12843,7 +12780,7 @@
                           <m:sSupPr>
                             <m:ctrlPr>
                               <a:rPr lang="de-DE" sz="2800" b="0" i="1" smtClean="0">
-                                <a:latin typeface="Cambria Math"/>
+                                <a:latin typeface="Cambria Math" panose="02040503050406030204" pitchFamily="18" charset="0"/>
                               </a:rPr>
                             </m:ctrlPr>
                           </m:sSupPr>
@@ -12862,7 +12799,7 @@
                                 <m:endChr m:val="|"/>
                                 <m:ctrlPr>
                                   <a:rPr lang="de-DE" sz="2800" b="0" i="1" smtClean="0">
-                                    <a:latin typeface="Cambria Math"/>
+                                    <a:latin typeface="Cambria Math" panose="02040503050406030204" pitchFamily="18" charset="0"/>
                                   </a:rPr>
                                 </m:ctrlPr>
                               </m:dPr>
@@ -12891,7 +12828,7 @@
                         <m:supHide m:val="on"/>
                         <m:ctrlPr>
                           <a:rPr lang="de-DE" sz="2800" b="0" i="1" smtClean="0">
-                            <a:latin typeface="Cambria Math"/>
+                            <a:latin typeface="Cambria Math" panose="02040503050406030204" pitchFamily="18" charset="0"/>
                           </a:rPr>
                         </m:ctrlPr>
                       </m:naryPr>
@@ -12993,7 +12930,7 @@
                             <m:endChr m:val="}"/>
                             <m:ctrlPr>
                               <a:rPr lang="de-DE" sz="2800" b="0" i="1" smtClean="0">
-                                <a:latin typeface="Cambria Math"/>
+                                <a:latin typeface="Cambria Math" panose="02040503050406030204" pitchFamily="18" charset="0"/>
                               </a:rPr>
                             </m:ctrlPr>
                           </m:dPr>
@@ -13079,12 +13016,11 @@
                   <a:rPr lang="de-DE" sz="2800" dirty="0"/>
                   <a:t>diese vereinfachte Berechnung?</a:t>
                 </a:r>
-                <a:endParaRPr lang="de-DE" sz="2800" dirty="0"/>
               </a:p>
             </p:txBody>
           </p:sp>
         </mc:Choice>
-        <mc:Fallback>
+        <mc:Fallback xmlns="">
           <p:sp>
             <p:nvSpPr>
               <p:cNvPr id="3" name="Inhaltsplatzhalter 2"/>
@@ -13183,7 +13119,12 @@
                 <p:ph idx="1"/>
               </p:nvPr>
             </p:nvSpPr>
-            <p:spPr/>
+            <p:spPr>
+              <a:xfrm>
+                <a:off x="467544" y="1628800"/>
+                <a:ext cx="8229600" cy="4525963"/>
+              </a:xfrm>
+            </p:spPr>
             <p:txBody>
               <a:bodyPr/>
               <a:lstStyle/>
@@ -13201,7 +13142,7 @@
                         <m:sSubSupPr>
                           <m:ctrlPr>
                             <a:rPr lang="el-GR" i="1" smtClean="0">
-                              <a:latin typeface="Cambria Math"/>
+                              <a:latin typeface="Cambria Math" panose="02040503050406030204" pitchFamily="18" charset="0"/>
                             </a:rPr>
                           </m:ctrlPr>
                         </m:sSubSupPr>
@@ -13241,7 +13182,7 @@
                         <m:fPr>
                           <m:ctrlPr>
                             <a:rPr lang="de-DE" b="0" i="1" smtClean="0">
-                              <a:latin typeface="Cambria Math"/>
+                              <a:latin typeface="Cambria Math" panose="02040503050406030204" pitchFamily="18" charset="0"/>
                             </a:rPr>
                           </m:ctrlPr>
                         </m:fPr>
@@ -13258,7 +13199,7 @@
                             <m:sSupPr>
                               <m:ctrlPr>
                                 <a:rPr lang="de-DE" b="0" i="1" smtClean="0">
-                                  <a:latin typeface="Cambria Math"/>
+                                  <a:latin typeface="Cambria Math" panose="02040503050406030204" pitchFamily="18" charset="0"/>
                                 </a:rPr>
                               </m:ctrlPr>
                             </m:sSupPr>
@@ -13277,7 +13218,7 @@
                                   <m:endChr m:val="|"/>
                                   <m:ctrlPr>
                                     <a:rPr lang="de-DE" b="0" i="1" smtClean="0">
-                                      <a:latin typeface="Cambria Math"/>
+                                      <a:latin typeface="Cambria Math" panose="02040503050406030204" pitchFamily="18" charset="0"/>
                                     </a:rPr>
                                   </m:ctrlPr>
                                 </m:dPr>
@@ -13306,7 +13247,7 @@
                           <m:supHide m:val="on"/>
                           <m:ctrlPr>
                             <a:rPr lang="de-DE" b="0" i="1" smtClean="0">
-                              <a:latin typeface="Cambria Math"/>
+                              <a:latin typeface="Cambria Math" panose="02040503050406030204" pitchFamily="18" charset="0"/>
                             </a:rPr>
                           </m:ctrlPr>
                         </m:naryPr>
@@ -13382,7 +13323,7 @@
                             <m:dPr>
                               <m:ctrlPr>
                                 <a:rPr lang="de-DE" b="0" i="1" smtClean="0">
-                                  <a:latin typeface="Cambria Math"/>
+                                  <a:latin typeface="Cambria Math" panose="02040503050406030204" pitchFamily="18" charset="0"/>
                                 </a:rPr>
                               </m:ctrlPr>
                             </m:dPr>
@@ -13406,7 +13347,7 @@
                                   <m:endChr m:val="}"/>
                                   <m:ctrlPr>
                                     <a:rPr lang="de-DE" b="0" i="1" smtClean="0">
-                                      <a:latin typeface="Cambria Math"/>
+                                      <a:latin typeface="Cambria Math" panose="02040503050406030204" pitchFamily="18" charset="0"/>
                                       <a:ea typeface="Cambria Math" panose="02040503050406030204" pitchFamily="18" charset="0"/>
                                     </a:rPr>
                                   </m:ctrlPr>
@@ -13441,7 +13382,7 @@
                             <m:dPr>
                               <m:ctrlPr>
                                 <a:rPr lang="de-DE" b="0" i="1" smtClean="0">
-                                  <a:latin typeface="Cambria Math"/>
+                                  <a:latin typeface="Cambria Math" panose="02040503050406030204" pitchFamily="18" charset="0"/>
                                   <a:ea typeface="Cambria Math" panose="02040503050406030204" pitchFamily="18" charset="0"/>
                                 </a:rPr>
                               </m:ctrlPr>
@@ -13484,7 +13425,7 @@
                         <m:sSubSupPr>
                           <m:ctrlPr>
                             <a:rPr lang="el-GR" i="1" smtClean="0">
-                              <a:latin typeface="Cambria Math"/>
+                              <a:latin typeface="Cambria Math" panose="02040503050406030204" pitchFamily="18" charset="0"/>
                             </a:rPr>
                           </m:ctrlPr>
                         </m:sSubSupPr>
@@ -13524,7 +13465,7 @@
                         <m:fPr>
                           <m:ctrlPr>
                             <a:rPr lang="de-DE" b="0" i="1" smtClean="0">
-                              <a:latin typeface="Cambria Math"/>
+                              <a:latin typeface="Cambria Math" panose="02040503050406030204" pitchFamily="18" charset="0"/>
                             </a:rPr>
                           </m:ctrlPr>
                         </m:fPr>
@@ -13541,7 +13482,7 @@
                             <m:sSupPr>
                               <m:ctrlPr>
                                 <a:rPr lang="de-DE" b="0" i="1" smtClean="0">
-                                  <a:latin typeface="Cambria Math"/>
+                                  <a:latin typeface="Cambria Math" panose="02040503050406030204" pitchFamily="18" charset="0"/>
                                 </a:rPr>
                               </m:ctrlPr>
                             </m:sSupPr>
@@ -13568,7 +13509,7 @@
                         <m:dPr>
                           <m:ctrlPr>
                             <a:rPr lang="de-DE" b="0" i="1" smtClean="0">
-                              <a:latin typeface="Cambria Math"/>
+                              <a:latin typeface="Cambria Math" panose="02040503050406030204" pitchFamily="18" charset="0"/>
                             </a:rPr>
                           </m:ctrlPr>
                         </m:dPr>
@@ -13608,7 +13549,7 @@
                         <m:fPr>
                           <m:ctrlPr>
                             <a:rPr lang="de-DE" b="0" i="1" smtClean="0">
-                              <a:latin typeface="Cambria Math"/>
+                              <a:latin typeface="Cambria Math" panose="02040503050406030204" pitchFamily="18" charset="0"/>
                             </a:rPr>
                           </m:ctrlPr>
                         </m:fPr>
@@ -13632,37 +13573,234 @@
                     </m:oMath>
                   </m:oMathPara>
                 </a14:m>
-                <a:endParaRPr lang="de-DE" b="0" dirty="0" smtClean="0"/>
+                <a:endParaRPr lang="de-DE" dirty="0" smtClean="0"/>
               </a:p>
               <a:p>
                 <a:pPr marL="0" indent="0">
                   <a:buNone/>
                 </a:pPr>
-                <a:endParaRPr lang="de-DE" dirty="0"/>
+                <a:endParaRPr lang="de-DE" sz="2000" dirty="0"/>
               </a:p>
               <a:p>
                 <a:pPr marL="0" indent="0">
                   <a:buNone/>
                 </a:pPr>
+                <a14:m>
+                  <m:oMath xmlns:m="http://schemas.openxmlformats.org/officeDocument/2006/math">
+                    <m:sSubSup>
+                      <m:sSubSupPr>
+                        <m:ctrlPr>
+                          <a:rPr lang="el-GR" i="1">
+                            <a:latin typeface="Cambria Math" panose="02040503050406030204" pitchFamily="18" charset="0"/>
+                          </a:rPr>
+                        </m:ctrlPr>
+                      </m:sSubSupPr>
+                      <m:e>
+                        <m:r>
+                          <m:rPr>
+                            <m:nor/>
+                          </m:rPr>
+                          <a:rPr lang="el-GR"/>
+                          <m:t>Φ</m:t>
+                        </m:r>
+                      </m:e>
+                      <m:sub>
+                        <m:r>
+                          <a:rPr lang="de-DE" b="0" i="1" smtClean="0">
+                            <a:latin typeface="Cambria Math" panose="02040503050406030204" pitchFamily="18" charset="0"/>
+                          </a:rPr>
+                          <m:t>𝐵</m:t>
+                        </m:r>
+                      </m:sub>
+                      <m:sup>
+                        <m:r>
+                          <a:rPr lang="de-DE" i="1">
+                            <a:latin typeface="Cambria Math" panose="02040503050406030204" pitchFamily="18" charset="0"/>
+                          </a:rPr>
+                          <m:t>′</m:t>
+                        </m:r>
+                      </m:sup>
+                    </m:sSubSup>
+                    <m:r>
+                      <a:rPr lang="de-DE" b="0" i="1" smtClean="0">
+                        <a:latin typeface="Cambria Math" panose="02040503050406030204" pitchFamily="18" charset="0"/>
+                      </a:rPr>
+                      <m:t>=</m:t>
+                    </m:r>
+                    <m:f>
+                      <m:fPr>
+                        <m:ctrlPr>
+                          <a:rPr lang="de-DE" i="1">
+                            <a:latin typeface="Cambria Math" panose="02040503050406030204" pitchFamily="18" charset="0"/>
+                          </a:rPr>
+                        </m:ctrlPr>
+                      </m:fPr>
+                      <m:num>
+                        <m:r>
+                          <a:rPr lang="de-DE" b="0" i="1" smtClean="0">
+                            <a:latin typeface="Cambria Math" panose="02040503050406030204" pitchFamily="18" charset="0"/>
+                          </a:rPr>
+                          <m:t>2</m:t>
+                        </m:r>
+                      </m:num>
+                      <m:den>
+                        <m:r>
+                          <a:rPr lang="de-DE" b="0" i="1" smtClean="0">
+                            <a:latin typeface="Cambria Math" panose="02040503050406030204" pitchFamily="18" charset="0"/>
+                          </a:rPr>
+                          <m:t>8</m:t>
+                        </m:r>
+                      </m:den>
+                    </m:f>
+                  </m:oMath>
+                </a14:m>
                 <a:r>
-                  <a:rPr lang="de-DE" b="0" dirty="0" smtClean="0">
-                    <a:solidFill>
-                      <a:srgbClr val="FF0000"/>
-                    </a:solidFill>
-                  </a:rPr>
-                  <a:t>TODO ?</a:t>
+                  <a:rPr lang="de-DE" dirty="0" smtClean="0"/>
+                  <a:t>, </a:t>
                 </a:r>
-                <a:endParaRPr lang="de-DE" b="0" dirty="0" smtClean="0">
-                  <a:solidFill>
-                    <a:srgbClr val="FF0000"/>
-                  </a:solidFill>
-                </a:endParaRPr>
-              </a:p>
-              <a:p>
-                <a:pPr marL="0" indent="0">
-                  <a:buNone/>
-                </a:pPr>
-                <a:endParaRPr lang="de-DE" dirty="0" smtClean="0"/>
+                <a14:m>
+                  <m:oMath xmlns:m="http://schemas.openxmlformats.org/officeDocument/2006/math">
+                    <m:sSubSup>
+                      <m:sSubSupPr>
+                        <m:ctrlPr>
+                          <a:rPr lang="el-GR" i="1">
+                            <a:latin typeface="Cambria Math" panose="02040503050406030204" pitchFamily="18" charset="0"/>
+                          </a:rPr>
+                        </m:ctrlPr>
+                      </m:sSubSupPr>
+                      <m:e>
+                        <m:r>
+                          <m:rPr>
+                            <m:nor/>
+                          </m:rPr>
+                          <a:rPr lang="el-GR"/>
+                          <m:t>Φ</m:t>
+                        </m:r>
+                      </m:e>
+                      <m:sub>
+                        <m:r>
+                          <a:rPr lang="de-DE" b="0" i="1" smtClean="0">
+                            <a:latin typeface="Cambria Math" panose="02040503050406030204" pitchFamily="18" charset="0"/>
+                          </a:rPr>
+                          <m:t>𝐶</m:t>
+                        </m:r>
+                      </m:sub>
+                      <m:sup>
+                        <m:r>
+                          <a:rPr lang="de-DE" i="1">
+                            <a:latin typeface="Cambria Math" panose="02040503050406030204" pitchFamily="18" charset="0"/>
+                          </a:rPr>
+                          <m:t>′</m:t>
+                        </m:r>
+                      </m:sup>
+                    </m:sSubSup>
+                    <m:r>
+                      <a:rPr lang="de-DE" i="1">
+                        <a:latin typeface="Cambria Math" panose="02040503050406030204" pitchFamily="18" charset="0"/>
+                      </a:rPr>
+                      <m:t>=</m:t>
+                    </m:r>
+                    <m:f>
+                      <m:fPr>
+                        <m:ctrlPr>
+                          <a:rPr lang="de-DE" i="1">
+                            <a:latin typeface="Cambria Math" panose="02040503050406030204" pitchFamily="18" charset="0"/>
+                          </a:rPr>
+                        </m:ctrlPr>
+                      </m:fPr>
+                      <m:num>
+                        <m:r>
+                          <a:rPr lang="de-DE" i="1">
+                            <a:latin typeface="Cambria Math" panose="02040503050406030204" pitchFamily="18" charset="0"/>
+                          </a:rPr>
+                          <m:t>2</m:t>
+                        </m:r>
+                      </m:num>
+                      <m:den>
+                        <m:r>
+                          <a:rPr lang="de-DE" i="1">
+                            <a:latin typeface="Cambria Math" panose="02040503050406030204" pitchFamily="18" charset="0"/>
+                          </a:rPr>
+                          <m:t>8</m:t>
+                        </m:r>
+                      </m:den>
+                    </m:f>
+                  </m:oMath>
+                </a14:m>
+                <a:r>
+                  <a:rPr lang="de-DE" dirty="0"/>
+                  <a:t>, </a:t>
+                </a:r>
+                <a14:m>
+                  <m:oMath xmlns:m="http://schemas.openxmlformats.org/officeDocument/2006/math">
+                    <m:sSubSup>
+                      <m:sSubSupPr>
+                        <m:ctrlPr>
+                          <a:rPr lang="el-GR" i="1">
+                            <a:latin typeface="Cambria Math" panose="02040503050406030204" pitchFamily="18" charset="0"/>
+                          </a:rPr>
+                        </m:ctrlPr>
+                      </m:sSubSupPr>
+                      <m:e>
+                        <m:r>
+                          <m:rPr>
+                            <m:nor/>
+                          </m:rPr>
+                          <a:rPr lang="el-GR"/>
+                          <m:t>Φ</m:t>
+                        </m:r>
+                      </m:e>
+                      <m:sub>
+                        <m:r>
+                          <a:rPr lang="de-DE" b="0" i="1" smtClean="0">
+                            <a:latin typeface="Cambria Math" panose="02040503050406030204" pitchFamily="18" charset="0"/>
+                          </a:rPr>
+                          <m:t>𝐷</m:t>
+                        </m:r>
+                      </m:sub>
+                      <m:sup>
+                        <m:r>
+                          <a:rPr lang="de-DE" i="1">
+                            <a:latin typeface="Cambria Math" panose="02040503050406030204" pitchFamily="18" charset="0"/>
+                          </a:rPr>
+                          <m:t>′</m:t>
+                        </m:r>
+                      </m:sup>
+                    </m:sSubSup>
+                    <m:r>
+                      <a:rPr lang="de-DE" i="1">
+                        <a:latin typeface="Cambria Math" panose="02040503050406030204" pitchFamily="18" charset="0"/>
+                      </a:rPr>
+                      <m:t>=</m:t>
+                    </m:r>
+                    <m:f>
+                      <m:fPr>
+                        <m:ctrlPr>
+                          <a:rPr lang="de-DE" i="1">
+                            <a:latin typeface="Cambria Math" panose="02040503050406030204" pitchFamily="18" charset="0"/>
+                          </a:rPr>
+                        </m:ctrlPr>
+                      </m:fPr>
+                      <m:num>
+                        <m:r>
+                          <a:rPr lang="de-DE" i="1">
+                            <a:latin typeface="Cambria Math" panose="02040503050406030204" pitchFamily="18" charset="0"/>
+                          </a:rPr>
+                          <m:t>2</m:t>
+                        </m:r>
+                      </m:num>
+                      <m:den>
+                        <m:r>
+                          <a:rPr lang="de-DE" i="1">
+                            <a:latin typeface="Cambria Math" panose="02040503050406030204" pitchFamily="18" charset="0"/>
+                          </a:rPr>
+                          <m:t>8</m:t>
+                        </m:r>
+                      </m:den>
+                    </m:f>
+                  </m:oMath>
+                </a14:m>
+                <a:endParaRPr lang="de-DE" dirty="0"/>
               </a:p>
               <a:p>
                 <a:endParaRPr lang="de-DE" dirty="0"/>
@@ -13682,10 +13820,14 @@
               </p:nvPr>
             </p:nvSpPr>
             <p:spPr>
-              <a:blipFill rotWithShape="1">
+              <a:xfrm>
+                <a:off x="467544" y="1628800"/>
+                <a:ext cx="8229600" cy="4525963"/>
+              </a:xfrm>
+              <a:blipFill>
                 <a:blip r:embed="rId2"/>
                 <a:stretch>
-                  <a:fillRect l="-1852" b="-135"/>
+                  <a:fillRect/>
                 </a:stretch>
               </a:blipFill>
             </p:spPr>
